--- a/발표자료/2. 중간발표/의뢰인_윤성주, 최경훈.pptx
+++ b/발표자료/2. 중간발표/의뢰인_윤성주, 최경훈.pptx
@@ -2,7 +2,7 @@
 <file path=ppt/presentation.xml><?xml version="1.0" encoding="utf-8"?>
 <p:presentation xmlns:r="http://schemas.openxmlformats.org/officeDocument/2006/relationships" xmlns:c="http://schemas.openxmlformats.org/drawingml/2006/chart" xmlns:a="http://schemas.openxmlformats.org/drawingml/2006/main" xmlns:dgm="http://schemas.openxmlformats.org/drawingml/2006/diagram" xmlns:dsp="http://schemas.microsoft.com/office/drawing/2008/diagram" xmlns:p="http://schemas.openxmlformats.org/presentationml/2006/main">
   <p:sldMasterIdLst>
-    <p:sldMasterId id="2147483687" r:id="rId1"/>
+    <p:sldMasterId id="2147483675" r:id="rId1"/>
   </p:sldMasterIdLst>
   <p:notesMasterIdLst>
     <p:notesMasterId r:id="rId2"/>
@@ -15,13 +15,16 @@
     <p:sldId id="273" r:id="rId7"/>
     <p:sldId id="261" r:id="rId8"/>
     <p:sldId id="276" r:id="rId9"/>
-    <p:sldId id="277" r:id="rId10"/>
-    <p:sldId id="278" r:id="rId11"/>
-    <p:sldId id="264" r:id="rId12"/>
-    <p:sldId id="279" r:id="rId13"/>
-    <p:sldId id="280" r:id="rId14"/>
-    <p:sldId id="281" r:id="rId15"/>
-    <p:sldId id="265" r:id="rId16"/>
+    <p:sldId id="282" r:id="rId10"/>
+    <p:sldId id="283" r:id="rId11"/>
+    <p:sldId id="284" r:id="rId12"/>
+    <p:sldId id="277" r:id="rId13"/>
+    <p:sldId id="278" r:id="rId14"/>
+    <p:sldId id="264" r:id="rId15"/>
+    <p:sldId id="279" r:id="rId16"/>
+    <p:sldId id="280" r:id="rId17"/>
+    <p:sldId id="281" r:id="rId18"/>
+    <p:sldId id="265" r:id="rId19"/>
   </p:sldIdLst>
   <p:sldSz cx="12192000" cy="6858000"/>
   <p:notesSz cx="6858000" cy="9144000"/>
@@ -218,7 +221,7 @@
               <a:pPr lvl="0">
                 <a:defRPr/>
               </a:pPr>
-              <a:t>2022-04-29</a:t>
+              <a:t>2022-04-30</a:t>
             </a:fld>
             <a:endParaRPr lang="ko-KR" altLang="en-US"/>
           </a:p>
@@ -3855,6 +3858,998 @@
             <p:ph type="sldNum" sz="quarter" idx="12"/>
           </p:nvPr>
         </p:nvSpPr>
+        <p:spPr/>
+        <p:txBody>
+          <a:bodyPr/>
+          <a:lstStyle/>
+          <a:p>
+            <a:pPr lvl="0">
+              <a:defRPr/>
+            </a:pPr>
+            <a:fld id="{23C339B1-0600-4FE1-927C-115819F8FB24}" type="slidenum">
+              <a:rPr lang="en-US" altLang="en-US"/>
+              <a:pPr lvl="0">
+                <a:defRPr/>
+              </a:pPr>
+              <a:t>10</a:t>
+            </a:fld>
+            <a:endParaRPr lang="en-US" altLang="en-US"/>
+          </a:p>
+        </p:txBody>
+      </p:sp>
+      <p:sp>
+        <p:nvSpPr>
+          <p:cNvPr id="8" name="제목 1"/>
+          <p:cNvSpPr txBox="1"/>
+          <p:nvPr/>
+        </p:nvSpPr>
+        <p:spPr>
+          <a:xfrm>
+            <a:off x="371475" y="323845"/>
+            <a:ext cx="11125199" cy="1047748"/>
+          </a:xfrm>
+          <a:prstGeom prst="rect">
+            <a:avLst/>
+          </a:prstGeom>
+          <a:ln>
+            <a:noFill/>
+          </a:ln>
+        </p:spPr>
+        <p:txBody>
+          <a:bodyPr vert="horz" lIns="91440" tIns="45720" rIns="91440" bIns="45720" anchor="ctr">
+            <a:normAutofit/>
+          </a:bodyPr>
+          <a:lstStyle>
+            <a:lvl1pPr algn="l" defTabSz="914400" rtl="0" eaLnBrk="1" latinLnBrk="1" hangingPunct="1">
+              <a:lnSpc>
+                <a:spcPct val="90000"/>
+              </a:lnSpc>
+              <a:spcBef>
+                <a:spcPct val="0"/>
+              </a:spcBef>
+              <a:buNone/>
+              <a:defRPr sz="4400" kern="1200">
+                <a:solidFill>
+                  <a:schemeClr val="tx1"/>
+                </a:solidFill>
+                <a:latin typeface="+mj-lt"/>
+                <a:ea typeface="+mj-ea"/>
+                <a:cs typeface="+mj-cs"/>
+              </a:defRPr>
+            </a:lvl1pPr>
+          </a:lstStyle>
+          <a:p>
+            <a:pPr lvl="0">
+              <a:defRPr/>
+            </a:pPr>
+            <a:r>
+              <a:rPr xmlns:mc="http://schemas.openxmlformats.org/markup-compatibility/2006" xmlns:hp="http://schemas.haansoft.com/office/presentation/8.0" lang="en-US" altLang="ko-KR" sz="4800" b="1" mc:Ignorable="hp" hp:hslEmbossed="0">
+                <a:solidFill>
+                  <a:schemeClr val="bg1"/>
+                </a:solidFill>
+                <a:effectLst>
+                  <a:outerShdw blurRad="38100" dist="38100" dir="2700000" algn="tl">
+                    <a:srgbClr val="000000">
+                      <a:alpha val="43140"/>
+                    </a:srgbClr>
+                  </a:outerShdw>
+                </a:effectLst>
+              </a:rPr>
+              <a:t>4.</a:t>
+            </a:r>
+            <a:r>
+              <a:rPr xmlns:mc="http://schemas.openxmlformats.org/markup-compatibility/2006" xmlns:hp="http://schemas.haansoft.com/office/presentation/8.0" lang="ko-KR" altLang="en-US" sz="4800" b="1" mc:Ignorable="hp" hp:hslEmbossed="0">
+                <a:solidFill>
+                  <a:schemeClr val="bg1"/>
+                </a:solidFill>
+                <a:effectLst>
+                  <a:outerShdw blurRad="38100" dist="38100" dir="2700000" algn="tl">
+                    <a:srgbClr val="000000">
+                      <a:alpha val="43140"/>
+                    </a:srgbClr>
+                  </a:outerShdw>
+                </a:effectLst>
+              </a:rPr>
+              <a:t> 개발내용 </a:t>
+            </a:r>
+            <a:r>
+              <a:rPr xmlns:mc="http://schemas.openxmlformats.org/markup-compatibility/2006" xmlns:hp="http://schemas.haansoft.com/office/presentation/8.0" lang="en-US" altLang="ko-KR" sz="4800" b="1" mc:Ignorable="hp" hp:hslEmbossed="0">
+                <a:solidFill>
+                  <a:schemeClr val="bg1"/>
+                </a:solidFill>
+                <a:effectLst>
+                  <a:outerShdw blurRad="38100" dist="38100" dir="2700000" algn="tl">
+                    <a:srgbClr val="000000">
+                      <a:alpha val="43140"/>
+                    </a:srgbClr>
+                  </a:outerShdw>
+                </a:effectLst>
+              </a:rPr>
+              <a:t>-</a:t>
+            </a:r>
+            <a:r>
+              <a:rPr xmlns:mc="http://schemas.openxmlformats.org/markup-compatibility/2006" xmlns:hp="http://schemas.haansoft.com/office/presentation/8.0" lang="ko-KR" altLang="en-US" sz="4800" b="1" mc:Ignorable="hp" hp:hslEmbossed="0">
+                <a:solidFill>
+                  <a:schemeClr val="bg1"/>
+                </a:solidFill>
+                <a:effectLst>
+                  <a:outerShdw blurRad="38100" dist="38100" dir="2700000" algn="tl">
+                    <a:srgbClr val="000000">
+                      <a:alpha val="43140"/>
+                    </a:srgbClr>
+                  </a:outerShdw>
+                </a:effectLst>
+              </a:rPr>
+              <a:t> </a:t>
+            </a:r>
+            <a:r>
+              <a:rPr xmlns:mc="http://schemas.openxmlformats.org/markup-compatibility/2006" xmlns:hp="http://schemas.haansoft.com/office/presentation/8.0" lang="ko-KR" altLang="en-US" sz="3200" b="1" mc:Ignorable="hp" hp:hslEmbossed="0">
+                <a:solidFill>
+                  <a:schemeClr val="bg1"/>
+                </a:solidFill>
+                <a:effectLst>
+                  <a:outerShdw blurRad="38100" dist="38100" dir="2700000" algn="tl">
+                    <a:srgbClr val="000000">
+                      <a:alpha val="43140"/>
+                    </a:srgbClr>
+                  </a:outerShdw>
+                </a:effectLst>
+              </a:rPr>
+              <a:t>게임화면</a:t>
+            </a:r>
+            <a:endParaRPr xmlns:mc="http://schemas.openxmlformats.org/markup-compatibility/2006" xmlns:hp="http://schemas.haansoft.com/office/presentation/8.0" lang="ko-KR" altLang="en-US" sz="3200" b="1" mc:Ignorable="hp" hp:hslEmbossed="0">
+              <a:solidFill>
+                <a:schemeClr val="bg1"/>
+              </a:solidFill>
+            </a:endParaRPr>
+          </a:p>
+        </p:txBody>
+      </p:sp>
+      <p:pic>
+        <p:nvPicPr>
+          <p:cNvPr id="9" name=""/>
+          <p:cNvPicPr>
+            <a:picLocks noChangeAspect="1"/>
+          </p:cNvPicPr>
+          <p:nvPr/>
+        </p:nvPicPr>
+        <p:blipFill rotWithShape="1">
+          <a:blip r:embed="rId2"/>
+          <a:stretch>
+            <a:fillRect/>
+          </a:stretch>
+        </p:blipFill>
+        <p:spPr>
+          <a:xfrm>
+            <a:off x="1530777" y="1179882"/>
+            <a:ext cx="9130446" cy="5354053"/>
+          </a:xfrm>
+          <a:prstGeom prst="rect">
+            <a:avLst/>
+          </a:prstGeom>
+        </p:spPr>
+      </p:pic>
+    </p:spTree>
+  </p:cSld>
+  <p:clrMapOvr>
+    <a:masterClrMapping/>
+  </p:clrMapOvr>
+  <mc:AlternateContent xmlns:mc="http://schemas.openxmlformats.org/markup-compatibility/2006">
+    <mc:Choice xmlns:p14="http://schemas.microsoft.com/office/powerpoint/2010/main" Requires="p14">
+      <p:transition xmlns:mc="http://schemas.openxmlformats.org/markup-compatibility/2006" xmlns:p14="http://schemas.microsoft.com/office/powerpoint/2010/main" mc:Ignorable="p14" p14:dur="500"/>
+    </mc:Choice>
+    <mc:Fallback>
+      <p:transition/>
+    </mc:Fallback>
+  </mc:AlternateContent>
+</p:sld>
+</file>
+
+<file path=ppt/slides/slide11.xml><?xml version="1.0" encoding="utf-8"?>
+<p:sld xmlns:r="http://schemas.openxmlformats.org/officeDocument/2006/relationships" xmlns:c="http://schemas.openxmlformats.org/drawingml/2006/chart" xmlns:a="http://schemas.openxmlformats.org/drawingml/2006/main" xmlns:dgm="http://schemas.openxmlformats.org/drawingml/2006/diagram" xmlns:dsp="http://schemas.microsoft.com/office/drawing/2008/diagram" xmlns:p="http://schemas.openxmlformats.org/presentationml/2006/main">
+  <p:cSld>
+    <p:spTree>
+      <p:nvGrpSpPr>
+        <p:cNvPr id="1" name=""/>
+        <p:cNvGrpSpPr/>
+        <p:nvPr/>
+      </p:nvGrpSpPr>
+      <p:grpSpPr>
+        <a:xfrm>
+          <a:off x="0" y="0"/>
+          <a:ext cx="0" cy="0"/>
+          <a:chOff x="0" y="0"/>
+          <a:chExt cx="0" cy="0"/>
+        </a:xfrm>
+      </p:grpSpPr>
+      <p:sp>
+        <p:nvSpPr>
+          <p:cNvPr id="4" name="슬라이드 번호 개체 틀 3"/>
+          <p:cNvSpPr>
+            <a:spLocks noGrp="1"/>
+          </p:cNvSpPr>
+          <p:nvPr>
+            <p:ph type="sldNum" sz="quarter" idx="12"/>
+          </p:nvPr>
+        </p:nvSpPr>
+        <p:spPr/>
+        <p:txBody>
+          <a:bodyPr/>
+          <a:lstStyle/>
+          <a:p>
+            <a:pPr lvl="0">
+              <a:defRPr/>
+            </a:pPr>
+            <a:fld id="{23C339B1-0600-4FE1-927C-115819F8FB24}" type="slidenum">
+              <a:rPr lang="en-US" altLang="en-US"/>
+              <a:pPr lvl="0">
+                <a:defRPr/>
+              </a:pPr>
+              <a:t>11</a:t>
+            </a:fld>
+            <a:endParaRPr lang="en-US" altLang="en-US"/>
+          </a:p>
+        </p:txBody>
+      </p:sp>
+      <p:sp>
+        <p:nvSpPr>
+          <p:cNvPr id="8" name="제목 1"/>
+          <p:cNvSpPr txBox="1"/>
+          <p:nvPr/>
+        </p:nvSpPr>
+        <p:spPr>
+          <a:xfrm>
+            <a:off x="371475" y="323845"/>
+            <a:ext cx="11125199" cy="1047748"/>
+          </a:xfrm>
+          <a:prstGeom prst="rect">
+            <a:avLst/>
+          </a:prstGeom>
+          <a:ln>
+            <a:noFill/>
+          </a:ln>
+        </p:spPr>
+        <p:txBody>
+          <a:bodyPr vert="horz" lIns="91440" tIns="45720" rIns="91440" bIns="45720" anchor="ctr">
+            <a:normAutofit/>
+          </a:bodyPr>
+          <a:lstStyle>
+            <a:lvl1pPr algn="l" defTabSz="914400" rtl="0" eaLnBrk="1" latinLnBrk="1" hangingPunct="1">
+              <a:lnSpc>
+                <a:spcPct val="90000"/>
+              </a:lnSpc>
+              <a:spcBef>
+                <a:spcPct val="0"/>
+              </a:spcBef>
+              <a:buNone/>
+              <a:defRPr sz="4400" kern="1200">
+                <a:solidFill>
+                  <a:schemeClr val="tx1"/>
+                </a:solidFill>
+                <a:latin typeface="+mj-lt"/>
+                <a:ea typeface="+mj-ea"/>
+                <a:cs typeface="+mj-cs"/>
+              </a:defRPr>
+            </a:lvl1pPr>
+          </a:lstStyle>
+          <a:p>
+            <a:pPr lvl="0">
+              <a:defRPr/>
+            </a:pPr>
+            <a:r>
+              <a:rPr xmlns:mc="http://schemas.openxmlformats.org/markup-compatibility/2006" xmlns:hp="http://schemas.haansoft.com/office/presentation/8.0" lang="en-US" altLang="ko-KR" sz="4800" b="1" mc:Ignorable="hp" hp:hslEmbossed="0">
+                <a:solidFill>
+                  <a:schemeClr val="bg1"/>
+                </a:solidFill>
+                <a:effectLst>
+                  <a:outerShdw blurRad="38100" dist="38100" dir="2700000" algn="tl">
+                    <a:srgbClr val="000000">
+                      <a:alpha val="43140"/>
+                    </a:srgbClr>
+                  </a:outerShdw>
+                </a:effectLst>
+              </a:rPr>
+              <a:t>4.</a:t>
+            </a:r>
+            <a:r>
+              <a:rPr xmlns:mc="http://schemas.openxmlformats.org/markup-compatibility/2006" xmlns:hp="http://schemas.haansoft.com/office/presentation/8.0" lang="ko-KR" altLang="en-US" sz="4800" b="1" mc:Ignorable="hp" hp:hslEmbossed="0">
+                <a:solidFill>
+                  <a:schemeClr val="bg1"/>
+                </a:solidFill>
+                <a:effectLst>
+                  <a:outerShdw blurRad="38100" dist="38100" dir="2700000" algn="tl">
+                    <a:srgbClr val="000000">
+                      <a:alpha val="43140"/>
+                    </a:srgbClr>
+                  </a:outerShdw>
+                </a:effectLst>
+              </a:rPr>
+              <a:t> 개발내용 </a:t>
+            </a:r>
+            <a:r>
+              <a:rPr xmlns:mc="http://schemas.openxmlformats.org/markup-compatibility/2006" xmlns:hp="http://schemas.haansoft.com/office/presentation/8.0" lang="en-US" altLang="ko-KR" sz="4800" b="1" mc:Ignorable="hp" hp:hslEmbossed="0">
+                <a:solidFill>
+                  <a:schemeClr val="bg1"/>
+                </a:solidFill>
+                <a:effectLst>
+                  <a:outerShdw blurRad="38100" dist="38100" dir="2700000" algn="tl">
+                    <a:srgbClr val="000000">
+                      <a:alpha val="43140"/>
+                    </a:srgbClr>
+                  </a:outerShdw>
+                </a:effectLst>
+              </a:rPr>
+              <a:t>-</a:t>
+            </a:r>
+            <a:r>
+              <a:rPr xmlns:mc="http://schemas.openxmlformats.org/markup-compatibility/2006" xmlns:hp="http://schemas.haansoft.com/office/presentation/8.0" lang="ko-KR" altLang="en-US" sz="4800" b="1" mc:Ignorable="hp" hp:hslEmbossed="0">
+                <a:solidFill>
+                  <a:schemeClr val="bg1"/>
+                </a:solidFill>
+                <a:effectLst>
+                  <a:outerShdw blurRad="38100" dist="38100" dir="2700000" algn="tl">
+                    <a:srgbClr val="000000">
+                      <a:alpha val="43140"/>
+                    </a:srgbClr>
+                  </a:outerShdw>
+                </a:effectLst>
+              </a:rPr>
+              <a:t> </a:t>
+            </a:r>
+            <a:r>
+              <a:rPr xmlns:mc="http://schemas.openxmlformats.org/markup-compatibility/2006" xmlns:hp="http://schemas.haansoft.com/office/presentation/8.0" lang="ko-KR" altLang="en-US" sz="3200" b="1" mc:Ignorable="hp" hp:hslEmbossed="0">
+                <a:solidFill>
+                  <a:schemeClr val="bg1"/>
+                </a:solidFill>
+                <a:effectLst>
+                  <a:outerShdw blurRad="38100" dist="38100" dir="2700000" algn="tl">
+                    <a:srgbClr val="000000">
+                      <a:alpha val="43140"/>
+                    </a:srgbClr>
+                  </a:outerShdw>
+                </a:effectLst>
+              </a:rPr>
+              <a:t>커밋로그</a:t>
+            </a:r>
+            <a:endParaRPr xmlns:mc="http://schemas.openxmlformats.org/markup-compatibility/2006" xmlns:hp="http://schemas.haansoft.com/office/presentation/8.0" lang="ko-KR" altLang="en-US" sz="3200" b="1" mc:Ignorable="hp" hp:hslEmbossed="0">
+              <a:solidFill>
+                <a:schemeClr val="bg1"/>
+              </a:solidFill>
+            </a:endParaRPr>
+          </a:p>
+        </p:txBody>
+      </p:sp>
+      <p:pic>
+        <p:nvPicPr>
+          <p:cNvPr id="9" name=""/>
+          <p:cNvPicPr>
+            <a:picLocks noChangeAspect="1"/>
+          </p:cNvPicPr>
+          <p:nvPr/>
+        </p:nvPicPr>
+        <p:blipFill rotWithShape="1">
+          <a:blip r:embed="rId2"/>
+          <a:stretch>
+            <a:fillRect/>
+          </a:stretch>
+        </p:blipFill>
+        <p:spPr>
+          <a:xfrm>
+            <a:off x="1347787" y="1120548"/>
+            <a:ext cx="9496425" cy="5494587"/>
+          </a:xfrm>
+          <a:prstGeom prst="rect">
+            <a:avLst/>
+          </a:prstGeom>
+        </p:spPr>
+      </p:pic>
+      <p:sp>
+        <p:nvSpPr>
+          <p:cNvPr id="10" name=""/>
+          <p:cNvSpPr/>
+          <p:nvPr/>
+        </p:nvSpPr>
+        <p:spPr>
+          <a:xfrm>
+            <a:off x="1885950" y="3824287"/>
+            <a:ext cx="990600" cy="295275"/>
+          </a:xfrm>
+          <a:prstGeom prst="rect">
+            <a:avLst/>
+          </a:prstGeom>
+          <a:solidFill>
+            <a:schemeClr val="lt1"/>
+          </a:solidFill>
+          <a:ln>
+            <a:noFill/>
+          </a:ln>
+        </p:spPr>
+        <p:style>
+          <a:lnRef idx="2">
+            <a:schemeClr val="accent1">
+              <a:shade val="20000"/>
+            </a:schemeClr>
+          </a:lnRef>
+          <a:fillRef idx="1">
+            <a:schemeClr val="accent1"/>
+          </a:fillRef>
+          <a:effectRef idx="0">
+            <a:schemeClr val="accent1"/>
+          </a:effectRef>
+          <a:fontRef idx="minor">
+            <a:schemeClr val="lt1"/>
+          </a:fontRef>
+        </p:style>
+        <p:txBody>
+          <a:bodyPr anchor="ctr"/>
+          <a:p>
+            <a:pPr algn="ctr">
+              <a:defRPr/>
+            </a:pPr>
+            <a:r>
+              <a:rPr lang="ko-KR" altLang="en-US">
+                <a:solidFill>
+                  <a:schemeClr val="dk1"/>
+                </a:solidFill>
+              </a:rPr>
+              <a:t>윤성주</a:t>
+            </a:r>
+            <a:endParaRPr lang="ko-KR" altLang="en-US">
+              <a:solidFill>
+                <a:schemeClr val="dk1"/>
+              </a:solidFill>
+            </a:endParaRPr>
+          </a:p>
+        </p:txBody>
+      </p:sp>
+      <p:sp>
+        <p:nvSpPr>
+          <p:cNvPr id="11" name=""/>
+          <p:cNvSpPr/>
+          <p:nvPr/>
+        </p:nvSpPr>
+        <p:spPr>
+          <a:xfrm>
+            <a:off x="6737348" y="3833810"/>
+            <a:ext cx="990600" cy="295275"/>
+          </a:xfrm>
+          <a:prstGeom prst="rect">
+            <a:avLst/>
+          </a:prstGeom>
+          <a:solidFill>
+            <a:schemeClr val="lt1"/>
+          </a:solidFill>
+          <a:ln>
+            <a:noFill/>
+          </a:ln>
+        </p:spPr>
+        <p:style>
+          <a:lnRef idx="2">
+            <a:schemeClr val="accent1">
+              <a:shade val="20000"/>
+            </a:schemeClr>
+          </a:lnRef>
+          <a:fillRef idx="1">
+            <a:schemeClr val="accent1"/>
+          </a:fillRef>
+          <a:effectRef idx="0">
+            <a:schemeClr val="accent1"/>
+          </a:effectRef>
+          <a:fontRef idx="minor">
+            <a:schemeClr val="lt1"/>
+          </a:fontRef>
+        </p:style>
+        <p:txBody>
+          <a:bodyPr anchor="ctr"/>
+          <a:lstStyle/>
+          <a:p>
+            <a:pPr algn="ctr">
+              <a:defRPr/>
+            </a:pPr>
+            <a:r>
+              <a:rPr lang="ko-KR" altLang="en-US">
+                <a:solidFill>
+                  <a:schemeClr val="dk1"/>
+                </a:solidFill>
+              </a:rPr>
+              <a:t>최경훈</a:t>
+            </a:r>
+            <a:endParaRPr lang="ko-KR" altLang="en-US">
+              <a:solidFill>
+                <a:schemeClr val="dk1"/>
+              </a:solidFill>
+            </a:endParaRPr>
+          </a:p>
+        </p:txBody>
+      </p:sp>
+    </p:spTree>
+  </p:cSld>
+  <p:clrMapOvr>
+    <a:masterClrMapping/>
+  </p:clrMapOvr>
+  <mc:AlternateContent xmlns:mc="http://schemas.openxmlformats.org/markup-compatibility/2006">
+    <mc:Choice xmlns:p14="http://schemas.microsoft.com/office/powerpoint/2010/main" Requires="p14">
+      <p:transition xmlns:mc="http://schemas.openxmlformats.org/markup-compatibility/2006" xmlns:p14="http://schemas.microsoft.com/office/powerpoint/2010/main" mc:Ignorable="p14" p14:dur="500"/>
+    </mc:Choice>
+    <mc:Fallback>
+      <p:transition/>
+    </mc:Fallback>
+  </mc:AlternateContent>
+</p:sld>
+</file>
+
+<file path=ppt/slides/slide12.xml><?xml version="1.0" encoding="utf-8"?>
+<p:sld xmlns:r="http://schemas.openxmlformats.org/officeDocument/2006/relationships" xmlns:c="http://schemas.openxmlformats.org/drawingml/2006/chart" xmlns:a="http://schemas.openxmlformats.org/drawingml/2006/main" xmlns:dgm="http://schemas.openxmlformats.org/drawingml/2006/diagram" xmlns:dsp="http://schemas.microsoft.com/office/drawing/2008/diagram" xmlns:p="http://schemas.openxmlformats.org/presentationml/2006/main">
+  <p:cSld>
+    <p:spTree>
+      <p:nvGrpSpPr>
+        <p:cNvPr id="1" name=""/>
+        <p:cNvGrpSpPr/>
+        <p:nvPr/>
+      </p:nvGrpSpPr>
+      <p:grpSpPr>
+        <a:xfrm>
+          <a:off x="0" y="0"/>
+          <a:ext cx="0" cy="0"/>
+          <a:chOff x="0" y="0"/>
+          <a:chExt cx="0" cy="0"/>
+        </a:xfrm>
+      </p:grpSpPr>
+      <p:sp>
+        <p:nvSpPr>
+          <p:cNvPr id="4" name="슬라이드 번호 개체 틀 3"/>
+          <p:cNvSpPr>
+            <a:spLocks noGrp="1"/>
+          </p:cNvSpPr>
+          <p:nvPr>
+            <p:ph type="sldNum" sz="quarter" idx="12"/>
+          </p:nvPr>
+        </p:nvSpPr>
+        <p:spPr/>
+        <p:txBody>
+          <a:bodyPr/>
+          <a:lstStyle/>
+          <a:p>
+            <a:pPr lvl="0">
+              <a:defRPr/>
+            </a:pPr>
+            <a:fld id="{23C339B1-0600-4FE1-927C-115819F8FB24}" type="slidenum">
+              <a:rPr lang="en-US" altLang="en-US"/>
+              <a:pPr lvl="0">
+                <a:defRPr/>
+              </a:pPr>
+              <a:t>12</a:t>
+            </a:fld>
+            <a:endParaRPr lang="en-US" altLang="en-US"/>
+          </a:p>
+        </p:txBody>
+      </p:sp>
+      <p:sp>
+        <p:nvSpPr>
+          <p:cNvPr id="8" name="제목 1"/>
+          <p:cNvSpPr txBox="1"/>
+          <p:nvPr/>
+        </p:nvSpPr>
+        <p:spPr>
+          <a:xfrm>
+            <a:off x="371475" y="323845"/>
+            <a:ext cx="11125199" cy="1047748"/>
+          </a:xfrm>
+          <a:prstGeom prst="rect">
+            <a:avLst/>
+          </a:prstGeom>
+          <a:ln>
+            <a:noFill/>
+          </a:ln>
+        </p:spPr>
+        <p:txBody>
+          <a:bodyPr vert="horz" lIns="91440" tIns="45720" rIns="91440" bIns="45720" anchor="ctr">
+            <a:normAutofit/>
+          </a:bodyPr>
+          <a:lstStyle>
+            <a:lvl1pPr algn="l" defTabSz="914400" rtl="0" eaLnBrk="1" latinLnBrk="1" hangingPunct="1">
+              <a:lnSpc>
+                <a:spcPct val="90000"/>
+              </a:lnSpc>
+              <a:spcBef>
+                <a:spcPct val="0"/>
+              </a:spcBef>
+              <a:buNone/>
+              <a:defRPr sz="4400" kern="1200">
+                <a:solidFill>
+                  <a:schemeClr val="tx1"/>
+                </a:solidFill>
+                <a:latin typeface="+mj-lt"/>
+                <a:ea typeface="+mj-ea"/>
+                <a:cs typeface="+mj-cs"/>
+              </a:defRPr>
+            </a:lvl1pPr>
+          </a:lstStyle>
+          <a:p>
+            <a:pPr lvl="0">
+              <a:defRPr/>
+            </a:pPr>
+            <a:r>
+              <a:rPr xmlns:mc="http://schemas.openxmlformats.org/markup-compatibility/2006" xmlns:hp="http://schemas.haansoft.com/office/presentation/8.0" lang="en-US" altLang="ko-KR" sz="4800" b="1" mc:Ignorable="hp" hp:hslEmbossed="0">
+                <a:solidFill>
+                  <a:schemeClr val="bg1"/>
+                </a:solidFill>
+                <a:effectLst>
+                  <a:outerShdw blurRad="38100" dist="38100" dir="2700000" algn="tl">
+                    <a:srgbClr val="000000">
+                      <a:alpha val="43140"/>
+                    </a:srgbClr>
+                  </a:outerShdw>
+                </a:effectLst>
+              </a:rPr>
+              <a:t>5.</a:t>
+            </a:r>
+            <a:r>
+              <a:rPr xmlns:mc="http://schemas.openxmlformats.org/markup-compatibility/2006" xmlns:hp="http://schemas.haansoft.com/office/presentation/8.0" lang="ko-KR" altLang="en-US" sz="4800" b="1" mc:Ignorable="hp" hp:hslEmbossed="0">
+                <a:solidFill>
+                  <a:schemeClr val="bg1"/>
+                </a:solidFill>
+                <a:effectLst>
+                  <a:outerShdw blurRad="38100" dist="38100" dir="2700000" algn="tl">
+                    <a:srgbClr val="000000">
+                      <a:alpha val="43140"/>
+                    </a:srgbClr>
+                  </a:outerShdw>
+                </a:effectLst>
+              </a:rPr>
+              <a:t> 문제점 및 보완책</a:t>
+            </a:r>
+            <a:endParaRPr xmlns:mc="http://schemas.openxmlformats.org/markup-compatibility/2006" xmlns:hp="http://schemas.haansoft.com/office/presentation/8.0" lang="ko-KR" altLang="en-US" sz="4800" b="1" mc:Ignorable="hp" hp:hslEmbossed="0">
+              <a:solidFill>
+                <a:schemeClr val="bg1"/>
+              </a:solidFill>
+            </a:endParaRPr>
+          </a:p>
+        </p:txBody>
+      </p:sp>
+      <p:sp>
+        <p:nvSpPr>
+          <p:cNvPr id="2077" name="직사각형 10"/>
+          <p:cNvSpPr/>
+          <p:nvPr/>
+        </p:nvSpPr>
+        <p:spPr>
+          <a:xfrm>
+            <a:off x="609600" y="1323968"/>
+            <a:ext cx="10603706" cy="5243519"/>
+          </a:xfrm>
+          <a:prstGeom prst="rect">
+            <a:avLst/>
+          </a:prstGeom>
+          <a:solidFill>
+            <a:schemeClr val="tx1"/>
+          </a:solidFill>
+          <a:ln>
+            <a:noFill/>
+          </a:ln>
+        </p:spPr>
+        <p:style>
+          <a:lnRef idx="2">
+            <a:schemeClr val="accent1">
+              <a:shade val="50000"/>
+            </a:schemeClr>
+          </a:lnRef>
+          <a:fillRef idx="1">
+            <a:schemeClr val="accent1"/>
+          </a:fillRef>
+          <a:effectRef idx="0">
+            <a:schemeClr val="accent1"/>
+          </a:effectRef>
+          <a:fontRef idx="minor">
+            <a:schemeClr val="lt1"/>
+          </a:fontRef>
+        </p:style>
+        <p:txBody>
+          <a:bodyPr anchor="ctr"/>
+          <a:lstStyle/>
+          <a:p>
+            <a:pPr algn="ctr">
+              <a:defRPr/>
+            </a:pPr>
+            <a:endParaRPr lang="ko-KR" altLang="en-US">
+              <a:solidFill>
+                <a:schemeClr val="bg1"/>
+              </a:solidFill>
+            </a:endParaRPr>
+          </a:p>
+        </p:txBody>
+      </p:sp>
+      <p:sp>
+        <p:nvSpPr>
+          <p:cNvPr id="2078" name="TextBox 3"/>
+          <p:cNvSpPr txBox="1"/>
+          <p:nvPr/>
+        </p:nvSpPr>
+        <p:spPr>
+          <a:xfrm>
+            <a:off x="730692" y="1432685"/>
+            <a:ext cx="9739663" cy="5023360"/>
+          </a:xfrm>
+          <a:prstGeom prst="rect">
+            <a:avLst/>
+          </a:prstGeom>
+          <a:noFill/>
+        </p:spPr>
+        <p:txBody>
+          <a:bodyPr wrap="square">
+            <a:spAutoFit/>
+          </a:bodyPr>
+          <a:lstStyle/>
+          <a:p>
+            <a:pPr marL="518000" indent="-518000">
+              <a:lnSpc>
+                <a:spcPct val="150000"/>
+              </a:lnSpc>
+              <a:buAutoNum type="arabicPeriod"/>
+              <a:defRPr/>
+            </a:pPr>
+            <a:r>
+              <a:rPr lang="ko-KR" altLang="en-US" sz="2800" b="1">
+                <a:solidFill>
+                  <a:schemeClr val="bg1"/>
+                </a:solidFill>
+              </a:rPr>
+              <a:t>게임의 </a:t>
+            </a:r>
+            <a:r>
+              <a:rPr lang="en-US" altLang="ko-KR" sz="2800" b="1">
+                <a:solidFill>
+                  <a:schemeClr val="bg1"/>
+                </a:solidFill>
+              </a:rPr>
+              <a:t>GUI</a:t>
+            </a:r>
+            <a:r>
+              <a:rPr lang="ko-KR" altLang="en-US" sz="2800" b="1">
+                <a:solidFill>
+                  <a:schemeClr val="bg1"/>
+                </a:solidFill>
+              </a:rPr>
+              <a:t>가 부족</a:t>
+            </a:r>
+            <a:endParaRPr lang="ko-KR" altLang="en-US" sz="2800" b="1">
+              <a:solidFill>
+                <a:schemeClr val="bg1"/>
+              </a:solidFill>
+            </a:endParaRPr>
+          </a:p>
+          <a:p>
+            <a:pPr marL="975200" lvl="1" indent="-518000">
+              <a:lnSpc>
+                <a:spcPct val="150000"/>
+              </a:lnSpc>
+              <a:buFont typeface="Arial"/>
+              <a:buChar char="•"/>
+              <a:defRPr/>
+            </a:pPr>
+            <a:r>
+              <a:rPr lang="en-US" altLang="ko-KR" sz="2200">
+                <a:solidFill>
+                  <a:schemeClr val="bg1"/>
+                </a:solidFill>
+              </a:rPr>
+              <a:t>UI</a:t>
+            </a:r>
+            <a:r>
+              <a:rPr lang="ko-KR" altLang="en-US" sz="2200">
+                <a:solidFill>
+                  <a:schemeClr val="bg1"/>
+                </a:solidFill>
+              </a:rPr>
+              <a:t>와 퀘스트 추가로 게임적인 부분 추가</a:t>
+            </a:r>
+            <a:endParaRPr lang="ko-KR" altLang="en-US" sz="2200">
+              <a:solidFill>
+                <a:schemeClr val="bg1"/>
+              </a:solidFill>
+            </a:endParaRPr>
+          </a:p>
+          <a:p>
+            <a:pPr marL="457200" lvl="1" indent="0">
+              <a:lnSpc>
+                <a:spcPct val="150000"/>
+              </a:lnSpc>
+              <a:buFont typeface="Arial"/>
+              <a:buNone/>
+              <a:defRPr/>
+            </a:pPr>
+            <a:endParaRPr lang="ko-KR" altLang="en-US" sz="2200">
+              <a:solidFill>
+                <a:schemeClr val="bg1"/>
+              </a:solidFill>
+            </a:endParaRPr>
+          </a:p>
+          <a:p>
+            <a:pPr marL="518000" indent="-518000">
+              <a:lnSpc>
+                <a:spcPct val="150000"/>
+              </a:lnSpc>
+              <a:buAutoNum type="arabicPeriod"/>
+              <a:defRPr/>
+            </a:pPr>
+            <a:r>
+              <a:rPr lang="ko-KR" altLang="en-US" sz="2800" b="1">
+                <a:solidFill>
+                  <a:schemeClr val="bg1"/>
+                </a:solidFill>
+              </a:rPr>
+              <a:t>충돌 시 떨리는 버그</a:t>
+            </a:r>
+            <a:endParaRPr lang="ko-KR" altLang="en-US" sz="2800" b="1">
+              <a:solidFill>
+                <a:schemeClr val="bg1"/>
+              </a:solidFill>
+            </a:endParaRPr>
+          </a:p>
+          <a:p>
+            <a:pPr marL="975200" lvl="1" indent="-518000">
+              <a:lnSpc>
+                <a:spcPct val="150000"/>
+              </a:lnSpc>
+              <a:buFont typeface="Arial"/>
+              <a:buChar char="•"/>
+              <a:defRPr/>
+            </a:pPr>
+            <a:r>
+              <a:rPr lang="ko-KR" altLang="en-US" sz="2200">
+                <a:solidFill>
+                  <a:schemeClr val="bg1"/>
+                </a:solidFill>
+              </a:rPr>
+              <a:t>충돌 처리 로직 보완</a:t>
+            </a:r>
+            <a:endParaRPr lang="ko-KR" altLang="en-US" sz="2200">
+              <a:solidFill>
+                <a:schemeClr val="bg1"/>
+              </a:solidFill>
+            </a:endParaRPr>
+          </a:p>
+          <a:p>
+            <a:pPr marL="0" indent="0" algn="l" defTabSz="116128" rtl="0" eaLnBrk="1" latinLnBrk="0" hangingPunct="1">
+              <a:lnSpc>
+                <a:spcPct val="150000"/>
+              </a:lnSpc>
+              <a:spcBef>
+                <a:spcPct val="0"/>
+              </a:spcBef>
+              <a:spcAft>
+                <a:spcPts val="0"/>
+              </a:spcAft>
+              <a:buFont typeface="Arial"/>
+              <a:buNone/>
+              <a:defRPr/>
+            </a:pPr>
+            <a:endParaRPr lang="ko-KR" altLang="en-US" sz="2200" b="0" i="0" kern="1200">
+              <a:solidFill>
+                <a:schemeClr val="bg1"/>
+              </a:solidFill>
+              <a:effectLst/>
+              <a:latin typeface="+mn-lt"/>
+              <a:ea typeface="+mn-ea"/>
+              <a:cs typeface="+mn-cs"/>
+            </a:endParaRPr>
+          </a:p>
+          <a:p>
+            <a:pPr marL="518000" indent="-518000" algn="l" defTabSz="116128">
+              <a:lnSpc>
+                <a:spcPct val="150000"/>
+              </a:lnSpc>
+              <a:buClr>
+                <a:schemeClr val="bg1"/>
+              </a:buClr>
+              <a:buAutoNum type="arabicPeriod" startAt="3"/>
+              <a:defRPr/>
+            </a:pPr>
+            <a:r>
+              <a:rPr lang="ko-KR" altLang="en-US" sz="2800" b="1" i="0" kern="1200">
+                <a:solidFill>
+                  <a:schemeClr val="bg1"/>
+                </a:solidFill>
+                <a:effectLst/>
+                <a:latin typeface="+mn-lt"/>
+                <a:ea typeface="+mn-ea"/>
+                <a:cs typeface="+mn-cs"/>
+              </a:rPr>
+              <a:t>전투가 루즈함</a:t>
+            </a:r>
+            <a:endParaRPr lang="ko-KR" altLang="en-US" sz="2200" b="0" i="0" kern="1200">
+              <a:solidFill>
+                <a:schemeClr val="bg1"/>
+              </a:solidFill>
+              <a:effectLst/>
+              <a:latin typeface="+mn-lt"/>
+              <a:ea typeface="+mn-ea"/>
+              <a:cs typeface="+mn-cs"/>
+            </a:endParaRPr>
+          </a:p>
+          <a:p>
+            <a:pPr marL="975200" lvl="1" indent="-518000">
+              <a:lnSpc>
+                <a:spcPct val="150000"/>
+              </a:lnSpc>
+              <a:buFont typeface="Arial"/>
+              <a:buChar char="•"/>
+              <a:defRPr/>
+            </a:pPr>
+            <a:r>
+              <a:rPr lang="ko-KR" altLang="en-US" sz="2200">
+                <a:solidFill>
+                  <a:schemeClr val="bg1"/>
+                </a:solidFill>
+              </a:rPr>
+              <a:t>플레이어 공격 속도 빠르게 수정</a:t>
+            </a:r>
+            <a:endParaRPr lang="ko-KR" altLang="en-US" sz="2200">
+              <a:solidFill>
+                <a:schemeClr val="bg1"/>
+              </a:solidFill>
+            </a:endParaRPr>
+          </a:p>
+          <a:p>
+            <a:pPr marL="457200" lvl="1" indent="0">
+              <a:lnSpc>
+                <a:spcPct val="150000"/>
+              </a:lnSpc>
+              <a:buFont typeface="Arial"/>
+              <a:buNone/>
+              <a:defRPr/>
+            </a:pPr>
+            <a:endParaRPr lang="ko-KR" altLang="en-US" sz="2200">
+              <a:solidFill>
+                <a:schemeClr val="bg1"/>
+              </a:solidFill>
+            </a:endParaRPr>
+          </a:p>
+        </p:txBody>
+      </p:sp>
+    </p:spTree>
+  </p:cSld>
+  <p:clrMapOvr>
+    <a:masterClrMapping/>
+  </p:clrMapOvr>
+  <mc:AlternateContent xmlns:mc="http://schemas.openxmlformats.org/markup-compatibility/2006">
+    <mc:Choice xmlns:p14="http://schemas.microsoft.com/office/powerpoint/2010/main" Requires="p14">
+      <p:transition xmlns:mc="http://schemas.openxmlformats.org/markup-compatibility/2006" xmlns:p14="http://schemas.microsoft.com/office/powerpoint/2010/main" mc:Ignorable="p14" p14:dur="500"/>
+    </mc:Choice>
+    <mc:Fallback>
+      <p:transition/>
+    </mc:Fallback>
+  </mc:AlternateContent>
+</p:sld>
+</file>
+
+<file path=ppt/slides/slide13.xml><?xml version="1.0" encoding="utf-8"?>
+<p:sld xmlns:r="http://schemas.openxmlformats.org/officeDocument/2006/relationships" xmlns:c="http://schemas.openxmlformats.org/drawingml/2006/chart" xmlns:a="http://schemas.openxmlformats.org/drawingml/2006/main" xmlns:dgm="http://schemas.openxmlformats.org/drawingml/2006/diagram" xmlns:dsp="http://schemas.microsoft.com/office/drawing/2008/diagram" xmlns:p="http://schemas.openxmlformats.org/presentationml/2006/main">
+  <p:cSld>
+    <p:spTree>
+      <p:nvGrpSpPr>
+        <p:cNvPr id="1" name=""/>
+        <p:cNvGrpSpPr/>
+        <p:nvPr/>
+      </p:nvGrpSpPr>
+      <p:grpSpPr>
+        <a:xfrm>
+          <a:off x="0" y="0"/>
+          <a:ext cx="0" cy="0"/>
+          <a:chOff x="0" y="0"/>
+          <a:chExt cx="0" cy="0"/>
+        </a:xfrm>
+      </p:grpSpPr>
+      <p:sp>
+        <p:nvSpPr>
+          <p:cNvPr id="4" name="슬라이드 번호 개체 틀 3"/>
+          <p:cNvSpPr>
+            <a:spLocks noGrp="1"/>
+          </p:cNvSpPr>
+          <p:nvPr>
+            <p:ph type="sldNum" sz="quarter" idx="12"/>
+          </p:nvPr>
+        </p:nvSpPr>
         <p:spPr>
           <a:xfrm>
             <a:off x="9353550" y="6351592"/>
@@ -9399,7 +10394,7 @@
 </p:sld>
 </file>
 
-<file path=ppt/slides/slide11.xml><?xml version="1.0" encoding="utf-8"?>
+<file path=ppt/slides/slide14.xml><?xml version="1.0" encoding="utf-8"?>
 <p:sld xmlns:r="http://schemas.openxmlformats.org/officeDocument/2006/relationships" xmlns:c="http://schemas.openxmlformats.org/drawingml/2006/chart" xmlns:a="http://schemas.openxmlformats.org/drawingml/2006/main" xmlns:dgm="http://schemas.openxmlformats.org/drawingml/2006/diagram" xmlns:dsp="http://schemas.microsoft.com/office/drawing/2008/diagram" xmlns:p="http://schemas.openxmlformats.org/presentationml/2006/main">
   <p:cSld>
     <p:spTree>
@@ -15102,7 +16097,7 @@
 </p:sld>
 </file>
 
-<file path=ppt/slides/slide12.xml><?xml version="1.0" encoding="utf-8"?>
+<file path=ppt/slides/slide15.xml><?xml version="1.0" encoding="utf-8"?>
 <p:sld xmlns:r="http://schemas.openxmlformats.org/officeDocument/2006/relationships" xmlns:c="http://schemas.openxmlformats.org/drawingml/2006/chart" xmlns:a="http://schemas.openxmlformats.org/drawingml/2006/main" xmlns:dgm="http://schemas.openxmlformats.org/drawingml/2006/diagram" xmlns:dsp="http://schemas.microsoft.com/office/drawing/2008/diagram" xmlns:p="http://schemas.openxmlformats.org/presentationml/2006/main">
   <p:cSld>
     <p:spTree>
@@ -15559,7 +16554,7 @@
 </p:sld>
 </file>
 
-<file path=ppt/slides/slide13.xml><?xml version="1.0" encoding="utf-8"?>
+<file path=ppt/slides/slide16.xml><?xml version="1.0" encoding="utf-8"?>
 <p:sld xmlns:r="http://schemas.openxmlformats.org/officeDocument/2006/relationships" xmlns:c="http://schemas.openxmlformats.org/drawingml/2006/chart" xmlns:a="http://schemas.openxmlformats.org/drawingml/2006/main" xmlns:dgm="http://schemas.openxmlformats.org/drawingml/2006/diagram" xmlns:dsp="http://schemas.microsoft.com/office/drawing/2008/diagram" xmlns:p="http://schemas.openxmlformats.org/presentationml/2006/main">
   <p:cSld>
     <p:spTree>
@@ -15704,7 +16699,7 @@
 </p:sld>
 </file>
 
-<file path=ppt/slides/slide14.xml><?xml version="1.0" encoding="utf-8"?>
+<file path=ppt/slides/slide17.xml><?xml version="1.0" encoding="utf-8"?>
 <p:sld xmlns:r="http://schemas.openxmlformats.org/officeDocument/2006/relationships" xmlns:c="http://schemas.openxmlformats.org/drawingml/2006/chart" xmlns:a="http://schemas.openxmlformats.org/drawingml/2006/main" xmlns:dgm="http://schemas.openxmlformats.org/drawingml/2006/diagram" xmlns:dsp="http://schemas.microsoft.com/office/drawing/2008/diagram" xmlns:p="http://schemas.openxmlformats.org/presentationml/2006/main">
   <p:cSld>
     <p:spTree>
@@ -20270,12 +21265,464 @@
                   </a:outerShdw>
                 </a:effectLst>
               </a:rPr>
-              <a:t> 개발내용</a:t>
-            </a:r>
-            <a:endParaRPr xmlns:mc="http://schemas.openxmlformats.org/markup-compatibility/2006" xmlns:hp="http://schemas.haansoft.com/office/presentation/8.0" lang="ko-KR" altLang="en-US" sz="4800" b="1" mc:Ignorable="hp" hp:hslEmbossed="0">
+              <a:t> 개발내용 </a:t>
+            </a:r>
+            <a:r>
+              <a:rPr xmlns:mc="http://schemas.openxmlformats.org/markup-compatibility/2006" xmlns:hp="http://schemas.haansoft.com/office/presentation/8.0" lang="en-US" altLang="ko-KR" sz="3200" b="1" mc:Ignorable="hp" hp:hslEmbossed="0">
+                <a:solidFill>
+                  <a:schemeClr val="bg1"/>
+                </a:solidFill>
+                <a:effectLst>
+                  <a:outerShdw blurRad="38100" dist="38100" dir="2700000" algn="tl">
+                    <a:srgbClr val="000000">
+                      <a:alpha val="43140"/>
+                    </a:srgbClr>
+                  </a:outerShdw>
+                </a:effectLst>
+              </a:rPr>
+              <a:t>-</a:t>
+            </a:r>
+            <a:r>
+              <a:rPr xmlns:mc="http://schemas.openxmlformats.org/markup-compatibility/2006" xmlns:hp="http://schemas.haansoft.com/office/presentation/8.0" lang="ko-KR" altLang="en-US" sz="3200" b="1" mc:Ignorable="hp" hp:hslEmbossed="0">
+                <a:solidFill>
+                  <a:schemeClr val="bg1"/>
+                </a:solidFill>
+                <a:effectLst>
+                  <a:outerShdw blurRad="38100" dist="38100" dir="2700000" algn="tl">
+                    <a:srgbClr val="000000">
+                      <a:alpha val="43140"/>
+                    </a:srgbClr>
+                  </a:outerShdw>
+                </a:effectLst>
+              </a:rPr>
+              <a:t> 윤성주</a:t>
+            </a:r>
+            <a:endParaRPr xmlns:mc="http://schemas.openxmlformats.org/markup-compatibility/2006" xmlns:hp="http://schemas.haansoft.com/office/presentation/8.0" lang="ko-KR" altLang="en-US" sz="3200" b="1" mc:Ignorable="hp" hp:hslEmbossed="0">
               <a:solidFill>
                 <a:schemeClr val="bg1"/>
               </a:solidFill>
+            </a:endParaRPr>
+          </a:p>
+        </p:txBody>
+      </p:sp>
+      <p:sp>
+        <p:nvSpPr>
+          <p:cNvPr id="11" name="직사각형 1"/>
+          <p:cNvSpPr/>
+          <p:nvPr/>
+        </p:nvSpPr>
+        <p:spPr>
+          <a:xfrm>
+            <a:off x="546243" y="1487366"/>
+            <a:ext cx="11043006" cy="1047749"/>
+          </a:xfrm>
+          <a:prstGeom prst="rect">
+            <a:avLst/>
+          </a:prstGeom>
+          <a:solidFill>
+            <a:schemeClr val="tx1"/>
+          </a:solidFill>
+          <a:ln w="28575">
+            <a:noFill/>
+          </a:ln>
+        </p:spPr>
+        <p:style>
+          <a:lnRef idx="2">
+            <a:schemeClr val="accent1">
+              <a:shade val="50000"/>
+            </a:schemeClr>
+          </a:lnRef>
+          <a:fillRef idx="1">
+            <a:schemeClr val="accent1"/>
+          </a:fillRef>
+          <a:effectRef idx="0">
+            <a:schemeClr val="accent1"/>
+          </a:effectRef>
+          <a:fontRef idx="minor">
+            <a:schemeClr val="lt1"/>
+          </a:fontRef>
+        </p:style>
+        <p:txBody>
+          <a:bodyPr anchor="ctr"/>
+          <a:lstStyle/>
+          <a:p>
+            <a:pPr lvl="0">
+              <a:defRPr/>
+            </a:pPr>
+            <a:r>
+              <a:rPr lang="en-US" altLang="ko-KR" sz="2400">
+                <a:solidFill>
+                  <a:schemeClr val="bg1"/>
+                </a:solidFill>
+                <a:latin typeface="+mj-lt"/>
+              </a:rPr>
+              <a:t>1.</a:t>
+            </a:r>
+            <a:r>
+              <a:rPr lang="ko-KR" altLang="en-US" sz="2400">
+                <a:solidFill>
+                  <a:schemeClr val="bg1"/>
+                </a:solidFill>
+                <a:latin typeface="+mj-lt"/>
+              </a:rPr>
+              <a:t> 보간을 통한 </a:t>
+            </a:r>
+            <a:r>
+              <a:rPr lang="ko-KR" altLang="en-US" sz="2800" b="1">
+                <a:solidFill>
+                  <a:schemeClr val="bg1"/>
+                </a:solidFill>
+                <a:latin typeface="+mj-lt"/>
+              </a:rPr>
+              <a:t>애니메이션 블렌딩</a:t>
+            </a:r>
+            <a:r>
+              <a:rPr lang="ko-KR" altLang="en-US" sz="2400">
+                <a:solidFill>
+                  <a:schemeClr val="bg1"/>
+                </a:solidFill>
+                <a:latin typeface="+mj-lt"/>
+              </a:rPr>
+              <a:t> 구현</a:t>
+            </a:r>
+            <a:r>
+              <a:rPr lang="en-US" altLang="ko-KR" sz="2400">
+                <a:solidFill>
+                  <a:schemeClr val="bg1"/>
+                </a:solidFill>
+                <a:latin typeface="+mj-lt"/>
+              </a:rPr>
+              <a:t> </a:t>
+            </a:r>
+            <a:endParaRPr lang="en-US" altLang="ko-KR" sz="2400">
+              <a:solidFill>
+                <a:schemeClr val="bg1"/>
+              </a:solidFill>
+              <a:latin typeface="+mj-lt"/>
+            </a:endParaRPr>
+          </a:p>
+        </p:txBody>
+      </p:sp>
+      <p:sp>
+        <p:nvSpPr>
+          <p:cNvPr id="12" name="직사각형 5"/>
+          <p:cNvSpPr/>
+          <p:nvPr/>
+        </p:nvSpPr>
+        <p:spPr>
+          <a:xfrm>
+            <a:off x="546243" y="2759822"/>
+            <a:ext cx="11043006" cy="1047749"/>
+          </a:xfrm>
+          <a:prstGeom prst="rect">
+            <a:avLst/>
+          </a:prstGeom>
+          <a:solidFill>
+            <a:schemeClr val="tx1"/>
+          </a:solidFill>
+          <a:ln w="28575">
+            <a:noFill/>
+          </a:ln>
+        </p:spPr>
+        <p:style>
+          <a:lnRef idx="2">
+            <a:schemeClr val="accent1">
+              <a:shade val="50000"/>
+            </a:schemeClr>
+          </a:lnRef>
+          <a:fillRef idx="1">
+            <a:schemeClr val="accent1"/>
+          </a:fillRef>
+          <a:effectRef idx="0">
+            <a:schemeClr val="accent1"/>
+          </a:effectRef>
+          <a:fontRef idx="minor">
+            <a:schemeClr val="lt1"/>
+          </a:fontRef>
+        </p:style>
+        <p:txBody>
+          <a:bodyPr anchor="ctr"/>
+          <a:lstStyle/>
+          <a:p>
+            <a:pPr lvl="0">
+              <a:defRPr/>
+            </a:pPr>
+            <a:r>
+              <a:rPr lang="en-US" altLang="ko-KR" sz="2400">
+                <a:solidFill>
+                  <a:schemeClr val="bg1"/>
+                </a:solidFill>
+                <a:latin typeface="+mj-lt"/>
+              </a:rPr>
+              <a:t>2.</a:t>
+            </a:r>
+            <a:r>
+              <a:rPr lang="en-US" altLang="ko-KR" sz="2400" i="0">
+                <a:solidFill>
+                  <a:schemeClr val="bg1"/>
+                </a:solidFill>
+                <a:effectLst/>
+                <a:latin typeface="+mj-lt"/>
+              </a:rPr>
+              <a:t> </a:t>
+            </a:r>
+            <a:r>
+              <a:rPr lang="en-US" altLang="ko-KR" sz="2800" b="1" i="0">
+                <a:solidFill>
+                  <a:schemeClr val="bg1"/>
+                </a:solidFill>
+                <a:effectLst/>
+                <a:latin typeface="+mj-lt"/>
+              </a:rPr>
+              <a:t>Overlapped IO </a:t>
+            </a:r>
+            <a:r>
+              <a:rPr lang="ko-KR" altLang="en-US" sz="2800" b="1" i="0">
+                <a:solidFill>
+                  <a:schemeClr val="bg1"/>
+                </a:solidFill>
+                <a:effectLst/>
+                <a:latin typeface="+mj-lt"/>
+              </a:rPr>
+              <a:t>모델</a:t>
+            </a:r>
+            <a:r>
+              <a:rPr lang="ko-KR" altLang="en-US" sz="2400" i="0">
+                <a:solidFill>
+                  <a:schemeClr val="bg1"/>
+                </a:solidFill>
+                <a:effectLst/>
+                <a:latin typeface="+mj-lt"/>
+              </a:rPr>
+              <a:t>을 통한 서버 구현</a:t>
+            </a:r>
+            <a:r>
+              <a:rPr lang="en-US" altLang="ko-KR" sz="2800" i="0">
+                <a:solidFill>
+                  <a:schemeClr val="bg1"/>
+                </a:solidFill>
+                <a:effectLst/>
+                <a:latin typeface="+mj-lt"/>
+              </a:rPr>
+              <a:t> </a:t>
+            </a:r>
+            <a:endParaRPr lang="en-US" altLang="ko-KR" sz="2800" i="0">
+              <a:solidFill>
+                <a:schemeClr val="bg1"/>
+              </a:solidFill>
+              <a:latin typeface="+mj-lt"/>
+            </a:endParaRPr>
+          </a:p>
+        </p:txBody>
+      </p:sp>
+      <p:sp>
+        <p:nvSpPr>
+          <p:cNvPr id="13" name="직사각형 6"/>
+          <p:cNvSpPr/>
+          <p:nvPr/>
+        </p:nvSpPr>
+        <p:spPr>
+          <a:xfrm>
+            <a:off x="546243" y="3985485"/>
+            <a:ext cx="11043006" cy="1047749"/>
+          </a:xfrm>
+          <a:prstGeom prst="rect">
+            <a:avLst/>
+          </a:prstGeom>
+          <a:solidFill>
+            <a:schemeClr val="tx1"/>
+          </a:solidFill>
+          <a:ln w="28575">
+            <a:noFill/>
+          </a:ln>
+        </p:spPr>
+        <p:style>
+          <a:lnRef idx="2">
+            <a:schemeClr val="accent1">
+              <a:shade val="50000"/>
+            </a:schemeClr>
+          </a:lnRef>
+          <a:fillRef idx="1">
+            <a:schemeClr val="accent1"/>
+          </a:fillRef>
+          <a:effectRef idx="0">
+            <a:schemeClr val="accent1"/>
+          </a:effectRef>
+          <a:fontRef idx="minor">
+            <a:schemeClr val="lt1"/>
+          </a:fontRef>
+        </p:style>
+        <p:txBody>
+          <a:bodyPr anchor="ctr"/>
+          <a:lstStyle/>
+          <a:p>
+            <a:pPr lvl="0">
+              <a:defRPr/>
+            </a:pPr>
+            <a:r>
+              <a:rPr lang="en-US" altLang="ko-KR" sz="2400">
+                <a:solidFill>
+                  <a:schemeClr val="bg1"/>
+                </a:solidFill>
+                <a:latin typeface="+mj-lt"/>
+              </a:rPr>
+              <a:t>3.</a:t>
+            </a:r>
+            <a:r>
+              <a:rPr lang="en-US" altLang="ko-KR" sz="2800" b="1" i="0">
+                <a:solidFill>
+                  <a:schemeClr val="bg1"/>
+                </a:solidFill>
+                <a:effectLst/>
+                <a:latin typeface="+mj-lt"/>
+              </a:rPr>
+              <a:t> </a:t>
+            </a:r>
+            <a:r>
+              <a:rPr lang="ko-KR" altLang="en-US" sz="2400" i="0">
+                <a:solidFill>
+                  <a:schemeClr val="bg1"/>
+                </a:solidFill>
+                <a:effectLst/>
+                <a:latin typeface="+mj-lt"/>
+              </a:rPr>
+              <a:t>회전 보간을 통한</a:t>
+            </a:r>
+            <a:r>
+              <a:rPr lang="ko-KR" altLang="en-US" sz="2800" b="1" i="0">
+                <a:solidFill>
+                  <a:schemeClr val="bg1"/>
+                </a:solidFill>
+                <a:effectLst/>
+                <a:latin typeface="+mj-lt"/>
+              </a:rPr>
+              <a:t> </a:t>
+            </a:r>
+            <a:r>
+              <a:rPr lang="ko-KR" altLang="en-US" sz="2800" b="1">
+                <a:solidFill>
+                  <a:schemeClr val="bg1"/>
+                </a:solidFill>
+                <a:latin typeface="+mj-lt"/>
+              </a:rPr>
+              <a:t>플레이어 회전 </a:t>
+            </a:r>
+            <a:r>
+              <a:rPr lang="ko-KR" altLang="en-US" sz="2400">
+                <a:solidFill>
+                  <a:schemeClr val="bg1"/>
+                </a:solidFill>
+                <a:latin typeface="+mj-lt"/>
+              </a:rPr>
+              <a:t>구현</a:t>
+            </a:r>
+            <a:endParaRPr lang="ko-KR" altLang="en-US" sz="2400">
+              <a:solidFill>
+                <a:schemeClr val="bg1"/>
+              </a:solidFill>
+              <a:latin typeface="+mj-lt"/>
+            </a:endParaRPr>
+          </a:p>
+        </p:txBody>
+      </p:sp>
+      <p:sp>
+        <p:nvSpPr>
+          <p:cNvPr id="14" name="직사각형 8"/>
+          <p:cNvSpPr/>
+          <p:nvPr/>
+        </p:nvSpPr>
+        <p:spPr>
+          <a:xfrm>
+            <a:off x="546243" y="5211148"/>
+            <a:ext cx="11043006" cy="1047749"/>
+          </a:xfrm>
+          <a:prstGeom prst="rect">
+            <a:avLst/>
+          </a:prstGeom>
+          <a:solidFill>
+            <a:schemeClr val="tx1"/>
+          </a:solidFill>
+          <a:ln w="28575">
+            <a:noFill/>
+          </a:ln>
+        </p:spPr>
+        <p:style>
+          <a:lnRef idx="2">
+            <a:schemeClr val="accent1">
+              <a:shade val="50000"/>
+            </a:schemeClr>
+          </a:lnRef>
+          <a:fillRef idx="1">
+            <a:schemeClr val="accent1"/>
+          </a:fillRef>
+          <a:effectRef idx="0">
+            <a:schemeClr val="accent1"/>
+          </a:effectRef>
+          <a:fontRef idx="minor">
+            <a:schemeClr val="lt1"/>
+          </a:fontRef>
+        </p:style>
+        <p:txBody>
+          <a:bodyPr anchor="ctr"/>
+          <a:lstStyle/>
+          <a:p>
+            <a:pPr lvl="0">
+              <a:defRPr/>
+            </a:pPr>
+            <a:r>
+              <a:rPr lang="en-US" altLang="ko-KR" sz="2400">
+                <a:solidFill>
+                  <a:schemeClr val="bg1"/>
+                </a:solidFill>
+                <a:latin typeface="+mj-lt"/>
+              </a:rPr>
+              <a:t>4.</a:t>
+            </a:r>
+            <a:r>
+              <a:rPr lang="en-US" altLang="ko-KR" sz="2400" i="0">
+                <a:solidFill>
+                  <a:schemeClr val="bg1"/>
+                </a:solidFill>
+                <a:effectLst/>
+                <a:latin typeface="+mj-lt"/>
+              </a:rPr>
+              <a:t> </a:t>
+            </a:r>
+            <a:r>
+              <a:rPr lang="ko-KR" altLang="en-US" sz="2400" i="0">
+                <a:solidFill>
+                  <a:schemeClr val="bg1"/>
+                </a:solidFill>
+                <a:effectLst/>
+                <a:latin typeface="+mj-lt"/>
+              </a:rPr>
+              <a:t>몬스터 추가 및 </a:t>
+            </a:r>
+            <a:r>
+              <a:rPr lang="ko-KR" altLang="en-US" sz="2800" b="1" i="0">
+                <a:solidFill>
+                  <a:schemeClr val="bg1"/>
+                </a:solidFill>
+                <a:effectLst/>
+                <a:latin typeface="+mj-lt"/>
+              </a:rPr>
+              <a:t>전투</a:t>
+            </a:r>
+            <a:r>
+              <a:rPr lang="ko-KR" altLang="en-US" sz="2400" i="0">
+                <a:solidFill>
+                  <a:schemeClr val="bg1"/>
+                </a:solidFill>
+                <a:effectLst/>
+                <a:latin typeface="+mj-lt"/>
+              </a:rPr>
+              <a:t> 구현 </a:t>
+            </a:r>
+            <a:endParaRPr lang="ko-KR" altLang="en-US" sz="2400" i="0">
+              <a:solidFill>
+                <a:schemeClr val="bg1"/>
+              </a:solidFill>
+              <a:latin typeface="+mj-lt"/>
             </a:endParaRPr>
           </a:p>
         </p:txBody>
@@ -20418,7 +21865,7 @@
               <a:t> 개발내용 </a:t>
             </a:r>
             <a:r>
-              <a:rPr xmlns:mc="http://schemas.openxmlformats.org/markup-compatibility/2006" xmlns:hp="http://schemas.haansoft.com/office/presentation/8.0" lang="en-US" altLang="ko-KR" sz="4800" b="1" mc:Ignorable="hp" hp:hslEmbossed="0">
+              <a:rPr xmlns:mc="http://schemas.openxmlformats.org/markup-compatibility/2006" xmlns:hp="http://schemas.haansoft.com/office/presentation/8.0" lang="en-US" altLang="ko-KR" sz="3200" b="1" mc:Ignorable="hp" hp:hslEmbossed="0">
                 <a:solidFill>
                   <a:schemeClr val="bg1"/>
                 </a:solidFill>
@@ -20433,7 +21880,7 @@
               <a:t>-</a:t>
             </a:r>
             <a:r>
-              <a:rPr xmlns:mc="http://schemas.openxmlformats.org/markup-compatibility/2006" xmlns:hp="http://schemas.haansoft.com/office/presentation/8.0" lang="ko-KR" altLang="en-US" sz="4800" b="1" mc:Ignorable="hp" hp:hslEmbossed="0">
+              <a:rPr xmlns:mc="http://schemas.openxmlformats.org/markup-compatibility/2006" xmlns:hp="http://schemas.haansoft.com/office/presentation/8.0" lang="ko-KR" altLang="en-US" sz="3200" b="1" mc:Ignorable="hp" hp:hslEmbossed="0">
                 <a:solidFill>
                   <a:schemeClr val="bg1"/>
                 </a:solidFill>
@@ -20445,27 +21892,434 @@
                   </a:outerShdw>
                 </a:effectLst>
               </a:rPr>
-              <a:t> </a:t>
-            </a:r>
-            <a:r>
-              <a:rPr xmlns:mc="http://schemas.openxmlformats.org/markup-compatibility/2006" xmlns:hp="http://schemas.haansoft.com/office/presentation/8.0" lang="ko-KR" altLang="en-US" sz="3200" b="1" mc:Ignorable="hp" hp:hslEmbossed="0">
-                <a:solidFill>
-                  <a:schemeClr val="bg1"/>
-                </a:solidFill>
-                <a:effectLst>
-                  <a:outerShdw blurRad="38100" dist="38100" dir="2700000" algn="tl">
-                    <a:srgbClr val="000000">
-                      <a:alpha val="43140"/>
-                    </a:srgbClr>
-                  </a:outerShdw>
-                </a:effectLst>
-              </a:rPr>
-              <a:t>커밋로그</a:t>
+              <a:t> 최경훈</a:t>
             </a:r>
             <a:endParaRPr xmlns:mc="http://schemas.openxmlformats.org/markup-compatibility/2006" xmlns:hp="http://schemas.haansoft.com/office/presentation/8.0" lang="ko-KR" altLang="en-US" sz="3200" b="1" mc:Ignorable="hp" hp:hslEmbossed="0">
               <a:solidFill>
                 <a:schemeClr val="bg1"/>
               </a:solidFill>
+            </a:endParaRPr>
+          </a:p>
+        </p:txBody>
+      </p:sp>
+      <p:sp>
+        <p:nvSpPr>
+          <p:cNvPr id="11" name="직사각형 1"/>
+          <p:cNvSpPr/>
+          <p:nvPr/>
+        </p:nvSpPr>
+        <p:spPr>
+          <a:xfrm>
+            <a:off x="546243" y="1487366"/>
+            <a:ext cx="11043006" cy="1047749"/>
+          </a:xfrm>
+          <a:prstGeom prst="rect">
+            <a:avLst/>
+          </a:prstGeom>
+          <a:solidFill>
+            <a:schemeClr val="tx1"/>
+          </a:solidFill>
+          <a:ln w="28575">
+            <a:noFill/>
+          </a:ln>
+        </p:spPr>
+        <p:style>
+          <a:lnRef idx="2">
+            <a:schemeClr val="accent1">
+              <a:shade val="50000"/>
+            </a:schemeClr>
+          </a:lnRef>
+          <a:fillRef idx="1">
+            <a:schemeClr val="accent1"/>
+          </a:fillRef>
+          <a:effectRef idx="0">
+            <a:schemeClr val="accent1"/>
+          </a:effectRef>
+          <a:fontRef idx="minor">
+            <a:schemeClr val="lt1"/>
+          </a:fontRef>
+        </p:style>
+        <p:txBody>
+          <a:bodyPr anchor="ctr"/>
+          <a:lstStyle/>
+          <a:p>
+            <a:pPr lvl="0">
+              <a:defRPr/>
+            </a:pPr>
+            <a:r>
+              <a:rPr lang="en-US" altLang="ko-KR" sz="2400">
+                <a:solidFill>
+                  <a:schemeClr val="bg1"/>
+                </a:solidFill>
+                <a:latin typeface="+mj-lt"/>
+              </a:rPr>
+              <a:t>1.</a:t>
+            </a:r>
+            <a:r>
+              <a:rPr lang="ko-KR" altLang="en-US" sz="2400">
+                <a:solidFill>
+                  <a:schemeClr val="bg1"/>
+                </a:solidFill>
+                <a:latin typeface="+mj-lt"/>
+              </a:rPr>
+              <a:t> </a:t>
+            </a:r>
+            <a:r>
+              <a:rPr lang="en-US" altLang="ko-KR" sz="2400">
+                <a:solidFill>
+                  <a:schemeClr val="bg1"/>
+                </a:solidFill>
+                <a:latin typeface="+mj-lt"/>
+              </a:rPr>
+              <a:t>맵 배치 및 </a:t>
+            </a:r>
+            <a:r>
+              <a:rPr lang="en-US" altLang="ko-KR" sz="2800" b="1">
+                <a:solidFill>
+                  <a:schemeClr val="bg1"/>
+                </a:solidFill>
+                <a:latin typeface="+mj-lt"/>
+              </a:rPr>
+              <a:t>충돌</a:t>
+            </a:r>
+            <a:r>
+              <a:rPr lang="ko-KR" altLang="en-US" sz="2400">
+                <a:solidFill>
+                  <a:schemeClr val="bg1"/>
+                </a:solidFill>
+                <a:latin typeface="+mj-lt"/>
+              </a:rPr>
+              <a:t> 구현</a:t>
+            </a:r>
+            <a:r>
+              <a:rPr lang="en-US" altLang="ko-KR" sz="2400">
+                <a:solidFill>
+                  <a:schemeClr val="bg1"/>
+                </a:solidFill>
+                <a:latin typeface="+mj-lt"/>
+              </a:rPr>
+              <a:t> </a:t>
+            </a:r>
+            <a:endParaRPr lang="en-US" altLang="ko-KR" sz="2400">
+              <a:solidFill>
+                <a:schemeClr val="bg1"/>
+              </a:solidFill>
+              <a:latin typeface="+mj-lt"/>
+            </a:endParaRPr>
+          </a:p>
+        </p:txBody>
+      </p:sp>
+      <p:sp>
+        <p:nvSpPr>
+          <p:cNvPr id="12" name="직사각형 5"/>
+          <p:cNvSpPr/>
+          <p:nvPr/>
+        </p:nvSpPr>
+        <p:spPr>
+          <a:xfrm>
+            <a:off x="546243" y="2759822"/>
+            <a:ext cx="11043006" cy="1047749"/>
+          </a:xfrm>
+          <a:prstGeom prst="rect">
+            <a:avLst/>
+          </a:prstGeom>
+          <a:solidFill>
+            <a:schemeClr val="tx1"/>
+          </a:solidFill>
+          <a:ln w="28575">
+            <a:noFill/>
+          </a:ln>
+        </p:spPr>
+        <p:style>
+          <a:lnRef idx="2">
+            <a:schemeClr val="accent1">
+              <a:shade val="50000"/>
+            </a:schemeClr>
+          </a:lnRef>
+          <a:fillRef idx="1">
+            <a:schemeClr val="accent1"/>
+          </a:fillRef>
+          <a:effectRef idx="0">
+            <a:schemeClr val="accent1"/>
+          </a:effectRef>
+          <a:fontRef idx="minor">
+            <a:schemeClr val="lt1"/>
+          </a:fontRef>
+        </p:style>
+        <p:txBody>
+          <a:bodyPr anchor="ctr"/>
+          <a:lstStyle/>
+          <a:p>
+            <a:pPr lvl="0">
+              <a:defRPr/>
+            </a:pPr>
+            <a:r>
+              <a:rPr lang="en-US" altLang="ko-KR" sz="2400">
+                <a:solidFill>
+                  <a:schemeClr val="bg1"/>
+                </a:solidFill>
+                <a:latin typeface="+mj-lt"/>
+              </a:rPr>
+              <a:t>2.</a:t>
+            </a:r>
+            <a:r>
+              <a:rPr lang="en-US" altLang="ko-KR" sz="2400" i="0">
+                <a:solidFill>
+                  <a:schemeClr val="bg1"/>
+                </a:solidFill>
+                <a:effectLst/>
+                <a:latin typeface="+mj-lt"/>
+              </a:rPr>
+              <a:t> </a:t>
+            </a:r>
+            <a:r>
+              <a:rPr lang="en-US" altLang="ko-KR" sz="2800" b="1" i="0">
+                <a:solidFill>
+                  <a:schemeClr val="bg1"/>
+                </a:solidFill>
+                <a:latin typeface="+mj-lt"/>
+              </a:rPr>
+              <a:t>그림자</a:t>
+            </a:r>
+            <a:r>
+              <a:rPr lang="ko-KR" altLang="en-US" sz="2800" i="0">
+                <a:solidFill>
+                  <a:schemeClr val="bg1"/>
+                </a:solidFill>
+                <a:latin typeface="+mj-lt"/>
+              </a:rPr>
+              <a:t> 구현</a:t>
+            </a:r>
+            <a:endParaRPr lang="ko-KR" altLang="en-US" sz="2800" i="0">
+              <a:solidFill>
+                <a:schemeClr val="bg1"/>
+              </a:solidFill>
+              <a:latin typeface="+mj-lt"/>
+            </a:endParaRPr>
+          </a:p>
+        </p:txBody>
+      </p:sp>
+      <p:sp>
+        <p:nvSpPr>
+          <p:cNvPr id="13" name="직사각형 6"/>
+          <p:cNvSpPr/>
+          <p:nvPr/>
+        </p:nvSpPr>
+        <p:spPr>
+          <a:xfrm>
+            <a:off x="546243" y="3985485"/>
+            <a:ext cx="11043006" cy="1047749"/>
+          </a:xfrm>
+          <a:prstGeom prst="rect">
+            <a:avLst/>
+          </a:prstGeom>
+          <a:solidFill>
+            <a:schemeClr val="tx1"/>
+          </a:solidFill>
+          <a:ln w="28575">
+            <a:noFill/>
+          </a:ln>
+        </p:spPr>
+        <p:style>
+          <a:lnRef idx="2">
+            <a:schemeClr val="accent1">
+              <a:shade val="50000"/>
+            </a:schemeClr>
+          </a:lnRef>
+          <a:fillRef idx="1">
+            <a:schemeClr val="accent1"/>
+          </a:fillRef>
+          <a:effectRef idx="0">
+            <a:schemeClr val="accent1"/>
+          </a:effectRef>
+          <a:fontRef idx="minor">
+            <a:schemeClr val="lt1"/>
+          </a:fontRef>
+        </p:style>
+        <p:txBody>
+          <a:bodyPr anchor="ctr"/>
+          <a:lstStyle/>
+          <a:p>
+            <a:pPr lvl="0">
+              <a:defRPr/>
+            </a:pPr>
+            <a:r>
+              <a:rPr lang="en-US" altLang="ko-KR" sz="2400">
+                <a:solidFill>
+                  <a:schemeClr val="bg1"/>
+                </a:solidFill>
+                <a:latin typeface="+mj-lt"/>
+              </a:rPr>
+              <a:t>3.</a:t>
+            </a:r>
+            <a:r>
+              <a:rPr lang="en-US" altLang="ko-KR" sz="2800" b="1" i="0">
+                <a:solidFill>
+                  <a:schemeClr val="bg1"/>
+                </a:solidFill>
+                <a:effectLst/>
+                <a:latin typeface="+mj-lt"/>
+              </a:rPr>
+              <a:t> </a:t>
+            </a:r>
+            <a:r>
+              <a:rPr lang="ko-KR" altLang="en-US" sz="2800" b="1">
+                <a:solidFill>
+                  <a:schemeClr val="bg1"/>
+                </a:solidFill>
+                <a:latin typeface="+mj-lt"/>
+              </a:rPr>
+              <a:t>렌더링 효과</a:t>
+            </a:r>
+            <a:r>
+              <a:rPr lang="ko-KR" altLang="en-US" sz="2400">
+                <a:solidFill>
+                  <a:schemeClr val="bg1"/>
+                </a:solidFill>
+                <a:latin typeface="+mj-lt"/>
+              </a:rPr>
+              <a:t>(깊이 안개, 림라이트, 디졸브) 추가</a:t>
+            </a:r>
+            <a:endParaRPr lang="ko-KR" altLang="en-US" sz="2400">
+              <a:solidFill>
+                <a:schemeClr val="bg1"/>
+              </a:solidFill>
+              <a:latin typeface="+mj-lt"/>
+            </a:endParaRPr>
+          </a:p>
+        </p:txBody>
+      </p:sp>
+      <p:sp>
+        <p:nvSpPr>
+          <p:cNvPr id="14" name="직사각형 8"/>
+          <p:cNvSpPr/>
+          <p:nvPr/>
+        </p:nvSpPr>
+        <p:spPr>
+          <a:xfrm>
+            <a:off x="546243" y="5211148"/>
+            <a:ext cx="11043006" cy="1047749"/>
+          </a:xfrm>
+          <a:prstGeom prst="rect">
+            <a:avLst/>
+          </a:prstGeom>
+          <a:solidFill>
+            <a:schemeClr val="tx1"/>
+          </a:solidFill>
+          <a:ln w="28575">
+            <a:noFill/>
+          </a:ln>
+        </p:spPr>
+        <p:style>
+          <a:lnRef idx="2">
+            <a:schemeClr val="accent1">
+              <a:shade val="50000"/>
+            </a:schemeClr>
+          </a:lnRef>
+          <a:fillRef idx="1">
+            <a:schemeClr val="accent1"/>
+          </a:fillRef>
+          <a:effectRef idx="0">
+            <a:schemeClr val="accent1"/>
+          </a:effectRef>
+          <a:fontRef idx="minor">
+            <a:schemeClr val="lt1"/>
+          </a:fontRef>
+        </p:style>
+        <p:txBody>
+          <a:bodyPr anchor="ctr"/>
+          <a:lstStyle/>
+          <a:p>
+            <a:pPr lvl="0">
+              <a:defRPr/>
+            </a:pPr>
+            <a:r>
+              <a:rPr lang="en-US" altLang="ko-KR" sz="2400">
+                <a:solidFill>
+                  <a:schemeClr val="bg1"/>
+                </a:solidFill>
+                <a:latin typeface="+mj-lt"/>
+              </a:rPr>
+              <a:t>4.</a:t>
+            </a:r>
+            <a:r>
+              <a:rPr lang="en-US" altLang="ko-KR" sz="2400" i="0">
+                <a:solidFill>
+                  <a:schemeClr val="bg1"/>
+                </a:solidFill>
+                <a:effectLst/>
+                <a:latin typeface="+mj-lt"/>
+              </a:rPr>
+              <a:t> </a:t>
+            </a:r>
+            <a:r>
+              <a:rPr lang="ko-KR" altLang="en-US" sz="2800" b="1" i="0">
+                <a:solidFill>
+                  <a:schemeClr val="bg1"/>
+                </a:solidFill>
+                <a:latin typeface="+mj-lt"/>
+              </a:rPr>
+              <a:t>파티클</a:t>
+            </a:r>
+            <a:r>
+              <a:rPr lang="en-US" altLang="ko-KR" sz="2400" i="0">
+                <a:solidFill>
+                  <a:schemeClr val="bg1"/>
+                </a:solidFill>
+                <a:latin typeface="+mj-lt"/>
+              </a:rPr>
+              <a:t>(</a:t>
+            </a:r>
+            <a:r>
+              <a:rPr lang="ko-KR" altLang="en-US" sz="2400" i="0">
+                <a:solidFill>
+                  <a:schemeClr val="bg1"/>
+                </a:solidFill>
+                <a:latin typeface="+mj-lt"/>
+              </a:rPr>
+              <a:t>검광</a:t>
+            </a:r>
+            <a:r>
+              <a:rPr lang="en-US" altLang="ko-KR" sz="2400" i="0">
+                <a:solidFill>
+                  <a:schemeClr val="bg1"/>
+                </a:solidFill>
+                <a:latin typeface="+mj-lt"/>
+              </a:rPr>
+              <a:t>),</a:t>
+            </a:r>
+            <a:r>
+              <a:rPr lang="ko-KR" altLang="en-US" sz="2400" i="0">
+                <a:solidFill>
+                  <a:schemeClr val="bg1"/>
+                </a:solidFill>
+                <a:latin typeface="+mj-lt"/>
+              </a:rPr>
+              <a:t> </a:t>
+            </a:r>
+            <a:r>
+              <a:rPr lang="en-US" altLang="ko-KR" sz="2800" b="1" i="0">
+                <a:solidFill>
+                  <a:schemeClr val="bg1"/>
+                </a:solidFill>
+                <a:latin typeface="+mj-lt"/>
+              </a:rPr>
+              <a:t>UI</a:t>
+            </a:r>
+            <a:r>
+              <a:rPr lang="ko-KR" altLang="en-US" sz="2400" i="0">
+                <a:solidFill>
+                  <a:schemeClr val="bg1"/>
+                </a:solidFill>
+                <a:latin typeface="+mj-lt"/>
+              </a:rPr>
+              <a:t> 추가 </a:t>
+            </a:r>
+            <a:endParaRPr lang="ko-KR" altLang="en-US" sz="2400" i="0">
+              <a:solidFill>
+                <a:schemeClr val="bg1"/>
+              </a:solidFill>
+              <a:latin typeface="+mj-lt"/>
             </a:endParaRPr>
           </a:p>
         </p:txBody>
@@ -20590,7 +22444,7 @@
                   </a:outerShdw>
                 </a:effectLst>
               </a:rPr>
-              <a:t>5.</a:t>
+              <a:t>4.</a:t>
             </a:r>
             <a:r>
               <a:rPr xmlns:mc="http://schemas.openxmlformats.org/markup-compatibility/2006" xmlns:hp="http://schemas.haansoft.com/office/presentation/8.0" lang="ko-KR" altLang="en-US" sz="4800" b="1" mc:Ignorable="hp" hp:hslEmbossed="0">
@@ -20605,9 +22459,54 @@
                   </a:outerShdw>
                 </a:effectLst>
               </a:rPr>
-              <a:t> 문제점 및 보완책</a:t>
-            </a:r>
-            <a:endParaRPr xmlns:mc="http://schemas.openxmlformats.org/markup-compatibility/2006" xmlns:hp="http://schemas.haansoft.com/office/presentation/8.0" lang="ko-KR" altLang="en-US" sz="4800" b="1" mc:Ignorable="hp" hp:hslEmbossed="0">
+              <a:t> 개발내용 </a:t>
+            </a:r>
+            <a:r>
+              <a:rPr xmlns:mc="http://schemas.openxmlformats.org/markup-compatibility/2006" xmlns:hp="http://schemas.haansoft.com/office/presentation/8.0" lang="en-US" altLang="ko-KR" sz="4800" b="1" mc:Ignorable="hp" hp:hslEmbossed="0">
+                <a:solidFill>
+                  <a:schemeClr val="bg1"/>
+                </a:solidFill>
+                <a:effectLst>
+                  <a:outerShdw blurRad="38100" dist="38100" dir="2700000" algn="tl">
+                    <a:srgbClr val="000000">
+                      <a:alpha val="43140"/>
+                    </a:srgbClr>
+                  </a:outerShdw>
+                </a:effectLst>
+              </a:rPr>
+              <a:t>-</a:t>
+            </a:r>
+            <a:r>
+              <a:rPr xmlns:mc="http://schemas.openxmlformats.org/markup-compatibility/2006" xmlns:hp="http://schemas.haansoft.com/office/presentation/8.0" lang="ko-KR" altLang="en-US" sz="4800" b="1" mc:Ignorable="hp" hp:hslEmbossed="0">
+                <a:solidFill>
+                  <a:schemeClr val="bg1"/>
+                </a:solidFill>
+                <a:effectLst>
+                  <a:outerShdw blurRad="38100" dist="38100" dir="2700000" algn="tl">
+                    <a:srgbClr val="000000">
+                      <a:alpha val="43140"/>
+                    </a:srgbClr>
+                  </a:outerShdw>
+                </a:effectLst>
+              </a:rPr>
+              <a:t> </a:t>
+            </a:r>
+            <a:r>
+              <a:rPr xmlns:mc="http://schemas.openxmlformats.org/markup-compatibility/2006" xmlns:hp="http://schemas.haansoft.com/office/presentation/8.0" lang="ko-KR" altLang="en-US" sz="3200" b="1" mc:Ignorable="hp" hp:hslEmbossed="0">
+                <a:solidFill>
+                  <a:schemeClr val="bg1"/>
+                </a:solidFill>
+                <a:effectLst>
+                  <a:outerShdw blurRad="38100" dist="38100" dir="2700000" algn="tl">
+                    <a:srgbClr val="000000">
+                      <a:alpha val="43140"/>
+                    </a:srgbClr>
+                  </a:outerShdw>
+                </a:effectLst>
+              </a:rPr>
+              <a:t>게임화면</a:t>
+            </a:r>
+            <a:endParaRPr xmlns:mc="http://schemas.openxmlformats.org/markup-compatibility/2006" xmlns:hp="http://schemas.haansoft.com/office/presentation/8.0" lang="ko-KR" altLang="en-US" sz="3200" b="1" mc:Ignorable="hp" hp:hslEmbossed="0">
               <a:solidFill>
                 <a:schemeClr val="bg1"/>
               </a:solidFill>
@@ -20615,295 +22514,30 @@
           </a:p>
         </p:txBody>
       </p:sp>
-      <p:sp>
-        <p:nvSpPr>
-          <p:cNvPr id="2077" name="직사각형 10"/>
-          <p:cNvSpPr/>
+      <p:pic>
+        <p:nvPicPr>
+          <p:cNvPr id="10" name=""/>
+          <p:cNvPicPr>
+            <a:picLocks noChangeAspect="1"/>
+          </p:cNvPicPr>
           <p:nvPr/>
-        </p:nvSpPr>
+        </p:nvPicPr>
+        <p:blipFill rotWithShape="1">
+          <a:blip r:embed="rId2"/>
+          <a:stretch>
+            <a:fillRect/>
+          </a:stretch>
+        </p:blipFill>
         <p:spPr>
           <a:xfrm>
-            <a:off x="609600" y="1323968"/>
-            <a:ext cx="10603706" cy="5243519"/>
+            <a:off x="1373557" y="1180328"/>
+            <a:ext cx="9444886" cy="5527992"/>
           </a:xfrm>
           <a:prstGeom prst="rect">
             <a:avLst/>
           </a:prstGeom>
-          <a:solidFill>
-            <a:schemeClr val="tx1"/>
-          </a:solidFill>
-          <a:ln>
-            <a:noFill/>
-          </a:ln>
         </p:spPr>
-        <p:style>
-          <a:lnRef idx="2">
-            <a:schemeClr val="accent1">
-              <a:shade val="50000"/>
-            </a:schemeClr>
-          </a:lnRef>
-          <a:fillRef idx="1">
-            <a:schemeClr val="accent1"/>
-          </a:fillRef>
-          <a:effectRef idx="0">
-            <a:schemeClr val="accent1"/>
-          </a:effectRef>
-          <a:fontRef idx="minor">
-            <a:schemeClr val="lt1"/>
-          </a:fontRef>
-        </p:style>
-        <p:txBody>
-          <a:bodyPr anchor="ctr"/>
-          <a:lstStyle/>
-          <a:p>
-            <a:pPr algn="ctr">
-              <a:defRPr/>
-            </a:pPr>
-            <a:endParaRPr lang="ko-KR" altLang="en-US">
-              <a:solidFill>
-                <a:schemeClr val="bg1"/>
-              </a:solidFill>
-            </a:endParaRPr>
-          </a:p>
-        </p:txBody>
-      </p:sp>
-      <p:sp>
-        <p:nvSpPr>
-          <p:cNvPr id="2078" name="TextBox 3"/>
-          <p:cNvSpPr txBox="1"/>
-          <p:nvPr/>
-        </p:nvSpPr>
-        <p:spPr>
-          <a:xfrm>
-            <a:off x="730692" y="1283007"/>
-            <a:ext cx="9739663" cy="5020638"/>
-          </a:xfrm>
-          <a:prstGeom prst="rect">
-            <a:avLst/>
-          </a:prstGeom>
-          <a:noFill/>
-        </p:spPr>
-        <p:txBody>
-          <a:bodyPr wrap="square">
-            <a:spAutoFit/>
-          </a:bodyPr>
-          <a:lstStyle/>
-          <a:p>
-            <a:pPr marL="518000" indent="-518000">
-              <a:lnSpc>
-                <a:spcPct val="150000"/>
-              </a:lnSpc>
-              <a:buAutoNum type="arabicPeriod"/>
-              <a:defRPr/>
-            </a:pPr>
-            <a:r>
-              <a:rPr lang="ko-KR" altLang="en-US" sz="2800" b="1">
-                <a:solidFill>
-                  <a:schemeClr val="bg1"/>
-                </a:solidFill>
-              </a:rPr>
-              <a:t>게임의 </a:t>
-            </a:r>
-            <a:r>
-              <a:rPr lang="en-US" altLang="ko-KR" sz="2800" b="1">
-                <a:solidFill>
-                  <a:schemeClr val="bg1"/>
-                </a:solidFill>
-              </a:rPr>
-              <a:t>GUI</a:t>
-            </a:r>
-            <a:r>
-              <a:rPr lang="ko-KR" altLang="en-US" sz="2800" b="1">
-                <a:solidFill>
-                  <a:schemeClr val="bg1"/>
-                </a:solidFill>
-              </a:rPr>
-              <a:t>가 부족</a:t>
-            </a:r>
-            <a:endParaRPr lang="ko-KR" altLang="en-US" sz="2800" b="1">
-              <a:solidFill>
-                <a:schemeClr val="bg1"/>
-              </a:solidFill>
-            </a:endParaRPr>
-          </a:p>
-          <a:p>
-            <a:pPr marL="975200" lvl="1" indent="-518000">
-              <a:lnSpc>
-                <a:spcPct val="150000"/>
-              </a:lnSpc>
-              <a:buFont typeface="Arial"/>
-              <a:buChar char="•"/>
-              <a:defRPr/>
-            </a:pPr>
-            <a:r>
-              <a:rPr lang="en-US" altLang="ko-KR" sz="2200">
-                <a:solidFill>
-                  <a:schemeClr val="bg1"/>
-                </a:solidFill>
-              </a:rPr>
-              <a:t>UI</a:t>
-            </a:r>
-            <a:r>
-              <a:rPr lang="ko-KR" altLang="en-US" sz="2200">
-                <a:solidFill>
-                  <a:schemeClr val="bg1"/>
-                </a:solidFill>
-              </a:rPr>
-              <a:t>와 퀘스트 추가로 게임적인 부분 추가</a:t>
-            </a:r>
-            <a:endParaRPr lang="ko-KR" altLang="en-US" sz="2200">
-              <a:solidFill>
-                <a:schemeClr val="bg1"/>
-              </a:solidFill>
-            </a:endParaRPr>
-          </a:p>
-          <a:p>
-            <a:pPr marL="457200" lvl="1" indent="0">
-              <a:lnSpc>
-                <a:spcPct val="150000"/>
-              </a:lnSpc>
-              <a:buFont typeface="Arial"/>
-              <a:buNone/>
-              <a:defRPr/>
-            </a:pPr>
-            <a:endParaRPr lang="ko-KR" altLang="en-US" sz="2200">
-              <a:solidFill>
-                <a:schemeClr val="bg1"/>
-              </a:solidFill>
-            </a:endParaRPr>
-          </a:p>
-          <a:p>
-            <a:pPr marL="518000" indent="-518000">
-              <a:lnSpc>
-                <a:spcPct val="150000"/>
-              </a:lnSpc>
-              <a:buAutoNum type="arabicPeriod"/>
-              <a:defRPr/>
-            </a:pPr>
-            <a:r>
-              <a:rPr lang="ko-KR" altLang="en-US" sz="2800" b="1">
-                <a:solidFill>
-                  <a:schemeClr val="bg1"/>
-                </a:solidFill>
-              </a:rPr>
-              <a:t>어두운 곳의 메쉬 입체감 부족</a:t>
-            </a:r>
-            <a:endParaRPr lang="ko-KR" altLang="en-US" sz="2800" b="1">
-              <a:solidFill>
-                <a:schemeClr val="bg1"/>
-              </a:solidFill>
-            </a:endParaRPr>
-          </a:p>
-          <a:p>
-            <a:pPr marL="975200" lvl="1" indent="-518000">
-              <a:lnSpc>
-                <a:spcPct val="150000"/>
-              </a:lnSpc>
-              <a:buFont typeface="Arial"/>
-              <a:buChar char="•"/>
-              <a:defRPr/>
-            </a:pPr>
-            <a:r>
-              <a:rPr lang="ko-KR" altLang="en-US" sz="2200">
-                <a:solidFill>
-                  <a:schemeClr val="bg1"/>
-                </a:solidFill>
-              </a:rPr>
-              <a:t>내용 추가</a:t>
-            </a:r>
-            <a:endParaRPr lang="ko-KR" altLang="en-US" sz="2200">
-              <a:solidFill>
-                <a:schemeClr val="bg1"/>
-              </a:solidFill>
-            </a:endParaRPr>
-          </a:p>
-          <a:p>
-            <a:pPr marL="457200" lvl="1" indent="0">
-              <a:lnSpc>
-                <a:spcPct val="150000"/>
-              </a:lnSpc>
-              <a:buFont typeface="Arial"/>
-              <a:buNone/>
-              <a:defRPr/>
-            </a:pPr>
-            <a:endParaRPr lang="ko-KR" altLang="en-US" sz="2200">
-              <a:solidFill>
-                <a:schemeClr val="bg1"/>
-              </a:solidFill>
-            </a:endParaRPr>
-          </a:p>
-          <a:p>
-            <a:pPr marL="518000" indent="-518000">
-              <a:lnSpc>
-                <a:spcPct val="150000"/>
-              </a:lnSpc>
-              <a:buAutoNum type="arabicPeriod"/>
-              <a:defRPr/>
-            </a:pPr>
-            <a:r>
-              <a:rPr lang="en-US" altLang="ko-KR" sz="2800" b="1">
-                <a:solidFill>
-                  <a:schemeClr val="bg1"/>
-                </a:solidFill>
-              </a:rPr>
-              <a:t>???</a:t>
-            </a:r>
-            <a:endParaRPr lang="en-US" altLang="ko-KR" sz="2800" b="1">
-              <a:solidFill>
-                <a:schemeClr val="bg1"/>
-              </a:solidFill>
-            </a:endParaRPr>
-          </a:p>
-          <a:p>
-            <a:pPr marL="975200" lvl="1" indent="-518000">
-              <a:lnSpc>
-                <a:spcPct val="150000"/>
-              </a:lnSpc>
-              <a:buFont typeface="Arial"/>
-              <a:buChar char="•"/>
-              <a:defRPr/>
-            </a:pPr>
-            <a:r>
-              <a:rPr lang="en-US" altLang="ko-KR" sz="2200">
-                <a:solidFill>
-                  <a:schemeClr val="bg1"/>
-                </a:solidFill>
-              </a:rPr>
-              <a:t>???</a:t>
-            </a:r>
-            <a:endParaRPr lang="en-US" altLang="ko-KR" sz="2200">
-              <a:solidFill>
-                <a:schemeClr val="bg1"/>
-              </a:solidFill>
-            </a:endParaRPr>
-          </a:p>
-          <a:p>
-            <a:pPr marL="457200" indent="-457200" algn="l" defTabSz="116128" rtl="0" eaLnBrk="1" latinLnBrk="0" hangingPunct="1">
-              <a:lnSpc>
-                <a:spcPct val="150000"/>
-              </a:lnSpc>
-              <a:spcBef>
-                <a:spcPct val="0"/>
-              </a:spcBef>
-              <a:spcAft>
-                <a:spcPts val="0"/>
-              </a:spcAft>
-              <a:buFont typeface="Arial"/>
-              <a:buChar char="•"/>
-              <a:defRPr/>
-            </a:pPr>
-            <a:endParaRPr lang="ko-KR" altLang="en-US" sz="2200" b="0" i="0" kern="1200">
-              <a:solidFill>
-                <a:schemeClr val="bg1"/>
-              </a:solidFill>
-              <a:effectLst/>
-              <a:latin typeface="+mn-lt"/>
-              <a:ea typeface="+mn-ea"/>
-              <a:cs typeface="+mn-cs"/>
-            </a:endParaRPr>
-          </a:p>
-        </p:txBody>
-      </p:sp>
+      </p:pic>
     </p:spTree>
   </p:cSld>
   <p:clrMapOvr>

--- a/발표자료/2. 중간발표/의뢰인_윤성주, 최경훈.pptx
+++ b/발표자료/2. 중간발표/의뢰인_윤성주, 최경훈.pptx
@@ -2,7 +2,7 @@
 <file path=ppt/presentation.xml><?xml version="1.0" encoding="utf-8"?>
 <p:presentation xmlns:r="http://schemas.openxmlformats.org/officeDocument/2006/relationships" xmlns:c="http://schemas.openxmlformats.org/drawingml/2006/chart" xmlns:a="http://schemas.openxmlformats.org/drawingml/2006/main" xmlns:dgm="http://schemas.openxmlformats.org/drawingml/2006/diagram" xmlns:dsp="http://schemas.microsoft.com/office/drawing/2008/diagram" xmlns:p="http://schemas.openxmlformats.org/presentationml/2006/main">
   <p:sldMasterIdLst>
-    <p:sldMasterId id="2147483675" r:id="rId1"/>
+    <p:sldMasterId id="2147483674" r:id="rId1"/>
   </p:sldMasterIdLst>
   <p:notesMasterIdLst>
     <p:notesMasterId r:id="rId2"/>
@@ -18501,35 +18501,6 @@
           </a:p>
         </p:txBody>
       </p:sp>
-      <p:pic>
-        <p:nvPicPr>
-          <p:cNvPr id="10" name="그림 7"/>
-          <p:cNvPicPr>
-            <a:picLocks noChangeAspect="1"/>
-          </p:cNvPicPr>
-          <p:nvPr/>
-        </p:nvPicPr>
-        <p:blipFill rotWithShape="1">
-          <a:blip r:embed="rId2"/>
-          <a:stretch>
-            <a:fillRect/>
-          </a:stretch>
-        </p:blipFill>
-        <p:spPr>
-          <a:xfrm>
-            <a:off x="685800" y="1236742"/>
-            <a:ext cx="5410200" cy="5410200"/>
-          </a:xfrm>
-          <a:prstGeom prst="rect">
-            <a:avLst/>
-          </a:prstGeom>
-          <a:ln w="28575">
-            <a:solidFill>
-              <a:schemeClr val="bg1"/>
-            </a:solidFill>
-          </a:ln>
-        </p:spPr>
-      </p:pic>
       <p:sp>
         <p:nvSpPr>
           <p:cNvPr id="11" name="직사각형 5"/>
@@ -18643,6 +18614,35 @@
           </a:p>
         </p:txBody>
       </p:sp>
+      <p:pic>
+        <p:nvPicPr>
+          <p:cNvPr id="12" name=""/>
+          <p:cNvPicPr>
+            <a:picLocks noChangeAspect="1"/>
+          </p:cNvPicPr>
+          <p:nvPr/>
+        </p:nvPicPr>
+        <p:blipFill rotWithShape="1">
+          <a:blip r:embed="rId2"/>
+          <a:stretch>
+            <a:fillRect/>
+          </a:stretch>
+        </p:blipFill>
+        <p:spPr>
+          <a:xfrm>
+            <a:off x="802822" y="1389165"/>
+            <a:ext cx="5007427" cy="5007427"/>
+          </a:xfrm>
+          <a:prstGeom prst="rect">
+            <a:avLst/>
+          </a:prstGeom>
+          <a:ln w="50800">
+            <a:solidFill>
+              <a:schemeClr val="dk1"/>
+            </a:solidFill>
+          </a:ln>
+        </p:spPr>
+      </p:pic>
     </p:spTree>
   </p:cSld>
   <p:clrMapOvr>
@@ -22073,6 +22073,16 @@
               <a:t> </a:t>
             </a:r>
             <a:r>
+              <a:rPr lang="ko-KR" altLang="en-US" sz="2400" i="0">
+                <a:solidFill>
+                  <a:schemeClr val="bg1"/>
+                </a:solidFill>
+                <a:effectLst/>
+                <a:latin typeface="+mj-lt"/>
+              </a:rPr>
+              <a:t>그림자 맵을 통한 </a:t>
+            </a:r>
+            <a:r>
               <a:rPr lang="en-US" altLang="ko-KR" sz="2800" b="1" i="0">
                 <a:solidFill>
                   <a:schemeClr val="bg1"/>
@@ -22178,7 +22188,7 @@
                 </a:solidFill>
                 <a:latin typeface="+mj-lt"/>
               </a:rPr>
-              <a:t>(깊이 안개, 림라이트, 디졸브) 추가</a:t>
+              <a:t>(깊이 안개, 림라이트, 디졸브) 구현</a:t>
             </a:r>
             <a:endParaRPr lang="ko-KR" altLang="en-US" sz="2400">
               <a:solidFill>
@@ -22286,6 +22296,42 @@
                 </a:solidFill>
                 <a:latin typeface="+mj-lt"/>
               </a:rPr>
+              <a:t>,</a:t>
+            </a:r>
+            <a:r>
+              <a:rPr lang="ko-KR" altLang="en-US" sz="2400" i="0">
+                <a:solidFill>
+                  <a:schemeClr val="bg1"/>
+                </a:solidFill>
+                <a:latin typeface="+mj-lt"/>
+              </a:rPr>
+              <a:t> 파티클</a:t>
+            </a:r>
+            <a:r>
+              <a:rPr lang="en-US" altLang="ko-KR" sz="2400" i="0">
+                <a:solidFill>
+                  <a:schemeClr val="bg1"/>
+                </a:solidFill>
+                <a:latin typeface="+mj-lt"/>
+              </a:rPr>
+              <a:t>,</a:t>
+            </a:r>
+            <a:r>
+              <a:rPr lang="ko-KR" altLang="en-US" sz="2400" i="0">
+                <a:solidFill>
+                  <a:schemeClr val="bg1"/>
+                </a:solidFill>
+                <a:latin typeface="+mj-lt"/>
+              </a:rPr>
+              <a:t> 스프라이트 이미지</a:t>
+            </a:r>
+            <a:r>
+              <a:rPr lang="en-US" altLang="ko-KR" sz="2400" i="0">
+                <a:solidFill>
+                  <a:schemeClr val="bg1"/>
+                </a:solidFill>
+                <a:latin typeface="+mj-lt"/>
+              </a:rPr>
               <a:t>),</a:t>
             </a:r>
             <a:r>
@@ -22313,7 +22359,7 @@
                 </a:solidFill>
                 <a:latin typeface="+mj-lt"/>
               </a:rPr>
-              <a:t> 추가 </a:t>
+              <a:t> 구현 </a:t>
             </a:r>
             <a:endParaRPr lang="ko-KR" altLang="en-US" sz="2400" i="0">
               <a:solidFill>

--- a/발표자료/2. 중간발표/의뢰인_윤성주, 최경훈.pptx
+++ b/발표자료/2. 중간발표/의뢰인_윤성주, 최경훈.pptx
@@ -1,27 +1,30 @@
 
 <file path=ppt/presentation.xml><?xml version="1.0" encoding="utf-8"?>
-<p:presentation xmlns:r="http://schemas.openxmlformats.org/officeDocument/2006/relationships" xmlns:c="http://schemas.openxmlformats.org/drawingml/2006/chart" xmlns:a="http://schemas.openxmlformats.org/drawingml/2006/main" xmlns:dgm="http://schemas.openxmlformats.org/drawingml/2006/diagram" xmlns:dsp="http://schemas.microsoft.com/office/drawing/2008/diagram" xmlns:p="http://schemas.openxmlformats.org/presentationml/2006/main">
+<p:presentation xmlns:a="http://schemas.openxmlformats.org/drawingml/2006/main" xmlns:r="http://schemas.openxmlformats.org/officeDocument/2006/relationships" xmlns:p="http://schemas.openxmlformats.org/presentationml/2006/main">
   <p:sldMasterIdLst>
-    <p:sldMasterId id="2147483687" r:id="rId1"/>
+    <p:sldMasterId id="2147483674" r:id="rId1"/>
   </p:sldMasterIdLst>
   <p:notesMasterIdLst>
-    <p:notesMasterId r:id="rId2"/>
+    <p:notesMasterId r:id="rId19"/>
   </p:notesMasterIdLst>
   <p:sldIdLst>
-    <p:sldId id="256" r:id="rId3"/>
-    <p:sldId id="257" r:id="rId4"/>
-    <p:sldId id="275" r:id="rId5"/>
-    <p:sldId id="258" r:id="rId6"/>
-    <p:sldId id="273" r:id="rId7"/>
-    <p:sldId id="261" r:id="rId8"/>
-    <p:sldId id="276" r:id="rId9"/>
-    <p:sldId id="277" r:id="rId10"/>
-    <p:sldId id="278" r:id="rId11"/>
-    <p:sldId id="264" r:id="rId12"/>
-    <p:sldId id="279" r:id="rId13"/>
-    <p:sldId id="280" r:id="rId14"/>
-    <p:sldId id="281" r:id="rId15"/>
-    <p:sldId id="265" r:id="rId16"/>
+    <p:sldId id="256" r:id="rId2"/>
+    <p:sldId id="257" r:id="rId3"/>
+    <p:sldId id="275" r:id="rId4"/>
+    <p:sldId id="285" r:id="rId5"/>
+    <p:sldId id="273" r:id="rId6"/>
+    <p:sldId id="261" r:id="rId7"/>
+    <p:sldId id="276" r:id="rId8"/>
+    <p:sldId id="282" r:id="rId9"/>
+    <p:sldId id="283" r:id="rId10"/>
+    <p:sldId id="284" r:id="rId11"/>
+    <p:sldId id="277" r:id="rId12"/>
+    <p:sldId id="278" r:id="rId13"/>
+    <p:sldId id="264" r:id="rId14"/>
+    <p:sldId id="279" r:id="rId15"/>
+    <p:sldId id="280" r:id="rId16"/>
+    <p:sldId id="281" r:id="rId17"/>
+    <p:sldId id="265" r:id="rId18"/>
   </p:sldIdLst>
   <p:sldSz cx="12192000" cy="6858000"/>
   <p:notesSz cx="6858000" cy="9144000"/>
@@ -120,11 +123,27 @@
       </a:defRPr>
     </a:lvl9pPr>
   </p:defaultTextStyle>
+  <p:extLst>
+    <p:ext uri="{EFAFB233-063F-42B5-8137-9DF3F51BA10A}">
+      <p15:sldGuideLst xmlns:p15="http://schemas.microsoft.com/office/powerpoint/2012/main">
+        <p15:guide id="1" orient="horz" pos="2156">
+          <p15:clr>
+            <a:srgbClr val="A4A3A4"/>
+          </p15:clr>
+        </p15:guide>
+        <p15:guide id="2" pos="3839">
+          <p15:clr>
+            <a:srgbClr val="A4A3A4"/>
+          </p15:clr>
+        </p15:guide>
+      </p15:sldGuideLst>
+    </p:ext>
+  </p:extLst>
 </p:presentation>
 </file>
 
 <file path=ppt/notesMasters/notesMaster1.xml><?xml version="1.0" encoding="utf-8"?>
-<p:notesMaster xmlns:r="http://schemas.openxmlformats.org/officeDocument/2006/relationships" xmlns:c="http://schemas.openxmlformats.org/drawingml/2006/chart" xmlns:a="http://schemas.openxmlformats.org/drawingml/2006/main" xmlns:dgm="http://schemas.openxmlformats.org/drawingml/2006/diagram" xmlns:dsp="http://schemas.microsoft.com/office/drawing/2008/diagram" xmlns:p="http://schemas.openxmlformats.org/presentationml/2006/main">
+<p:notesMaster xmlns:a="http://schemas.openxmlformats.org/drawingml/2006/main" xmlns:r="http://schemas.openxmlformats.org/officeDocument/2006/relationships" xmlns:p="http://schemas.openxmlformats.org/presentationml/2006/main">
   <p:cSld>
     <p:bg>
       <p:bgRef idx="1001">
@@ -152,7 +171,7 @@
             <a:spLocks noGrp="1"/>
           </p:cNvSpPr>
           <p:nvPr>
-            <p:ph type="hdr" sz="quarter" idx="0"/>
+            <p:ph type="hdr" sz="quarter"/>
           </p:nvPr>
         </p:nvSpPr>
         <p:spPr>
@@ -175,10 +194,6 @@
             <a:pPr lvl="0">
               <a:defRPr/>
             </a:pPr>
-            <a:r>
-              <a:rPr lang="ko-KR" altLang="en-US"/>
-              <a:t/>
-            </a:r>
             <a:endParaRPr lang="ko-KR" altLang="en-US"/>
           </a:p>
         </p:txBody>
@@ -218,7 +233,7 @@
               <a:pPr lvl="0">
                 <a:defRPr/>
               </a:pPr>
-              <a:t>2022-04-29</a:t>
+              <a:t>2022-04-30</a:t>
             </a:fld>
             <a:endParaRPr lang="ko-KR" altLang="en-US"/>
           </a:p>
@@ -290,7 +305,6 @@
               <a:rPr lang="ko-KR" altLang="en-US"/>
               <a:t>마스터 텍스트 스타일을 편집하려면 클릭</a:t>
             </a:r>
-            <a:endParaRPr lang="ko-KR" altLang="en-US"/>
           </a:p>
           <a:p>
             <a:pPr lvl="1">
@@ -300,7 +314,6 @@
               <a:rPr lang="ko-KR" altLang="en-US"/>
               <a:t>두 번째 수준</a:t>
             </a:r>
-            <a:endParaRPr lang="ko-KR" altLang="en-US"/>
           </a:p>
           <a:p>
             <a:pPr lvl="2">
@@ -310,7 +323,6 @@
               <a:rPr lang="ko-KR" altLang="en-US"/>
               <a:t>세 번째 수준</a:t>
             </a:r>
-            <a:endParaRPr lang="ko-KR" altLang="en-US"/>
           </a:p>
           <a:p>
             <a:pPr lvl="3">
@@ -320,7 +332,6 @@
               <a:rPr lang="ko-KR" altLang="en-US"/>
               <a:t>네 번째 수준</a:t>
             </a:r>
-            <a:endParaRPr lang="ko-KR" altLang="en-US"/>
           </a:p>
           <a:p>
             <a:pPr lvl="4">
@@ -330,7 +341,6 @@
               <a:rPr lang="ko-KR" altLang="en-US"/>
               <a:t>다섯 번째 수준</a:t>
             </a:r>
-            <a:endParaRPr lang="ko-KR" altLang="en-US"/>
           </a:p>
         </p:txBody>
       </p:sp>
@@ -364,10 +374,6 @@
             <a:pPr lvl="0">
               <a:defRPr/>
             </a:pPr>
-            <a:r>
-              <a:rPr lang="ko-KR" altLang="en-US"/>
-              <a:t/>
-            </a:r>
             <a:endParaRPr lang="ko-KR" altLang="en-US"/>
           </a:p>
         </p:txBody>
@@ -643,7 +649,7 @@
           <a:p>
             <a:fld id="{4B713A6E-6756-41FD-9159-1191042CD26F}" type="datetime1">
               <a:rPr lang="ko-KR" altLang="en-US" smtClean="0"/>
-              <a:t>2021-12-26</a:t>
+              <a:t>2022-04-30</a:t>
             </a:fld>
             <a:endParaRPr lang="ko-KR" altLang="en-US"/>
           </a:p>
@@ -813,7 +819,7 @@
           <a:p>
             <a:fld id="{5FE9801D-0F3C-43E0-A894-9DE16A9F9774}" type="datetime1">
               <a:rPr lang="ko-KR" altLang="en-US" smtClean="0"/>
-              <a:t>2021-12-26</a:t>
+              <a:t>2022-04-30</a:t>
             </a:fld>
             <a:endParaRPr lang="ko-KR" altLang="en-US"/>
           </a:p>
@@ -993,7 +999,7 @@
           <a:p>
             <a:fld id="{527C8C19-8757-4681-95D9-A5D97A4B474D}" type="datetime1">
               <a:rPr lang="ko-KR" altLang="en-US" smtClean="0"/>
-              <a:t>2021-12-26</a:t>
+              <a:t>2022-04-30</a:t>
             </a:fld>
             <a:endParaRPr lang="ko-KR" altLang="en-US"/>
           </a:p>
@@ -1163,7 +1169,7 @@
           <a:p>
             <a:fld id="{691ACDA9-80F5-4951-92B2-D5939EABAD5D}" type="datetime1">
               <a:rPr lang="ko-KR" altLang="en-US" smtClean="0"/>
-              <a:t>2021-12-26</a:t>
+              <a:t>2022-04-30</a:t>
             </a:fld>
             <a:endParaRPr lang="ko-KR" altLang="en-US"/>
           </a:p>
@@ -1409,7 +1415,7 @@
           <a:p>
             <a:fld id="{7201B8A1-B6A1-4CA7-A0B9-C3344E073568}" type="datetime1">
               <a:rPr lang="ko-KR" altLang="en-US" smtClean="0"/>
-              <a:t>2021-12-26</a:t>
+              <a:t>2022-04-30</a:t>
             </a:fld>
             <a:endParaRPr lang="ko-KR" altLang="en-US"/>
           </a:p>
@@ -1641,7 +1647,7 @@
           <a:p>
             <a:fld id="{AC2B8516-1E53-431E-BEC4-AA8A98366B8E}" type="datetime1">
               <a:rPr lang="ko-KR" altLang="en-US" smtClean="0"/>
-              <a:t>2021-12-26</a:t>
+              <a:t>2022-04-30</a:t>
             </a:fld>
             <a:endParaRPr lang="ko-KR" altLang="en-US"/>
           </a:p>
@@ -2008,7 +2014,7 @@
           <a:p>
             <a:fld id="{8C6FB0B5-2FD4-4C4C-9B07-B2D7F7CF86EF}" type="datetime1">
               <a:rPr lang="ko-KR" altLang="en-US" smtClean="0"/>
-              <a:t>2021-12-26</a:t>
+              <a:t>2022-04-30</a:t>
             </a:fld>
             <a:endParaRPr lang="ko-KR" altLang="en-US"/>
           </a:p>
@@ -2126,7 +2132,7 @@
           <a:p>
             <a:fld id="{C9AABEB3-A36C-4A33-BB03-FB66797454B3}" type="datetime1">
               <a:rPr lang="ko-KR" altLang="en-US" smtClean="0"/>
-              <a:t>2021-12-26</a:t>
+              <a:t>2022-04-30</a:t>
             </a:fld>
             <a:endParaRPr lang="ko-KR" altLang="en-US"/>
           </a:p>
@@ -2221,7 +2227,7 @@
           <a:p>
             <a:fld id="{55C25123-0771-414F-83B9-94E0FED7B47B}" type="datetime1">
               <a:rPr lang="ko-KR" altLang="en-US" smtClean="0"/>
-              <a:t>2021-12-26</a:t>
+              <a:t>2022-04-30</a:t>
             </a:fld>
             <a:endParaRPr lang="ko-KR" altLang="en-US"/>
           </a:p>
@@ -2498,7 +2504,7 @@
           <a:p>
             <a:fld id="{CE854381-7842-4A6C-9FB6-81E9D0310CE5}" type="datetime1">
               <a:rPr lang="ko-KR" altLang="en-US" smtClean="0"/>
-              <a:t>2021-12-26</a:t>
+              <a:t>2022-04-30</a:t>
             </a:fld>
             <a:endParaRPr lang="ko-KR" altLang="en-US"/>
           </a:p>
@@ -2755,7 +2761,7 @@
           <a:p>
             <a:fld id="{DC60FBFF-9E69-4464-96CB-F9A16FC68D6A}" type="datetime1">
               <a:rPr lang="ko-KR" altLang="en-US" smtClean="0"/>
-              <a:t>2021-12-26</a:t>
+              <a:t>2022-04-30</a:t>
             </a:fld>
             <a:endParaRPr lang="ko-KR" altLang="en-US"/>
           </a:p>
@@ -2974,7 +2980,7 @@
           <a:p>
             <a:fld id="{9D5775FA-E3BE-411B-9705-49A7F4C9739E}" type="datetime1">
               <a:rPr lang="ko-KR" altLang="en-US" smtClean="0"/>
-              <a:t>2021-12-26</a:t>
+              <a:t>2022-04-30</a:t>
             </a:fld>
             <a:endParaRPr lang="ko-KR" altLang="en-US"/>
           </a:p>
@@ -3364,7 +3370,7 @@
 </file>
 
 <file path=ppt/slides/slide1.xml><?xml version="1.0" encoding="utf-8"?>
-<p:sld xmlns:r="http://schemas.openxmlformats.org/officeDocument/2006/relationships" xmlns:c="http://schemas.openxmlformats.org/drawingml/2006/chart" xmlns:a="http://schemas.openxmlformats.org/drawingml/2006/main" xmlns:dgm="http://schemas.openxmlformats.org/drawingml/2006/diagram" xmlns:dsp="http://schemas.microsoft.com/office/drawing/2008/diagram" xmlns:p="http://schemas.openxmlformats.org/presentationml/2006/main">
+<p:sld xmlns:a="http://schemas.openxmlformats.org/drawingml/2006/main" xmlns:r="http://schemas.openxmlformats.org/officeDocument/2006/relationships" xmlns:p="http://schemas.openxmlformats.org/presentationml/2006/main">
   <p:cSld>
     <p:spTree>
       <p:nvGrpSpPr>
@@ -3387,7 +3393,7 @@
             <a:spLocks noGrp="1"/>
           </p:cNvSpPr>
           <p:nvPr>
-            <p:ph type="ctrTitle" idx="0"/>
+            <p:ph type="ctrTitle"/>
           </p:nvPr>
         </p:nvSpPr>
         <p:spPr>
@@ -3409,7 +3415,7 @@
               <a:defRPr/>
             </a:pPr>
             <a:r>
-              <a:rPr xmlns:mc="http://schemas.openxmlformats.org/markup-compatibility/2006" xmlns:hp="http://schemas.haansoft.com/office/presentation/8.0" lang="ko-KR" altLang="en-US" sz="9600" b="1" mc:Ignorable="hp" hp:hslEmbossed="0">
+              <a:rPr lang="ko-KR" altLang="en-US" sz="9600" b="1">
                 <a:solidFill>
                   <a:schemeClr val="bg1"/>
                 </a:solidFill>
@@ -3426,7 +3432,7 @@
               </a:rPr>
               <a:t>의뢰인</a:t>
             </a:r>
-            <a:endParaRPr xmlns:mc="http://schemas.openxmlformats.org/markup-compatibility/2006" xmlns:hp="http://schemas.haansoft.com/office/presentation/8.0" lang="ko-KR" altLang="en-US" b="1" mc:Ignorable="hp" hp:hslEmbossed="0">
+            <a:endParaRPr lang="ko-KR" altLang="en-US" b="1">
               <a:solidFill>
                 <a:schemeClr val="bg1"/>
               </a:solidFill>
@@ -3464,7 +3470,7 @@
           </a:solidFill>
           <a:ln w="38100">
             <a:solidFill>
-              <a:srgbClr val="cd7811"/>
+              <a:srgbClr val="CD7811"/>
             </a:solidFill>
           </a:ln>
         </p:spPr>
@@ -3508,17 +3514,6 @@
               </a:rPr>
               <a:t> 윤정현</a:t>
             </a:r>
-            <a:endParaRPr lang="ko-KR" altLang="en-US" b="1" u="sng">
-              <a:solidFill>
-                <a:schemeClr val="bg1">
-                  <a:lumMod val="95000"/>
-                  <a:lumOff val="5000"/>
-                </a:schemeClr>
-              </a:solidFill>
-              <a:latin typeface="한컴 고딕"/>
-              <a:ea typeface="한컴 고딕"/>
-              <a:cs typeface="함초롬바탕"/>
-            </a:endParaRPr>
           </a:p>
         </p:txBody>
       </p:sp>
@@ -3572,14 +3567,6 @@
               </a:rPr>
               <a:t>윤성주</a:t>
             </a:r>
-            <a:endParaRPr lang="ko-KR" altLang="en-US" sz="2400" b="1">
-              <a:solidFill>
-                <a:schemeClr val="bg1"/>
-              </a:solidFill>
-              <a:latin typeface="한컴 고딕"/>
-              <a:ea typeface="한컴 고딕"/>
-              <a:cs typeface="함초롬바탕"/>
-            </a:endParaRPr>
           </a:p>
           <a:p>
             <a:pPr>
@@ -3610,14 +3597,6 @@
               </a:rPr>
               <a:t>최경훈</a:t>
             </a:r>
-            <a:endParaRPr lang="ko-KR" altLang="en-US" sz="2400" b="1">
-              <a:solidFill>
-                <a:schemeClr val="bg1"/>
-              </a:solidFill>
-              <a:latin typeface="한컴 고딕"/>
-              <a:ea typeface="한컴 고딕"/>
-              <a:cs typeface="함초롬바탕"/>
-            </a:endParaRPr>
           </a:p>
         </p:txBody>
       </p:sp>
@@ -3702,17 +3681,6 @@
               </a:rPr>
               <a:t>졸업작품 중간발표</a:t>
             </a:r>
-            <a:endParaRPr lang="ko-KR" altLang="en-US" b="1">
-              <a:solidFill>
-                <a:schemeClr val="bg1">
-                  <a:lumMod val="85000"/>
-                  <a:lumOff val="15000"/>
-                </a:schemeClr>
-              </a:solidFill>
-              <a:latin typeface="한컴 고딕"/>
-              <a:ea typeface="한컴 고딕"/>
-              <a:cs typeface="함초롬바탕"/>
-            </a:endParaRPr>
           </a:p>
         </p:txBody>
       </p:sp>
@@ -3802,13 +3770,6 @@
               </a:rPr>
               <a:t>사막</a:t>
             </a:r>
-            <a:endParaRPr lang="ko-KR" altLang="en-US" sz="3200">
-              <a:solidFill>
-                <a:schemeClr val="accent1">
-                  <a:lumMod val="50000"/>
-                </a:schemeClr>
-              </a:solidFill>
-            </a:endParaRPr>
           </a:p>
         </p:txBody>
       </p:sp>
@@ -3817,11 +3778,11 @@
   <p:clrMapOvr>
     <a:masterClrMapping/>
   </p:clrMapOvr>
-  <mc:AlternateContent xmlns:mc="http://schemas.openxmlformats.org/markup-compatibility/2006">
-    <mc:Choice xmlns:p14="http://schemas.microsoft.com/office/powerpoint/2010/main" Requires="p14">
-      <p:transition xmlns:mc="http://schemas.openxmlformats.org/markup-compatibility/2006" xmlns:p14="http://schemas.microsoft.com/office/powerpoint/2010/main" mc:Ignorable="p14" p14:dur="500"/>
+  <mc:AlternateContent xmlns:mc="http://schemas.openxmlformats.org/markup-compatibility/2006" xmlns:p14="http://schemas.microsoft.com/office/powerpoint/2010/main">
+    <mc:Choice Requires="p14">
+      <p:transition/>
     </mc:Choice>
-    <mc:Fallback>
+    <mc:Fallback xmlns:dsp="http://schemas.microsoft.com/office/drawing/2008/diagram" xmlns:dgm="http://schemas.openxmlformats.org/drawingml/2006/diagram" xmlns:c="http://schemas.openxmlformats.org/drawingml/2006/chart" xmlns="">
       <p:transition/>
     </mc:Fallback>
   </mc:AlternateContent>
@@ -3829,7 +3790,977 @@
 </file>
 
 <file path=ppt/slides/slide10.xml><?xml version="1.0" encoding="utf-8"?>
-<p:sld xmlns:r="http://schemas.openxmlformats.org/officeDocument/2006/relationships" xmlns:c="http://schemas.openxmlformats.org/drawingml/2006/chart" xmlns:a="http://schemas.openxmlformats.org/drawingml/2006/main" xmlns:dgm="http://schemas.openxmlformats.org/drawingml/2006/diagram" xmlns:dsp="http://schemas.microsoft.com/office/drawing/2008/diagram" xmlns:p="http://schemas.openxmlformats.org/presentationml/2006/main">
+<p:sld xmlns:a="http://schemas.openxmlformats.org/drawingml/2006/main" xmlns:r="http://schemas.openxmlformats.org/officeDocument/2006/relationships" xmlns:p="http://schemas.openxmlformats.org/presentationml/2006/main">
+  <p:cSld>
+    <p:spTree>
+      <p:nvGrpSpPr>
+        <p:cNvPr id="1" name=""/>
+        <p:cNvGrpSpPr/>
+        <p:nvPr/>
+      </p:nvGrpSpPr>
+      <p:grpSpPr>
+        <a:xfrm>
+          <a:off x="0" y="0"/>
+          <a:ext cx="0" cy="0"/>
+          <a:chOff x="0" y="0"/>
+          <a:chExt cx="0" cy="0"/>
+        </a:xfrm>
+      </p:grpSpPr>
+      <p:sp>
+        <p:nvSpPr>
+          <p:cNvPr id="4" name="슬라이드 번호 개체 틀 3"/>
+          <p:cNvSpPr>
+            <a:spLocks noGrp="1"/>
+          </p:cNvSpPr>
+          <p:nvPr>
+            <p:ph type="sldNum" sz="quarter" idx="12"/>
+          </p:nvPr>
+        </p:nvSpPr>
+        <p:spPr/>
+        <p:txBody>
+          <a:bodyPr/>
+          <a:lstStyle/>
+          <a:p>
+            <a:pPr lvl="0">
+              <a:defRPr/>
+            </a:pPr>
+            <a:fld id="{23C339B1-0600-4FE1-927C-115819F8FB24}" type="slidenum">
+              <a:rPr lang="en-US" altLang="en-US"/>
+              <a:pPr lvl="0">
+                <a:defRPr/>
+              </a:pPr>
+              <a:t>10</a:t>
+            </a:fld>
+            <a:endParaRPr lang="en-US" altLang="en-US"/>
+          </a:p>
+        </p:txBody>
+      </p:sp>
+      <p:sp>
+        <p:nvSpPr>
+          <p:cNvPr id="8" name="제목 1"/>
+          <p:cNvSpPr txBox="1"/>
+          <p:nvPr/>
+        </p:nvSpPr>
+        <p:spPr>
+          <a:xfrm>
+            <a:off x="371475" y="323845"/>
+            <a:ext cx="11125199" cy="1047748"/>
+          </a:xfrm>
+          <a:prstGeom prst="rect">
+            <a:avLst/>
+          </a:prstGeom>
+          <a:ln>
+            <a:noFill/>
+          </a:ln>
+        </p:spPr>
+        <p:txBody>
+          <a:bodyPr vert="horz" lIns="91440" tIns="45720" rIns="91440" bIns="45720" anchor="ctr">
+            <a:normAutofit/>
+          </a:bodyPr>
+          <a:lstStyle>
+            <a:lvl1pPr algn="l" defTabSz="914400" rtl="0" eaLnBrk="1" latinLnBrk="1" hangingPunct="1">
+              <a:lnSpc>
+                <a:spcPct val="90000"/>
+              </a:lnSpc>
+              <a:spcBef>
+                <a:spcPct val="0"/>
+              </a:spcBef>
+              <a:buNone/>
+              <a:defRPr sz="4400" kern="1200">
+                <a:solidFill>
+                  <a:schemeClr val="tx1"/>
+                </a:solidFill>
+                <a:latin typeface="+mj-lt"/>
+                <a:ea typeface="+mj-ea"/>
+                <a:cs typeface="+mj-cs"/>
+              </a:defRPr>
+            </a:lvl1pPr>
+          </a:lstStyle>
+          <a:p>
+            <a:pPr lvl="0">
+              <a:defRPr/>
+            </a:pPr>
+            <a:r>
+              <a:rPr lang="en-US" altLang="ko-KR" sz="4800" b="1">
+                <a:solidFill>
+                  <a:schemeClr val="bg1"/>
+                </a:solidFill>
+                <a:effectLst>
+                  <a:outerShdw blurRad="38100" dist="38100" dir="2700000" algn="tl">
+                    <a:srgbClr val="000000">
+                      <a:alpha val="43140"/>
+                    </a:srgbClr>
+                  </a:outerShdw>
+                </a:effectLst>
+              </a:rPr>
+              <a:t>4.</a:t>
+            </a:r>
+            <a:r>
+              <a:rPr lang="ko-KR" altLang="en-US" sz="4800" b="1">
+                <a:solidFill>
+                  <a:schemeClr val="bg1"/>
+                </a:solidFill>
+                <a:effectLst>
+                  <a:outerShdw blurRad="38100" dist="38100" dir="2700000" algn="tl">
+                    <a:srgbClr val="000000">
+                      <a:alpha val="43140"/>
+                    </a:srgbClr>
+                  </a:outerShdw>
+                </a:effectLst>
+              </a:rPr>
+              <a:t> 개발내용 </a:t>
+            </a:r>
+            <a:r>
+              <a:rPr lang="en-US" altLang="ko-KR" sz="4800" b="1">
+                <a:solidFill>
+                  <a:schemeClr val="bg1"/>
+                </a:solidFill>
+                <a:effectLst>
+                  <a:outerShdw blurRad="38100" dist="38100" dir="2700000" algn="tl">
+                    <a:srgbClr val="000000">
+                      <a:alpha val="43140"/>
+                    </a:srgbClr>
+                  </a:outerShdw>
+                </a:effectLst>
+              </a:rPr>
+              <a:t>-</a:t>
+            </a:r>
+            <a:r>
+              <a:rPr lang="ko-KR" altLang="en-US" sz="4800" b="1">
+                <a:solidFill>
+                  <a:schemeClr val="bg1"/>
+                </a:solidFill>
+                <a:effectLst>
+                  <a:outerShdw blurRad="38100" dist="38100" dir="2700000" algn="tl">
+                    <a:srgbClr val="000000">
+                      <a:alpha val="43140"/>
+                    </a:srgbClr>
+                  </a:outerShdw>
+                </a:effectLst>
+              </a:rPr>
+              <a:t> </a:t>
+            </a:r>
+            <a:r>
+              <a:rPr lang="ko-KR" altLang="en-US" sz="3200" b="1">
+                <a:solidFill>
+                  <a:schemeClr val="bg1"/>
+                </a:solidFill>
+                <a:effectLst>
+                  <a:outerShdw blurRad="38100" dist="38100" dir="2700000" algn="tl">
+                    <a:srgbClr val="000000">
+                      <a:alpha val="43140"/>
+                    </a:srgbClr>
+                  </a:outerShdw>
+                </a:effectLst>
+              </a:rPr>
+              <a:t>게임화면</a:t>
+            </a:r>
+            <a:endParaRPr lang="ko-KR" altLang="en-US" sz="3200" b="1">
+              <a:solidFill>
+                <a:schemeClr val="bg1"/>
+              </a:solidFill>
+            </a:endParaRPr>
+          </a:p>
+        </p:txBody>
+      </p:sp>
+      <p:pic>
+        <p:nvPicPr>
+          <p:cNvPr id="9" name="그림 8"/>
+          <p:cNvPicPr>
+            <a:picLocks noChangeAspect="1"/>
+          </p:cNvPicPr>
+          <p:nvPr/>
+        </p:nvPicPr>
+        <p:blipFill rotWithShape="1">
+          <a:blip r:embed="rId2"/>
+          <a:stretch>
+            <a:fillRect/>
+          </a:stretch>
+        </p:blipFill>
+        <p:spPr>
+          <a:xfrm>
+            <a:off x="1530777" y="1179882"/>
+            <a:ext cx="9130446" cy="5354053"/>
+          </a:xfrm>
+          <a:prstGeom prst="rect">
+            <a:avLst/>
+          </a:prstGeom>
+        </p:spPr>
+      </p:pic>
+    </p:spTree>
+  </p:cSld>
+  <p:clrMapOvr>
+    <a:masterClrMapping/>
+  </p:clrMapOvr>
+  <mc:AlternateContent xmlns:mc="http://schemas.openxmlformats.org/markup-compatibility/2006" xmlns:p14="http://schemas.microsoft.com/office/powerpoint/2010/main">
+    <mc:Choice Requires="p14">
+      <p:transition/>
+    </mc:Choice>
+    <mc:Fallback xmlns:dsp="http://schemas.microsoft.com/office/drawing/2008/diagram" xmlns:dgm="http://schemas.openxmlformats.org/drawingml/2006/diagram" xmlns:c="http://schemas.openxmlformats.org/drawingml/2006/chart" xmlns="">
+      <p:transition/>
+    </mc:Fallback>
+  </mc:AlternateContent>
+</p:sld>
+</file>
+
+<file path=ppt/slides/slide11.xml><?xml version="1.0" encoding="utf-8"?>
+<p:sld xmlns:a="http://schemas.openxmlformats.org/drawingml/2006/main" xmlns:r="http://schemas.openxmlformats.org/officeDocument/2006/relationships" xmlns:p="http://schemas.openxmlformats.org/presentationml/2006/main">
+  <p:cSld>
+    <p:spTree>
+      <p:nvGrpSpPr>
+        <p:cNvPr id="1" name=""/>
+        <p:cNvGrpSpPr/>
+        <p:nvPr/>
+      </p:nvGrpSpPr>
+      <p:grpSpPr>
+        <a:xfrm>
+          <a:off x="0" y="0"/>
+          <a:ext cx="0" cy="0"/>
+          <a:chOff x="0" y="0"/>
+          <a:chExt cx="0" cy="0"/>
+        </a:xfrm>
+      </p:grpSpPr>
+      <p:sp>
+        <p:nvSpPr>
+          <p:cNvPr id="4" name="슬라이드 번호 개체 틀 3"/>
+          <p:cNvSpPr>
+            <a:spLocks noGrp="1"/>
+          </p:cNvSpPr>
+          <p:nvPr>
+            <p:ph type="sldNum" sz="quarter" idx="12"/>
+          </p:nvPr>
+        </p:nvSpPr>
+        <p:spPr/>
+        <p:txBody>
+          <a:bodyPr/>
+          <a:lstStyle/>
+          <a:p>
+            <a:pPr lvl="0">
+              <a:defRPr/>
+            </a:pPr>
+            <a:fld id="{23C339B1-0600-4FE1-927C-115819F8FB24}" type="slidenum">
+              <a:rPr lang="en-US" altLang="en-US"/>
+              <a:pPr lvl="0">
+                <a:defRPr/>
+              </a:pPr>
+              <a:t>11</a:t>
+            </a:fld>
+            <a:endParaRPr lang="en-US" altLang="en-US"/>
+          </a:p>
+        </p:txBody>
+      </p:sp>
+      <p:sp>
+        <p:nvSpPr>
+          <p:cNvPr id="8" name="제목 1"/>
+          <p:cNvSpPr txBox="1"/>
+          <p:nvPr/>
+        </p:nvSpPr>
+        <p:spPr>
+          <a:xfrm>
+            <a:off x="371475" y="323845"/>
+            <a:ext cx="11125199" cy="1047748"/>
+          </a:xfrm>
+          <a:prstGeom prst="rect">
+            <a:avLst/>
+          </a:prstGeom>
+          <a:ln>
+            <a:noFill/>
+          </a:ln>
+        </p:spPr>
+        <p:txBody>
+          <a:bodyPr vert="horz" lIns="91440" tIns="45720" rIns="91440" bIns="45720" anchor="ctr">
+            <a:normAutofit/>
+          </a:bodyPr>
+          <a:lstStyle>
+            <a:lvl1pPr algn="l" defTabSz="914400" rtl="0" eaLnBrk="1" latinLnBrk="1" hangingPunct="1">
+              <a:lnSpc>
+                <a:spcPct val="90000"/>
+              </a:lnSpc>
+              <a:spcBef>
+                <a:spcPct val="0"/>
+              </a:spcBef>
+              <a:buNone/>
+              <a:defRPr sz="4400" kern="1200">
+                <a:solidFill>
+                  <a:schemeClr val="tx1"/>
+                </a:solidFill>
+                <a:latin typeface="+mj-lt"/>
+                <a:ea typeface="+mj-ea"/>
+                <a:cs typeface="+mj-cs"/>
+              </a:defRPr>
+            </a:lvl1pPr>
+          </a:lstStyle>
+          <a:p>
+            <a:pPr lvl="0">
+              <a:defRPr/>
+            </a:pPr>
+            <a:r>
+              <a:rPr lang="en-US" altLang="ko-KR" sz="4800" b="1">
+                <a:solidFill>
+                  <a:schemeClr val="bg1"/>
+                </a:solidFill>
+                <a:effectLst>
+                  <a:outerShdw blurRad="38100" dist="38100" dir="2700000" algn="tl">
+                    <a:srgbClr val="000000">
+                      <a:alpha val="43140"/>
+                    </a:srgbClr>
+                  </a:outerShdw>
+                </a:effectLst>
+              </a:rPr>
+              <a:t>4.</a:t>
+            </a:r>
+            <a:r>
+              <a:rPr lang="ko-KR" altLang="en-US" sz="4800" b="1">
+                <a:solidFill>
+                  <a:schemeClr val="bg1"/>
+                </a:solidFill>
+                <a:effectLst>
+                  <a:outerShdw blurRad="38100" dist="38100" dir="2700000" algn="tl">
+                    <a:srgbClr val="000000">
+                      <a:alpha val="43140"/>
+                    </a:srgbClr>
+                  </a:outerShdw>
+                </a:effectLst>
+              </a:rPr>
+              <a:t> 개발내용 </a:t>
+            </a:r>
+            <a:r>
+              <a:rPr lang="en-US" altLang="ko-KR" sz="4800" b="1">
+                <a:solidFill>
+                  <a:schemeClr val="bg1"/>
+                </a:solidFill>
+                <a:effectLst>
+                  <a:outerShdw blurRad="38100" dist="38100" dir="2700000" algn="tl">
+                    <a:srgbClr val="000000">
+                      <a:alpha val="43140"/>
+                    </a:srgbClr>
+                  </a:outerShdw>
+                </a:effectLst>
+              </a:rPr>
+              <a:t>-</a:t>
+            </a:r>
+            <a:r>
+              <a:rPr lang="ko-KR" altLang="en-US" sz="4800" b="1">
+                <a:solidFill>
+                  <a:schemeClr val="bg1"/>
+                </a:solidFill>
+                <a:effectLst>
+                  <a:outerShdw blurRad="38100" dist="38100" dir="2700000" algn="tl">
+                    <a:srgbClr val="000000">
+                      <a:alpha val="43140"/>
+                    </a:srgbClr>
+                  </a:outerShdw>
+                </a:effectLst>
+              </a:rPr>
+              <a:t> </a:t>
+            </a:r>
+            <a:r>
+              <a:rPr lang="ko-KR" altLang="en-US" sz="3200" b="1">
+                <a:solidFill>
+                  <a:schemeClr val="bg1"/>
+                </a:solidFill>
+                <a:effectLst>
+                  <a:outerShdw blurRad="38100" dist="38100" dir="2700000" algn="tl">
+                    <a:srgbClr val="000000">
+                      <a:alpha val="43140"/>
+                    </a:srgbClr>
+                  </a:outerShdw>
+                </a:effectLst>
+              </a:rPr>
+              <a:t>커밋로그</a:t>
+            </a:r>
+            <a:endParaRPr lang="ko-KR" altLang="en-US" sz="3200" b="1">
+              <a:solidFill>
+                <a:schemeClr val="bg1"/>
+              </a:solidFill>
+            </a:endParaRPr>
+          </a:p>
+        </p:txBody>
+      </p:sp>
+      <p:pic>
+        <p:nvPicPr>
+          <p:cNvPr id="9" name="그림 8"/>
+          <p:cNvPicPr>
+            <a:picLocks noChangeAspect="1"/>
+          </p:cNvPicPr>
+          <p:nvPr/>
+        </p:nvPicPr>
+        <p:blipFill rotWithShape="1">
+          <a:blip r:embed="rId2"/>
+          <a:stretch>
+            <a:fillRect/>
+          </a:stretch>
+        </p:blipFill>
+        <p:spPr>
+          <a:xfrm>
+            <a:off x="1347787" y="1120548"/>
+            <a:ext cx="9496425" cy="5494587"/>
+          </a:xfrm>
+          <a:prstGeom prst="rect">
+            <a:avLst/>
+          </a:prstGeom>
+        </p:spPr>
+      </p:pic>
+      <p:sp>
+        <p:nvSpPr>
+          <p:cNvPr id="10" name="직사각형 9"/>
+          <p:cNvSpPr/>
+          <p:nvPr/>
+        </p:nvSpPr>
+        <p:spPr>
+          <a:xfrm>
+            <a:off x="1885950" y="3824287"/>
+            <a:ext cx="990600" cy="295275"/>
+          </a:xfrm>
+          <a:prstGeom prst="rect">
+            <a:avLst/>
+          </a:prstGeom>
+          <a:solidFill>
+            <a:schemeClr val="lt1"/>
+          </a:solidFill>
+          <a:ln>
+            <a:noFill/>
+          </a:ln>
+        </p:spPr>
+        <p:style>
+          <a:lnRef idx="2">
+            <a:schemeClr val="accent1">
+              <a:shade val="20000"/>
+            </a:schemeClr>
+          </a:lnRef>
+          <a:fillRef idx="1">
+            <a:schemeClr val="accent1"/>
+          </a:fillRef>
+          <a:effectRef idx="0">
+            <a:schemeClr val="accent1"/>
+          </a:effectRef>
+          <a:fontRef idx="minor">
+            <a:schemeClr val="lt1"/>
+          </a:fontRef>
+        </p:style>
+        <p:txBody>
+          <a:bodyPr anchor="ctr"/>
+          <a:lstStyle/>
+          <a:p>
+            <a:pPr algn="ctr">
+              <a:defRPr/>
+            </a:pPr>
+            <a:r>
+              <a:rPr lang="ko-KR" altLang="en-US">
+                <a:solidFill>
+                  <a:schemeClr val="dk1"/>
+                </a:solidFill>
+              </a:rPr>
+              <a:t>윤성주</a:t>
+            </a:r>
+          </a:p>
+        </p:txBody>
+      </p:sp>
+      <p:sp>
+        <p:nvSpPr>
+          <p:cNvPr id="11" name="직사각형 10"/>
+          <p:cNvSpPr/>
+          <p:nvPr/>
+        </p:nvSpPr>
+        <p:spPr>
+          <a:xfrm>
+            <a:off x="6737348" y="3833810"/>
+            <a:ext cx="990600" cy="295275"/>
+          </a:xfrm>
+          <a:prstGeom prst="rect">
+            <a:avLst/>
+          </a:prstGeom>
+          <a:solidFill>
+            <a:schemeClr val="lt1"/>
+          </a:solidFill>
+          <a:ln>
+            <a:noFill/>
+          </a:ln>
+        </p:spPr>
+        <p:style>
+          <a:lnRef idx="2">
+            <a:schemeClr val="accent1">
+              <a:shade val="20000"/>
+            </a:schemeClr>
+          </a:lnRef>
+          <a:fillRef idx="1">
+            <a:schemeClr val="accent1"/>
+          </a:fillRef>
+          <a:effectRef idx="0">
+            <a:schemeClr val="accent1"/>
+          </a:effectRef>
+          <a:fontRef idx="minor">
+            <a:schemeClr val="lt1"/>
+          </a:fontRef>
+        </p:style>
+        <p:txBody>
+          <a:bodyPr anchor="ctr"/>
+          <a:lstStyle/>
+          <a:p>
+            <a:pPr algn="ctr">
+              <a:defRPr/>
+            </a:pPr>
+            <a:r>
+              <a:rPr lang="ko-KR" altLang="en-US">
+                <a:solidFill>
+                  <a:schemeClr val="dk1"/>
+                </a:solidFill>
+              </a:rPr>
+              <a:t>최경훈</a:t>
+            </a:r>
+          </a:p>
+        </p:txBody>
+      </p:sp>
+    </p:spTree>
+  </p:cSld>
+  <p:clrMapOvr>
+    <a:masterClrMapping/>
+  </p:clrMapOvr>
+  <mc:AlternateContent xmlns:mc="http://schemas.openxmlformats.org/markup-compatibility/2006" xmlns:p14="http://schemas.microsoft.com/office/powerpoint/2010/main">
+    <mc:Choice Requires="p14">
+      <p:transition/>
+    </mc:Choice>
+    <mc:Fallback xmlns:dsp="http://schemas.microsoft.com/office/drawing/2008/diagram" xmlns:dgm="http://schemas.openxmlformats.org/drawingml/2006/diagram" xmlns:c="http://schemas.openxmlformats.org/drawingml/2006/chart" xmlns="">
+      <p:transition/>
+    </mc:Fallback>
+  </mc:AlternateContent>
+</p:sld>
+</file>
+
+<file path=ppt/slides/slide12.xml><?xml version="1.0" encoding="utf-8"?>
+<p:sld xmlns:a="http://schemas.openxmlformats.org/drawingml/2006/main" xmlns:r="http://schemas.openxmlformats.org/officeDocument/2006/relationships" xmlns:p="http://schemas.openxmlformats.org/presentationml/2006/main">
+  <p:cSld>
+    <p:spTree>
+      <p:nvGrpSpPr>
+        <p:cNvPr id="1" name=""/>
+        <p:cNvGrpSpPr/>
+        <p:nvPr/>
+      </p:nvGrpSpPr>
+      <p:grpSpPr>
+        <a:xfrm>
+          <a:off x="0" y="0"/>
+          <a:ext cx="0" cy="0"/>
+          <a:chOff x="0" y="0"/>
+          <a:chExt cx="0" cy="0"/>
+        </a:xfrm>
+      </p:grpSpPr>
+      <p:sp>
+        <p:nvSpPr>
+          <p:cNvPr id="4" name="슬라이드 번호 개체 틀 3"/>
+          <p:cNvSpPr>
+            <a:spLocks noGrp="1"/>
+          </p:cNvSpPr>
+          <p:nvPr>
+            <p:ph type="sldNum" sz="quarter" idx="12"/>
+          </p:nvPr>
+        </p:nvSpPr>
+        <p:spPr/>
+        <p:txBody>
+          <a:bodyPr/>
+          <a:lstStyle/>
+          <a:p>
+            <a:pPr lvl="0">
+              <a:defRPr/>
+            </a:pPr>
+            <a:fld id="{23C339B1-0600-4FE1-927C-115819F8FB24}" type="slidenum">
+              <a:rPr lang="en-US" altLang="en-US"/>
+              <a:pPr lvl="0">
+                <a:defRPr/>
+              </a:pPr>
+              <a:t>12</a:t>
+            </a:fld>
+            <a:endParaRPr lang="en-US" altLang="en-US"/>
+          </a:p>
+        </p:txBody>
+      </p:sp>
+      <p:sp>
+        <p:nvSpPr>
+          <p:cNvPr id="8" name="제목 1"/>
+          <p:cNvSpPr txBox="1"/>
+          <p:nvPr/>
+        </p:nvSpPr>
+        <p:spPr>
+          <a:xfrm>
+            <a:off x="371475" y="323845"/>
+            <a:ext cx="11125199" cy="1047748"/>
+          </a:xfrm>
+          <a:prstGeom prst="rect">
+            <a:avLst/>
+          </a:prstGeom>
+          <a:ln>
+            <a:noFill/>
+          </a:ln>
+        </p:spPr>
+        <p:txBody>
+          <a:bodyPr vert="horz" lIns="91440" tIns="45720" rIns="91440" bIns="45720" anchor="ctr">
+            <a:normAutofit/>
+          </a:bodyPr>
+          <a:lstStyle>
+            <a:lvl1pPr algn="l" defTabSz="914400" rtl="0" eaLnBrk="1" latinLnBrk="1" hangingPunct="1">
+              <a:lnSpc>
+                <a:spcPct val="90000"/>
+              </a:lnSpc>
+              <a:spcBef>
+                <a:spcPct val="0"/>
+              </a:spcBef>
+              <a:buNone/>
+              <a:defRPr sz="4400" kern="1200">
+                <a:solidFill>
+                  <a:schemeClr val="tx1"/>
+                </a:solidFill>
+                <a:latin typeface="+mj-lt"/>
+                <a:ea typeface="+mj-ea"/>
+                <a:cs typeface="+mj-cs"/>
+              </a:defRPr>
+            </a:lvl1pPr>
+          </a:lstStyle>
+          <a:p>
+            <a:pPr lvl="0">
+              <a:defRPr/>
+            </a:pPr>
+            <a:r>
+              <a:rPr lang="en-US" altLang="ko-KR" sz="4800" b="1">
+                <a:solidFill>
+                  <a:schemeClr val="bg1"/>
+                </a:solidFill>
+                <a:effectLst>
+                  <a:outerShdw blurRad="38100" dist="38100" dir="2700000" algn="tl">
+                    <a:srgbClr val="000000">
+                      <a:alpha val="43140"/>
+                    </a:srgbClr>
+                  </a:outerShdw>
+                </a:effectLst>
+              </a:rPr>
+              <a:t>5.</a:t>
+            </a:r>
+            <a:r>
+              <a:rPr lang="ko-KR" altLang="en-US" sz="4800" b="1">
+                <a:solidFill>
+                  <a:schemeClr val="bg1"/>
+                </a:solidFill>
+                <a:effectLst>
+                  <a:outerShdw blurRad="38100" dist="38100" dir="2700000" algn="tl">
+                    <a:srgbClr val="000000">
+                      <a:alpha val="43140"/>
+                    </a:srgbClr>
+                  </a:outerShdw>
+                </a:effectLst>
+              </a:rPr>
+              <a:t> 문제점 및 보완책</a:t>
+            </a:r>
+            <a:endParaRPr lang="ko-KR" altLang="en-US" sz="4800" b="1">
+              <a:solidFill>
+                <a:schemeClr val="bg1"/>
+              </a:solidFill>
+            </a:endParaRPr>
+          </a:p>
+        </p:txBody>
+      </p:sp>
+      <p:sp>
+        <p:nvSpPr>
+          <p:cNvPr id="2077" name="직사각형 10"/>
+          <p:cNvSpPr/>
+          <p:nvPr/>
+        </p:nvSpPr>
+        <p:spPr>
+          <a:xfrm>
+            <a:off x="609600" y="1323968"/>
+            <a:ext cx="10603706" cy="5243519"/>
+          </a:xfrm>
+          <a:prstGeom prst="rect">
+            <a:avLst/>
+          </a:prstGeom>
+          <a:solidFill>
+            <a:schemeClr val="tx1"/>
+          </a:solidFill>
+          <a:ln>
+            <a:noFill/>
+          </a:ln>
+        </p:spPr>
+        <p:style>
+          <a:lnRef idx="2">
+            <a:schemeClr val="accent1">
+              <a:shade val="50000"/>
+            </a:schemeClr>
+          </a:lnRef>
+          <a:fillRef idx="1">
+            <a:schemeClr val="accent1"/>
+          </a:fillRef>
+          <a:effectRef idx="0">
+            <a:schemeClr val="accent1"/>
+          </a:effectRef>
+          <a:fontRef idx="minor">
+            <a:schemeClr val="lt1"/>
+          </a:fontRef>
+        </p:style>
+        <p:txBody>
+          <a:bodyPr anchor="ctr"/>
+          <a:lstStyle/>
+          <a:p>
+            <a:pPr algn="ctr">
+              <a:defRPr/>
+            </a:pPr>
+            <a:endParaRPr lang="ko-KR" altLang="en-US">
+              <a:solidFill>
+                <a:schemeClr val="bg1"/>
+              </a:solidFill>
+            </a:endParaRPr>
+          </a:p>
+        </p:txBody>
+      </p:sp>
+      <p:sp>
+        <p:nvSpPr>
+          <p:cNvPr id="2078" name="TextBox 3"/>
+          <p:cNvSpPr txBox="1"/>
+          <p:nvPr/>
+        </p:nvSpPr>
+        <p:spPr>
+          <a:xfrm>
+            <a:off x="730692" y="1432685"/>
+            <a:ext cx="9739663" cy="5023360"/>
+          </a:xfrm>
+          <a:prstGeom prst="rect">
+            <a:avLst/>
+          </a:prstGeom>
+          <a:noFill/>
+        </p:spPr>
+        <p:txBody>
+          <a:bodyPr wrap="square">
+            <a:spAutoFit/>
+          </a:bodyPr>
+          <a:lstStyle/>
+          <a:p>
+            <a:pPr marL="518000" indent="-518000">
+              <a:lnSpc>
+                <a:spcPct val="150000"/>
+              </a:lnSpc>
+              <a:buAutoNum type="arabicPeriod"/>
+              <a:defRPr/>
+            </a:pPr>
+            <a:r>
+              <a:rPr lang="ko-KR" altLang="en-US" sz="2800" b="1" dirty="0">
+                <a:solidFill>
+                  <a:schemeClr val="bg1"/>
+                </a:solidFill>
+              </a:rPr>
+              <a:t>게임의 </a:t>
+            </a:r>
+            <a:r>
+              <a:rPr lang="en-US" altLang="ko-KR" sz="2800" b="1" dirty="0">
+                <a:solidFill>
+                  <a:schemeClr val="bg1"/>
+                </a:solidFill>
+              </a:rPr>
+              <a:t>GUI</a:t>
+            </a:r>
+            <a:r>
+              <a:rPr lang="ko-KR" altLang="en-US" sz="2800" b="1" dirty="0">
+                <a:solidFill>
+                  <a:schemeClr val="bg1"/>
+                </a:solidFill>
+              </a:rPr>
+              <a:t>가 부족</a:t>
+            </a:r>
+          </a:p>
+          <a:p>
+            <a:pPr marL="975200" lvl="1" indent="-518000">
+              <a:lnSpc>
+                <a:spcPct val="150000"/>
+              </a:lnSpc>
+              <a:buFont typeface="Arial"/>
+              <a:buChar char="•"/>
+              <a:defRPr/>
+            </a:pPr>
+            <a:r>
+              <a:rPr lang="en-US" altLang="ko-KR" sz="2200" dirty="0">
+                <a:solidFill>
+                  <a:schemeClr val="bg1"/>
+                </a:solidFill>
+              </a:rPr>
+              <a:t>UI</a:t>
+            </a:r>
+            <a:r>
+              <a:rPr lang="ko-KR" altLang="en-US" sz="2200" dirty="0">
+                <a:solidFill>
+                  <a:schemeClr val="bg1"/>
+                </a:solidFill>
+              </a:rPr>
+              <a:t>와 퀘스트 추가로 게임적인 부분 추가</a:t>
+            </a:r>
+          </a:p>
+          <a:p>
+            <a:pPr marL="457200" lvl="1" indent="0">
+              <a:lnSpc>
+                <a:spcPct val="150000"/>
+              </a:lnSpc>
+              <a:buFont typeface="Arial"/>
+              <a:buNone/>
+              <a:defRPr/>
+            </a:pPr>
+            <a:endParaRPr lang="ko-KR" altLang="en-US" sz="2200" dirty="0">
+              <a:solidFill>
+                <a:schemeClr val="bg1"/>
+              </a:solidFill>
+            </a:endParaRPr>
+          </a:p>
+          <a:p>
+            <a:pPr marL="518000" indent="-518000">
+              <a:lnSpc>
+                <a:spcPct val="150000"/>
+              </a:lnSpc>
+              <a:buAutoNum type="arabicPeriod"/>
+              <a:defRPr/>
+            </a:pPr>
+            <a:r>
+              <a:rPr lang="ko-KR" altLang="en-US" sz="2800" b="1" dirty="0">
+                <a:solidFill>
+                  <a:schemeClr val="bg1"/>
+                </a:solidFill>
+              </a:rPr>
+              <a:t>충돌 시 떨리는 버그</a:t>
+            </a:r>
+          </a:p>
+          <a:p>
+            <a:pPr marL="975200" lvl="1" indent="-518000">
+              <a:lnSpc>
+                <a:spcPct val="150000"/>
+              </a:lnSpc>
+              <a:buFont typeface="Arial"/>
+              <a:buChar char="•"/>
+              <a:defRPr/>
+            </a:pPr>
+            <a:r>
+              <a:rPr lang="ko-KR" altLang="en-US" sz="2200" dirty="0">
+                <a:solidFill>
+                  <a:schemeClr val="bg1"/>
+                </a:solidFill>
+              </a:rPr>
+              <a:t>충돌 처리 로직 보완</a:t>
+            </a:r>
+          </a:p>
+          <a:p>
+            <a:pPr marL="0" indent="0" algn="l" defTabSz="116128" rtl="0" eaLnBrk="1" latinLnBrk="0" hangingPunct="1">
+              <a:lnSpc>
+                <a:spcPct val="150000"/>
+              </a:lnSpc>
+              <a:spcBef>
+                <a:spcPct val="0"/>
+              </a:spcBef>
+              <a:spcAft>
+                <a:spcPts val="0"/>
+              </a:spcAft>
+              <a:buFont typeface="Arial"/>
+              <a:buNone/>
+              <a:defRPr/>
+            </a:pPr>
+            <a:endParaRPr lang="ko-KR" altLang="en-US" sz="2200" b="0" i="0" kern="1200" dirty="0">
+              <a:solidFill>
+                <a:schemeClr val="bg1"/>
+              </a:solidFill>
+              <a:effectLst/>
+              <a:latin typeface="+mn-lt"/>
+              <a:ea typeface="+mn-ea"/>
+              <a:cs typeface="+mn-cs"/>
+            </a:endParaRPr>
+          </a:p>
+          <a:p>
+            <a:pPr marL="518000" indent="-518000" algn="l" defTabSz="116128">
+              <a:lnSpc>
+                <a:spcPct val="150000"/>
+              </a:lnSpc>
+              <a:buClr>
+                <a:schemeClr val="bg1"/>
+              </a:buClr>
+              <a:buAutoNum type="arabicPeriod" startAt="3"/>
+              <a:defRPr/>
+            </a:pPr>
+            <a:r>
+              <a:rPr lang="ko-KR" altLang="en-US" sz="2800" b="1" i="0" kern="1200" dirty="0">
+                <a:solidFill>
+                  <a:schemeClr val="bg1"/>
+                </a:solidFill>
+                <a:effectLst/>
+                <a:latin typeface="+mn-lt"/>
+                <a:ea typeface="+mn-ea"/>
+                <a:cs typeface="+mn-cs"/>
+              </a:rPr>
+              <a:t>전투가 </a:t>
+            </a:r>
+            <a:r>
+              <a:rPr lang="ko-KR" altLang="en-US" sz="2800" b="1" i="0" kern="1200" dirty="0" err="1">
+                <a:solidFill>
+                  <a:schemeClr val="bg1"/>
+                </a:solidFill>
+                <a:effectLst/>
+                <a:latin typeface="+mn-lt"/>
+                <a:ea typeface="+mn-ea"/>
+                <a:cs typeface="+mn-cs"/>
+              </a:rPr>
+              <a:t>루즈함</a:t>
+            </a:r>
+            <a:endParaRPr lang="ko-KR" altLang="en-US" sz="2200" b="0" i="0" kern="1200" dirty="0">
+              <a:solidFill>
+                <a:schemeClr val="bg1"/>
+              </a:solidFill>
+              <a:effectLst/>
+              <a:latin typeface="+mn-lt"/>
+              <a:ea typeface="+mn-ea"/>
+              <a:cs typeface="+mn-cs"/>
+            </a:endParaRPr>
+          </a:p>
+          <a:p>
+            <a:pPr marL="975200" lvl="1" indent="-518000">
+              <a:lnSpc>
+                <a:spcPct val="150000"/>
+              </a:lnSpc>
+              <a:buFont typeface="Arial"/>
+              <a:buChar char="•"/>
+              <a:defRPr/>
+            </a:pPr>
+            <a:r>
+              <a:rPr lang="ko-KR" altLang="en-US" sz="2200" dirty="0">
+                <a:solidFill>
+                  <a:schemeClr val="bg1"/>
+                </a:solidFill>
+              </a:rPr>
+              <a:t>플레이어 공격 속도 빠르게 수정</a:t>
+            </a:r>
+          </a:p>
+          <a:p>
+            <a:pPr marL="457200" lvl="1" indent="0">
+              <a:lnSpc>
+                <a:spcPct val="150000"/>
+              </a:lnSpc>
+              <a:buFont typeface="Arial"/>
+              <a:buNone/>
+              <a:defRPr/>
+            </a:pPr>
+            <a:endParaRPr lang="ko-KR" altLang="en-US" sz="2200" dirty="0">
+              <a:solidFill>
+                <a:schemeClr val="bg1"/>
+              </a:solidFill>
+            </a:endParaRPr>
+          </a:p>
+        </p:txBody>
+      </p:sp>
+    </p:spTree>
+  </p:cSld>
+  <p:clrMapOvr>
+    <a:masterClrMapping/>
+  </p:clrMapOvr>
+  <mc:AlternateContent xmlns:mc="http://schemas.openxmlformats.org/markup-compatibility/2006" xmlns:p14="http://schemas.microsoft.com/office/powerpoint/2010/main">
+    <mc:Choice Requires="p14">
+      <p:transition/>
+    </mc:Choice>
+    <mc:Fallback xmlns:dsp="http://schemas.microsoft.com/office/drawing/2008/diagram" xmlns:dgm="http://schemas.openxmlformats.org/drawingml/2006/diagram" xmlns:c="http://schemas.openxmlformats.org/drawingml/2006/chart" xmlns="">
+      <p:transition/>
+    </mc:Fallback>
+  </mc:AlternateContent>
+</p:sld>
+</file>
+
+<file path=ppt/slides/slide13.xml><?xml version="1.0" encoding="utf-8"?>
+<p:sld xmlns:a="http://schemas.openxmlformats.org/drawingml/2006/main" xmlns:r="http://schemas.openxmlformats.org/officeDocument/2006/relationships" xmlns:p="http://schemas.openxmlformats.org/presentationml/2006/main">
   <p:cSld>
     <p:spTree>
       <p:nvGrpSpPr>
@@ -3873,7 +4804,7 @@
               <a:pPr lvl="0">
                 <a:defRPr/>
               </a:pPr>
-              <a:t>10</a:t>
+              <a:t>13</a:t>
             </a:fld>
             <a:endParaRPr lang="en-US" altLang="en-US"/>
           </a:p>
@@ -3925,7 +4856,7 @@
               <a:defRPr/>
             </a:pPr>
             <a:r>
-              <a:rPr xmlns:mc="http://schemas.openxmlformats.org/markup-compatibility/2006" xmlns:hp="http://schemas.haansoft.com/office/presentation/8.0" lang="en-US" altLang="ko-KR" sz="4800" b="1" mc:Ignorable="hp" hp:hslEmbossed="0">
+              <a:rPr lang="en-US" altLang="ko-KR" sz="4800" b="1">
                 <a:solidFill>
                   <a:schemeClr val="bg1"/>
                 </a:solidFill>
@@ -3940,7 +4871,7 @@
               <a:t>6. </a:t>
             </a:r>
             <a:r>
-              <a:rPr xmlns:mc="http://schemas.openxmlformats.org/markup-compatibility/2006" xmlns:hp="http://schemas.haansoft.com/office/presentation/8.0" lang="ko-KR" altLang="en-US" sz="4800" b="1" mc:Ignorable="hp" hp:hslEmbossed="0">
+              <a:rPr lang="ko-KR" altLang="en-US" sz="4800" b="1">
                 <a:solidFill>
                   <a:schemeClr val="bg1"/>
                 </a:solidFill>
@@ -3955,7 +4886,7 @@
               <a:t>구성원 역할 분담 </a:t>
             </a:r>
             <a:r>
-              <a:rPr xmlns:mc="http://schemas.openxmlformats.org/markup-compatibility/2006" xmlns:hp="http://schemas.haansoft.com/office/presentation/8.0" lang="en-US" altLang="ko-KR" sz="4800" b="1" mc:Ignorable="hp" hp:hslEmbossed="0">
+              <a:rPr lang="en-US" altLang="ko-KR" sz="4800" b="1">
                 <a:solidFill>
                   <a:schemeClr val="bg1"/>
                 </a:solidFill>
@@ -3970,7 +4901,7 @@
               <a:t>-</a:t>
             </a:r>
             <a:r>
-              <a:rPr xmlns:mc="http://schemas.openxmlformats.org/markup-compatibility/2006" xmlns:hp="http://schemas.haansoft.com/office/presentation/8.0" lang="ko-KR" altLang="en-US" sz="4800" b="1" mc:Ignorable="hp" hp:hslEmbossed="0">
+              <a:rPr lang="ko-KR" altLang="en-US" sz="4800" b="1">
                 <a:solidFill>
                   <a:schemeClr val="bg1"/>
                 </a:solidFill>
@@ -3985,7 +4916,7 @@
               <a:t> </a:t>
             </a:r>
             <a:r>
-              <a:rPr xmlns:mc="http://schemas.openxmlformats.org/markup-compatibility/2006" xmlns:hp="http://schemas.haansoft.com/office/presentation/8.0" lang="ko-KR" altLang="en-US" sz="3200" b="1" mc:Ignorable="hp" hp:hslEmbossed="0">
+              <a:rPr lang="ko-KR" altLang="en-US" sz="3200" b="1">
                 <a:solidFill>
                   <a:schemeClr val="bg1"/>
                 </a:solidFill>
@@ -3999,7 +4930,7 @@
               </a:rPr>
               <a:t>변경 전</a:t>
             </a:r>
-            <a:endParaRPr xmlns:mc="http://schemas.openxmlformats.org/markup-compatibility/2006" xmlns:hp="http://schemas.haansoft.com/office/presentation/8.0" lang="ko-KR" altLang="en-US" sz="3200" b="1" mc:Ignorable="hp" hp:hslEmbossed="0">
+            <a:endParaRPr lang="ko-KR" altLang="en-US" sz="3200" b="1">
               <a:solidFill>
                 <a:schemeClr val="bg1"/>
               </a:solidFill>
@@ -4017,7 +4948,7 @@
         </p:nvGraphicFramePr>
         <p:xfrm>
           <a:off x="432595" y="1371593"/>
-          <a:ext cx="11326809" cy="5097787"/>
+          <a:ext cx="11326809" cy="5276467"/>
         </p:xfrm>
         <a:graphic>
           <a:graphicData uri="http://schemas.openxmlformats.org/drawingml/2006/table">
@@ -4026,20 +4957,75 @@
                 <a:tableStyleId>{5C22544A-7EE6-4342-B048-85BDC9FD1C3A}</a:tableStyleId>
               </a:tblPr>
               <a:tblGrid>
-                <a:gridCol w="2105025"/>
-                <a:gridCol w="1152723"/>
-                <a:gridCol w="1152723"/>
-                <a:gridCol w="1152723"/>
-                <a:gridCol w="1152723"/>
-                <a:gridCol w="1152723"/>
-                <a:gridCol w="1152723"/>
-                <a:gridCol w="1152723"/>
-                <a:gridCol w="1152723"/>
+                <a:gridCol w="2105025">
+                  <a:extLst>
+                    <a:ext uri="{9D8B030D-6E8A-4147-A177-3AD203B41FA5}">
+                      <a16:colId xmlns:a16="http://schemas.microsoft.com/office/drawing/2014/main" val="20000"/>
+                    </a:ext>
+                  </a:extLst>
+                </a:gridCol>
+                <a:gridCol w="1152723">
+                  <a:extLst>
+                    <a:ext uri="{9D8B030D-6E8A-4147-A177-3AD203B41FA5}">
+                      <a16:colId xmlns:a16="http://schemas.microsoft.com/office/drawing/2014/main" val="20001"/>
+                    </a:ext>
+                  </a:extLst>
+                </a:gridCol>
+                <a:gridCol w="1152723">
+                  <a:extLst>
+                    <a:ext uri="{9D8B030D-6E8A-4147-A177-3AD203B41FA5}">
+                      <a16:colId xmlns:a16="http://schemas.microsoft.com/office/drawing/2014/main" val="20002"/>
+                    </a:ext>
+                  </a:extLst>
+                </a:gridCol>
+                <a:gridCol w="1152723">
+                  <a:extLst>
+                    <a:ext uri="{9D8B030D-6E8A-4147-A177-3AD203B41FA5}">
+                      <a16:colId xmlns:a16="http://schemas.microsoft.com/office/drawing/2014/main" val="20003"/>
+                    </a:ext>
+                  </a:extLst>
+                </a:gridCol>
+                <a:gridCol w="1152723">
+                  <a:extLst>
+                    <a:ext uri="{9D8B030D-6E8A-4147-A177-3AD203B41FA5}">
+                      <a16:colId xmlns:a16="http://schemas.microsoft.com/office/drawing/2014/main" val="20004"/>
+                    </a:ext>
+                  </a:extLst>
+                </a:gridCol>
+                <a:gridCol w="1152723">
+                  <a:extLst>
+                    <a:ext uri="{9D8B030D-6E8A-4147-A177-3AD203B41FA5}">
+                      <a16:colId xmlns:a16="http://schemas.microsoft.com/office/drawing/2014/main" val="20005"/>
+                    </a:ext>
+                  </a:extLst>
+                </a:gridCol>
+                <a:gridCol w="1152723">
+                  <a:extLst>
+                    <a:ext uri="{9D8B030D-6E8A-4147-A177-3AD203B41FA5}">
+                      <a16:colId xmlns:a16="http://schemas.microsoft.com/office/drawing/2014/main" val="20006"/>
+                    </a:ext>
+                  </a:extLst>
+                </a:gridCol>
+                <a:gridCol w="1152723">
+                  <a:extLst>
+                    <a:ext uri="{9D8B030D-6E8A-4147-A177-3AD203B41FA5}">
+                      <a16:colId xmlns:a16="http://schemas.microsoft.com/office/drawing/2014/main" val="20007"/>
+                    </a:ext>
+                  </a:extLst>
+                </a:gridCol>
+                <a:gridCol w="1152723">
+                  <a:extLst>
+                    <a:ext uri="{9D8B030D-6E8A-4147-A177-3AD203B41FA5}">
+                      <a16:colId xmlns:a16="http://schemas.microsoft.com/office/drawing/2014/main" val="20008"/>
+                    </a:ext>
+                  </a:extLst>
+                </a:gridCol>
               </a:tblGrid>
               <a:tr h="396547">
                 <a:tc>
                   <a:txBody>
-                    <a:bodyPr vert="horz" lIns="91440" tIns="45720" rIns="91440" bIns="45720" anchor="t" anchorCtr="0"/>
+                    <a:bodyPr/>
+                    <a:lstStyle/>
                     <a:p>
                       <a:pPr latinLnBrk="1">
                         <a:defRPr/>
@@ -4047,7 +5033,7 @@
                       <a:endParaRPr lang="ko-KR" altLang="en-US"/>
                     </a:p>
                   </a:txBody>
-                  <a:tcPr marL="91440" marR="91440">
+                  <a:tcPr>
                     <a:lnL w="28575" cap="flat" cmpd="sng" algn="ctr">
                       <a:solidFill>
                         <a:schemeClr val="bg1"/>
@@ -4094,7 +5080,8 @@
                 </a:tc>
                 <a:tc>
                   <a:txBody>
-                    <a:bodyPr vert="horz" lIns="91440" tIns="45720" rIns="91440" bIns="45720" anchor="t" anchorCtr="0"/>
+                    <a:bodyPr/>
+                    <a:lstStyle/>
                     <a:p>
                       <a:pPr algn="ctr" latinLnBrk="1">
                         <a:defRPr/>
@@ -4115,14 +5102,9 @@
                         </a:rPr>
                         <a:t>월</a:t>
                       </a:r>
-                      <a:endParaRPr lang="ko-KR" altLang="en-US" sz="2000" b="0">
-                        <a:solidFill>
-                          <a:schemeClr val="bg1"/>
-                        </a:solidFill>
-                      </a:endParaRPr>
                     </a:p>
                   </a:txBody>
-                  <a:tcPr marL="91440" marR="91440">
+                  <a:tcPr>
                     <a:lnL w="12700" cap="flat" cmpd="sng" algn="ctr">
                       <a:solidFill>
                         <a:schemeClr val="bg1"/>
@@ -4168,7 +5150,8 @@
                 </a:tc>
                 <a:tc>
                   <a:txBody>
-                    <a:bodyPr vert="horz" lIns="91440" tIns="45720" rIns="91440" bIns="45720" anchor="t" anchorCtr="0"/>
+                    <a:bodyPr/>
+                    <a:lstStyle/>
                     <a:p>
                       <a:pPr algn="ctr" latinLnBrk="1">
                         <a:defRPr/>
@@ -4189,14 +5172,9 @@
                         </a:rPr>
                         <a:t>월</a:t>
                       </a:r>
-                      <a:endParaRPr lang="ko-KR" altLang="en-US" sz="2000" b="0">
-                        <a:solidFill>
-                          <a:schemeClr val="bg1"/>
-                        </a:solidFill>
-                      </a:endParaRPr>
                     </a:p>
                   </a:txBody>
-                  <a:tcPr marL="91440" marR="91440">
+                  <a:tcPr>
                     <a:lnL w="12700" cap="flat" cmpd="sng" algn="ctr">
                       <a:solidFill>
                         <a:schemeClr val="bg1"/>
@@ -4242,7 +5220,8 @@
                 </a:tc>
                 <a:tc>
                   <a:txBody>
-                    <a:bodyPr vert="horz" lIns="91440" tIns="45720" rIns="91440" bIns="45720" anchor="t" anchorCtr="0"/>
+                    <a:bodyPr/>
+                    <a:lstStyle/>
                     <a:p>
                       <a:pPr algn="ctr" latinLnBrk="1">
                         <a:defRPr/>
@@ -4263,14 +5242,9 @@
                         </a:rPr>
                         <a:t>월</a:t>
                       </a:r>
-                      <a:endParaRPr lang="ko-KR" altLang="en-US" sz="2000" b="0">
-                        <a:solidFill>
-                          <a:schemeClr val="bg1"/>
-                        </a:solidFill>
-                      </a:endParaRPr>
                     </a:p>
                   </a:txBody>
-                  <a:tcPr marL="91440" marR="91440">
+                  <a:tcPr>
                     <a:lnL w="12700" cap="flat" cmpd="sng" algn="ctr">
                       <a:solidFill>
                         <a:schemeClr val="bg1"/>
@@ -4316,7 +5290,8 @@
                 </a:tc>
                 <a:tc>
                   <a:txBody>
-                    <a:bodyPr vert="horz" lIns="91440" tIns="45720" rIns="91440" bIns="45720" anchor="t" anchorCtr="0"/>
+                    <a:bodyPr/>
+                    <a:lstStyle/>
                     <a:p>
                       <a:pPr algn="ctr" latinLnBrk="1">
                         <a:defRPr/>
@@ -4337,14 +5312,9 @@
                         </a:rPr>
                         <a:t>월</a:t>
                       </a:r>
-                      <a:endParaRPr lang="ko-KR" altLang="en-US" sz="2000" b="0">
-                        <a:solidFill>
-                          <a:schemeClr val="bg1"/>
-                        </a:solidFill>
-                      </a:endParaRPr>
                     </a:p>
                   </a:txBody>
-                  <a:tcPr marL="91440" marR="91440">
+                  <a:tcPr>
                     <a:lnL w="12700" cap="flat" cmpd="sng" algn="ctr">
                       <a:solidFill>
                         <a:schemeClr val="bg1"/>
@@ -4390,7 +5360,8 @@
                 </a:tc>
                 <a:tc>
                   <a:txBody>
-                    <a:bodyPr vert="horz" lIns="91440" tIns="45720" rIns="91440" bIns="45720" anchor="t" anchorCtr="0"/>
+                    <a:bodyPr/>
+                    <a:lstStyle/>
                     <a:p>
                       <a:pPr algn="ctr" latinLnBrk="1">
                         <a:defRPr/>
@@ -4411,14 +5382,9 @@
                         </a:rPr>
                         <a:t>월</a:t>
                       </a:r>
-                      <a:endParaRPr lang="ko-KR" altLang="en-US" sz="2000" b="0">
-                        <a:solidFill>
-                          <a:schemeClr val="bg1"/>
-                        </a:solidFill>
-                      </a:endParaRPr>
                     </a:p>
                   </a:txBody>
-                  <a:tcPr marL="91440" marR="91440">
+                  <a:tcPr>
                     <a:lnL w="12700" cap="flat" cmpd="sng" algn="ctr">
                       <a:solidFill>
                         <a:schemeClr val="bg1"/>
@@ -4464,7 +5430,8 @@
                 </a:tc>
                 <a:tc>
                   <a:txBody>
-                    <a:bodyPr vert="horz" lIns="91440" tIns="45720" rIns="91440" bIns="45720" anchor="t" anchorCtr="0"/>
+                    <a:bodyPr/>
+                    <a:lstStyle/>
                     <a:p>
                       <a:pPr algn="ctr" latinLnBrk="1">
                         <a:defRPr/>
@@ -4485,14 +5452,9 @@
                         </a:rPr>
                         <a:t>월</a:t>
                       </a:r>
-                      <a:endParaRPr lang="ko-KR" altLang="en-US" sz="2000" b="0">
-                        <a:solidFill>
-                          <a:schemeClr val="bg1"/>
-                        </a:solidFill>
-                      </a:endParaRPr>
                     </a:p>
                   </a:txBody>
-                  <a:tcPr marL="91440" marR="91440">
+                  <a:tcPr>
                     <a:lnL w="12700" cap="flat" cmpd="sng" algn="ctr">
                       <a:solidFill>
                         <a:schemeClr val="bg1"/>
@@ -4538,7 +5500,8 @@
                 </a:tc>
                 <a:tc>
                   <a:txBody>
-                    <a:bodyPr vert="horz" lIns="91440" tIns="45720" rIns="91440" bIns="45720" anchor="t" anchorCtr="0"/>
+                    <a:bodyPr/>
+                    <a:lstStyle/>
                     <a:p>
                       <a:pPr algn="ctr" latinLnBrk="1">
                         <a:defRPr/>
@@ -4559,14 +5522,9 @@
                         </a:rPr>
                         <a:t>월</a:t>
                       </a:r>
-                      <a:endParaRPr lang="ko-KR" altLang="en-US" sz="2000" b="0">
-                        <a:solidFill>
-                          <a:schemeClr val="bg1"/>
-                        </a:solidFill>
-                      </a:endParaRPr>
                     </a:p>
                   </a:txBody>
-                  <a:tcPr marL="91440" marR="91440">
+                  <a:tcPr>
                     <a:lnL w="12700" cap="flat" cmpd="sng" algn="ctr">
                       <a:solidFill>
                         <a:schemeClr val="bg1"/>
@@ -4612,7 +5570,8 @@
                 </a:tc>
                 <a:tc>
                   <a:txBody>
-                    <a:bodyPr vert="horz" lIns="91440" tIns="45720" rIns="91440" bIns="45720" anchor="t" anchorCtr="0"/>
+                    <a:bodyPr/>
+                    <a:lstStyle/>
                     <a:p>
                       <a:pPr algn="ctr" latinLnBrk="1">
                         <a:defRPr/>
@@ -4633,14 +5592,9 @@
                         </a:rPr>
                         <a:t>월</a:t>
                       </a:r>
-                      <a:endParaRPr lang="ko-KR" altLang="en-US" sz="2000" b="0">
-                        <a:solidFill>
-                          <a:schemeClr val="bg1"/>
-                        </a:solidFill>
-                      </a:endParaRPr>
                     </a:p>
                   </a:txBody>
-                  <a:tcPr marL="91440" marR="91440">
+                  <a:tcPr>
                     <a:lnL w="12700" cap="flat" cmpd="sng" algn="ctr">
                       <a:solidFill>
                         <a:schemeClr val="bg1"/>
@@ -4684,11 +5638,17 @@
                     </a:solidFill>
                   </a:tcPr>
                 </a:tc>
+                <a:extLst>
+                  <a:ext uri="{0D108BD9-81ED-4DB2-BD59-A6C34878D82A}">
+                    <a16:rowId xmlns:a16="http://schemas.microsoft.com/office/drawing/2014/main" val="10000"/>
+                  </a:ext>
+                </a:extLst>
               </a:tr>
               <a:tr h="522360">
                 <a:tc>
                   <a:txBody>
-                    <a:bodyPr vert="horz" lIns="91440" tIns="45720" rIns="91440" bIns="45720" anchor="t" anchorCtr="0"/>
+                    <a:bodyPr/>
+                    <a:lstStyle/>
                     <a:p>
                       <a:pPr algn="ctr" latinLnBrk="1">
                         <a:defRPr/>
@@ -4697,10 +5657,9 @@
                         <a:rPr lang="ko-KR" altLang="en-US" sz="2000" b="0"/>
                         <a:t>리소스 수집</a:t>
                       </a:r>
-                      <a:endParaRPr lang="ko-KR" altLang="en-US" sz="2000" b="0"/>
                     </a:p>
                   </a:txBody>
-                  <a:tcPr marL="91440" marR="91440">
+                  <a:tcPr>
                     <a:lnL w="28575" cap="flat" cmpd="sng" algn="ctr">
                       <a:solidFill>
                         <a:schemeClr val="bg1"/>
@@ -4747,7 +5706,8 @@
                 </a:tc>
                 <a:tc>
                   <a:txBody>
-                    <a:bodyPr vert="horz" lIns="91440" tIns="45720" rIns="91440" bIns="45720" anchor="t" anchorCtr="0"/>
+                    <a:bodyPr/>
+                    <a:lstStyle/>
                     <a:p>
                       <a:pPr latinLnBrk="1">
                         <a:defRPr/>
@@ -4755,7 +5715,7 @@
                       <a:endParaRPr lang="ko-KR" altLang="en-US"/>
                     </a:p>
                   </a:txBody>
-                  <a:tcPr marL="91440" marR="91440">
+                  <a:tcPr>
                     <a:lnL w="12700" cap="flat" cmpd="sng" algn="ctr">
                       <a:solidFill>
                         <a:schemeClr val="bg1"/>
@@ -4793,13 +5753,14 @@
                       <a:tailEnd w="med" len="med"/>
                     </a:lnB>
                     <a:solidFill>
-                      <a:srgbClr val="93cc60"/>
+                      <a:srgbClr val="93CC60"/>
                     </a:solidFill>
                   </a:tcPr>
                 </a:tc>
                 <a:tc>
                   <a:txBody>
-                    <a:bodyPr vert="horz" lIns="91440" tIns="45720" rIns="91440" bIns="45720" anchor="t" anchorCtr="0"/>
+                    <a:bodyPr/>
+                    <a:lstStyle/>
                     <a:p>
                       <a:pPr latinLnBrk="1">
                         <a:defRPr/>
@@ -4807,7 +5768,7 @@
                       <a:endParaRPr lang="ko-KR" altLang="en-US"/>
                     </a:p>
                   </a:txBody>
-                  <a:tcPr marL="91440" marR="91440">
+                  <a:tcPr>
                     <a:lnL w="12700" cap="flat" cmpd="sng" algn="ctr">
                       <a:solidFill>
                         <a:schemeClr val="bg1"/>
@@ -4854,7 +5815,8 @@
                 </a:tc>
                 <a:tc>
                   <a:txBody>
-                    <a:bodyPr vert="horz" lIns="91440" tIns="45720" rIns="91440" bIns="45720" anchor="t" anchorCtr="0"/>
+                    <a:bodyPr/>
+                    <a:lstStyle/>
                     <a:p>
                       <a:pPr latinLnBrk="1">
                         <a:defRPr/>
@@ -4862,7 +5824,7 @@
                       <a:endParaRPr lang="ko-KR" altLang="en-US"/>
                     </a:p>
                   </a:txBody>
-                  <a:tcPr marL="91440" marR="91440">
+                  <a:tcPr>
                     <a:lnL w="12700" cap="flat" cmpd="sng" algn="ctr">
                       <a:solidFill>
                         <a:schemeClr val="bg1"/>
@@ -4909,7 +5871,8 @@
                 </a:tc>
                 <a:tc>
                   <a:txBody>
-                    <a:bodyPr vert="horz" lIns="91440" tIns="45720" rIns="91440" bIns="45720" anchor="t" anchorCtr="0"/>
+                    <a:bodyPr/>
+                    <a:lstStyle/>
                     <a:p>
                       <a:pPr latinLnBrk="1">
                         <a:defRPr/>
@@ -4917,7 +5880,7 @@
                       <a:endParaRPr lang="ko-KR" altLang="en-US"/>
                     </a:p>
                   </a:txBody>
-                  <a:tcPr marL="91440" marR="91440">
+                  <a:tcPr>
                     <a:lnL w="12700" cap="flat" cmpd="sng" algn="ctr">
                       <a:solidFill>
                         <a:schemeClr val="bg1"/>
@@ -4964,7 +5927,8 @@
                 </a:tc>
                 <a:tc>
                   <a:txBody>
-                    <a:bodyPr vert="horz" lIns="91440" tIns="45720" rIns="91440" bIns="45720" anchor="t" anchorCtr="0"/>
+                    <a:bodyPr/>
+                    <a:lstStyle/>
                     <a:p>
                       <a:pPr latinLnBrk="1">
                         <a:defRPr/>
@@ -4972,7 +5936,7 @@
                       <a:endParaRPr lang="ko-KR" altLang="en-US"/>
                     </a:p>
                   </a:txBody>
-                  <a:tcPr marL="91440" marR="91440">
+                  <a:tcPr>
                     <a:lnL w="12700" cap="flat" cmpd="sng" algn="ctr">
                       <a:solidFill>
                         <a:schemeClr val="bg1"/>
@@ -5019,7 +5983,8 @@
                 </a:tc>
                 <a:tc>
                   <a:txBody>
-                    <a:bodyPr vert="horz" lIns="91440" tIns="45720" rIns="91440" bIns="45720" anchor="t" anchorCtr="0"/>
+                    <a:bodyPr/>
+                    <a:lstStyle/>
                     <a:p>
                       <a:pPr latinLnBrk="1">
                         <a:defRPr/>
@@ -5027,7 +5992,7 @@
                       <a:endParaRPr lang="ko-KR" altLang="en-US"/>
                     </a:p>
                   </a:txBody>
-                  <a:tcPr marL="91440" marR="91440">
+                  <a:tcPr>
                     <a:lnL w="12700" cap="flat" cmpd="sng" algn="ctr">
                       <a:solidFill>
                         <a:schemeClr val="bg1"/>
@@ -5074,7 +6039,8 @@
                 </a:tc>
                 <a:tc>
                   <a:txBody>
-                    <a:bodyPr vert="horz" lIns="91440" tIns="45720" rIns="91440" bIns="45720" anchor="t" anchorCtr="0"/>
+                    <a:bodyPr/>
+                    <a:lstStyle/>
                     <a:p>
                       <a:pPr latinLnBrk="1">
                         <a:defRPr/>
@@ -5082,7 +6048,7 @@
                       <a:endParaRPr lang="ko-KR" altLang="en-US"/>
                     </a:p>
                   </a:txBody>
-                  <a:tcPr marL="91440" marR="91440">
+                  <a:tcPr>
                     <a:lnL w="12700" cap="flat" cmpd="sng" algn="ctr">
                       <a:solidFill>
                         <a:schemeClr val="bg1"/>
@@ -5129,7 +6095,8 @@
                 </a:tc>
                 <a:tc>
                   <a:txBody>
-                    <a:bodyPr vert="horz" lIns="91440" tIns="45720" rIns="91440" bIns="45720" anchor="t" anchorCtr="0"/>
+                    <a:bodyPr/>
+                    <a:lstStyle/>
                     <a:p>
                       <a:pPr latinLnBrk="1">
                         <a:defRPr/>
@@ -5137,7 +6104,7 @@
                       <a:endParaRPr lang="ko-KR" altLang="en-US"/>
                     </a:p>
                   </a:txBody>
-                  <a:tcPr marL="91440" marR="91440">
+                  <a:tcPr>
                     <a:lnL w="12700" cap="flat" cmpd="sng" algn="ctr">
                       <a:solidFill>
                         <a:schemeClr val="bg1"/>
@@ -5182,11 +6149,17 @@
                     </a:solidFill>
                   </a:tcPr>
                 </a:tc>
+                <a:extLst>
+                  <a:ext uri="{0D108BD9-81ED-4DB2-BD59-A6C34878D82A}">
+                    <a16:rowId xmlns:a16="http://schemas.microsoft.com/office/drawing/2014/main" val="10001"/>
+                  </a:ext>
+                </a:extLst>
               </a:tr>
               <a:tr h="522360">
                 <a:tc>
                   <a:txBody>
-                    <a:bodyPr vert="horz" lIns="91440" tIns="45720" rIns="91440" bIns="45720" anchor="t" anchorCtr="0"/>
+                    <a:bodyPr/>
+                    <a:lstStyle/>
                     <a:p>
                       <a:pPr algn="ctr" latinLnBrk="1">
                         <a:defRPr/>
@@ -5195,10 +6168,9 @@
                         <a:rPr lang="ko-KR" altLang="en-US" sz="2000" b="0"/>
                         <a:t>서버 구조</a:t>
                       </a:r>
-                      <a:endParaRPr lang="ko-KR" altLang="en-US" sz="2000" b="0"/>
                     </a:p>
                   </a:txBody>
-                  <a:tcPr marL="91440" marR="91440">
+                  <a:tcPr>
                     <a:lnL w="28575" cap="flat" cmpd="sng" algn="ctr">
                       <a:solidFill>
                         <a:schemeClr val="bg1"/>
@@ -5245,7 +6217,8 @@
                 </a:tc>
                 <a:tc>
                   <a:txBody>
-                    <a:bodyPr vert="horz" lIns="91440" tIns="45720" rIns="91440" bIns="45720" anchor="t" anchorCtr="0"/>
+                    <a:bodyPr/>
+                    <a:lstStyle/>
                     <a:p>
                       <a:pPr latinLnBrk="1">
                         <a:defRPr/>
@@ -5253,7 +6226,7 @@
                       <a:endParaRPr lang="ko-KR" altLang="en-US"/>
                     </a:p>
                   </a:txBody>
-                  <a:tcPr marL="91440" marR="91440">
+                  <a:tcPr>
                     <a:lnL w="12700" cap="flat" cmpd="sng" algn="ctr">
                       <a:solidFill>
                         <a:schemeClr val="bg1"/>
@@ -5291,13 +6264,14 @@
                       <a:tailEnd w="med" len="med"/>
                     </a:lnB>
                     <a:solidFill>
-                      <a:srgbClr val="ffc000"/>
+                      <a:srgbClr val="FFC000"/>
                     </a:solidFill>
                   </a:tcPr>
                 </a:tc>
                 <a:tc>
                   <a:txBody>
-                    <a:bodyPr vert="horz" lIns="91440" tIns="45720" rIns="91440" bIns="45720" anchor="t" anchorCtr="0"/>
+                    <a:bodyPr/>
+                    <a:lstStyle/>
                     <a:p>
                       <a:pPr latinLnBrk="1">
                         <a:defRPr/>
@@ -5305,7 +6279,7 @@
                       <a:endParaRPr lang="ko-KR" altLang="en-US"/>
                     </a:p>
                   </a:txBody>
-                  <a:tcPr marL="91440" marR="91440">
+                  <a:tcPr>
                     <a:lnL w="12700" cap="flat" cmpd="sng" algn="ctr">
                       <a:solidFill>
                         <a:schemeClr val="bg1"/>
@@ -5343,13 +6317,14 @@
                       <a:tailEnd w="med" len="med"/>
                     </a:lnB>
                     <a:solidFill>
-                      <a:srgbClr val="ffc000"/>
+                      <a:srgbClr val="FFC000"/>
                     </a:solidFill>
                   </a:tcPr>
                 </a:tc>
                 <a:tc>
                   <a:txBody>
-                    <a:bodyPr vert="horz" lIns="91440" tIns="45720" rIns="91440" bIns="45720" anchor="t" anchorCtr="0"/>
+                    <a:bodyPr/>
+                    <a:lstStyle/>
                     <a:p>
                       <a:pPr latinLnBrk="1">
                         <a:defRPr/>
@@ -5357,7 +6332,7 @@
                       <a:endParaRPr lang="ko-KR" altLang="en-US"/>
                     </a:p>
                   </a:txBody>
-                  <a:tcPr marL="91440" marR="91440">
+                  <a:tcPr>
                     <a:lnL w="12700" cap="flat" cmpd="sng" algn="ctr">
                       <a:solidFill>
                         <a:schemeClr val="bg1"/>
@@ -5404,7 +6379,8 @@
                 </a:tc>
                 <a:tc>
                   <a:txBody>
-                    <a:bodyPr vert="horz" lIns="91440" tIns="45720" rIns="91440" bIns="45720" anchor="t" anchorCtr="0"/>
+                    <a:bodyPr/>
+                    <a:lstStyle/>
                     <a:p>
                       <a:pPr latinLnBrk="1">
                         <a:defRPr/>
@@ -5412,7 +6388,7 @@
                       <a:endParaRPr lang="ko-KR" altLang="en-US"/>
                     </a:p>
                   </a:txBody>
-                  <a:tcPr marL="91440" marR="91440">
+                  <a:tcPr>
                     <a:lnL w="12700" cap="flat" cmpd="sng" algn="ctr">
                       <a:solidFill>
                         <a:schemeClr val="bg1"/>
@@ -5459,7 +6435,8 @@
                 </a:tc>
                 <a:tc>
                   <a:txBody>
-                    <a:bodyPr vert="horz" lIns="91440" tIns="45720" rIns="91440" bIns="45720" anchor="t" anchorCtr="0"/>
+                    <a:bodyPr/>
+                    <a:lstStyle/>
                     <a:p>
                       <a:pPr latinLnBrk="1">
                         <a:defRPr/>
@@ -5467,7 +6444,7 @@
                       <a:endParaRPr lang="ko-KR" altLang="en-US"/>
                     </a:p>
                   </a:txBody>
-                  <a:tcPr marL="91440" marR="91440">
+                  <a:tcPr>
                     <a:lnL w="12700" cap="flat" cmpd="sng" algn="ctr">
                       <a:solidFill>
                         <a:schemeClr val="bg1"/>
@@ -5514,7 +6491,8 @@
                 </a:tc>
                 <a:tc>
                   <a:txBody>
-                    <a:bodyPr vert="horz" lIns="91440" tIns="45720" rIns="91440" bIns="45720" anchor="t" anchorCtr="0"/>
+                    <a:bodyPr/>
+                    <a:lstStyle/>
                     <a:p>
                       <a:pPr latinLnBrk="1">
                         <a:defRPr/>
@@ -5522,7 +6500,7 @@
                       <a:endParaRPr lang="ko-KR" altLang="en-US"/>
                     </a:p>
                   </a:txBody>
-                  <a:tcPr marL="91440" marR="91440">
+                  <a:tcPr>
                     <a:lnL w="12700" cap="flat" cmpd="sng" algn="ctr">
                       <a:solidFill>
                         <a:schemeClr val="bg1"/>
@@ -5569,7 +6547,8 @@
                 </a:tc>
                 <a:tc>
                   <a:txBody>
-                    <a:bodyPr vert="horz" lIns="91440" tIns="45720" rIns="91440" bIns="45720" anchor="t" anchorCtr="0"/>
+                    <a:bodyPr/>
+                    <a:lstStyle/>
                     <a:p>
                       <a:pPr latinLnBrk="1">
                         <a:defRPr/>
@@ -5577,7 +6556,7 @@
                       <a:endParaRPr lang="ko-KR" altLang="en-US"/>
                     </a:p>
                   </a:txBody>
-                  <a:tcPr marL="91440" marR="91440">
+                  <a:tcPr>
                     <a:lnL w="12700" cap="flat" cmpd="sng" algn="ctr">
                       <a:solidFill>
                         <a:schemeClr val="bg1"/>
@@ -5624,7 +6603,8 @@
                 </a:tc>
                 <a:tc>
                   <a:txBody>
-                    <a:bodyPr vert="horz" lIns="91440" tIns="45720" rIns="91440" bIns="45720" anchor="t" anchorCtr="0"/>
+                    <a:bodyPr/>
+                    <a:lstStyle/>
                     <a:p>
                       <a:pPr latinLnBrk="1">
                         <a:defRPr/>
@@ -5632,7 +6612,7 @@
                       <a:endParaRPr lang="ko-KR" altLang="en-US"/>
                     </a:p>
                   </a:txBody>
-                  <a:tcPr marL="91440" marR="91440">
+                  <a:tcPr>
                     <a:lnL w="12700" cap="flat" cmpd="sng" algn="ctr">
                       <a:solidFill>
                         <a:schemeClr val="bg1"/>
@@ -5677,11 +6657,17 @@
                     </a:solidFill>
                   </a:tcPr>
                 </a:tc>
+                <a:extLst>
+                  <a:ext uri="{0D108BD9-81ED-4DB2-BD59-A6C34878D82A}">
+                    <a16:rowId xmlns:a16="http://schemas.microsoft.com/office/drawing/2014/main" val="10002"/>
+                  </a:ext>
+                </a:extLst>
               </a:tr>
               <a:tr h="522360">
                 <a:tc>
                   <a:txBody>
-                    <a:bodyPr vert="horz" lIns="91440" tIns="45720" rIns="91440" bIns="45720" anchor="t" anchorCtr="0"/>
+                    <a:bodyPr/>
+                    <a:lstStyle/>
                     <a:p>
                       <a:pPr algn="ctr" latinLnBrk="1">
                         <a:defRPr/>
@@ -5690,10 +6676,9 @@
                         <a:rPr lang="ko-KR" altLang="en-US" sz="2000" b="0"/>
                         <a:t>클라 구조</a:t>
                       </a:r>
-                      <a:endParaRPr lang="ko-KR" altLang="en-US" sz="2000" b="0"/>
                     </a:p>
                   </a:txBody>
-                  <a:tcPr marL="91440" marR="91440">
+                  <a:tcPr>
                     <a:lnL w="28575" cap="flat" cmpd="sng" algn="ctr">
                       <a:solidFill>
                         <a:schemeClr val="bg1"/>
@@ -5740,7 +6725,8 @@
                 </a:tc>
                 <a:tc>
                   <a:txBody>
-                    <a:bodyPr vert="horz" lIns="91440" tIns="45720" rIns="91440" bIns="45720" anchor="t" anchorCtr="0"/>
+                    <a:bodyPr/>
+                    <a:lstStyle/>
                     <a:p>
                       <a:pPr latinLnBrk="1">
                         <a:defRPr/>
@@ -5748,7 +6734,7 @@
                       <a:endParaRPr lang="ko-KR" altLang="en-US"/>
                     </a:p>
                   </a:txBody>
-                  <a:tcPr marL="91440" marR="91440">
+                  <a:tcPr>
                     <a:lnL w="12700" cap="flat" cmpd="sng" algn="ctr">
                       <a:solidFill>
                         <a:schemeClr val="bg1"/>
@@ -5786,13 +6772,14 @@
                       <a:tailEnd w="med" len="med"/>
                     </a:lnB>
                     <a:solidFill>
-                      <a:srgbClr val="e1bbeb"/>
+                      <a:srgbClr val="E1BBEB"/>
                     </a:solidFill>
                   </a:tcPr>
                 </a:tc>
                 <a:tc>
                   <a:txBody>
-                    <a:bodyPr vert="horz" lIns="91440" tIns="45720" rIns="91440" bIns="45720" anchor="t" anchorCtr="0"/>
+                    <a:bodyPr/>
+                    <a:lstStyle/>
                     <a:p>
                       <a:pPr latinLnBrk="1">
                         <a:defRPr/>
@@ -5800,7 +6787,7 @@
                       <a:endParaRPr lang="ko-KR" altLang="en-US"/>
                     </a:p>
                   </a:txBody>
-                  <a:tcPr marL="91440" marR="91440">
+                  <a:tcPr>
                     <a:lnL w="12700" cap="flat" cmpd="sng" algn="ctr">
                       <a:solidFill>
                         <a:schemeClr val="bg1"/>
@@ -5838,13 +6825,14 @@
                       <a:tailEnd w="med" len="med"/>
                     </a:lnB>
                     <a:solidFill>
-                      <a:srgbClr val="e1bbeb"/>
+                      <a:srgbClr val="E1BBEB"/>
                     </a:solidFill>
                   </a:tcPr>
                 </a:tc>
                 <a:tc>
                   <a:txBody>
-                    <a:bodyPr vert="horz" lIns="91440" tIns="45720" rIns="91440" bIns="45720" anchor="t" anchorCtr="0"/>
+                    <a:bodyPr/>
+                    <a:lstStyle/>
                     <a:p>
                       <a:pPr latinLnBrk="1">
                         <a:defRPr/>
@@ -5852,7 +6840,7 @@
                       <a:endParaRPr lang="ko-KR" altLang="en-US"/>
                     </a:p>
                   </a:txBody>
-                  <a:tcPr marL="91440" marR="91440">
+                  <a:tcPr>
                     <a:lnL w="12700" cap="flat" cmpd="sng" algn="ctr">
                       <a:solidFill>
                         <a:schemeClr val="bg1"/>
@@ -5899,7 +6887,8 @@
                 </a:tc>
                 <a:tc>
                   <a:txBody>
-                    <a:bodyPr vert="horz" lIns="91440" tIns="45720" rIns="91440" bIns="45720" anchor="t" anchorCtr="0"/>
+                    <a:bodyPr/>
+                    <a:lstStyle/>
                     <a:p>
                       <a:pPr latinLnBrk="1">
                         <a:defRPr/>
@@ -5907,7 +6896,7 @@
                       <a:endParaRPr lang="ko-KR" altLang="en-US"/>
                     </a:p>
                   </a:txBody>
-                  <a:tcPr marL="91440" marR="91440">
+                  <a:tcPr>
                     <a:lnL w="12700" cap="flat" cmpd="sng" algn="ctr">
                       <a:solidFill>
                         <a:schemeClr val="bg1"/>
@@ -5954,7 +6943,8 @@
                 </a:tc>
                 <a:tc>
                   <a:txBody>
-                    <a:bodyPr vert="horz" lIns="91440" tIns="45720" rIns="91440" bIns="45720" anchor="t" anchorCtr="0"/>
+                    <a:bodyPr/>
+                    <a:lstStyle/>
                     <a:p>
                       <a:pPr latinLnBrk="1">
                         <a:defRPr/>
@@ -5962,7 +6952,7 @@
                       <a:endParaRPr lang="ko-KR" altLang="en-US"/>
                     </a:p>
                   </a:txBody>
-                  <a:tcPr marL="91440" marR="91440">
+                  <a:tcPr>
                     <a:lnL w="12700" cap="flat" cmpd="sng" algn="ctr">
                       <a:solidFill>
                         <a:schemeClr val="bg1"/>
@@ -6009,7 +6999,8 @@
                 </a:tc>
                 <a:tc>
                   <a:txBody>
-                    <a:bodyPr vert="horz" lIns="91440" tIns="45720" rIns="91440" bIns="45720" anchor="t" anchorCtr="0"/>
+                    <a:bodyPr/>
+                    <a:lstStyle/>
                     <a:p>
                       <a:pPr latinLnBrk="1">
                         <a:defRPr/>
@@ -6017,7 +7008,7 @@
                       <a:endParaRPr lang="ko-KR" altLang="en-US"/>
                     </a:p>
                   </a:txBody>
-                  <a:tcPr marL="91440" marR="91440">
+                  <a:tcPr>
                     <a:lnL w="12700" cap="flat" cmpd="sng" algn="ctr">
                       <a:solidFill>
                         <a:schemeClr val="bg1"/>
@@ -6064,7 +7055,8 @@
                 </a:tc>
                 <a:tc>
                   <a:txBody>
-                    <a:bodyPr vert="horz" lIns="91440" tIns="45720" rIns="91440" bIns="45720" anchor="t" anchorCtr="0"/>
+                    <a:bodyPr/>
+                    <a:lstStyle/>
                     <a:p>
                       <a:pPr latinLnBrk="1">
                         <a:defRPr/>
@@ -6072,7 +7064,7 @@
                       <a:endParaRPr lang="ko-KR" altLang="en-US"/>
                     </a:p>
                   </a:txBody>
-                  <a:tcPr marL="91440" marR="91440">
+                  <a:tcPr>
                     <a:lnL w="12700" cap="flat" cmpd="sng" algn="ctr">
                       <a:solidFill>
                         <a:schemeClr val="bg1"/>
@@ -6119,7 +7111,8 @@
                 </a:tc>
                 <a:tc>
                   <a:txBody>
-                    <a:bodyPr vert="horz" lIns="91440" tIns="45720" rIns="91440" bIns="45720" anchor="t" anchorCtr="0"/>
+                    <a:bodyPr/>
+                    <a:lstStyle/>
                     <a:p>
                       <a:pPr latinLnBrk="1">
                         <a:defRPr/>
@@ -6127,7 +7120,7 @@
                       <a:endParaRPr lang="ko-KR" altLang="en-US"/>
                     </a:p>
                   </a:txBody>
-                  <a:tcPr marL="91440" marR="91440">
+                  <a:tcPr>
                     <a:lnL w="12700" cap="flat" cmpd="sng" algn="ctr">
                       <a:solidFill>
                         <a:schemeClr val="bg1"/>
@@ -6172,11 +7165,17 @@
                     </a:solidFill>
                   </a:tcPr>
                 </a:tc>
+                <a:extLst>
+                  <a:ext uri="{0D108BD9-81ED-4DB2-BD59-A6C34878D82A}">
+                    <a16:rowId xmlns:a16="http://schemas.microsoft.com/office/drawing/2014/main" val="10003"/>
+                  </a:ext>
+                </a:extLst>
               </a:tr>
               <a:tr h="522360">
                 <a:tc>
                   <a:txBody>
-                    <a:bodyPr vert="horz" lIns="91440" tIns="45720" rIns="91440" bIns="45720" anchor="t" anchorCtr="0"/>
+                    <a:bodyPr/>
+                    <a:lstStyle/>
                     <a:p>
                       <a:pPr algn="ctr" latinLnBrk="1">
                         <a:defRPr/>
@@ -6185,10 +7184,9 @@
                         <a:rPr lang="ko-KR" altLang="en-US" sz="2000" b="0"/>
                         <a:t>서버 동기화</a:t>
                       </a:r>
-                      <a:endParaRPr lang="ko-KR" altLang="en-US" sz="2000" b="0"/>
                     </a:p>
                   </a:txBody>
-                  <a:tcPr marL="91440" marR="91440">
+                  <a:tcPr>
                     <a:lnL w="28575" cap="flat" cmpd="sng" algn="ctr">
                       <a:solidFill>
                         <a:schemeClr val="bg1"/>
@@ -6235,7 +7233,8 @@
                 </a:tc>
                 <a:tc>
                   <a:txBody>
-                    <a:bodyPr vert="horz" lIns="91440" tIns="45720" rIns="91440" bIns="45720" anchor="t" anchorCtr="0"/>
+                    <a:bodyPr/>
+                    <a:lstStyle/>
                     <a:p>
                       <a:pPr latinLnBrk="1">
                         <a:defRPr/>
@@ -6243,7 +7242,7 @@
                       <a:endParaRPr lang="ko-KR" altLang="en-US"/>
                     </a:p>
                   </a:txBody>
-                  <a:tcPr marL="91440" marR="91440">
+                  <a:tcPr>
                     <a:lnL w="12700" cap="flat" cmpd="sng" algn="ctr">
                       <a:solidFill>
                         <a:schemeClr val="bg1"/>
@@ -6290,7 +7289,8 @@
                 </a:tc>
                 <a:tc>
                   <a:txBody>
-                    <a:bodyPr vert="horz" lIns="91440" tIns="45720" rIns="91440" bIns="45720" anchor="t" anchorCtr="0"/>
+                    <a:bodyPr/>
+                    <a:lstStyle/>
                     <a:p>
                       <a:pPr latinLnBrk="1">
                         <a:defRPr/>
@@ -6298,7 +7298,7 @@
                       <a:endParaRPr lang="ko-KR" altLang="en-US"/>
                     </a:p>
                   </a:txBody>
-                  <a:tcPr marL="91440" marR="91440">
+                  <a:tcPr>
                     <a:lnL w="12700" cap="flat" cmpd="sng" algn="ctr">
                       <a:solidFill>
                         <a:schemeClr val="bg1"/>
@@ -6336,13 +7336,14 @@
                       <a:tailEnd w="med" len="med"/>
                     </a:lnB>
                     <a:solidFill>
-                      <a:srgbClr val="ffc000"/>
+                      <a:srgbClr val="FFC000"/>
                     </a:solidFill>
                   </a:tcPr>
                 </a:tc>
                 <a:tc>
                   <a:txBody>
-                    <a:bodyPr vert="horz" lIns="91440" tIns="45720" rIns="91440" bIns="45720" anchor="t" anchorCtr="0"/>
+                    <a:bodyPr/>
+                    <a:lstStyle/>
                     <a:p>
                       <a:pPr latinLnBrk="1">
                         <a:defRPr/>
@@ -6350,7 +7351,7 @@
                       <a:endParaRPr lang="ko-KR" altLang="en-US"/>
                     </a:p>
                   </a:txBody>
-                  <a:tcPr marL="91440" marR="91440">
+                  <a:tcPr>
                     <a:lnL w="12700" cap="flat" cmpd="sng" algn="ctr">
                       <a:solidFill>
                         <a:schemeClr val="bg1"/>
@@ -6388,13 +7389,14 @@
                       <a:tailEnd w="med" len="med"/>
                     </a:lnB>
                     <a:solidFill>
-                      <a:srgbClr val="ffc000"/>
+                      <a:srgbClr val="FFC000"/>
                     </a:solidFill>
                   </a:tcPr>
                 </a:tc>
                 <a:tc>
                   <a:txBody>
-                    <a:bodyPr vert="horz" lIns="91440" tIns="45720" rIns="91440" bIns="45720" anchor="t" anchorCtr="0"/>
+                    <a:bodyPr/>
+                    <a:lstStyle/>
                     <a:p>
                       <a:pPr latinLnBrk="1">
                         <a:defRPr/>
@@ -6402,7 +7404,7 @@
                       <a:endParaRPr lang="ko-KR" altLang="en-US"/>
                     </a:p>
                   </a:txBody>
-                  <a:tcPr marL="91440" marR="91440">
+                  <a:tcPr>
                     <a:lnL w="12700" cap="flat" cmpd="sng" algn="ctr">
                       <a:solidFill>
                         <a:schemeClr val="bg1"/>
@@ -6440,13 +7442,14 @@
                       <a:tailEnd w="med" len="med"/>
                     </a:lnB>
                     <a:solidFill>
-                      <a:srgbClr val="ffc000"/>
+                      <a:srgbClr val="FFC000"/>
                     </a:solidFill>
                   </a:tcPr>
                 </a:tc>
                 <a:tc>
                   <a:txBody>
-                    <a:bodyPr vert="horz" lIns="91440" tIns="45720" rIns="91440" bIns="45720" anchor="t" anchorCtr="0"/>
+                    <a:bodyPr/>
+                    <a:lstStyle/>
                     <a:p>
                       <a:pPr latinLnBrk="1">
                         <a:defRPr/>
@@ -6454,7 +7457,7 @@
                       <a:endParaRPr lang="ko-KR" altLang="en-US"/>
                     </a:p>
                   </a:txBody>
-                  <a:tcPr marL="91440" marR="91440">
+                  <a:tcPr>
                     <a:lnL w="12700" cap="flat" cmpd="sng" algn="ctr">
                       <a:solidFill>
                         <a:schemeClr val="bg1"/>
@@ -6492,13 +7495,14 @@
                       <a:tailEnd w="med" len="med"/>
                     </a:lnB>
                     <a:solidFill>
-                      <a:srgbClr val="ffc000"/>
+                      <a:srgbClr val="FFC000"/>
                     </a:solidFill>
                   </a:tcPr>
                 </a:tc>
                 <a:tc>
                   <a:txBody>
-                    <a:bodyPr vert="horz" lIns="91440" tIns="45720" rIns="91440" bIns="45720" anchor="t" anchorCtr="0"/>
+                    <a:bodyPr/>
+                    <a:lstStyle/>
                     <a:p>
                       <a:pPr latinLnBrk="1">
                         <a:defRPr/>
@@ -6506,7 +7510,7 @@
                       <a:endParaRPr lang="ko-KR" altLang="en-US"/>
                     </a:p>
                   </a:txBody>
-                  <a:tcPr marL="91440" marR="91440">
+                  <a:tcPr>
                     <a:lnL w="12700" cap="flat" cmpd="sng" algn="ctr">
                       <a:solidFill>
                         <a:schemeClr val="bg1"/>
@@ -6553,7 +7557,8 @@
                 </a:tc>
                 <a:tc>
                   <a:txBody>
-                    <a:bodyPr vert="horz" lIns="91440" tIns="45720" rIns="91440" bIns="45720" anchor="t" anchorCtr="0"/>
+                    <a:bodyPr/>
+                    <a:lstStyle/>
                     <a:p>
                       <a:pPr latinLnBrk="1">
                         <a:defRPr/>
@@ -6561,7 +7566,7 @@
                       <a:endParaRPr lang="ko-KR" altLang="en-US"/>
                     </a:p>
                   </a:txBody>
-                  <a:tcPr marL="91440" marR="91440">
+                  <a:tcPr>
                     <a:lnL w="12700" cap="flat" cmpd="sng" algn="ctr">
                       <a:solidFill>
                         <a:schemeClr val="bg1"/>
@@ -6608,7 +7613,8 @@
                 </a:tc>
                 <a:tc>
                   <a:txBody>
-                    <a:bodyPr vert="horz" lIns="91440" tIns="45720" rIns="91440" bIns="45720" anchor="t" anchorCtr="0"/>
+                    <a:bodyPr/>
+                    <a:lstStyle/>
                     <a:p>
                       <a:pPr latinLnBrk="1">
                         <a:defRPr/>
@@ -6616,7 +7622,7 @@
                       <a:endParaRPr lang="ko-KR" altLang="en-US"/>
                     </a:p>
                   </a:txBody>
-                  <a:tcPr marL="91440" marR="91440">
+                  <a:tcPr>
                     <a:lnL w="12700" cap="flat" cmpd="sng" algn="ctr">
                       <a:solidFill>
                         <a:schemeClr val="bg1"/>
@@ -6661,11 +7667,17 @@
                     </a:solidFill>
                   </a:tcPr>
                 </a:tc>
+                <a:extLst>
+                  <a:ext uri="{0D108BD9-81ED-4DB2-BD59-A6C34878D82A}">
+                    <a16:rowId xmlns:a16="http://schemas.microsoft.com/office/drawing/2014/main" val="10004"/>
+                  </a:ext>
+                </a:extLst>
               </a:tr>
               <a:tr h="522360">
                 <a:tc>
                   <a:txBody>
-                    <a:bodyPr vert="horz" lIns="91440" tIns="45720" rIns="91440" bIns="45720" anchor="t" anchorCtr="0"/>
+                    <a:bodyPr/>
+                    <a:lstStyle/>
                     <a:p>
                       <a:pPr algn="ctr" latinLnBrk="1">
                         <a:defRPr/>
@@ -6674,10 +7686,9 @@
                         <a:rPr lang="ko-KR" altLang="en-US" sz="2000" b="0"/>
                         <a:t>애니메이션</a:t>
                       </a:r>
-                      <a:endParaRPr lang="ko-KR" altLang="en-US" sz="2000" b="0"/>
                     </a:p>
                   </a:txBody>
-                  <a:tcPr marL="91440" marR="91440">
+                  <a:tcPr>
                     <a:lnL w="28575" cap="flat" cmpd="sng" algn="ctr">
                       <a:solidFill>
                         <a:schemeClr val="bg1"/>
@@ -6724,7 +7735,8 @@
                 </a:tc>
                 <a:tc>
                   <a:txBody>
-                    <a:bodyPr vert="horz" lIns="91440" tIns="45720" rIns="91440" bIns="45720" anchor="t" anchorCtr="0"/>
+                    <a:bodyPr/>
+                    <a:lstStyle/>
                     <a:p>
                       <a:pPr latinLnBrk="1">
                         <a:defRPr/>
@@ -6732,7 +7744,7 @@
                       <a:endParaRPr lang="ko-KR" altLang="en-US"/>
                     </a:p>
                   </a:txBody>
-                  <a:tcPr marL="91440" marR="91440">
+                  <a:tcPr>
                     <a:lnL w="12700" cap="flat" cmpd="sng" algn="ctr">
                       <a:solidFill>
                         <a:schemeClr val="bg1"/>
@@ -6779,7 +7791,8 @@
                 </a:tc>
                 <a:tc>
                   <a:txBody>
-                    <a:bodyPr vert="horz" lIns="91440" tIns="45720" rIns="91440" bIns="45720" anchor="t" anchorCtr="0"/>
+                    <a:bodyPr/>
+                    <a:lstStyle/>
                     <a:p>
                       <a:pPr latinLnBrk="1">
                         <a:defRPr/>
@@ -6787,7 +7800,7 @@
                       <a:endParaRPr lang="ko-KR" altLang="en-US"/>
                     </a:p>
                   </a:txBody>
-                  <a:tcPr marL="91440" marR="91440">
+                  <a:tcPr>
                     <a:lnL w="12700" cap="flat" cmpd="sng" algn="ctr">
                       <a:solidFill>
                         <a:schemeClr val="bg1"/>
@@ -6825,13 +7838,14 @@
                       <a:tailEnd w="med" len="med"/>
                     </a:lnB>
                     <a:solidFill>
-                      <a:srgbClr val="ffc000"/>
+                      <a:srgbClr val="FFC000"/>
                     </a:solidFill>
                   </a:tcPr>
                 </a:tc>
                 <a:tc>
                   <a:txBody>
-                    <a:bodyPr vert="horz" lIns="91440" tIns="45720" rIns="91440" bIns="45720" anchor="t" anchorCtr="0"/>
+                    <a:bodyPr/>
+                    <a:lstStyle/>
                     <a:p>
                       <a:pPr latinLnBrk="1">
                         <a:defRPr/>
@@ -6839,7 +7853,7 @@
                       <a:endParaRPr lang="ko-KR" altLang="en-US"/>
                     </a:p>
                   </a:txBody>
-                  <a:tcPr marL="91440" marR="91440">
+                  <a:tcPr>
                     <a:lnL w="12700" cap="flat" cmpd="sng" algn="ctr">
                       <a:solidFill>
                         <a:schemeClr val="bg1"/>
@@ -6877,13 +7891,14 @@
                       <a:tailEnd w="med" len="med"/>
                     </a:lnB>
                     <a:solidFill>
-                      <a:srgbClr val="ffc000"/>
+                      <a:srgbClr val="FFC000"/>
                     </a:solidFill>
                   </a:tcPr>
                 </a:tc>
                 <a:tc>
                   <a:txBody>
-                    <a:bodyPr vert="horz" lIns="91440" tIns="45720" rIns="91440" bIns="45720" anchor="t" anchorCtr="0"/>
+                    <a:bodyPr/>
+                    <a:lstStyle/>
                     <a:p>
                       <a:pPr latinLnBrk="1">
                         <a:defRPr/>
@@ -6891,7 +7906,7 @@
                       <a:endParaRPr lang="ko-KR" altLang="en-US"/>
                     </a:p>
                   </a:txBody>
-                  <a:tcPr marL="91440" marR="91440">
+                  <a:tcPr>
                     <a:lnL w="12700" cap="flat" cmpd="sng" algn="ctr">
                       <a:solidFill>
                         <a:schemeClr val="bg1"/>
@@ -6929,13 +7944,14 @@
                       <a:tailEnd w="med" len="med"/>
                     </a:lnB>
                     <a:solidFill>
-                      <a:srgbClr val="ffc000"/>
+                      <a:srgbClr val="FFC000"/>
                     </a:solidFill>
                   </a:tcPr>
                 </a:tc>
                 <a:tc>
                   <a:txBody>
-                    <a:bodyPr vert="horz" lIns="91440" tIns="45720" rIns="91440" bIns="45720" anchor="t" anchorCtr="0"/>
+                    <a:bodyPr/>
+                    <a:lstStyle/>
                     <a:p>
                       <a:pPr latinLnBrk="1">
                         <a:defRPr/>
@@ -6943,7 +7959,7 @@
                       <a:endParaRPr lang="ko-KR" altLang="en-US"/>
                     </a:p>
                   </a:txBody>
-                  <a:tcPr marL="91440" marR="91440">
+                  <a:tcPr>
                     <a:lnL w="12700" cap="flat" cmpd="sng" algn="ctr">
                       <a:solidFill>
                         <a:schemeClr val="bg1"/>
@@ -6990,7 +8006,8 @@
                 </a:tc>
                 <a:tc>
                   <a:txBody>
-                    <a:bodyPr vert="horz" lIns="91440" tIns="45720" rIns="91440" bIns="45720" anchor="t" anchorCtr="0"/>
+                    <a:bodyPr/>
+                    <a:lstStyle/>
                     <a:p>
                       <a:pPr latinLnBrk="1">
                         <a:defRPr/>
@@ -6998,7 +8015,7 @@
                       <a:endParaRPr lang="ko-KR" altLang="en-US"/>
                     </a:p>
                   </a:txBody>
-                  <a:tcPr marL="91440" marR="91440">
+                  <a:tcPr>
                     <a:lnL w="12700" cap="flat" cmpd="sng" algn="ctr">
                       <a:solidFill>
                         <a:schemeClr val="bg1"/>
@@ -7045,7 +8062,8 @@
                 </a:tc>
                 <a:tc>
                   <a:txBody>
-                    <a:bodyPr vert="horz" lIns="91440" tIns="45720" rIns="91440" bIns="45720" anchor="t" anchorCtr="0"/>
+                    <a:bodyPr/>
+                    <a:lstStyle/>
                     <a:p>
                       <a:pPr latinLnBrk="1">
                         <a:defRPr/>
@@ -7053,7 +8071,7 @@
                       <a:endParaRPr lang="ko-KR" altLang="en-US"/>
                     </a:p>
                   </a:txBody>
-                  <a:tcPr marL="91440" marR="91440">
+                  <a:tcPr>
                     <a:lnL w="12700" cap="flat" cmpd="sng" algn="ctr">
                       <a:solidFill>
                         <a:schemeClr val="bg1"/>
@@ -7100,7 +8118,8 @@
                 </a:tc>
                 <a:tc>
                   <a:txBody>
-                    <a:bodyPr vert="horz" lIns="91440" tIns="45720" rIns="91440" bIns="45720" anchor="t" anchorCtr="0"/>
+                    <a:bodyPr/>
+                    <a:lstStyle/>
                     <a:p>
                       <a:pPr latinLnBrk="1">
                         <a:defRPr/>
@@ -7108,7 +8127,7 @@
                       <a:endParaRPr lang="ko-KR" altLang="en-US"/>
                     </a:p>
                   </a:txBody>
-                  <a:tcPr marL="91440" marR="91440">
+                  <a:tcPr>
                     <a:lnL w="12700" cap="flat" cmpd="sng" algn="ctr">
                       <a:solidFill>
                         <a:schemeClr val="bg1"/>
@@ -7153,31 +8172,36 @@
                     </a:solidFill>
                   </a:tcPr>
                 </a:tc>
+                <a:extLst>
+                  <a:ext uri="{0D108BD9-81ED-4DB2-BD59-A6C34878D82A}">
+                    <a16:rowId xmlns:a16="http://schemas.microsoft.com/office/drawing/2014/main" val="10005"/>
+                  </a:ext>
+                </a:extLst>
               </a:tr>
               <a:tr h="522360">
                 <a:tc>
                   <a:txBody>
-                    <a:bodyPr vert="horz" lIns="91440" tIns="45720" rIns="91440" bIns="45720" anchor="t" anchorCtr="0"/>
+                    <a:bodyPr/>
+                    <a:lstStyle/>
                     <a:p>
                       <a:pPr algn="ctr" latinLnBrk="1">
                         <a:defRPr/>
                       </a:pPr>
                       <a:r>
-                        <a:rPr lang="ko-KR" altLang="en-US" sz="2000" b="0"/>
+                        <a:rPr lang="ko-KR" altLang="en-US" sz="2000" b="0" dirty="0"/>
                         <a:t>조명</a:t>
                       </a:r>
                       <a:r>
-                        <a:rPr lang="en-US" altLang="ko-KR" sz="2000" b="0"/>
+                        <a:rPr lang="en-US" altLang="ko-KR" sz="2000" b="0" dirty="0"/>
                         <a:t>, </a:t>
                       </a:r>
                       <a:r>
-                        <a:rPr lang="ko-KR" altLang="en-US" sz="2000" b="0"/>
+                        <a:rPr lang="ko-KR" altLang="en-US" sz="2000" b="0" dirty="0"/>
                         <a:t>그림자</a:t>
                       </a:r>
-                      <a:endParaRPr lang="ko-KR" altLang="en-US" sz="2000" b="0"/>
                     </a:p>
                   </a:txBody>
-                  <a:tcPr marL="91440" marR="91440">
+                  <a:tcPr>
                     <a:lnL w="28575" cap="flat" cmpd="sng" algn="ctr">
                       <a:solidFill>
                         <a:schemeClr val="bg1"/>
@@ -7224,7 +8248,8 @@
                 </a:tc>
                 <a:tc>
                   <a:txBody>
-                    <a:bodyPr vert="horz" lIns="91440" tIns="45720" rIns="91440" bIns="45720" anchor="t" anchorCtr="0"/>
+                    <a:bodyPr/>
+                    <a:lstStyle/>
                     <a:p>
                       <a:pPr latinLnBrk="1">
                         <a:defRPr/>
@@ -7232,7 +8257,7 @@
                       <a:endParaRPr lang="ko-KR" altLang="en-US"/>
                     </a:p>
                   </a:txBody>
-                  <a:tcPr marL="91440" marR="91440">
+                  <a:tcPr>
                     <a:lnL w="12700" cap="flat" cmpd="sng" algn="ctr">
                       <a:solidFill>
                         <a:schemeClr val="bg1"/>
@@ -7279,7 +8304,8 @@
                 </a:tc>
                 <a:tc>
                   <a:txBody>
-                    <a:bodyPr vert="horz" lIns="91440" tIns="45720" rIns="91440" bIns="45720" anchor="t" anchorCtr="0"/>
+                    <a:bodyPr/>
+                    <a:lstStyle/>
                     <a:p>
                       <a:pPr latinLnBrk="1">
                         <a:defRPr/>
@@ -7287,7 +8313,7 @@
                       <a:endParaRPr lang="ko-KR" altLang="en-US"/>
                     </a:p>
                   </a:txBody>
-                  <a:tcPr marL="91440" marR="91440">
+                  <a:tcPr>
                     <a:lnL w="12700" cap="flat" cmpd="sng" algn="ctr">
                       <a:solidFill>
                         <a:schemeClr val="bg1"/>
@@ -7325,13 +8351,14 @@
                       <a:tailEnd w="med" len="med"/>
                     </a:lnB>
                     <a:solidFill>
-                      <a:srgbClr val="e1bbeb"/>
+                      <a:srgbClr val="E1BBEB"/>
                     </a:solidFill>
                   </a:tcPr>
                 </a:tc>
                 <a:tc>
                   <a:txBody>
-                    <a:bodyPr vert="horz" lIns="91440" tIns="45720" rIns="91440" bIns="45720" anchor="t" anchorCtr="0"/>
+                    <a:bodyPr/>
+                    <a:lstStyle/>
                     <a:p>
                       <a:pPr latinLnBrk="1">
                         <a:defRPr/>
@@ -7339,7 +8366,7 @@
                       <a:endParaRPr lang="ko-KR" altLang="en-US"/>
                     </a:p>
                   </a:txBody>
-                  <a:tcPr marL="91440" marR="91440">
+                  <a:tcPr>
                     <a:lnL w="12700" cap="flat" cmpd="sng" algn="ctr">
                       <a:solidFill>
                         <a:schemeClr val="bg1"/>
@@ -7377,13 +8404,14 @@
                       <a:tailEnd w="med" len="med"/>
                     </a:lnB>
                     <a:solidFill>
-                      <a:srgbClr val="e1bbeb"/>
+                      <a:srgbClr val="E1BBEB"/>
                     </a:solidFill>
                   </a:tcPr>
                 </a:tc>
                 <a:tc>
                   <a:txBody>
-                    <a:bodyPr vert="horz" lIns="91440" tIns="45720" rIns="91440" bIns="45720" anchor="t" anchorCtr="0"/>
+                    <a:bodyPr/>
+                    <a:lstStyle/>
                     <a:p>
                       <a:pPr latinLnBrk="1">
                         <a:defRPr/>
@@ -7391,7 +8419,7 @@
                       <a:endParaRPr lang="ko-KR" altLang="en-US"/>
                     </a:p>
                   </a:txBody>
-                  <a:tcPr marL="91440" marR="91440">
+                  <a:tcPr>
                     <a:lnL w="12700" cap="flat" cmpd="sng" algn="ctr">
                       <a:solidFill>
                         <a:schemeClr val="bg1"/>
@@ -7429,13 +8457,14 @@
                       <a:tailEnd w="med" len="med"/>
                     </a:lnB>
                     <a:solidFill>
-                      <a:srgbClr val="e1bbeb"/>
+                      <a:srgbClr val="E1BBEB"/>
                     </a:solidFill>
                   </a:tcPr>
                 </a:tc>
                 <a:tc>
                   <a:txBody>
-                    <a:bodyPr vert="horz" lIns="91440" tIns="45720" rIns="91440" bIns="45720" anchor="t" anchorCtr="0"/>
+                    <a:bodyPr/>
+                    <a:lstStyle/>
                     <a:p>
                       <a:pPr latinLnBrk="1">
                         <a:defRPr/>
@@ -7443,7 +8472,7 @@
                       <a:endParaRPr lang="ko-KR" altLang="en-US"/>
                     </a:p>
                   </a:txBody>
-                  <a:tcPr marL="91440" marR="91440">
+                  <a:tcPr>
                     <a:lnL w="12700" cap="flat" cmpd="sng" algn="ctr">
                       <a:solidFill>
                         <a:schemeClr val="bg1"/>
@@ -7481,13 +8510,14 @@
                       <a:tailEnd w="med" len="med"/>
                     </a:lnB>
                     <a:solidFill>
-                      <a:srgbClr val="e1bbeb"/>
+                      <a:srgbClr val="E1BBEB"/>
                     </a:solidFill>
                   </a:tcPr>
                 </a:tc>
                 <a:tc>
                   <a:txBody>
-                    <a:bodyPr vert="horz" lIns="91440" tIns="45720" rIns="91440" bIns="45720" anchor="t" anchorCtr="0"/>
+                    <a:bodyPr/>
+                    <a:lstStyle/>
                     <a:p>
                       <a:pPr latinLnBrk="1">
                         <a:defRPr/>
@@ -7495,7 +8525,7 @@
                       <a:endParaRPr lang="ko-KR" altLang="en-US"/>
                     </a:p>
                   </a:txBody>
-                  <a:tcPr marL="91440" marR="91440">
+                  <a:tcPr>
                     <a:lnL w="12700" cap="flat" cmpd="sng" algn="ctr">
                       <a:solidFill>
                         <a:schemeClr val="bg1"/>
@@ -7542,7 +8572,8 @@
                 </a:tc>
                 <a:tc>
                   <a:txBody>
-                    <a:bodyPr vert="horz" lIns="91440" tIns="45720" rIns="91440" bIns="45720" anchor="t" anchorCtr="0"/>
+                    <a:bodyPr/>
+                    <a:lstStyle/>
                     <a:p>
                       <a:pPr latinLnBrk="1">
                         <a:defRPr/>
@@ -7550,7 +8581,7 @@
                       <a:endParaRPr lang="ko-KR" altLang="en-US"/>
                     </a:p>
                   </a:txBody>
-                  <a:tcPr marL="91440" marR="91440">
+                  <a:tcPr>
                     <a:lnL w="12700" cap="flat" cmpd="sng" algn="ctr">
                       <a:solidFill>
                         <a:schemeClr val="bg1"/>
@@ -7597,7 +8628,8 @@
                 </a:tc>
                 <a:tc>
                   <a:txBody>
-                    <a:bodyPr vert="horz" lIns="91440" tIns="45720" rIns="91440" bIns="45720" anchor="t" anchorCtr="0"/>
+                    <a:bodyPr/>
+                    <a:lstStyle/>
                     <a:p>
                       <a:pPr latinLnBrk="1">
                         <a:defRPr/>
@@ -7605,7 +8637,7 @@
                       <a:endParaRPr lang="ko-KR" altLang="en-US"/>
                     </a:p>
                   </a:txBody>
-                  <a:tcPr marL="91440" marR="91440">
+                  <a:tcPr>
                     <a:lnL w="12700" cap="flat" cmpd="sng" algn="ctr">
                       <a:solidFill>
                         <a:schemeClr val="bg1"/>
@@ -7650,31 +8682,36 @@
                     </a:solidFill>
                   </a:tcPr>
                 </a:tc>
+                <a:extLst>
+                  <a:ext uri="{0D108BD9-81ED-4DB2-BD59-A6C34878D82A}">
+                    <a16:rowId xmlns:a16="http://schemas.microsoft.com/office/drawing/2014/main" val="10006"/>
+                  </a:ext>
+                </a:extLst>
               </a:tr>
               <a:tr h="522360">
                 <a:tc>
                   <a:txBody>
-                    <a:bodyPr vert="horz" lIns="91440" tIns="45720" rIns="91440" bIns="45720" anchor="t" anchorCtr="0"/>
+                    <a:bodyPr/>
+                    <a:lstStyle/>
                     <a:p>
                       <a:pPr algn="ctr" latinLnBrk="1">
                         <a:defRPr/>
                       </a:pPr>
                       <a:r>
-                        <a:rPr lang="ko-KR" altLang="en-US" sz="2000" b="0"/>
+                        <a:rPr lang="ko-KR" altLang="en-US" sz="2000" b="0" dirty="0"/>
                         <a:t>전투</a:t>
                       </a:r>
                       <a:r>
-                        <a:rPr lang="en-US" altLang="ko-KR" sz="2000" b="0"/>
+                        <a:rPr lang="en-US" altLang="ko-KR" sz="2000" b="0" dirty="0"/>
                         <a:t>, </a:t>
                       </a:r>
                       <a:r>
-                        <a:rPr lang="ko-KR" altLang="en-US" sz="2000" b="0"/>
+                        <a:rPr lang="ko-KR" altLang="en-US" sz="2000" b="0" dirty="0"/>
                         <a:t>퀘스트</a:t>
                       </a:r>
-                      <a:endParaRPr lang="ko-KR" altLang="en-US" sz="2000" b="0"/>
                     </a:p>
                   </a:txBody>
-                  <a:tcPr marL="91440" marR="91440">
+                  <a:tcPr>
                     <a:lnL w="28575" cap="flat" cmpd="sng" algn="ctr">
                       <a:solidFill>
                         <a:schemeClr val="bg1"/>
@@ -7721,7 +8758,8 @@
                 </a:tc>
                 <a:tc>
                   <a:txBody>
-                    <a:bodyPr vert="horz" lIns="91440" tIns="45720" rIns="91440" bIns="45720" anchor="t" anchorCtr="0"/>
+                    <a:bodyPr/>
+                    <a:lstStyle/>
                     <a:p>
                       <a:pPr latinLnBrk="1">
                         <a:defRPr/>
@@ -7729,7 +8767,7 @@
                       <a:endParaRPr lang="ko-KR" altLang="en-US"/>
                     </a:p>
                   </a:txBody>
-                  <a:tcPr marL="91440" marR="91440">
+                  <a:tcPr>
                     <a:lnL w="12700" cap="flat" cmpd="sng" algn="ctr">
                       <a:solidFill>
                         <a:schemeClr val="bg1"/>
@@ -7776,7 +8814,8 @@
                 </a:tc>
                 <a:tc>
                   <a:txBody>
-                    <a:bodyPr vert="horz" lIns="91440" tIns="45720" rIns="91440" bIns="45720" anchor="t" anchorCtr="0"/>
+                    <a:bodyPr/>
+                    <a:lstStyle/>
                     <a:p>
                       <a:pPr latinLnBrk="1">
                         <a:defRPr/>
@@ -7784,7 +8823,7 @@
                       <a:endParaRPr lang="ko-KR" altLang="en-US"/>
                     </a:p>
                   </a:txBody>
-                  <a:tcPr marL="91440" marR="91440">
+                  <a:tcPr>
                     <a:lnL w="12700" cap="flat" cmpd="sng" algn="ctr">
                       <a:solidFill>
                         <a:schemeClr val="bg1"/>
@@ -7831,7 +8870,8 @@
                 </a:tc>
                 <a:tc>
                   <a:txBody>
-                    <a:bodyPr vert="horz" lIns="91440" tIns="45720" rIns="91440" bIns="45720" anchor="t" anchorCtr="0"/>
+                    <a:bodyPr/>
+                    <a:lstStyle/>
                     <a:p>
                       <a:pPr latinLnBrk="1">
                         <a:defRPr/>
@@ -7839,7 +8879,7 @@
                       <a:endParaRPr lang="ko-KR" altLang="en-US"/>
                     </a:p>
                   </a:txBody>
-                  <a:tcPr marL="91440" marR="91440">
+                  <a:tcPr>
                     <a:lnL w="12700" cap="flat" cmpd="sng" algn="ctr">
                       <a:solidFill>
                         <a:schemeClr val="bg1"/>
@@ -7886,7 +8926,8 @@
                 </a:tc>
                 <a:tc>
                   <a:txBody>
-                    <a:bodyPr vert="horz" lIns="91440" tIns="45720" rIns="91440" bIns="45720" anchor="t" anchorCtr="0"/>
+                    <a:bodyPr/>
+                    <a:lstStyle/>
                     <a:p>
                       <a:pPr latinLnBrk="1">
                         <a:defRPr/>
@@ -7894,7 +8935,7 @@
                       <a:endParaRPr lang="ko-KR" altLang="en-US"/>
                     </a:p>
                   </a:txBody>
-                  <a:tcPr marL="91440" marR="91440">
+                  <a:tcPr>
                     <a:lnL w="12700" cap="flat" cmpd="sng" algn="ctr">
                       <a:solidFill>
                         <a:schemeClr val="bg1"/>
@@ -7932,13 +8973,14 @@
                       <a:tailEnd w="med" len="med"/>
                     </a:lnB>
                     <a:solidFill>
-                      <a:srgbClr val="e1bbeb"/>
+                      <a:srgbClr val="E1BBEB"/>
                     </a:solidFill>
                   </a:tcPr>
                 </a:tc>
                 <a:tc>
                   <a:txBody>
-                    <a:bodyPr vert="horz" lIns="91440" tIns="45720" rIns="91440" bIns="45720" anchor="t" anchorCtr="0"/>
+                    <a:bodyPr/>
+                    <a:lstStyle/>
                     <a:p>
                       <a:pPr latinLnBrk="1">
                         <a:defRPr/>
@@ -7946,7 +8988,7 @@
                       <a:endParaRPr lang="ko-KR" altLang="en-US"/>
                     </a:p>
                   </a:txBody>
-                  <a:tcPr marL="91440" marR="91440">
+                  <a:tcPr>
                     <a:lnL w="12700" cap="flat" cmpd="sng" algn="ctr">
                       <a:solidFill>
                         <a:schemeClr val="bg1"/>
@@ -7984,13 +9026,14 @@
                       <a:tailEnd w="med" len="med"/>
                     </a:lnB>
                     <a:solidFill>
-                      <a:srgbClr val="e1bbeb"/>
+                      <a:srgbClr val="E1BBEB"/>
                     </a:solidFill>
                   </a:tcPr>
                 </a:tc>
                 <a:tc>
                   <a:txBody>
-                    <a:bodyPr vert="horz" lIns="91440" tIns="45720" rIns="91440" bIns="45720" anchor="t" anchorCtr="0"/>
+                    <a:bodyPr/>
+                    <a:lstStyle/>
                     <a:p>
                       <a:pPr latinLnBrk="1">
                         <a:defRPr/>
@@ -7998,7 +9041,7 @@
                       <a:endParaRPr lang="ko-KR" altLang="en-US"/>
                     </a:p>
                   </a:txBody>
-                  <a:tcPr marL="91440" marR="91440">
+                  <a:tcPr>
                     <a:lnL w="12700" cap="flat" cmpd="sng" algn="ctr">
                       <a:solidFill>
                         <a:schemeClr val="bg1"/>
@@ -8036,13 +9079,14 @@
                       <a:tailEnd w="med" len="med"/>
                     </a:lnB>
                     <a:solidFill>
-                      <a:srgbClr val="e1bbeb"/>
+                      <a:srgbClr val="E1BBEB"/>
                     </a:solidFill>
                   </a:tcPr>
                 </a:tc>
                 <a:tc>
                   <a:txBody>
-                    <a:bodyPr vert="horz" lIns="91440" tIns="45720" rIns="91440" bIns="45720" anchor="t" anchorCtr="0"/>
+                    <a:bodyPr/>
+                    <a:lstStyle/>
                     <a:p>
                       <a:pPr latinLnBrk="1">
                         <a:defRPr/>
@@ -8050,7 +9094,7 @@
                       <a:endParaRPr lang="ko-KR" altLang="en-US"/>
                     </a:p>
                   </a:txBody>
-                  <a:tcPr marL="91440" marR="91440">
+                  <a:tcPr>
                     <a:lnL w="12700" cap="flat" cmpd="sng" algn="ctr">
                       <a:solidFill>
                         <a:schemeClr val="bg1"/>
@@ -8097,7 +9141,8 @@
                 </a:tc>
                 <a:tc>
                   <a:txBody>
-                    <a:bodyPr vert="horz" lIns="91440" tIns="45720" rIns="91440" bIns="45720" anchor="t" anchorCtr="0"/>
+                    <a:bodyPr/>
+                    <a:lstStyle/>
                     <a:p>
                       <a:pPr latinLnBrk="1">
                         <a:defRPr/>
@@ -8105,7 +9150,7 @@
                       <a:endParaRPr lang="ko-KR" altLang="en-US"/>
                     </a:p>
                   </a:txBody>
-                  <a:tcPr marL="91440" marR="91440">
+                  <a:tcPr>
                     <a:lnL w="12700" cap="flat" cmpd="sng" algn="ctr">
                       <a:solidFill>
                         <a:schemeClr val="bg1"/>
@@ -8150,11 +9195,17 @@
                     </a:solidFill>
                   </a:tcPr>
                 </a:tc>
+                <a:extLst>
+                  <a:ext uri="{0D108BD9-81ED-4DB2-BD59-A6C34878D82A}">
+                    <a16:rowId xmlns:a16="http://schemas.microsoft.com/office/drawing/2014/main" val="10007"/>
+                  </a:ext>
+                </a:extLst>
               </a:tr>
               <a:tr h="522360">
                 <a:tc>
                   <a:txBody>
-                    <a:bodyPr vert="horz" lIns="91440" tIns="45720" rIns="91440" bIns="45720" anchor="t" anchorCtr="0"/>
+                    <a:bodyPr/>
+                    <a:lstStyle/>
                     <a:p>
                       <a:pPr algn="ctr" latinLnBrk="1">
                         <a:defRPr/>
@@ -8167,10 +9218,9 @@
                         <a:rPr lang="ko-KR" altLang="en-US" sz="2000" b="0"/>
                         <a:t>이펙트</a:t>
                       </a:r>
-                      <a:endParaRPr lang="ko-KR" altLang="en-US" sz="2000" b="0"/>
                     </a:p>
                   </a:txBody>
-                  <a:tcPr marL="91440" marR="91440">
+                  <a:tcPr>
                     <a:lnL w="28575" cap="flat" cmpd="sng" algn="ctr">
                       <a:solidFill>
                         <a:schemeClr val="bg1"/>
@@ -8217,7 +9267,8 @@
                 </a:tc>
                 <a:tc>
                   <a:txBody>
-                    <a:bodyPr vert="horz" lIns="91440" tIns="45720" rIns="91440" bIns="45720" anchor="t" anchorCtr="0"/>
+                    <a:bodyPr/>
+                    <a:lstStyle/>
                     <a:p>
                       <a:pPr latinLnBrk="1">
                         <a:defRPr/>
@@ -8225,7 +9276,7 @@
                       <a:endParaRPr lang="ko-KR" altLang="en-US"/>
                     </a:p>
                   </a:txBody>
-                  <a:tcPr marL="91440" marR="91440">
+                  <a:tcPr>
                     <a:lnL w="12700" cap="flat" cmpd="sng" algn="ctr">
                       <a:solidFill>
                         <a:schemeClr val="bg1"/>
@@ -8272,7 +9323,8 @@
                 </a:tc>
                 <a:tc>
                   <a:txBody>
-                    <a:bodyPr vert="horz" lIns="91440" tIns="45720" rIns="91440" bIns="45720" anchor="t" anchorCtr="0"/>
+                    <a:bodyPr/>
+                    <a:lstStyle/>
                     <a:p>
                       <a:pPr latinLnBrk="1">
                         <a:defRPr/>
@@ -8280,7 +9332,7 @@
                       <a:endParaRPr lang="ko-KR" altLang="en-US"/>
                     </a:p>
                   </a:txBody>
-                  <a:tcPr marL="91440" marR="91440">
+                  <a:tcPr>
                     <a:lnL w="12700" cap="flat" cmpd="sng" algn="ctr">
                       <a:solidFill>
                         <a:schemeClr val="bg1"/>
@@ -8327,7 +9379,8 @@
                 </a:tc>
                 <a:tc>
                   <a:txBody>
-                    <a:bodyPr vert="horz" lIns="91440" tIns="45720" rIns="91440" bIns="45720" anchor="t" anchorCtr="0"/>
+                    <a:bodyPr/>
+                    <a:lstStyle/>
                     <a:p>
                       <a:pPr latinLnBrk="1">
                         <a:defRPr/>
@@ -8335,7 +9388,7 @@
                       <a:endParaRPr lang="ko-KR" altLang="en-US"/>
                     </a:p>
                   </a:txBody>
-                  <a:tcPr marL="91440" marR="91440">
+                  <a:tcPr>
                     <a:lnL w="12700" cap="flat" cmpd="sng" algn="ctr">
                       <a:solidFill>
                         <a:schemeClr val="bg1"/>
@@ -8382,7 +9435,8 @@
                 </a:tc>
                 <a:tc>
                   <a:txBody>
-                    <a:bodyPr vert="horz" lIns="91440" tIns="45720" rIns="91440" bIns="45720" anchor="t" anchorCtr="0"/>
+                    <a:bodyPr/>
+                    <a:lstStyle/>
                     <a:p>
                       <a:pPr latinLnBrk="1">
                         <a:defRPr/>
@@ -8390,7 +9444,7 @@
                       <a:endParaRPr lang="ko-KR" altLang="en-US"/>
                     </a:p>
                   </a:txBody>
-                  <a:tcPr marL="91440" marR="91440">
+                  <a:tcPr>
                     <a:lnL w="12700" cap="flat" cmpd="sng" algn="ctr">
                       <a:solidFill>
                         <a:schemeClr val="bg1"/>
@@ -8437,7 +9491,8 @@
                 </a:tc>
                 <a:tc>
                   <a:txBody>
-                    <a:bodyPr vert="horz" lIns="91440" tIns="45720" rIns="91440" bIns="45720" anchor="t" anchorCtr="0"/>
+                    <a:bodyPr/>
+                    <a:lstStyle/>
                     <a:p>
                       <a:pPr latinLnBrk="1">
                         <a:defRPr/>
@@ -8445,7 +9500,7 @@
                       <a:endParaRPr lang="ko-KR" altLang="en-US"/>
                     </a:p>
                   </a:txBody>
-                  <a:tcPr marL="91440" marR="91440">
+                  <a:tcPr>
                     <a:lnL w="12700" cap="flat" cmpd="sng" algn="ctr">
                       <a:solidFill>
                         <a:schemeClr val="bg1"/>
@@ -8492,7 +9547,8 @@
                 </a:tc>
                 <a:tc>
                   <a:txBody>
-                    <a:bodyPr vert="horz" lIns="91440" tIns="45720" rIns="91440" bIns="45720" anchor="t" anchorCtr="0"/>
+                    <a:bodyPr/>
+                    <a:lstStyle/>
                     <a:p>
                       <a:pPr latinLnBrk="1">
                         <a:defRPr/>
@@ -8500,7 +9556,7 @@
                       <a:endParaRPr lang="ko-KR" altLang="en-US"/>
                     </a:p>
                   </a:txBody>
-                  <a:tcPr marL="91440" marR="91440">
+                  <a:tcPr>
                     <a:lnL w="12700" cap="flat" cmpd="sng" algn="ctr">
                       <a:solidFill>
                         <a:schemeClr val="bg1"/>
@@ -8538,13 +9594,14 @@
                       <a:tailEnd w="med" len="med"/>
                     </a:lnB>
                     <a:solidFill>
-                      <a:srgbClr val="93cc60"/>
+                      <a:srgbClr val="93CC60"/>
                     </a:solidFill>
                   </a:tcPr>
                 </a:tc>
                 <a:tc>
                   <a:txBody>
-                    <a:bodyPr vert="horz" lIns="91440" tIns="45720" rIns="91440" bIns="45720" anchor="t" anchorCtr="0"/>
+                    <a:bodyPr/>
+                    <a:lstStyle/>
                     <a:p>
                       <a:pPr latinLnBrk="1">
                         <a:defRPr/>
@@ -8552,7 +9609,7 @@
                       <a:endParaRPr lang="ko-KR" altLang="en-US"/>
                     </a:p>
                   </a:txBody>
-                  <a:tcPr marL="91440" marR="91440">
+                  <a:tcPr>
                     <a:lnL w="12700" cap="flat" cmpd="sng" algn="ctr">
                       <a:solidFill>
                         <a:schemeClr val="bg1"/>
@@ -8590,13 +9647,14 @@
                       <a:tailEnd w="med" len="med"/>
                     </a:lnB>
                     <a:solidFill>
-                      <a:srgbClr val="93cc60"/>
+                      <a:srgbClr val="93CC60"/>
                     </a:solidFill>
                   </a:tcPr>
                 </a:tc>
                 <a:tc>
                   <a:txBody>
-                    <a:bodyPr vert="horz" lIns="91440" tIns="45720" rIns="91440" bIns="45720" anchor="t" anchorCtr="0"/>
+                    <a:bodyPr/>
+                    <a:lstStyle/>
                     <a:p>
                       <a:pPr latinLnBrk="1">
                         <a:defRPr/>
@@ -8604,7 +9662,7 @@
                       <a:endParaRPr lang="ko-KR" altLang="en-US"/>
                     </a:p>
                   </a:txBody>
-                  <a:tcPr marL="91440" marR="91440">
+                  <a:tcPr>
                     <a:lnL w="12700" cap="flat" cmpd="sng" algn="ctr">
                       <a:solidFill>
                         <a:schemeClr val="bg1"/>
@@ -8649,11 +9707,17 @@
                     </a:solidFill>
                   </a:tcPr>
                 </a:tc>
+                <a:extLst>
+                  <a:ext uri="{0D108BD9-81ED-4DB2-BD59-A6C34878D82A}">
+                    <a16:rowId xmlns:a16="http://schemas.microsoft.com/office/drawing/2014/main" val="10008"/>
+                  </a:ext>
+                </a:extLst>
               </a:tr>
               <a:tr h="522360">
                 <a:tc>
                   <a:txBody>
-                    <a:bodyPr vert="horz" lIns="91440" tIns="45720" rIns="91440" bIns="45720" anchor="t" anchorCtr="0"/>
+                    <a:bodyPr/>
+                    <a:lstStyle/>
                     <a:p>
                       <a:pPr algn="ctr" latinLnBrk="1">
                         <a:defRPr/>
@@ -8670,10 +9734,9 @@
                         <a:rPr lang="ko-KR" altLang="en-US" sz="2000" b="0"/>
                         <a:t>테스트</a:t>
                       </a:r>
-                      <a:endParaRPr lang="ko-KR" altLang="en-US" sz="2000" b="0"/>
                     </a:p>
                   </a:txBody>
-                  <a:tcPr marL="91440" marR="91440">
+                  <a:tcPr>
                     <a:lnL w="28575" cap="flat" cmpd="sng" algn="ctr">
                       <a:solidFill>
                         <a:schemeClr val="bg1"/>
@@ -8720,7 +9783,8 @@
                 </a:tc>
                 <a:tc>
                   <a:txBody>
-                    <a:bodyPr vert="horz" lIns="91440" tIns="45720" rIns="91440" bIns="45720" anchor="t" anchorCtr="0"/>
+                    <a:bodyPr/>
+                    <a:lstStyle/>
                     <a:p>
                       <a:pPr latinLnBrk="1">
                         <a:defRPr/>
@@ -8728,7 +9792,7 @@
                       <a:endParaRPr lang="ko-KR" altLang="en-US"/>
                     </a:p>
                   </a:txBody>
-                  <a:tcPr marL="91440" marR="91440">
+                  <a:tcPr>
                     <a:lnL w="12700" cap="flat" cmpd="sng" algn="ctr">
                       <a:solidFill>
                         <a:schemeClr val="bg1"/>
@@ -8775,7 +9839,8 @@
                 </a:tc>
                 <a:tc>
                   <a:txBody>
-                    <a:bodyPr vert="horz" lIns="91440" tIns="45720" rIns="91440" bIns="45720" anchor="t" anchorCtr="0"/>
+                    <a:bodyPr/>
+                    <a:lstStyle/>
                     <a:p>
                       <a:pPr latinLnBrk="1">
                         <a:defRPr/>
@@ -8783,7 +9848,7 @@
                       <a:endParaRPr lang="ko-KR" altLang="en-US"/>
                     </a:p>
                   </a:txBody>
-                  <a:tcPr marL="91440" marR="91440">
+                  <a:tcPr>
                     <a:lnL w="12700" cap="flat" cmpd="sng" algn="ctr">
                       <a:solidFill>
                         <a:schemeClr val="bg1"/>
@@ -8830,7 +9895,8 @@
                 </a:tc>
                 <a:tc>
                   <a:txBody>
-                    <a:bodyPr vert="horz" lIns="91440" tIns="45720" rIns="91440" bIns="45720" anchor="t" anchorCtr="0"/>
+                    <a:bodyPr/>
+                    <a:lstStyle/>
                     <a:p>
                       <a:pPr latinLnBrk="1">
                         <a:defRPr/>
@@ -8838,7 +9904,7 @@
                       <a:endParaRPr lang="ko-KR" altLang="en-US"/>
                     </a:p>
                   </a:txBody>
-                  <a:tcPr marL="91440" marR="91440">
+                  <a:tcPr>
                     <a:lnL w="12700" cap="flat" cmpd="sng" algn="ctr">
                       <a:solidFill>
                         <a:schemeClr val="bg1"/>
@@ -8885,7 +9951,8 @@
                 </a:tc>
                 <a:tc>
                   <a:txBody>
-                    <a:bodyPr vert="horz" lIns="91440" tIns="45720" rIns="91440" bIns="45720" anchor="t" anchorCtr="0"/>
+                    <a:bodyPr/>
+                    <a:lstStyle/>
                     <a:p>
                       <a:pPr latinLnBrk="1">
                         <a:defRPr/>
@@ -8893,7 +9960,7 @@
                       <a:endParaRPr lang="ko-KR" altLang="en-US"/>
                     </a:p>
                   </a:txBody>
-                  <a:tcPr marL="91440" marR="91440">
+                  <a:tcPr>
                     <a:lnL w="12700" cap="flat" cmpd="sng" algn="ctr">
                       <a:solidFill>
                         <a:schemeClr val="bg1"/>
@@ -8940,7 +10007,8 @@
                 </a:tc>
                 <a:tc>
                   <a:txBody>
-                    <a:bodyPr vert="horz" lIns="91440" tIns="45720" rIns="91440" bIns="45720" anchor="t" anchorCtr="0"/>
+                    <a:bodyPr/>
+                    <a:lstStyle/>
                     <a:p>
                       <a:pPr latinLnBrk="1">
                         <a:defRPr/>
@@ -8948,7 +10016,7 @@
                       <a:endParaRPr lang="ko-KR" altLang="en-US"/>
                     </a:p>
                   </a:txBody>
-                  <a:tcPr marL="91440" marR="91440">
+                  <a:tcPr>
                     <a:lnL w="12700" cap="flat" cmpd="sng" algn="ctr">
                       <a:solidFill>
                         <a:schemeClr val="bg1"/>
@@ -8995,7 +10063,8 @@
                 </a:tc>
                 <a:tc>
                   <a:txBody>
-                    <a:bodyPr vert="horz" lIns="91440" tIns="45720" rIns="91440" bIns="45720" anchor="t" anchorCtr="0"/>
+                    <a:bodyPr/>
+                    <a:lstStyle/>
                     <a:p>
                       <a:pPr latinLnBrk="1">
                         <a:defRPr/>
@@ -9003,7 +10072,7 @@
                       <a:endParaRPr lang="ko-KR" altLang="en-US"/>
                     </a:p>
                   </a:txBody>
-                  <a:tcPr marL="91440" marR="91440">
+                  <a:tcPr>
                     <a:lnL w="12700" cap="flat" cmpd="sng" algn="ctr">
                       <a:solidFill>
                         <a:schemeClr val="bg1"/>
@@ -9050,7 +10119,8 @@
                 </a:tc>
                 <a:tc>
                   <a:txBody>
-                    <a:bodyPr vert="horz" lIns="91440" tIns="45720" rIns="91440" bIns="45720" anchor="t" anchorCtr="0"/>
+                    <a:bodyPr/>
+                    <a:lstStyle/>
                     <a:p>
                       <a:pPr latinLnBrk="1">
                         <a:defRPr/>
@@ -9058,7 +10128,7 @@
                       <a:endParaRPr lang="ko-KR" altLang="en-US"/>
                     </a:p>
                   </a:txBody>
-                  <a:tcPr marL="91440" marR="91440">
+                  <a:tcPr>
                     <a:lnL w="12700" cap="flat" cmpd="sng" algn="ctr">
                       <a:solidFill>
                         <a:schemeClr val="bg1"/>
@@ -9105,15 +10175,16 @@
                 </a:tc>
                 <a:tc>
                   <a:txBody>
-                    <a:bodyPr vert="horz" lIns="91440" tIns="45720" rIns="91440" bIns="45720" anchor="t" anchorCtr="0"/>
+                    <a:bodyPr/>
+                    <a:lstStyle/>
                     <a:p>
                       <a:pPr latinLnBrk="1">
                         <a:defRPr/>
                       </a:pPr>
-                      <a:endParaRPr lang="ko-KR" altLang="en-US"/>
+                      <a:endParaRPr lang="ko-KR" altLang="en-US" dirty="0"/>
                     </a:p>
                   </a:txBody>
-                  <a:tcPr marL="91440" marR="91440">
+                  <a:tcPr>
                     <a:lnL w="12700" cap="flat" cmpd="sng" algn="ctr">
                       <a:solidFill>
                         <a:schemeClr val="bg1"/>
@@ -9151,10 +10222,15 @@
                       <a:tailEnd w="med" len="med"/>
                     </a:lnB>
                     <a:solidFill>
-                      <a:srgbClr val="93cc60"/>
+                      <a:srgbClr val="93CC60"/>
                     </a:solidFill>
                   </a:tcPr>
                 </a:tc>
+                <a:extLst>
+                  <a:ext uri="{0D108BD9-81ED-4DB2-BD59-A6C34878D82A}">
+                    <a16:rowId xmlns:a16="http://schemas.microsoft.com/office/drawing/2014/main" val="10009"/>
+                  </a:ext>
+                </a:extLst>
               </a:tr>
             </a:tbl>
           </a:graphicData>
@@ -9179,12 +10255,19 @@
                 <a:tableStyleId>{5C22544A-7EE6-4342-B048-85BDC9FD1C3A}</a:tableStyleId>
               </a:tblPr>
               <a:tblGrid>
-                <a:gridCol w="1092200"/>
+                <a:gridCol w="1092200">
+                  <a:extLst>
+                    <a:ext uri="{9D8B030D-6E8A-4147-A177-3AD203B41FA5}">
+                      <a16:colId xmlns:a16="http://schemas.microsoft.com/office/drawing/2014/main" val="20000"/>
+                    </a:ext>
+                  </a:extLst>
+                </a:gridCol>
               </a:tblGrid>
               <a:tr h="370840">
                 <a:tc>
                   <a:txBody>
-                    <a:bodyPr vert="horz" lIns="91440" tIns="45720" rIns="91440" bIns="45720" anchor="t" anchorCtr="0"/>
+                    <a:bodyPr/>
+                    <a:lstStyle/>
                     <a:p>
                       <a:pPr algn="ctr" latinLnBrk="1">
                         <a:defRPr/>
@@ -9197,14 +10280,9 @@
                         </a:rPr>
                         <a:t>윤성주</a:t>
                       </a:r>
-                      <a:endParaRPr lang="ko-KR" altLang="en-US" sz="1800" b="0">
-                        <a:solidFill>
-                          <a:schemeClr val="bg1"/>
-                        </a:solidFill>
-                      </a:endParaRPr>
                     </a:p>
                   </a:txBody>
-                  <a:tcPr marL="91440" marR="91440">
+                  <a:tcPr>
                     <a:lnL w="12700" cap="flat" cmpd="sng" algn="ctr">
                       <a:solidFill>
                         <a:schemeClr val="bg1"/>
@@ -9242,15 +10320,21 @@
                       <a:tailEnd w="med" len="med"/>
                     </a:lnB>
                     <a:solidFill>
-                      <a:srgbClr val="ffc000"/>
+                      <a:srgbClr val="FFC000"/>
                     </a:solidFill>
                   </a:tcPr>
                 </a:tc>
+                <a:extLst>
+                  <a:ext uri="{0D108BD9-81ED-4DB2-BD59-A6C34878D82A}">
+                    <a16:rowId xmlns:a16="http://schemas.microsoft.com/office/drawing/2014/main" val="10000"/>
+                  </a:ext>
+                </a:extLst>
               </a:tr>
               <a:tr h="370840">
                 <a:tc>
                   <a:txBody>
-                    <a:bodyPr vert="horz" lIns="91440" tIns="45720" rIns="91440" bIns="45720" anchor="t" anchorCtr="0"/>
+                    <a:bodyPr/>
+                    <a:lstStyle/>
                     <a:p>
                       <a:pPr algn="ctr" latinLnBrk="1">
                         <a:defRPr/>
@@ -9263,14 +10347,9 @@
                         </a:rPr>
                         <a:t>최경훈</a:t>
                       </a:r>
-                      <a:endParaRPr lang="ko-KR" altLang="en-US" sz="1800" b="0">
-                        <a:solidFill>
-                          <a:schemeClr val="bg1"/>
-                        </a:solidFill>
-                      </a:endParaRPr>
                     </a:p>
                   </a:txBody>
-                  <a:tcPr marL="91440" marR="91440">
+                  <a:tcPr>
                     <a:lnL w="12700" cap="flat" cmpd="sng" algn="ctr">
                       <a:solidFill>
                         <a:schemeClr val="bg1"/>
@@ -9308,15 +10387,21 @@
                       <a:tailEnd w="med" len="med"/>
                     </a:lnB>
                     <a:solidFill>
-                      <a:srgbClr val="e1bbeb"/>
+                      <a:srgbClr val="E1BBEB"/>
                     </a:solidFill>
                   </a:tcPr>
                 </a:tc>
+                <a:extLst>
+                  <a:ext uri="{0D108BD9-81ED-4DB2-BD59-A6C34878D82A}">
+                    <a16:rowId xmlns:a16="http://schemas.microsoft.com/office/drawing/2014/main" val="10001"/>
+                  </a:ext>
+                </a:extLst>
               </a:tr>
               <a:tr h="370840">
                 <a:tc>
                   <a:txBody>
-                    <a:bodyPr vert="horz" lIns="91440" tIns="45720" rIns="91440" bIns="45720" anchor="t" anchorCtr="0"/>
+                    <a:bodyPr/>
+                    <a:lstStyle/>
                     <a:p>
                       <a:pPr algn="ctr" latinLnBrk="1">
                         <a:defRPr/>
@@ -9329,14 +10414,9 @@
                         </a:rPr>
                         <a:t>공통</a:t>
                       </a:r>
-                      <a:endParaRPr lang="ko-KR" altLang="en-US" sz="1800" b="0">
-                        <a:solidFill>
-                          <a:schemeClr val="bg1"/>
-                        </a:solidFill>
-                      </a:endParaRPr>
                     </a:p>
                   </a:txBody>
-                  <a:tcPr marL="91440" marR="91440">
+                  <a:tcPr>
                     <a:lnL w="12700" cap="flat" cmpd="sng" algn="ctr">
                       <a:solidFill>
                         <a:schemeClr val="bg1"/>
@@ -9374,10 +10454,15 @@
                       <a:tailEnd w="med" len="med"/>
                     </a:lnB>
                     <a:solidFill>
-                      <a:srgbClr val="93cc60"/>
+                      <a:srgbClr val="93CC60"/>
                     </a:solidFill>
                   </a:tcPr>
                 </a:tc>
+                <a:extLst>
+                  <a:ext uri="{0D108BD9-81ED-4DB2-BD59-A6C34878D82A}">
+                    <a16:rowId xmlns:a16="http://schemas.microsoft.com/office/drawing/2014/main" val="10002"/>
+                  </a:ext>
+                </a:extLst>
               </a:tr>
             </a:tbl>
           </a:graphicData>
@@ -9388,19 +10473,19 @@
   <p:clrMapOvr>
     <a:masterClrMapping/>
   </p:clrMapOvr>
-  <mc:AlternateContent xmlns:mc="http://schemas.openxmlformats.org/markup-compatibility/2006">
-    <mc:Choice xmlns:p14="http://schemas.microsoft.com/office/powerpoint/2010/main" Requires="p14">
-      <p:transition xmlns:mc="http://schemas.openxmlformats.org/markup-compatibility/2006" xmlns:p14="http://schemas.microsoft.com/office/powerpoint/2010/main" mc:Ignorable="p14" p14:dur="500"/>
+  <mc:AlternateContent xmlns:mc="http://schemas.openxmlformats.org/markup-compatibility/2006" xmlns:p14="http://schemas.microsoft.com/office/powerpoint/2010/main">
+    <mc:Choice Requires="p14">
+      <p:transition/>
     </mc:Choice>
-    <mc:Fallback>
+    <mc:Fallback xmlns:dsp="http://schemas.microsoft.com/office/drawing/2008/diagram" xmlns:dgm="http://schemas.openxmlformats.org/drawingml/2006/diagram" xmlns:c="http://schemas.openxmlformats.org/drawingml/2006/chart" xmlns="">
       <p:transition/>
     </mc:Fallback>
   </mc:AlternateContent>
 </p:sld>
 </file>
 
-<file path=ppt/slides/slide11.xml><?xml version="1.0" encoding="utf-8"?>
-<p:sld xmlns:r="http://schemas.openxmlformats.org/officeDocument/2006/relationships" xmlns:c="http://schemas.openxmlformats.org/drawingml/2006/chart" xmlns:a="http://schemas.openxmlformats.org/drawingml/2006/main" xmlns:dgm="http://schemas.openxmlformats.org/drawingml/2006/diagram" xmlns:dsp="http://schemas.microsoft.com/office/drawing/2008/diagram" xmlns:p="http://schemas.openxmlformats.org/presentationml/2006/main">
+<file path=ppt/slides/slide14.xml><?xml version="1.0" encoding="utf-8"?>
+<p:sld xmlns:a="http://schemas.openxmlformats.org/drawingml/2006/main" xmlns:r="http://schemas.openxmlformats.org/officeDocument/2006/relationships" xmlns:p="http://schemas.openxmlformats.org/presentationml/2006/main">
   <p:cSld>
     <p:spTree>
       <p:nvGrpSpPr>
@@ -9444,7 +10529,7 @@
               <a:pPr lvl="0">
                 <a:defRPr/>
               </a:pPr>
-              <a:t>11</a:t>
+              <a:t>14</a:t>
             </a:fld>
             <a:endParaRPr lang="en-US" altLang="en-US"/>
           </a:p>
@@ -9496,7 +10581,7 @@
               <a:defRPr/>
             </a:pPr>
             <a:r>
-              <a:rPr xmlns:mc="http://schemas.openxmlformats.org/markup-compatibility/2006" xmlns:hp="http://schemas.haansoft.com/office/presentation/8.0" lang="en-US" altLang="ko-KR" sz="4800" b="1" mc:Ignorable="hp" hp:hslEmbossed="0">
+              <a:rPr lang="en-US" altLang="ko-KR" sz="4800" b="1">
                 <a:solidFill>
                   <a:schemeClr val="bg1"/>
                 </a:solidFill>
@@ -9511,7 +10596,7 @@
               <a:t>6. </a:t>
             </a:r>
             <a:r>
-              <a:rPr xmlns:mc="http://schemas.openxmlformats.org/markup-compatibility/2006" xmlns:hp="http://schemas.haansoft.com/office/presentation/8.0" lang="ko-KR" altLang="en-US" sz="4800" b="1" mc:Ignorable="hp" hp:hslEmbossed="0">
+              <a:rPr lang="ko-KR" altLang="en-US" sz="4800" b="1">
                 <a:solidFill>
                   <a:schemeClr val="bg1"/>
                 </a:solidFill>
@@ -9526,7 +10611,7 @@
               <a:t>구성원 역할 분담 </a:t>
             </a:r>
             <a:r>
-              <a:rPr xmlns:mc="http://schemas.openxmlformats.org/markup-compatibility/2006" xmlns:hp="http://schemas.haansoft.com/office/presentation/8.0" lang="en-US" altLang="ko-KR" sz="4800" b="1" mc:Ignorable="hp" hp:hslEmbossed="0">
+              <a:rPr lang="en-US" altLang="ko-KR" sz="4800" b="1">
                 <a:solidFill>
                   <a:schemeClr val="bg1"/>
                 </a:solidFill>
@@ -9541,7 +10626,7 @@
               <a:t>-</a:t>
             </a:r>
             <a:r>
-              <a:rPr xmlns:mc="http://schemas.openxmlformats.org/markup-compatibility/2006" xmlns:hp="http://schemas.haansoft.com/office/presentation/8.0" lang="ko-KR" altLang="en-US" sz="4800" b="1" mc:Ignorable="hp" hp:hslEmbossed="0">
+              <a:rPr lang="ko-KR" altLang="en-US" sz="4800" b="1">
                 <a:solidFill>
                   <a:schemeClr val="bg1"/>
                 </a:solidFill>
@@ -9556,7 +10641,7 @@
               <a:t> </a:t>
             </a:r>
             <a:r>
-              <a:rPr xmlns:mc="http://schemas.openxmlformats.org/markup-compatibility/2006" xmlns:hp="http://schemas.haansoft.com/office/presentation/8.0" lang="ko-KR" altLang="en-US" sz="3200" b="1" mc:Ignorable="hp" hp:hslEmbossed="0">
+              <a:rPr lang="ko-KR" altLang="en-US" sz="3200" b="1">
                 <a:solidFill>
                   <a:schemeClr val="bg1"/>
                 </a:solidFill>
@@ -9570,7 +10655,7 @@
               </a:rPr>
               <a:t>변경 후</a:t>
             </a:r>
-            <a:endParaRPr xmlns:mc="http://schemas.openxmlformats.org/markup-compatibility/2006" xmlns:hp="http://schemas.haansoft.com/office/presentation/8.0" lang="ko-KR" altLang="en-US" sz="3200" b="1" mc:Ignorable="hp" hp:hslEmbossed="0">
+            <a:endParaRPr lang="ko-KR" altLang="en-US" sz="3200" b="1">
               <a:solidFill>
                 <a:schemeClr val="bg1"/>
               </a:solidFill>
@@ -9588,7 +10673,7 @@
         </p:nvGraphicFramePr>
         <p:xfrm>
           <a:off x="432595" y="1371593"/>
-          <a:ext cx="11326809" cy="5109693"/>
+          <a:ext cx="11326809" cy="5288373"/>
         </p:xfrm>
         <a:graphic>
           <a:graphicData uri="http://schemas.openxmlformats.org/drawingml/2006/table">
@@ -9597,20 +10682,75 @@
                 <a:tableStyleId>{5C22544A-7EE6-4342-B048-85BDC9FD1C3A}</a:tableStyleId>
               </a:tblPr>
               <a:tblGrid>
-                <a:gridCol w="2105025"/>
-                <a:gridCol w="1152723"/>
-                <a:gridCol w="1152723"/>
-                <a:gridCol w="1152723"/>
-                <a:gridCol w="1152723"/>
-                <a:gridCol w="1152723"/>
-                <a:gridCol w="1152723"/>
-                <a:gridCol w="1152723"/>
-                <a:gridCol w="1152723"/>
+                <a:gridCol w="2105025">
+                  <a:extLst>
+                    <a:ext uri="{9D8B030D-6E8A-4147-A177-3AD203B41FA5}">
+                      <a16:colId xmlns:a16="http://schemas.microsoft.com/office/drawing/2014/main" val="20000"/>
+                    </a:ext>
+                  </a:extLst>
+                </a:gridCol>
+                <a:gridCol w="1152723">
+                  <a:extLst>
+                    <a:ext uri="{9D8B030D-6E8A-4147-A177-3AD203B41FA5}">
+                      <a16:colId xmlns:a16="http://schemas.microsoft.com/office/drawing/2014/main" val="20001"/>
+                    </a:ext>
+                  </a:extLst>
+                </a:gridCol>
+                <a:gridCol w="1152723">
+                  <a:extLst>
+                    <a:ext uri="{9D8B030D-6E8A-4147-A177-3AD203B41FA5}">
+                      <a16:colId xmlns:a16="http://schemas.microsoft.com/office/drawing/2014/main" val="20002"/>
+                    </a:ext>
+                  </a:extLst>
+                </a:gridCol>
+                <a:gridCol w="1152723">
+                  <a:extLst>
+                    <a:ext uri="{9D8B030D-6E8A-4147-A177-3AD203B41FA5}">
+                      <a16:colId xmlns:a16="http://schemas.microsoft.com/office/drawing/2014/main" val="20003"/>
+                    </a:ext>
+                  </a:extLst>
+                </a:gridCol>
+                <a:gridCol w="1152723">
+                  <a:extLst>
+                    <a:ext uri="{9D8B030D-6E8A-4147-A177-3AD203B41FA5}">
+                      <a16:colId xmlns:a16="http://schemas.microsoft.com/office/drawing/2014/main" val="20004"/>
+                    </a:ext>
+                  </a:extLst>
+                </a:gridCol>
+                <a:gridCol w="1152723">
+                  <a:extLst>
+                    <a:ext uri="{9D8B030D-6E8A-4147-A177-3AD203B41FA5}">
+                      <a16:colId xmlns:a16="http://schemas.microsoft.com/office/drawing/2014/main" val="20005"/>
+                    </a:ext>
+                  </a:extLst>
+                </a:gridCol>
+                <a:gridCol w="1152723">
+                  <a:extLst>
+                    <a:ext uri="{9D8B030D-6E8A-4147-A177-3AD203B41FA5}">
+                      <a16:colId xmlns:a16="http://schemas.microsoft.com/office/drawing/2014/main" val="20006"/>
+                    </a:ext>
+                  </a:extLst>
+                </a:gridCol>
+                <a:gridCol w="1152723">
+                  <a:extLst>
+                    <a:ext uri="{9D8B030D-6E8A-4147-A177-3AD203B41FA5}">
+                      <a16:colId xmlns:a16="http://schemas.microsoft.com/office/drawing/2014/main" val="20007"/>
+                    </a:ext>
+                  </a:extLst>
+                </a:gridCol>
+                <a:gridCol w="1152723">
+                  <a:extLst>
+                    <a:ext uri="{9D8B030D-6E8A-4147-A177-3AD203B41FA5}">
+                      <a16:colId xmlns:a16="http://schemas.microsoft.com/office/drawing/2014/main" val="20008"/>
+                    </a:ext>
+                  </a:extLst>
+                </a:gridCol>
               </a:tblGrid>
               <a:tr h="396547">
                 <a:tc>
                   <a:txBody>
-                    <a:bodyPr vert="horz" lIns="91440" tIns="45720" rIns="91440" bIns="45720" anchor="t" anchorCtr="0"/>
+                    <a:bodyPr/>
+                    <a:lstStyle/>
                     <a:p>
                       <a:pPr latinLnBrk="1">
                         <a:defRPr/>
@@ -9618,7 +10758,7 @@
                       <a:endParaRPr lang="ko-KR" altLang="en-US"/>
                     </a:p>
                   </a:txBody>
-                  <a:tcPr marL="91440" marR="91440">
+                  <a:tcPr>
                     <a:lnL w="28575" cap="flat" cmpd="sng" algn="ctr">
                       <a:solidFill>
                         <a:schemeClr val="bg1"/>
@@ -9665,7 +10805,8 @@
                 </a:tc>
                 <a:tc>
                   <a:txBody>
-                    <a:bodyPr vert="horz" lIns="91440" tIns="45720" rIns="91440" bIns="45720" anchor="t" anchorCtr="0"/>
+                    <a:bodyPr/>
+                    <a:lstStyle/>
                     <a:p>
                       <a:pPr algn="ctr" latinLnBrk="1">
                         <a:defRPr/>
@@ -9686,14 +10827,9 @@
                         </a:rPr>
                         <a:t>월</a:t>
                       </a:r>
-                      <a:endParaRPr lang="ko-KR" altLang="en-US" sz="2000" b="0">
-                        <a:solidFill>
-                          <a:schemeClr val="bg1"/>
-                        </a:solidFill>
-                      </a:endParaRPr>
                     </a:p>
                   </a:txBody>
-                  <a:tcPr marL="91440" marR="91440">
+                  <a:tcPr>
                     <a:lnL w="12700" cap="flat" cmpd="sng" algn="ctr">
                       <a:solidFill>
                         <a:schemeClr val="bg1"/>
@@ -9739,7 +10875,8 @@
                 </a:tc>
                 <a:tc>
                   <a:txBody>
-                    <a:bodyPr vert="horz" lIns="91440" tIns="45720" rIns="91440" bIns="45720" anchor="t" anchorCtr="0"/>
+                    <a:bodyPr/>
+                    <a:lstStyle/>
                     <a:p>
                       <a:pPr algn="ctr" latinLnBrk="1">
                         <a:defRPr/>
@@ -9760,14 +10897,9 @@
                         </a:rPr>
                         <a:t>월</a:t>
                       </a:r>
-                      <a:endParaRPr lang="ko-KR" altLang="en-US" sz="2000" b="0">
-                        <a:solidFill>
-                          <a:schemeClr val="bg1"/>
-                        </a:solidFill>
-                      </a:endParaRPr>
                     </a:p>
                   </a:txBody>
-                  <a:tcPr marL="91440" marR="91440">
+                  <a:tcPr>
                     <a:lnL w="12700" cap="flat" cmpd="sng" algn="ctr">
                       <a:solidFill>
                         <a:schemeClr val="bg1"/>
@@ -9813,7 +10945,8 @@
                 </a:tc>
                 <a:tc>
                   <a:txBody>
-                    <a:bodyPr vert="horz" lIns="91440" tIns="45720" rIns="91440" bIns="45720" anchor="t" anchorCtr="0"/>
+                    <a:bodyPr/>
+                    <a:lstStyle/>
                     <a:p>
                       <a:pPr algn="ctr" latinLnBrk="1">
                         <a:defRPr/>
@@ -9834,14 +10967,9 @@
                         </a:rPr>
                         <a:t>월</a:t>
                       </a:r>
-                      <a:endParaRPr lang="ko-KR" altLang="en-US" sz="2000" b="0">
-                        <a:solidFill>
-                          <a:schemeClr val="bg1"/>
-                        </a:solidFill>
-                      </a:endParaRPr>
                     </a:p>
                   </a:txBody>
-                  <a:tcPr marL="91440" marR="91440">
+                  <a:tcPr>
                     <a:lnL w="12700" cap="flat" cmpd="sng" algn="ctr">
                       <a:solidFill>
                         <a:schemeClr val="bg1"/>
@@ -9887,7 +11015,8 @@
                 </a:tc>
                 <a:tc>
                   <a:txBody>
-                    <a:bodyPr vert="horz" lIns="91440" tIns="45720" rIns="91440" bIns="45720" anchor="t" anchorCtr="0"/>
+                    <a:bodyPr/>
+                    <a:lstStyle/>
                     <a:p>
                       <a:pPr algn="ctr" latinLnBrk="1">
                         <a:defRPr/>
@@ -9908,14 +11037,9 @@
                         </a:rPr>
                         <a:t>월</a:t>
                       </a:r>
-                      <a:endParaRPr lang="ko-KR" altLang="en-US" sz="2000" b="0">
-                        <a:solidFill>
-                          <a:schemeClr val="bg1"/>
-                        </a:solidFill>
-                      </a:endParaRPr>
                     </a:p>
                   </a:txBody>
-                  <a:tcPr marL="91440" marR="91440">
+                  <a:tcPr>
                     <a:lnL w="12700" cap="flat" cmpd="sng" algn="ctr">
                       <a:solidFill>
                         <a:schemeClr val="bg1"/>
@@ -9961,7 +11085,8 @@
                 </a:tc>
                 <a:tc>
                   <a:txBody>
-                    <a:bodyPr vert="horz" lIns="91440" tIns="45720" rIns="91440" bIns="45720" anchor="t" anchorCtr="0"/>
+                    <a:bodyPr/>
+                    <a:lstStyle/>
                     <a:p>
                       <a:pPr algn="ctr" latinLnBrk="1">
                         <a:defRPr/>
@@ -9982,14 +11107,9 @@
                         </a:rPr>
                         <a:t>월</a:t>
                       </a:r>
-                      <a:endParaRPr lang="ko-KR" altLang="en-US" sz="2000" b="0">
-                        <a:solidFill>
-                          <a:schemeClr val="bg1"/>
-                        </a:solidFill>
-                      </a:endParaRPr>
                     </a:p>
                   </a:txBody>
-                  <a:tcPr marL="91440" marR="91440">
+                  <a:tcPr>
                     <a:lnL w="12700" cap="flat" cmpd="sng" algn="ctr">
                       <a:solidFill>
                         <a:schemeClr val="bg1"/>
@@ -10035,7 +11155,8 @@
                 </a:tc>
                 <a:tc>
                   <a:txBody>
-                    <a:bodyPr vert="horz" lIns="91440" tIns="45720" rIns="91440" bIns="45720" anchor="t" anchorCtr="0"/>
+                    <a:bodyPr/>
+                    <a:lstStyle/>
                     <a:p>
                       <a:pPr algn="ctr" latinLnBrk="1">
                         <a:defRPr/>
@@ -10056,14 +11177,9 @@
                         </a:rPr>
                         <a:t>월</a:t>
                       </a:r>
-                      <a:endParaRPr lang="ko-KR" altLang="en-US" sz="2000" b="0">
-                        <a:solidFill>
-                          <a:schemeClr val="bg1"/>
-                        </a:solidFill>
-                      </a:endParaRPr>
                     </a:p>
                   </a:txBody>
-                  <a:tcPr marL="91440" marR="91440">
+                  <a:tcPr>
                     <a:lnL w="12700" cap="flat" cmpd="sng" algn="ctr">
                       <a:solidFill>
                         <a:schemeClr val="bg1"/>
@@ -10109,7 +11225,8 @@
                 </a:tc>
                 <a:tc>
                   <a:txBody>
-                    <a:bodyPr vert="horz" lIns="91440" tIns="45720" rIns="91440" bIns="45720" anchor="t" anchorCtr="0"/>
+                    <a:bodyPr/>
+                    <a:lstStyle/>
                     <a:p>
                       <a:pPr algn="ctr" latinLnBrk="1">
                         <a:defRPr/>
@@ -10130,14 +11247,9 @@
                         </a:rPr>
                         <a:t>월</a:t>
                       </a:r>
-                      <a:endParaRPr lang="ko-KR" altLang="en-US" sz="2000" b="0">
-                        <a:solidFill>
-                          <a:schemeClr val="bg1"/>
-                        </a:solidFill>
-                      </a:endParaRPr>
                     </a:p>
                   </a:txBody>
-                  <a:tcPr marL="91440" marR="91440">
+                  <a:tcPr>
                     <a:lnL w="12700" cap="flat" cmpd="sng" algn="ctr">
                       <a:solidFill>
                         <a:schemeClr val="bg1"/>
@@ -10183,7 +11295,8 @@
                 </a:tc>
                 <a:tc>
                   <a:txBody>
-                    <a:bodyPr vert="horz" lIns="91440" tIns="45720" rIns="91440" bIns="45720" anchor="t" anchorCtr="0"/>
+                    <a:bodyPr/>
+                    <a:lstStyle/>
                     <a:p>
                       <a:pPr algn="ctr" latinLnBrk="1">
                         <a:defRPr/>
@@ -10204,14 +11317,9 @@
                         </a:rPr>
                         <a:t>월</a:t>
                       </a:r>
-                      <a:endParaRPr lang="ko-KR" altLang="en-US" sz="2000" b="0">
-                        <a:solidFill>
-                          <a:schemeClr val="bg1"/>
-                        </a:solidFill>
-                      </a:endParaRPr>
                     </a:p>
                   </a:txBody>
-                  <a:tcPr marL="91440" marR="91440">
+                  <a:tcPr>
                     <a:lnL w="12700" cap="flat" cmpd="sng" algn="ctr">
                       <a:solidFill>
                         <a:schemeClr val="bg1"/>
@@ -10255,11 +11363,17 @@
                     </a:solidFill>
                   </a:tcPr>
                 </a:tc>
+                <a:extLst>
+                  <a:ext uri="{0D108BD9-81ED-4DB2-BD59-A6C34878D82A}">
+                    <a16:rowId xmlns:a16="http://schemas.microsoft.com/office/drawing/2014/main" val="10000"/>
+                  </a:ext>
+                </a:extLst>
               </a:tr>
               <a:tr h="522360">
                 <a:tc>
                   <a:txBody>
-                    <a:bodyPr vert="horz" lIns="91440" tIns="45720" rIns="91440" bIns="45720" anchor="t" anchorCtr="0"/>
+                    <a:bodyPr/>
+                    <a:lstStyle/>
                     <a:p>
                       <a:pPr algn="ctr" latinLnBrk="1">
                         <a:defRPr/>
@@ -10268,10 +11382,9 @@
                         <a:rPr lang="ko-KR" altLang="en-US" sz="2000" b="0"/>
                         <a:t>리소스 수집</a:t>
                       </a:r>
-                      <a:endParaRPr lang="ko-KR" altLang="en-US" sz="2000" b="0"/>
                     </a:p>
                   </a:txBody>
-                  <a:tcPr marL="91440" marR="91440">
+                  <a:tcPr>
                     <a:lnL w="28575" cap="flat" cmpd="sng" algn="ctr">
                       <a:solidFill>
                         <a:schemeClr val="bg1"/>
@@ -10318,7 +11431,8 @@
                 </a:tc>
                 <a:tc>
                   <a:txBody>
-                    <a:bodyPr vert="horz" lIns="91440" tIns="45720" rIns="91440" bIns="45720" anchor="t" anchorCtr="0"/>
+                    <a:bodyPr/>
+                    <a:lstStyle/>
                     <a:p>
                       <a:pPr latinLnBrk="1">
                         <a:defRPr/>
@@ -10326,7 +11440,7 @@
                       <a:endParaRPr lang="ko-KR" altLang="en-US"/>
                     </a:p>
                   </a:txBody>
-                  <a:tcPr marL="91440" marR="91440">
+                  <a:tcPr>
                     <a:lnL w="12700" cap="flat" cmpd="sng" algn="ctr">
                       <a:solidFill>
                         <a:schemeClr val="bg1"/>
@@ -10364,13 +11478,14 @@
                       <a:tailEnd w="med" len="med"/>
                     </a:lnB>
                     <a:solidFill>
-                      <a:srgbClr val="93cc60"/>
+                      <a:srgbClr val="93CC60"/>
                     </a:solidFill>
                   </a:tcPr>
                 </a:tc>
                 <a:tc>
                   <a:txBody>
-                    <a:bodyPr vert="horz" lIns="91440" tIns="45720" rIns="91440" bIns="45720" anchor="t" anchorCtr="0"/>
+                    <a:bodyPr/>
+                    <a:lstStyle/>
                     <a:p>
                       <a:pPr latinLnBrk="1">
                         <a:defRPr/>
@@ -10378,7 +11493,7 @@
                       <a:endParaRPr lang="ko-KR" altLang="en-US"/>
                     </a:p>
                   </a:txBody>
-                  <a:tcPr marL="91440" marR="91440">
+                  <a:tcPr>
                     <a:lnL w="12700" cap="flat" cmpd="sng" algn="ctr">
                       <a:solidFill>
                         <a:schemeClr val="bg1"/>
@@ -10425,7 +11540,8 @@
                 </a:tc>
                 <a:tc>
                   <a:txBody>
-                    <a:bodyPr vert="horz" lIns="91440" tIns="45720" rIns="91440" bIns="45720" anchor="t" anchorCtr="0"/>
+                    <a:bodyPr/>
+                    <a:lstStyle/>
                     <a:p>
                       <a:pPr latinLnBrk="1">
                         <a:defRPr/>
@@ -10433,7 +11549,7 @@
                       <a:endParaRPr lang="ko-KR" altLang="en-US"/>
                     </a:p>
                   </a:txBody>
-                  <a:tcPr marL="91440" marR="91440">
+                  <a:tcPr>
                     <a:lnL w="12700" cap="flat" cmpd="sng" algn="ctr">
                       <a:solidFill>
                         <a:schemeClr val="bg1"/>
@@ -10480,7 +11596,8 @@
                 </a:tc>
                 <a:tc>
                   <a:txBody>
-                    <a:bodyPr vert="horz" lIns="91440" tIns="45720" rIns="91440" bIns="45720" anchor="t" anchorCtr="0"/>
+                    <a:bodyPr/>
+                    <a:lstStyle/>
                     <a:p>
                       <a:pPr latinLnBrk="1">
                         <a:defRPr/>
@@ -10488,7 +11605,7 @@
                       <a:endParaRPr lang="ko-KR" altLang="en-US"/>
                     </a:p>
                   </a:txBody>
-                  <a:tcPr marL="91440" marR="91440">
+                  <a:tcPr>
                     <a:lnL w="12700" cap="flat" cmpd="sng" algn="ctr">
                       <a:solidFill>
                         <a:schemeClr val="bg1"/>
@@ -10535,7 +11652,8 @@
                 </a:tc>
                 <a:tc>
                   <a:txBody>
-                    <a:bodyPr vert="horz" lIns="91440" tIns="45720" rIns="91440" bIns="45720" anchor="t" anchorCtr="0"/>
+                    <a:bodyPr/>
+                    <a:lstStyle/>
                     <a:p>
                       <a:pPr latinLnBrk="1">
                         <a:defRPr/>
@@ -10543,7 +11661,7 @@
                       <a:endParaRPr lang="ko-KR" altLang="en-US"/>
                     </a:p>
                   </a:txBody>
-                  <a:tcPr marL="91440" marR="91440">
+                  <a:tcPr>
                     <a:lnL w="12700" cap="flat" cmpd="sng" algn="ctr">
                       <a:solidFill>
                         <a:schemeClr val="bg1"/>
@@ -10590,7 +11708,8 @@
                 </a:tc>
                 <a:tc>
                   <a:txBody>
-                    <a:bodyPr vert="horz" lIns="91440" tIns="45720" rIns="91440" bIns="45720" anchor="t" anchorCtr="0"/>
+                    <a:bodyPr/>
+                    <a:lstStyle/>
                     <a:p>
                       <a:pPr latinLnBrk="1">
                         <a:defRPr/>
@@ -10598,7 +11717,7 @@
                       <a:endParaRPr lang="ko-KR" altLang="en-US"/>
                     </a:p>
                   </a:txBody>
-                  <a:tcPr marL="91440" marR="91440">
+                  <a:tcPr>
                     <a:lnL w="12700" cap="flat" cmpd="sng" algn="ctr">
                       <a:solidFill>
                         <a:schemeClr val="bg1"/>
@@ -10645,7 +11764,8 @@
                 </a:tc>
                 <a:tc>
                   <a:txBody>
-                    <a:bodyPr vert="horz" lIns="91440" tIns="45720" rIns="91440" bIns="45720" anchor="t" anchorCtr="0"/>
+                    <a:bodyPr/>
+                    <a:lstStyle/>
                     <a:p>
                       <a:pPr latinLnBrk="1">
                         <a:defRPr/>
@@ -10653,7 +11773,7 @@
                       <a:endParaRPr lang="ko-KR" altLang="en-US"/>
                     </a:p>
                   </a:txBody>
-                  <a:tcPr marL="91440" marR="91440">
+                  <a:tcPr>
                     <a:lnL w="12700" cap="flat" cmpd="sng" algn="ctr">
                       <a:solidFill>
                         <a:schemeClr val="bg1"/>
@@ -10700,7 +11820,8 @@
                 </a:tc>
                 <a:tc>
                   <a:txBody>
-                    <a:bodyPr vert="horz" lIns="91440" tIns="45720" rIns="91440" bIns="45720" anchor="t" anchorCtr="0"/>
+                    <a:bodyPr/>
+                    <a:lstStyle/>
                     <a:p>
                       <a:pPr latinLnBrk="1">
                         <a:defRPr/>
@@ -10708,7 +11829,7 @@
                       <a:endParaRPr lang="ko-KR" altLang="en-US"/>
                     </a:p>
                   </a:txBody>
-                  <a:tcPr marL="91440" marR="91440">
+                  <a:tcPr>
                     <a:lnL w="12700" cap="flat" cmpd="sng" algn="ctr">
                       <a:solidFill>
                         <a:schemeClr val="bg1"/>
@@ -10753,11 +11874,17 @@
                     </a:solidFill>
                   </a:tcPr>
                 </a:tc>
+                <a:extLst>
+                  <a:ext uri="{0D108BD9-81ED-4DB2-BD59-A6C34878D82A}">
+                    <a16:rowId xmlns:a16="http://schemas.microsoft.com/office/drawing/2014/main" val="10001"/>
+                  </a:ext>
+                </a:extLst>
               </a:tr>
               <a:tr h="522360">
                 <a:tc>
                   <a:txBody>
-                    <a:bodyPr vert="horz" lIns="91440" tIns="45720" rIns="91440" bIns="45720" anchor="t" anchorCtr="0"/>
+                    <a:bodyPr/>
+                    <a:lstStyle/>
                     <a:p>
                       <a:pPr algn="ctr" latinLnBrk="1">
                         <a:defRPr/>
@@ -10766,10 +11893,9 @@
                         <a:rPr lang="ko-KR" altLang="en-US" sz="2000" b="0"/>
                         <a:t>서버 구조</a:t>
                       </a:r>
-                      <a:endParaRPr lang="ko-KR" altLang="en-US" sz="2000" b="0"/>
                     </a:p>
                   </a:txBody>
-                  <a:tcPr marL="91440" marR="91440">
+                  <a:tcPr>
                     <a:lnL w="28575" cap="flat" cmpd="sng" algn="ctr">
                       <a:solidFill>
                         <a:schemeClr val="bg1"/>
@@ -10816,7 +11942,8 @@
                 </a:tc>
                 <a:tc>
                   <a:txBody>
-                    <a:bodyPr vert="horz" lIns="91440" tIns="45720" rIns="91440" bIns="45720" anchor="t" anchorCtr="0"/>
+                    <a:bodyPr/>
+                    <a:lstStyle/>
                     <a:p>
                       <a:pPr latinLnBrk="1">
                         <a:defRPr/>
@@ -10824,7 +11951,7 @@
                       <a:endParaRPr lang="ko-KR" altLang="en-US"/>
                     </a:p>
                   </a:txBody>
-                  <a:tcPr marL="91440" marR="91440">
+                  <a:tcPr>
                     <a:lnL w="12700" cap="flat" cmpd="sng" algn="ctr">
                       <a:solidFill>
                         <a:schemeClr val="bg1"/>
@@ -10871,7 +11998,8 @@
                 </a:tc>
                 <a:tc>
                   <a:txBody>
-                    <a:bodyPr vert="horz" lIns="91440" tIns="45720" rIns="91440" bIns="45720" anchor="t" anchorCtr="0"/>
+                    <a:bodyPr/>
+                    <a:lstStyle/>
                     <a:p>
                       <a:pPr latinLnBrk="1">
                         <a:defRPr/>
@@ -10879,7 +12007,7 @@
                       <a:endParaRPr lang="ko-KR" altLang="en-US"/>
                     </a:p>
                   </a:txBody>
-                  <a:tcPr marL="91440" marR="91440">
+                  <a:tcPr>
                     <a:lnL w="12700" cap="flat" cmpd="sng" algn="ctr">
                       <a:solidFill>
                         <a:schemeClr val="bg1"/>
@@ -10926,7 +12054,8 @@
                 </a:tc>
                 <a:tc>
                   <a:txBody>
-                    <a:bodyPr vert="horz" lIns="91440" tIns="45720" rIns="91440" bIns="45720" anchor="t" anchorCtr="0"/>
+                    <a:bodyPr/>
+                    <a:lstStyle/>
                     <a:p>
                       <a:pPr latinLnBrk="1">
                         <a:defRPr/>
@@ -10934,7 +12063,7 @@
                       <a:endParaRPr lang="ko-KR" altLang="en-US"/>
                     </a:p>
                   </a:txBody>
-                  <a:tcPr marL="91440" marR="91440">
+                  <a:tcPr>
                     <a:lnL w="12700" cap="flat" cmpd="sng" algn="ctr">
                       <a:solidFill>
                         <a:schemeClr val="bg1"/>
@@ -10972,13 +12101,14 @@
                       <a:tailEnd w="med" len="med"/>
                     </a:lnB>
                     <a:solidFill>
-                      <a:srgbClr val="ffc000"/>
+                      <a:srgbClr val="FFC000"/>
                     </a:solidFill>
                   </a:tcPr>
                 </a:tc>
                 <a:tc>
                   <a:txBody>
-                    <a:bodyPr vert="horz" lIns="91440" tIns="45720" rIns="91440" bIns="45720" anchor="t" anchorCtr="0"/>
+                    <a:bodyPr/>
+                    <a:lstStyle/>
                     <a:p>
                       <a:pPr latinLnBrk="1">
                         <a:defRPr/>
@@ -10986,7 +12116,7 @@
                       <a:endParaRPr lang="ko-KR" altLang="en-US"/>
                     </a:p>
                   </a:txBody>
-                  <a:tcPr marL="91440" marR="91440">
+                  <a:tcPr>
                     <a:lnL w="12700" cap="flat" cmpd="sng" algn="ctr">
                       <a:solidFill>
                         <a:schemeClr val="bg1"/>
@@ -11024,13 +12154,14 @@
                       <a:tailEnd w="med" len="med"/>
                     </a:lnB>
                     <a:solidFill>
-                      <a:srgbClr val="ffc000"/>
+                      <a:srgbClr val="FFC000"/>
                     </a:solidFill>
                   </a:tcPr>
                 </a:tc>
                 <a:tc>
                   <a:txBody>
-                    <a:bodyPr vert="horz" lIns="91440" tIns="45720" rIns="91440" bIns="45720" anchor="t" anchorCtr="0"/>
+                    <a:bodyPr/>
+                    <a:lstStyle/>
                     <a:p>
                       <a:pPr latinLnBrk="1">
                         <a:defRPr/>
@@ -11038,7 +12169,7 @@
                       <a:endParaRPr lang="ko-KR" altLang="en-US"/>
                     </a:p>
                   </a:txBody>
-                  <a:tcPr marL="91440" marR="91440">
+                  <a:tcPr>
                     <a:lnL w="12700" cap="flat" cmpd="sng" algn="ctr">
                       <a:solidFill>
                         <a:schemeClr val="bg1"/>
@@ -11076,13 +12207,14 @@
                       <a:tailEnd w="med" len="med"/>
                     </a:lnB>
                     <a:solidFill>
-                      <a:srgbClr val="ffc000"/>
+                      <a:srgbClr val="FFC000"/>
                     </a:solidFill>
                   </a:tcPr>
                 </a:tc>
                 <a:tc>
                   <a:txBody>
-                    <a:bodyPr vert="horz" lIns="91440" tIns="45720" rIns="91440" bIns="45720" anchor="t" anchorCtr="0"/>
+                    <a:bodyPr/>
+                    <a:lstStyle/>
                     <a:p>
                       <a:pPr latinLnBrk="1">
                         <a:defRPr/>
@@ -11090,7 +12222,7 @@
                       <a:endParaRPr lang="ko-KR" altLang="en-US"/>
                     </a:p>
                   </a:txBody>
-                  <a:tcPr marL="91440" marR="91440">
+                  <a:tcPr>
                     <a:lnL w="12700" cap="flat" cmpd="sng" algn="ctr">
                       <a:solidFill>
                         <a:schemeClr val="bg1"/>
@@ -11137,7 +12269,8 @@
                 </a:tc>
                 <a:tc>
                   <a:txBody>
-                    <a:bodyPr vert="horz" lIns="91440" tIns="45720" rIns="91440" bIns="45720" anchor="t" anchorCtr="0"/>
+                    <a:bodyPr/>
+                    <a:lstStyle/>
                     <a:p>
                       <a:pPr latinLnBrk="1">
                         <a:defRPr/>
@@ -11145,7 +12278,7 @@
                       <a:endParaRPr lang="ko-KR" altLang="en-US"/>
                     </a:p>
                   </a:txBody>
-                  <a:tcPr marL="91440" marR="91440">
+                  <a:tcPr>
                     <a:lnL w="12700" cap="flat" cmpd="sng" algn="ctr">
                       <a:solidFill>
                         <a:schemeClr val="bg1"/>
@@ -11192,7 +12325,8 @@
                 </a:tc>
                 <a:tc>
                   <a:txBody>
-                    <a:bodyPr vert="horz" lIns="91440" tIns="45720" rIns="91440" bIns="45720" anchor="t" anchorCtr="0"/>
+                    <a:bodyPr/>
+                    <a:lstStyle/>
                     <a:p>
                       <a:pPr latinLnBrk="1">
                         <a:defRPr/>
@@ -11200,7 +12334,7 @@
                       <a:endParaRPr lang="ko-KR" altLang="en-US"/>
                     </a:p>
                   </a:txBody>
-                  <a:tcPr marL="91440" marR="91440">
+                  <a:tcPr>
                     <a:lnL w="12700" cap="flat" cmpd="sng" algn="ctr">
                       <a:solidFill>
                         <a:schemeClr val="bg1"/>
@@ -11245,11 +12379,17 @@
                     </a:solidFill>
                   </a:tcPr>
                 </a:tc>
+                <a:extLst>
+                  <a:ext uri="{0D108BD9-81ED-4DB2-BD59-A6C34878D82A}">
+                    <a16:rowId xmlns:a16="http://schemas.microsoft.com/office/drawing/2014/main" val="10002"/>
+                  </a:ext>
+                </a:extLst>
               </a:tr>
               <a:tr h="522360">
                 <a:tc>
                   <a:txBody>
-                    <a:bodyPr vert="horz" lIns="91440" tIns="45720" rIns="91440" bIns="45720" anchor="t" anchorCtr="0"/>
+                    <a:bodyPr/>
+                    <a:lstStyle/>
                     <a:p>
                       <a:pPr algn="ctr" latinLnBrk="1">
                         <a:defRPr/>
@@ -11258,10 +12398,9 @@
                         <a:rPr lang="ko-KR" altLang="en-US" sz="2000" b="0"/>
                         <a:t>클라 구조</a:t>
                       </a:r>
-                      <a:endParaRPr lang="ko-KR" altLang="en-US" sz="2000" b="0"/>
                     </a:p>
                   </a:txBody>
-                  <a:tcPr marL="91440" marR="91440">
+                  <a:tcPr>
                     <a:lnL w="28575" cap="flat" cmpd="sng" algn="ctr">
                       <a:solidFill>
                         <a:schemeClr val="bg1"/>
@@ -11308,7 +12447,8 @@
                 </a:tc>
                 <a:tc>
                   <a:txBody>
-                    <a:bodyPr vert="horz" lIns="91440" tIns="45720" rIns="91440" bIns="45720" anchor="t" anchorCtr="0"/>
+                    <a:bodyPr/>
+                    <a:lstStyle/>
                     <a:p>
                       <a:pPr latinLnBrk="1">
                         <a:defRPr/>
@@ -11316,7 +12456,7 @@
                       <a:endParaRPr lang="ko-KR" altLang="en-US"/>
                     </a:p>
                   </a:txBody>
-                  <a:tcPr marL="91440" marR="91440">
+                  <a:tcPr>
                     <a:lnL w="12700" cap="flat" cmpd="sng" algn="ctr">
                       <a:solidFill>
                         <a:schemeClr val="bg1"/>
@@ -11354,13 +12494,14 @@
                       <a:tailEnd w="med" len="med"/>
                     </a:lnB>
                     <a:solidFill>
-                      <a:srgbClr val="e1bbeb"/>
+                      <a:srgbClr val="E1BBEB"/>
                     </a:solidFill>
                   </a:tcPr>
                 </a:tc>
                 <a:tc>
                   <a:txBody>
-                    <a:bodyPr vert="horz" lIns="91440" tIns="45720" rIns="91440" bIns="45720" anchor="t" anchorCtr="0"/>
+                    <a:bodyPr/>
+                    <a:lstStyle/>
                     <a:p>
                       <a:pPr latinLnBrk="1">
                         <a:defRPr/>
@@ -11368,7 +12509,7 @@
                       <a:endParaRPr lang="ko-KR" altLang="en-US"/>
                     </a:p>
                   </a:txBody>
-                  <a:tcPr marL="91440" marR="91440">
+                  <a:tcPr>
                     <a:lnL w="12700" cap="flat" cmpd="sng" algn="ctr">
                       <a:solidFill>
                         <a:schemeClr val="bg1"/>
@@ -11406,13 +12547,14 @@
                       <a:tailEnd w="med" len="med"/>
                     </a:lnB>
                     <a:solidFill>
-                      <a:srgbClr val="e1bbeb"/>
+                      <a:srgbClr val="E1BBEB"/>
                     </a:solidFill>
                   </a:tcPr>
                 </a:tc>
                 <a:tc>
                   <a:txBody>
-                    <a:bodyPr vert="horz" lIns="91440" tIns="45720" rIns="91440" bIns="45720" anchor="t" anchorCtr="0"/>
+                    <a:bodyPr/>
+                    <a:lstStyle/>
                     <a:p>
                       <a:pPr latinLnBrk="1">
                         <a:defRPr/>
@@ -11420,7 +12562,7 @@
                       <a:endParaRPr lang="ko-KR" altLang="en-US"/>
                     </a:p>
                   </a:txBody>
-                  <a:tcPr marL="91440" marR="91440">
+                  <a:tcPr>
                     <a:lnL w="12700" cap="flat" cmpd="sng" algn="ctr">
                       <a:solidFill>
                         <a:schemeClr val="bg1"/>
@@ -11467,7 +12609,8 @@
                 </a:tc>
                 <a:tc>
                   <a:txBody>
-                    <a:bodyPr vert="horz" lIns="91440" tIns="45720" rIns="91440" bIns="45720" anchor="t" anchorCtr="0"/>
+                    <a:bodyPr/>
+                    <a:lstStyle/>
                     <a:p>
                       <a:pPr latinLnBrk="1">
                         <a:defRPr/>
@@ -11475,7 +12618,7 @@
                       <a:endParaRPr lang="ko-KR" altLang="en-US"/>
                     </a:p>
                   </a:txBody>
-                  <a:tcPr marL="91440" marR="91440">
+                  <a:tcPr>
                     <a:lnL w="12700" cap="flat" cmpd="sng" algn="ctr">
                       <a:solidFill>
                         <a:schemeClr val="bg1"/>
@@ -11522,7 +12665,8 @@
                 </a:tc>
                 <a:tc>
                   <a:txBody>
-                    <a:bodyPr vert="horz" lIns="91440" tIns="45720" rIns="91440" bIns="45720" anchor="t" anchorCtr="0"/>
+                    <a:bodyPr/>
+                    <a:lstStyle/>
                     <a:p>
                       <a:pPr latinLnBrk="1">
                         <a:defRPr/>
@@ -11530,7 +12674,7 @@
                       <a:endParaRPr lang="ko-KR" altLang="en-US"/>
                     </a:p>
                   </a:txBody>
-                  <a:tcPr marL="91440" marR="91440">
+                  <a:tcPr>
                     <a:lnL w="12700" cap="flat" cmpd="sng" algn="ctr">
                       <a:solidFill>
                         <a:schemeClr val="bg1"/>
@@ -11577,7 +12721,8 @@
                 </a:tc>
                 <a:tc>
                   <a:txBody>
-                    <a:bodyPr vert="horz" lIns="91440" tIns="45720" rIns="91440" bIns="45720" anchor="t" anchorCtr="0"/>
+                    <a:bodyPr/>
+                    <a:lstStyle/>
                     <a:p>
                       <a:pPr latinLnBrk="1">
                         <a:defRPr/>
@@ -11585,7 +12730,7 @@
                       <a:endParaRPr lang="ko-KR" altLang="en-US"/>
                     </a:p>
                   </a:txBody>
-                  <a:tcPr marL="91440" marR="91440">
+                  <a:tcPr>
                     <a:lnL w="12700" cap="flat" cmpd="sng" algn="ctr">
                       <a:solidFill>
                         <a:schemeClr val="bg1"/>
@@ -11632,7 +12777,8 @@
                 </a:tc>
                 <a:tc>
                   <a:txBody>
-                    <a:bodyPr vert="horz" lIns="91440" tIns="45720" rIns="91440" bIns="45720" anchor="t" anchorCtr="0"/>
+                    <a:bodyPr/>
+                    <a:lstStyle/>
                     <a:p>
                       <a:pPr latinLnBrk="1">
                         <a:defRPr/>
@@ -11640,7 +12786,7 @@
                       <a:endParaRPr lang="ko-KR" altLang="en-US"/>
                     </a:p>
                   </a:txBody>
-                  <a:tcPr marL="91440" marR="91440">
+                  <a:tcPr>
                     <a:lnL w="12700" cap="flat" cmpd="sng" algn="ctr">
                       <a:solidFill>
                         <a:schemeClr val="bg1"/>
@@ -11687,7 +12833,8 @@
                 </a:tc>
                 <a:tc>
                   <a:txBody>
-                    <a:bodyPr vert="horz" lIns="91440" tIns="45720" rIns="91440" bIns="45720" anchor="t" anchorCtr="0"/>
+                    <a:bodyPr/>
+                    <a:lstStyle/>
                     <a:p>
                       <a:pPr latinLnBrk="1">
                         <a:defRPr/>
@@ -11695,7 +12842,7 @@
                       <a:endParaRPr lang="ko-KR" altLang="en-US"/>
                     </a:p>
                   </a:txBody>
-                  <a:tcPr marL="91440" marR="91440">
+                  <a:tcPr>
                     <a:lnL w="12700" cap="flat" cmpd="sng" algn="ctr">
                       <a:solidFill>
                         <a:schemeClr val="bg1"/>
@@ -11740,11 +12887,17 @@
                     </a:solidFill>
                   </a:tcPr>
                 </a:tc>
+                <a:extLst>
+                  <a:ext uri="{0D108BD9-81ED-4DB2-BD59-A6C34878D82A}">
+                    <a16:rowId xmlns:a16="http://schemas.microsoft.com/office/drawing/2014/main" val="10003"/>
+                  </a:ext>
+                </a:extLst>
               </a:tr>
               <a:tr h="522360">
                 <a:tc>
                   <a:txBody>
-                    <a:bodyPr vert="horz" lIns="91440" tIns="45720" rIns="91440" bIns="45720" anchor="t" anchorCtr="0"/>
+                    <a:bodyPr/>
+                    <a:lstStyle/>
                     <a:p>
                       <a:pPr algn="ctr" latinLnBrk="1">
                         <a:defRPr/>
@@ -11753,10 +12906,9 @@
                         <a:rPr lang="ko-KR" altLang="en-US" sz="2000" b="0"/>
                         <a:t>서버 동기화</a:t>
                       </a:r>
-                      <a:endParaRPr lang="ko-KR" altLang="en-US" sz="2000" b="0"/>
                     </a:p>
                   </a:txBody>
-                  <a:tcPr marL="91440" marR="91440">
+                  <a:tcPr>
                     <a:lnL w="28575" cap="flat" cmpd="sng" algn="ctr">
                       <a:solidFill>
                         <a:schemeClr val="bg1"/>
@@ -11803,7 +12955,8 @@
                 </a:tc>
                 <a:tc>
                   <a:txBody>
-                    <a:bodyPr vert="horz" lIns="91440" tIns="45720" rIns="91440" bIns="45720" anchor="t" anchorCtr="0"/>
+                    <a:bodyPr/>
+                    <a:lstStyle/>
                     <a:p>
                       <a:pPr latinLnBrk="1">
                         <a:defRPr/>
@@ -11811,7 +12964,7 @@
                       <a:endParaRPr lang="ko-KR" altLang="en-US"/>
                     </a:p>
                   </a:txBody>
-                  <a:tcPr marL="91440" marR="91440">
+                  <a:tcPr>
                     <a:lnL w="12700" cap="flat" cmpd="sng" algn="ctr">
                       <a:solidFill>
                         <a:schemeClr val="bg1"/>
@@ -11858,7 +13011,8 @@
                 </a:tc>
                 <a:tc>
                   <a:txBody>
-                    <a:bodyPr vert="horz" lIns="91440" tIns="45720" rIns="91440" bIns="45720" anchor="t" anchorCtr="0"/>
+                    <a:bodyPr/>
+                    <a:lstStyle/>
                     <a:p>
                       <a:pPr latinLnBrk="1">
                         <a:defRPr/>
@@ -11866,7 +13020,7 @@
                       <a:endParaRPr lang="ko-KR" altLang="en-US"/>
                     </a:p>
                   </a:txBody>
-                  <a:tcPr marL="91440" marR="91440">
+                  <a:tcPr>
                     <a:lnL w="12700" cap="flat" cmpd="sng" algn="ctr">
                       <a:solidFill>
                         <a:schemeClr val="bg1"/>
@@ -11913,7 +13067,8 @@
                 </a:tc>
                 <a:tc>
                   <a:txBody>
-                    <a:bodyPr vert="horz" lIns="91440" tIns="45720" rIns="91440" bIns="45720" anchor="t" anchorCtr="0"/>
+                    <a:bodyPr/>
+                    <a:lstStyle/>
                     <a:p>
                       <a:pPr latinLnBrk="1">
                         <a:defRPr/>
@@ -11921,7 +13076,7 @@
                       <a:endParaRPr lang="ko-KR" altLang="en-US"/>
                     </a:p>
                   </a:txBody>
-                  <a:tcPr marL="91440" marR="91440">
+                  <a:tcPr>
                     <a:lnL w="12700" cap="flat" cmpd="sng" algn="ctr">
                       <a:solidFill>
                         <a:schemeClr val="bg1"/>
@@ -11968,7 +13123,8 @@
                 </a:tc>
                 <a:tc>
                   <a:txBody>
-                    <a:bodyPr vert="horz" lIns="91440" tIns="45720" rIns="91440" bIns="45720" anchor="t" anchorCtr="0"/>
+                    <a:bodyPr/>
+                    <a:lstStyle/>
                     <a:p>
                       <a:pPr latinLnBrk="1">
                         <a:defRPr/>
@@ -11976,7 +13132,7 @@
                       <a:endParaRPr lang="ko-KR" altLang="en-US"/>
                     </a:p>
                   </a:txBody>
-                  <a:tcPr marL="91440" marR="91440">
+                  <a:tcPr>
                     <a:lnL w="12700" cap="flat" cmpd="sng" algn="ctr">
                       <a:solidFill>
                         <a:schemeClr val="bg1"/>
@@ -12023,7 +13179,8 @@
                 </a:tc>
                 <a:tc>
                   <a:txBody>
-                    <a:bodyPr vert="horz" lIns="91440" tIns="45720" rIns="91440" bIns="45720" anchor="t" anchorCtr="0"/>
+                    <a:bodyPr/>
+                    <a:lstStyle/>
                     <a:p>
                       <a:pPr latinLnBrk="1">
                         <a:defRPr/>
@@ -12031,7 +13188,7 @@
                       <a:endParaRPr lang="ko-KR" altLang="en-US"/>
                     </a:p>
                   </a:txBody>
-                  <a:tcPr marL="91440" marR="91440">
+                  <a:tcPr>
                     <a:lnL w="12700" cap="flat" cmpd="sng" algn="ctr">
                       <a:solidFill>
                         <a:schemeClr val="bg1"/>
@@ -12069,13 +13226,14 @@
                       <a:tailEnd w="med" len="med"/>
                     </a:lnB>
                     <a:solidFill>
-                      <a:srgbClr val="ffc000"/>
+                      <a:srgbClr val="FFC000"/>
                     </a:solidFill>
                   </a:tcPr>
                 </a:tc>
                 <a:tc>
                   <a:txBody>
-                    <a:bodyPr vert="horz" lIns="91440" tIns="45720" rIns="91440" bIns="45720" anchor="t" anchorCtr="0"/>
+                    <a:bodyPr/>
+                    <a:lstStyle/>
                     <a:p>
                       <a:pPr latinLnBrk="1">
                         <a:defRPr/>
@@ -12083,7 +13241,7 @@
                       <a:endParaRPr lang="ko-KR" altLang="en-US"/>
                     </a:p>
                   </a:txBody>
-                  <a:tcPr marL="91440" marR="91440">
+                  <a:tcPr>
                     <a:lnL w="12700" cap="flat" cmpd="sng" algn="ctr">
                       <a:solidFill>
                         <a:schemeClr val="bg1"/>
@@ -12121,13 +13279,14 @@
                       <a:tailEnd w="med" len="med"/>
                     </a:lnB>
                     <a:solidFill>
-                      <a:srgbClr val="ffc000"/>
+                      <a:srgbClr val="FFC000"/>
                     </a:solidFill>
                   </a:tcPr>
                 </a:tc>
                 <a:tc>
                   <a:txBody>
-                    <a:bodyPr vert="horz" lIns="91440" tIns="45720" rIns="91440" bIns="45720" anchor="t" anchorCtr="0"/>
+                    <a:bodyPr/>
+                    <a:lstStyle/>
                     <a:p>
                       <a:pPr latinLnBrk="1">
                         <a:defRPr/>
@@ -12135,7 +13294,7 @@
                       <a:endParaRPr lang="ko-KR" altLang="en-US"/>
                     </a:p>
                   </a:txBody>
-                  <a:tcPr marL="91440" marR="91440">
+                  <a:tcPr>
                     <a:lnL w="12700" cap="flat" cmpd="sng" algn="ctr">
                       <a:solidFill>
                         <a:schemeClr val="bg1"/>
@@ -12182,7 +13341,8 @@
                 </a:tc>
                 <a:tc>
                   <a:txBody>
-                    <a:bodyPr vert="horz" lIns="91440" tIns="45720" rIns="91440" bIns="45720" anchor="t" anchorCtr="0"/>
+                    <a:bodyPr/>
+                    <a:lstStyle/>
                     <a:p>
                       <a:pPr latinLnBrk="1">
                         <a:defRPr/>
@@ -12190,7 +13350,7 @@
                       <a:endParaRPr lang="ko-KR" altLang="en-US"/>
                     </a:p>
                   </a:txBody>
-                  <a:tcPr marL="91440" marR="91440">
+                  <a:tcPr>
                     <a:lnL w="12700" cap="flat" cmpd="sng" algn="ctr">
                       <a:solidFill>
                         <a:schemeClr val="bg1"/>
@@ -12235,11 +13395,17 @@
                     </a:solidFill>
                   </a:tcPr>
                 </a:tc>
+                <a:extLst>
+                  <a:ext uri="{0D108BD9-81ED-4DB2-BD59-A6C34878D82A}">
+                    <a16:rowId xmlns:a16="http://schemas.microsoft.com/office/drawing/2014/main" val="10004"/>
+                  </a:ext>
+                </a:extLst>
               </a:tr>
               <a:tr h="534266">
                 <a:tc>
                   <a:txBody>
-                    <a:bodyPr vert="horz" lIns="91440" tIns="45720" rIns="91440" bIns="45720" anchor="t" anchorCtr="0"/>
+                    <a:bodyPr/>
+                    <a:lstStyle/>
                     <a:p>
                       <a:pPr algn="ctr" latinLnBrk="1">
                         <a:defRPr/>
@@ -12248,10 +13414,9 @@
                         <a:rPr lang="ko-KR" altLang="en-US" sz="2000" b="0"/>
                         <a:t>애니메이션</a:t>
                       </a:r>
-                      <a:endParaRPr lang="ko-KR" altLang="en-US" sz="2000" b="0"/>
                     </a:p>
                   </a:txBody>
-                  <a:tcPr marL="91440" marR="91440">
+                  <a:tcPr>
                     <a:lnL w="28575" cap="flat" cmpd="sng" algn="ctr">
                       <a:solidFill>
                         <a:schemeClr val="bg1"/>
@@ -12298,7 +13463,8 @@
                 </a:tc>
                 <a:tc>
                   <a:txBody>
-                    <a:bodyPr vert="horz" lIns="91440" tIns="45720" rIns="91440" bIns="45720" anchor="t" anchorCtr="0"/>
+                    <a:bodyPr/>
+                    <a:lstStyle/>
                     <a:p>
                       <a:pPr latinLnBrk="1">
                         <a:defRPr/>
@@ -12306,7 +13472,7 @@
                       <a:endParaRPr lang="ko-KR" altLang="en-US"/>
                     </a:p>
                   </a:txBody>
-                  <a:tcPr marL="91440" marR="91440">
+                  <a:tcPr>
                     <a:lnL w="12700" cap="flat" cmpd="sng" algn="ctr">
                       <a:solidFill>
                         <a:schemeClr val="bg1"/>
@@ -12344,13 +13510,14 @@
                       <a:tailEnd w="med" len="med"/>
                     </a:lnB>
                     <a:solidFill>
-                      <a:srgbClr val="ffc000"/>
+                      <a:srgbClr val="FFC000"/>
                     </a:solidFill>
                   </a:tcPr>
                 </a:tc>
                 <a:tc>
                   <a:txBody>
-                    <a:bodyPr vert="horz" lIns="91440" tIns="45720" rIns="91440" bIns="45720" anchor="t" anchorCtr="0"/>
+                    <a:bodyPr/>
+                    <a:lstStyle/>
                     <a:p>
                       <a:pPr latinLnBrk="1">
                         <a:defRPr/>
@@ -12358,7 +13525,7 @@
                       <a:endParaRPr lang="ko-KR" altLang="en-US"/>
                     </a:p>
                   </a:txBody>
-                  <a:tcPr marL="91440" marR="91440">
+                  <a:tcPr>
                     <a:lnL w="12700" cap="flat" cmpd="sng" algn="ctr">
                       <a:solidFill>
                         <a:schemeClr val="bg1"/>
@@ -12396,13 +13563,14 @@
                       <a:tailEnd w="med" len="med"/>
                     </a:lnB>
                     <a:solidFill>
-                      <a:srgbClr val="ffc000"/>
+                      <a:srgbClr val="FFC000"/>
                     </a:solidFill>
                   </a:tcPr>
                 </a:tc>
                 <a:tc>
                   <a:txBody>
-                    <a:bodyPr vert="horz" lIns="91440" tIns="45720" rIns="91440" bIns="45720" anchor="t" anchorCtr="0"/>
+                    <a:bodyPr/>
+                    <a:lstStyle/>
                     <a:p>
                       <a:pPr latinLnBrk="1">
                         <a:defRPr/>
@@ -12410,7 +13578,7 @@
                       <a:endParaRPr lang="ko-KR" altLang="en-US"/>
                     </a:p>
                   </a:txBody>
-                  <a:tcPr marL="91440" marR="91440">
+                  <a:tcPr>
                     <a:lnL w="12700" cap="flat" cmpd="sng" algn="ctr">
                       <a:solidFill>
                         <a:schemeClr val="bg1"/>
@@ -12448,13 +13616,14 @@
                       <a:tailEnd w="med" len="med"/>
                     </a:lnB>
                     <a:solidFill>
-                      <a:srgbClr val="ffc000"/>
+                      <a:srgbClr val="FFC000"/>
                     </a:solidFill>
                   </a:tcPr>
                 </a:tc>
                 <a:tc>
                   <a:txBody>
-                    <a:bodyPr vert="horz" lIns="91440" tIns="45720" rIns="91440" bIns="45720" anchor="t" anchorCtr="0"/>
+                    <a:bodyPr/>
+                    <a:lstStyle/>
                     <a:p>
                       <a:pPr latinLnBrk="1">
                         <a:defRPr/>
@@ -12462,7 +13631,7 @@
                       <a:endParaRPr lang="ko-KR" altLang="en-US"/>
                     </a:p>
                   </a:txBody>
-                  <a:tcPr marL="91440" marR="91440">
+                  <a:tcPr>
                     <a:lnL w="12700" cap="flat" cmpd="sng" algn="ctr">
                       <a:solidFill>
                         <a:schemeClr val="bg1"/>
@@ -12500,13 +13669,14 @@
                       <a:tailEnd w="med" len="med"/>
                     </a:lnB>
                     <a:solidFill>
-                      <a:srgbClr val="ffc000"/>
+                      <a:srgbClr val="FFC000"/>
                     </a:solidFill>
                   </a:tcPr>
                 </a:tc>
                 <a:tc>
                   <a:txBody>
-                    <a:bodyPr vert="horz" lIns="91440" tIns="45720" rIns="91440" bIns="45720" anchor="t" anchorCtr="0"/>
+                    <a:bodyPr/>
+                    <a:lstStyle/>
                     <a:p>
                       <a:pPr latinLnBrk="1">
                         <a:defRPr/>
@@ -12514,7 +13684,7 @@
                       <a:endParaRPr lang="ko-KR" altLang="en-US"/>
                     </a:p>
                   </a:txBody>
-                  <a:tcPr marL="91440" marR="91440">
+                  <a:tcPr>
                     <a:lnL w="12700" cap="flat" cmpd="sng" algn="ctr">
                       <a:solidFill>
                         <a:schemeClr val="bg1"/>
@@ -12561,7 +13731,8 @@
                 </a:tc>
                 <a:tc>
                   <a:txBody>
-                    <a:bodyPr vert="horz" lIns="91440" tIns="45720" rIns="91440" bIns="45720" anchor="t" anchorCtr="0"/>
+                    <a:bodyPr/>
+                    <a:lstStyle/>
                     <a:p>
                       <a:pPr latinLnBrk="1">
                         <a:defRPr/>
@@ -12569,7 +13740,7 @@
                       <a:endParaRPr lang="ko-KR" altLang="en-US"/>
                     </a:p>
                   </a:txBody>
-                  <a:tcPr marL="91440" marR="91440">
+                  <a:tcPr>
                     <a:lnL w="12700" cap="flat" cmpd="sng" algn="ctr">
                       <a:solidFill>
                         <a:schemeClr val="bg1"/>
@@ -12616,7 +13787,8 @@
                 </a:tc>
                 <a:tc>
                   <a:txBody>
-                    <a:bodyPr vert="horz" lIns="91440" tIns="45720" rIns="91440" bIns="45720" anchor="t" anchorCtr="0"/>
+                    <a:bodyPr/>
+                    <a:lstStyle/>
                     <a:p>
                       <a:pPr latinLnBrk="1">
                         <a:defRPr/>
@@ -12624,7 +13796,7 @@
                       <a:endParaRPr lang="ko-KR" altLang="en-US"/>
                     </a:p>
                   </a:txBody>
-                  <a:tcPr marL="91440" marR="91440">
+                  <a:tcPr>
                     <a:lnL w="12700" cap="flat" cmpd="sng" algn="ctr">
                       <a:solidFill>
                         <a:schemeClr val="bg1"/>
@@ -12671,7 +13843,8 @@
                 </a:tc>
                 <a:tc>
                   <a:txBody>
-                    <a:bodyPr vert="horz" lIns="91440" tIns="45720" rIns="91440" bIns="45720" anchor="t" anchorCtr="0"/>
+                    <a:bodyPr/>
+                    <a:lstStyle/>
                     <a:p>
                       <a:pPr latinLnBrk="1">
                         <a:defRPr/>
@@ -12679,7 +13852,7 @@
                       <a:endParaRPr lang="ko-KR" altLang="en-US"/>
                     </a:p>
                   </a:txBody>
-                  <a:tcPr marL="91440" marR="91440">
+                  <a:tcPr>
                     <a:lnL w="12700" cap="flat" cmpd="sng" algn="ctr">
                       <a:solidFill>
                         <a:schemeClr val="bg1"/>
@@ -12724,11 +13897,17 @@
                     </a:solidFill>
                   </a:tcPr>
                 </a:tc>
+                <a:extLst>
+                  <a:ext uri="{0D108BD9-81ED-4DB2-BD59-A6C34878D82A}">
+                    <a16:rowId xmlns:a16="http://schemas.microsoft.com/office/drawing/2014/main" val="10005"/>
+                  </a:ext>
+                </a:extLst>
               </a:tr>
               <a:tr h="522360">
                 <a:tc>
                   <a:txBody>
-                    <a:bodyPr vert="horz" lIns="91440" tIns="45720" rIns="91440" bIns="45720" anchor="t" anchorCtr="0"/>
+                    <a:bodyPr/>
+                    <a:lstStyle/>
                     <a:p>
                       <a:pPr algn="ctr" latinLnBrk="1">
                         <a:defRPr/>
@@ -12745,10 +13924,9 @@
                         <a:rPr lang="ko-KR" altLang="en-US" sz="2000" b="0"/>
                         <a:t>그림자</a:t>
                       </a:r>
-                      <a:endParaRPr lang="ko-KR" altLang="en-US" sz="2000" b="0"/>
                     </a:p>
                   </a:txBody>
-                  <a:tcPr marL="91440" marR="91440">
+                  <a:tcPr>
                     <a:lnL w="28575" cap="flat" cmpd="sng" algn="ctr">
                       <a:solidFill>
                         <a:schemeClr val="bg1"/>
@@ -12795,7 +13973,8 @@
                 </a:tc>
                 <a:tc>
                   <a:txBody>
-                    <a:bodyPr vert="horz" lIns="91440" tIns="45720" rIns="91440" bIns="45720" anchor="t" anchorCtr="0"/>
+                    <a:bodyPr/>
+                    <a:lstStyle/>
                     <a:p>
                       <a:pPr latinLnBrk="1">
                         <a:defRPr/>
@@ -12803,7 +13982,7 @@
                       <a:endParaRPr lang="ko-KR" altLang="en-US"/>
                     </a:p>
                   </a:txBody>
-                  <a:tcPr marL="91440" marR="91440">
+                  <a:tcPr>
                     <a:lnL w="12700" cap="flat" cmpd="sng" algn="ctr">
                       <a:solidFill>
                         <a:schemeClr val="bg1"/>
@@ -12841,13 +14020,14 @@
                       <a:tailEnd w="med" len="med"/>
                     </a:lnB>
                     <a:solidFill>
-                      <a:srgbClr val="e1bbeb"/>
+                      <a:srgbClr val="E1BBEB"/>
                     </a:solidFill>
                   </a:tcPr>
                 </a:tc>
                 <a:tc>
                   <a:txBody>
-                    <a:bodyPr vert="horz" lIns="91440" tIns="45720" rIns="91440" bIns="45720" anchor="t" anchorCtr="0"/>
+                    <a:bodyPr/>
+                    <a:lstStyle/>
                     <a:p>
                       <a:pPr latinLnBrk="1">
                         <a:defRPr/>
@@ -12855,7 +14035,7 @@
                       <a:endParaRPr lang="ko-KR" altLang="en-US"/>
                     </a:p>
                   </a:txBody>
-                  <a:tcPr marL="91440" marR="91440">
+                  <a:tcPr>
                     <a:lnL w="12700" cap="flat" cmpd="sng" algn="ctr">
                       <a:solidFill>
                         <a:schemeClr val="bg1"/>
@@ -12893,13 +14073,14 @@
                       <a:tailEnd w="med" len="med"/>
                     </a:lnB>
                     <a:solidFill>
-                      <a:srgbClr val="e1bbeb"/>
+                      <a:srgbClr val="E1BBEB"/>
                     </a:solidFill>
                   </a:tcPr>
                 </a:tc>
                 <a:tc>
                   <a:txBody>
-                    <a:bodyPr vert="horz" lIns="91440" tIns="45720" rIns="91440" bIns="45720" anchor="t" anchorCtr="0"/>
+                    <a:bodyPr/>
+                    <a:lstStyle/>
                     <a:p>
                       <a:pPr latinLnBrk="1">
                         <a:defRPr/>
@@ -12907,7 +14088,7 @@
                       <a:endParaRPr lang="ko-KR" altLang="en-US"/>
                     </a:p>
                   </a:txBody>
-                  <a:tcPr marL="91440" marR="91440">
+                  <a:tcPr>
                     <a:lnL w="12700" cap="flat" cmpd="sng" algn="ctr">
                       <a:solidFill>
                         <a:schemeClr val="bg1"/>
@@ -12945,13 +14126,14 @@
                       <a:tailEnd w="med" len="med"/>
                     </a:lnB>
                     <a:solidFill>
-                      <a:srgbClr val="e1bbeb"/>
+                      <a:srgbClr val="E1BBEB"/>
                     </a:solidFill>
                   </a:tcPr>
                 </a:tc>
                 <a:tc>
                   <a:txBody>
-                    <a:bodyPr vert="horz" lIns="91440" tIns="45720" rIns="91440" bIns="45720" anchor="t" anchorCtr="0"/>
+                    <a:bodyPr/>
+                    <a:lstStyle/>
                     <a:p>
                       <a:pPr latinLnBrk="1">
                         <a:defRPr/>
@@ -12959,7 +14141,7 @@
                       <a:endParaRPr lang="ko-KR" altLang="en-US"/>
                     </a:p>
                   </a:txBody>
-                  <a:tcPr marL="91440" marR="91440">
+                  <a:tcPr>
                     <a:lnL w="12700" cap="flat" cmpd="sng" algn="ctr">
                       <a:solidFill>
                         <a:schemeClr val="bg1"/>
@@ -13006,7 +14188,8 @@
                 </a:tc>
                 <a:tc>
                   <a:txBody>
-                    <a:bodyPr vert="horz" lIns="91440" tIns="45720" rIns="91440" bIns="45720" anchor="t" anchorCtr="0"/>
+                    <a:bodyPr/>
+                    <a:lstStyle/>
                     <a:p>
                       <a:pPr latinLnBrk="1">
                         <a:defRPr/>
@@ -13014,7 +14197,7 @@
                       <a:endParaRPr lang="ko-KR" altLang="en-US"/>
                     </a:p>
                   </a:txBody>
-                  <a:tcPr marL="91440" marR="91440">
+                  <a:tcPr>
                     <a:lnL w="12700" cap="flat" cmpd="sng" algn="ctr">
                       <a:solidFill>
                         <a:schemeClr val="bg1"/>
@@ -13061,7 +14244,8 @@
                 </a:tc>
                 <a:tc>
                   <a:txBody>
-                    <a:bodyPr vert="horz" lIns="91440" tIns="45720" rIns="91440" bIns="45720" anchor="t" anchorCtr="0"/>
+                    <a:bodyPr/>
+                    <a:lstStyle/>
                     <a:p>
                       <a:pPr latinLnBrk="1">
                         <a:defRPr/>
@@ -13069,7 +14253,7 @@
                       <a:endParaRPr lang="ko-KR" altLang="en-US"/>
                     </a:p>
                   </a:txBody>
-                  <a:tcPr marL="91440" marR="91440">
+                  <a:tcPr>
                     <a:lnL w="12700" cap="flat" cmpd="sng" algn="ctr">
                       <a:solidFill>
                         <a:schemeClr val="bg1"/>
@@ -13116,7 +14300,8 @@
                 </a:tc>
                 <a:tc>
                   <a:txBody>
-                    <a:bodyPr vert="horz" lIns="91440" tIns="45720" rIns="91440" bIns="45720" anchor="t" anchorCtr="0"/>
+                    <a:bodyPr/>
+                    <a:lstStyle/>
                     <a:p>
                       <a:pPr latinLnBrk="1">
                         <a:defRPr/>
@@ -13124,7 +14309,7 @@
                       <a:endParaRPr lang="ko-KR" altLang="en-US"/>
                     </a:p>
                   </a:txBody>
-                  <a:tcPr marL="91440" marR="91440">
+                  <a:tcPr>
                     <a:lnL w="12700" cap="flat" cmpd="sng" algn="ctr">
                       <a:solidFill>
                         <a:schemeClr val="bg1"/>
@@ -13171,7 +14356,8 @@
                 </a:tc>
                 <a:tc>
                   <a:txBody>
-                    <a:bodyPr vert="horz" lIns="91440" tIns="45720" rIns="91440" bIns="45720" anchor="t" anchorCtr="0"/>
+                    <a:bodyPr/>
+                    <a:lstStyle/>
                     <a:p>
                       <a:pPr latinLnBrk="1">
                         <a:defRPr/>
@@ -13179,7 +14365,7 @@
                       <a:endParaRPr lang="ko-KR" altLang="en-US"/>
                     </a:p>
                   </a:txBody>
-                  <a:tcPr marL="91440" marR="91440">
+                  <a:tcPr>
                     <a:lnL w="12700" cap="flat" cmpd="sng" algn="ctr">
                       <a:solidFill>
                         <a:schemeClr val="bg1"/>
@@ -13224,11 +14410,17 @@
                     </a:solidFill>
                   </a:tcPr>
                 </a:tc>
+                <a:extLst>
+                  <a:ext uri="{0D108BD9-81ED-4DB2-BD59-A6C34878D82A}">
+                    <a16:rowId xmlns:a16="http://schemas.microsoft.com/office/drawing/2014/main" val="10006"/>
+                  </a:ext>
+                </a:extLst>
               </a:tr>
               <a:tr h="522360">
                 <a:tc>
                   <a:txBody>
-                    <a:bodyPr vert="horz" lIns="91440" tIns="45720" rIns="91440" bIns="45720" anchor="t" anchorCtr="0"/>
+                    <a:bodyPr/>
+                    <a:lstStyle/>
                     <a:p>
                       <a:pPr algn="ctr" latinLnBrk="1">
                         <a:defRPr/>
@@ -13245,10 +14437,9 @@
                         <a:rPr lang="ko-KR" altLang="en-US" sz="2000" b="0"/>
                         <a:t>퀘스트</a:t>
                       </a:r>
-                      <a:endParaRPr lang="ko-KR" altLang="en-US" sz="2000" b="0"/>
                     </a:p>
                   </a:txBody>
-                  <a:tcPr marL="91440" marR="91440">
+                  <a:tcPr>
                     <a:lnL w="28575" cap="flat" cmpd="sng" algn="ctr">
                       <a:solidFill>
                         <a:schemeClr val="bg1"/>
@@ -13295,7 +14486,8 @@
                 </a:tc>
                 <a:tc>
                   <a:txBody>
-                    <a:bodyPr vert="horz" lIns="91440" tIns="45720" rIns="91440" bIns="45720" anchor="t" anchorCtr="0"/>
+                    <a:bodyPr/>
+                    <a:lstStyle/>
                     <a:p>
                       <a:pPr latinLnBrk="1">
                         <a:defRPr/>
@@ -13303,7 +14495,7 @@
                       <a:endParaRPr lang="ko-KR" altLang="en-US"/>
                     </a:p>
                   </a:txBody>
-                  <a:tcPr marL="91440" marR="91440">
+                  <a:tcPr>
                     <a:lnL w="12700" cap="flat" cmpd="sng" algn="ctr">
                       <a:solidFill>
                         <a:schemeClr val="bg1"/>
@@ -13350,7 +14542,8 @@
                 </a:tc>
                 <a:tc>
                   <a:txBody>
-                    <a:bodyPr vert="horz" lIns="91440" tIns="45720" rIns="91440" bIns="45720" anchor="t" anchorCtr="0"/>
+                    <a:bodyPr/>
+                    <a:lstStyle/>
                     <a:p>
                       <a:pPr latinLnBrk="1">
                         <a:defRPr/>
@@ -13358,7 +14551,7 @@
                       <a:endParaRPr lang="ko-KR" altLang="en-US"/>
                     </a:p>
                   </a:txBody>
-                  <a:tcPr marL="91440" marR="91440">
+                  <a:tcPr>
                     <a:lnL w="12700" cap="flat" cmpd="sng" algn="ctr">
                       <a:solidFill>
                         <a:schemeClr val="bg1"/>
@@ -13405,7 +14598,8 @@
                 </a:tc>
                 <a:tc>
                   <a:txBody>
-                    <a:bodyPr vert="horz" lIns="91440" tIns="45720" rIns="91440" bIns="45720" anchor="t" anchorCtr="0"/>
+                    <a:bodyPr/>
+                    <a:lstStyle/>
                     <a:p>
                       <a:pPr latinLnBrk="1">
                         <a:defRPr/>
@@ -13413,7 +14607,7 @@
                       <a:endParaRPr lang="ko-KR" altLang="en-US"/>
                     </a:p>
                   </a:txBody>
-                  <a:tcPr marL="91440" marR="91440">
+                  <a:tcPr>
                     <a:lnL w="12700" cap="flat" cmpd="sng" algn="ctr">
                       <a:solidFill>
                         <a:schemeClr val="bg1"/>
@@ -13460,7 +14654,8 @@
                 </a:tc>
                 <a:tc>
                   <a:txBody>
-                    <a:bodyPr vert="horz" lIns="91440" tIns="45720" rIns="91440" bIns="45720" anchor="t" anchorCtr="0"/>
+                    <a:bodyPr/>
+                    <a:lstStyle/>
                     <a:p>
                       <a:pPr latinLnBrk="1">
                         <a:defRPr/>
@@ -13468,7 +14663,7 @@
                       <a:endParaRPr lang="ko-KR" altLang="en-US"/>
                     </a:p>
                   </a:txBody>
-                  <a:tcPr marL="91440" marR="91440">
+                  <a:tcPr>
                     <a:lnL w="12700" cap="flat" cmpd="sng" algn="ctr">
                       <a:solidFill>
                         <a:schemeClr val="bg1"/>
@@ -13506,13 +14701,14 @@
                       <a:tailEnd w="med" len="med"/>
                     </a:lnB>
                     <a:solidFill>
-                      <a:srgbClr val="ffc000"/>
+                      <a:srgbClr val="FFC000"/>
                     </a:solidFill>
                   </a:tcPr>
                 </a:tc>
                 <a:tc>
                   <a:txBody>
-                    <a:bodyPr vert="horz" lIns="91440" tIns="45720" rIns="91440" bIns="45720" anchor="t" anchorCtr="0"/>
+                    <a:bodyPr/>
+                    <a:lstStyle/>
                     <a:p>
                       <a:pPr latinLnBrk="1">
                         <a:defRPr/>
@@ -13520,7 +14716,7 @@
                       <a:endParaRPr lang="ko-KR" altLang="en-US"/>
                     </a:p>
                   </a:txBody>
-                  <a:tcPr marL="91440" marR="91440">
+                  <a:tcPr>
                     <a:lnL w="12700" cap="flat" cmpd="sng" algn="ctr">
                       <a:solidFill>
                         <a:schemeClr val="bg1"/>
@@ -13558,13 +14754,14 @@
                       <a:tailEnd w="med" len="med"/>
                     </a:lnB>
                     <a:solidFill>
-                      <a:srgbClr val="ffc000"/>
+                      <a:srgbClr val="FFC000"/>
                     </a:solidFill>
                   </a:tcPr>
                 </a:tc>
                 <a:tc>
                   <a:txBody>
-                    <a:bodyPr vert="horz" lIns="91440" tIns="45720" rIns="91440" bIns="45720" anchor="t" anchorCtr="0"/>
+                    <a:bodyPr/>
+                    <a:lstStyle/>
                     <a:p>
                       <a:pPr latinLnBrk="1">
                         <a:defRPr/>
@@ -13572,7 +14769,7 @@
                       <a:endParaRPr lang="ko-KR" altLang="en-US"/>
                     </a:p>
                   </a:txBody>
-                  <a:tcPr marL="91440" marR="91440">
+                  <a:tcPr>
                     <a:lnL w="12700" cap="flat" cmpd="sng" algn="ctr">
                       <a:solidFill>
                         <a:schemeClr val="bg1"/>
@@ -13610,13 +14807,14 @@
                       <a:tailEnd w="med" len="med"/>
                     </a:lnB>
                     <a:solidFill>
-                      <a:srgbClr val="93cc60"/>
+                      <a:srgbClr val="93CC60"/>
                     </a:solidFill>
                   </a:tcPr>
                 </a:tc>
                 <a:tc>
                   <a:txBody>
-                    <a:bodyPr vert="horz" lIns="91440" tIns="45720" rIns="91440" bIns="45720" anchor="t" anchorCtr="0"/>
+                    <a:bodyPr/>
+                    <a:lstStyle/>
                     <a:p>
                       <a:pPr latinLnBrk="1">
                         <a:defRPr/>
@@ -13624,7 +14822,7 @@
                       <a:endParaRPr lang="ko-KR" altLang="en-US"/>
                     </a:p>
                   </a:txBody>
-                  <a:tcPr marL="91440" marR="91440">
+                  <a:tcPr>
                     <a:lnL w="12700" cap="flat" cmpd="sng" algn="ctr">
                       <a:solidFill>
                         <a:schemeClr val="bg1"/>
@@ -13662,13 +14860,14 @@
                       <a:tailEnd w="med" len="med"/>
                     </a:lnB>
                     <a:solidFill>
-                      <a:srgbClr val="93cc60"/>
+                      <a:srgbClr val="93CC60"/>
                     </a:solidFill>
                   </a:tcPr>
                 </a:tc>
                 <a:tc>
                   <a:txBody>
-                    <a:bodyPr vert="horz" lIns="91440" tIns="45720" rIns="91440" bIns="45720" anchor="t" anchorCtr="0"/>
+                    <a:bodyPr/>
+                    <a:lstStyle/>
                     <a:p>
                       <a:pPr latinLnBrk="1">
                         <a:defRPr/>
@@ -13676,7 +14875,7 @@
                       <a:endParaRPr lang="ko-KR" altLang="en-US"/>
                     </a:p>
                   </a:txBody>
-                  <a:tcPr marL="91440" marR="91440">
+                  <a:tcPr>
                     <a:lnL w="12700" cap="flat" cmpd="sng" algn="ctr">
                       <a:solidFill>
                         <a:schemeClr val="bg1"/>
@@ -13721,11 +14920,17 @@
                     </a:solidFill>
                   </a:tcPr>
                 </a:tc>
+                <a:extLst>
+                  <a:ext uri="{0D108BD9-81ED-4DB2-BD59-A6C34878D82A}">
+                    <a16:rowId xmlns:a16="http://schemas.microsoft.com/office/drawing/2014/main" val="10007"/>
+                  </a:ext>
+                </a:extLst>
               </a:tr>
               <a:tr h="522360">
                 <a:tc>
                   <a:txBody>
-                    <a:bodyPr vert="horz" lIns="91440" tIns="45720" rIns="91440" bIns="45720" anchor="t" anchorCtr="0"/>
+                    <a:bodyPr/>
+                    <a:lstStyle/>
                     <a:p>
                       <a:pPr algn="ctr" latinLnBrk="1">
                         <a:defRPr/>
@@ -13738,10 +14943,9 @@
                         <a:rPr lang="ko-KR" altLang="en-US" sz="2000" b="0"/>
                         <a:t>이펙트</a:t>
                       </a:r>
-                      <a:endParaRPr lang="ko-KR" altLang="en-US" sz="2000" b="0"/>
                     </a:p>
                   </a:txBody>
-                  <a:tcPr marL="91440" marR="91440">
+                  <a:tcPr>
                     <a:lnL w="28575" cap="flat" cmpd="sng" algn="ctr">
                       <a:solidFill>
                         <a:schemeClr val="bg1"/>
@@ -13788,7 +14992,8 @@
                 </a:tc>
                 <a:tc>
                   <a:txBody>
-                    <a:bodyPr vert="horz" lIns="91440" tIns="45720" rIns="91440" bIns="45720" anchor="t" anchorCtr="0"/>
+                    <a:bodyPr/>
+                    <a:lstStyle/>
                     <a:p>
                       <a:pPr latinLnBrk="1">
                         <a:defRPr/>
@@ -13796,7 +15001,7 @@
                       <a:endParaRPr lang="ko-KR" altLang="en-US"/>
                     </a:p>
                   </a:txBody>
-                  <a:tcPr marL="91440" marR="91440">
+                  <a:tcPr>
                     <a:lnL w="12700" cap="flat" cmpd="sng" algn="ctr">
                       <a:solidFill>
                         <a:schemeClr val="bg1"/>
@@ -13843,7 +15048,8 @@
                 </a:tc>
                 <a:tc>
                   <a:txBody>
-                    <a:bodyPr vert="horz" lIns="91440" tIns="45720" rIns="91440" bIns="45720" anchor="t" anchorCtr="0"/>
+                    <a:bodyPr/>
+                    <a:lstStyle/>
                     <a:p>
                       <a:pPr latinLnBrk="1">
                         <a:defRPr/>
@@ -13851,7 +15057,7 @@
                       <a:endParaRPr lang="ko-KR" altLang="en-US"/>
                     </a:p>
                   </a:txBody>
-                  <a:tcPr marL="91440" marR="91440">
+                  <a:tcPr>
                     <a:lnL w="12700" cap="flat" cmpd="sng" algn="ctr">
                       <a:solidFill>
                         <a:schemeClr val="bg1"/>
@@ -13898,7 +15104,8 @@
                 </a:tc>
                 <a:tc>
                   <a:txBody>
-                    <a:bodyPr vert="horz" lIns="91440" tIns="45720" rIns="91440" bIns="45720" anchor="t" anchorCtr="0"/>
+                    <a:bodyPr/>
+                    <a:lstStyle/>
                     <a:p>
                       <a:pPr latinLnBrk="1">
                         <a:defRPr/>
@@ -13906,7 +15113,7 @@
                       <a:endParaRPr lang="ko-KR" altLang="en-US"/>
                     </a:p>
                   </a:txBody>
-                  <a:tcPr marL="91440" marR="91440">
+                  <a:tcPr>
                     <a:lnL w="12700" cap="flat" cmpd="sng" algn="ctr">
                       <a:solidFill>
                         <a:schemeClr val="bg1"/>
@@ -13953,7 +15160,8 @@
                 </a:tc>
                 <a:tc>
                   <a:txBody>
-                    <a:bodyPr vert="horz" lIns="91440" tIns="45720" rIns="91440" bIns="45720" anchor="t" anchorCtr="0"/>
+                    <a:bodyPr/>
+                    <a:lstStyle/>
                     <a:p>
                       <a:pPr latinLnBrk="1">
                         <a:defRPr/>
@@ -13961,7 +15169,7 @@
                       <a:endParaRPr lang="ko-KR" altLang="en-US"/>
                     </a:p>
                   </a:txBody>
-                  <a:tcPr marL="91440" marR="91440">
+                  <a:tcPr>
                     <a:lnL w="12700" cap="flat" cmpd="sng" algn="ctr">
                       <a:solidFill>
                         <a:schemeClr val="bg1"/>
@@ -13999,13 +15207,14 @@
                       <a:tailEnd w="med" len="med"/>
                     </a:lnB>
                     <a:solidFill>
-                      <a:srgbClr val="e1bbeb"/>
+                      <a:srgbClr val="E1BBEB"/>
                     </a:solidFill>
                   </a:tcPr>
                 </a:tc>
                 <a:tc>
                   <a:txBody>
-                    <a:bodyPr vert="horz" lIns="91440" tIns="45720" rIns="91440" bIns="45720" anchor="t" anchorCtr="0"/>
+                    <a:bodyPr/>
+                    <a:lstStyle/>
                     <a:p>
                       <a:pPr latinLnBrk="1">
                         <a:defRPr/>
@@ -14013,7 +15222,7 @@
                       <a:endParaRPr lang="ko-KR" altLang="en-US"/>
                     </a:p>
                   </a:txBody>
-                  <a:tcPr marL="91440" marR="91440">
+                  <a:tcPr>
                     <a:lnL w="12700" cap="flat" cmpd="sng" algn="ctr">
                       <a:solidFill>
                         <a:schemeClr val="bg1"/>
@@ -14051,13 +15260,14 @@
                       <a:tailEnd w="med" len="med"/>
                     </a:lnB>
                     <a:solidFill>
-                      <a:srgbClr val="e1bbeb"/>
+                      <a:srgbClr val="E1BBEB"/>
                     </a:solidFill>
                   </a:tcPr>
                 </a:tc>
                 <a:tc>
                   <a:txBody>
-                    <a:bodyPr vert="horz" lIns="91440" tIns="45720" rIns="91440" bIns="45720" anchor="t" anchorCtr="0"/>
+                    <a:bodyPr/>
+                    <a:lstStyle/>
                     <a:p>
                       <a:pPr latinLnBrk="1">
                         <a:defRPr/>
@@ -14065,7 +15275,7 @@
                       <a:endParaRPr lang="ko-KR" altLang="en-US"/>
                     </a:p>
                   </a:txBody>
-                  <a:tcPr marL="91440" marR="91440">
+                  <a:tcPr>
                     <a:lnL w="12700" cap="flat" cmpd="sng" algn="ctr">
                       <a:solidFill>
                         <a:schemeClr val="bg1"/>
@@ -14103,13 +15313,14 @@
                       <a:tailEnd w="med" len="med"/>
                     </a:lnB>
                     <a:solidFill>
-                      <a:srgbClr val="e1bbeb"/>
+                      <a:srgbClr val="E1BBEB"/>
                     </a:solidFill>
                   </a:tcPr>
                 </a:tc>
                 <a:tc>
                   <a:txBody>
-                    <a:bodyPr vert="horz" lIns="91440" tIns="45720" rIns="91440" bIns="45720" anchor="t" anchorCtr="0"/>
+                    <a:bodyPr/>
+                    <a:lstStyle/>
                     <a:p>
                       <a:pPr latinLnBrk="1">
                         <a:defRPr/>
@@ -14117,7 +15328,7 @@
                       <a:endParaRPr lang="ko-KR" altLang="en-US"/>
                     </a:p>
                   </a:txBody>
-                  <a:tcPr marL="91440" marR="91440">
+                  <a:tcPr>
                     <a:lnL w="12700" cap="flat" cmpd="sng" algn="ctr">
                       <a:solidFill>
                         <a:schemeClr val="bg1"/>
@@ -14155,13 +15366,14 @@
                       <a:tailEnd w="med" len="med"/>
                     </a:lnB>
                     <a:solidFill>
-                      <a:srgbClr val="93cc60"/>
+                      <a:srgbClr val="93CC60"/>
                     </a:solidFill>
                   </a:tcPr>
                 </a:tc>
                 <a:tc>
                   <a:txBody>
-                    <a:bodyPr vert="horz" lIns="91440" tIns="45720" rIns="91440" bIns="45720" anchor="t" anchorCtr="0"/>
+                    <a:bodyPr/>
+                    <a:lstStyle/>
                     <a:p>
                       <a:pPr latinLnBrk="1">
                         <a:defRPr/>
@@ -14169,7 +15381,7 @@
                       <a:endParaRPr lang="ko-KR" altLang="en-US"/>
                     </a:p>
                   </a:txBody>
-                  <a:tcPr marL="91440" marR="91440">
+                  <a:tcPr>
                     <a:lnL w="12700" cap="flat" cmpd="sng" algn="ctr">
                       <a:solidFill>
                         <a:schemeClr val="bg1"/>
@@ -14214,11 +15426,17 @@
                     </a:solidFill>
                   </a:tcPr>
                 </a:tc>
+                <a:extLst>
+                  <a:ext uri="{0D108BD9-81ED-4DB2-BD59-A6C34878D82A}">
+                    <a16:rowId xmlns:a16="http://schemas.microsoft.com/office/drawing/2014/main" val="10008"/>
+                  </a:ext>
+                </a:extLst>
               </a:tr>
               <a:tr h="522360">
                 <a:tc>
                   <a:txBody>
-                    <a:bodyPr vert="horz" lIns="91440" tIns="45720" rIns="91440" bIns="45720" anchor="t" anchorCtr="0"/>
+                    <a:bodyPr/>
+                    <a:lstStyle/>
                     <a:p>
                       <a:pPr algn="ctr" latinLnBrk="1">
                         <a:defRPr/>
@@ -14235,10 +15453,9 @@
                         <a:rPr lang="ko-KR" altLang="en-US" sz="2000" b="0"/>
                         <a:t>테스트</a:t>
                       </a:r>
-                      <a:endParaRPr lang="ko-KR" altLang="en-US" sz="2000" b="0"/>
                     </a:p>
                   </a:txBody>
-                  <a:tcPr marL="91440" marR="91440">
+                  <a:tcPr>
                     <a:lnL w="28575" cap="flat" cmpd="sng" algn="ctr">
                       <a:solidFill>
                         <a:schemeClr val="bg1"/>
@@ -14285,7 +15502,8 @@
                 </a:tc>
                 <a:tc>
                   <a:txBody>
-                    <a:bodyPr vert="horz" lIns="91440" tIns="45720" rIns="91440" bIns="45720" anchor="t" anchorCtr="0"/>
+                    <a:bodyPr/>
+                    <a:lstStyle/>
                     <a:p>
                       <a:pPr latinLnBrk="1">
                         <a:defRPr/>
@@ -14293,7 +15511,7 @@
                       <a:endParaRPr lang="ko-KR" altLang="en-US"/>
                     </a:p>
                   </a:txBody>
-                  <a:tcPr marL="91440" marR="91440">
+                  <a:tcPr>
                     <a:lnL w="12700" cap="flat" cmpd="sng" algn="ctr">
                       <a:solidFill>
                         <a:schemeClr val="bg1"/>
@@ -14340,7 +15558,8 @@
                 </a:tc>
                 <a:tc>
                   <a:txBody>
-                    <a:bodyPr vert="horz" lIns="91440" tIns="45720" rIns="91440" bIns="45720" anchor="t" anchorCtr="0"/>
+                    <a:bodyPr/>
+                    <a:lstStyle/>
                     <a:p>
                       <a:pPr latinLnBrk="1">
                         <a:defRPr/>
@@ -14348,7 +15567,7 @@
                       <a:endParaRPr lang="ko-KR" altLang="en-US"/>
                     </a:p>
                   </a:txBody>
-                  <a:tcPr marL="91440" marR="91440">
+                  <a:tcPr>
                     <a:lnL w="12700" cap="flat" cmpd="sng" algn="ctr">
                       <a:solidFill>
                         <a:schemeClr val="bg1"/>
@@ -14395,7 +15614,8 @@
                 </a:tc>
                 <a:tc>
                   <a:txBody>
-                    <a:bodyPr vert="horz" lIns="91440" tIns="45720" rIns="91440" bIns="45720" anchor="t" anchorCtr="0"/>
+                    <a:bodyPr/>
+                    <a:lstStyle/>
                     <a:p>
                       <a:pPr latinLnBrk="1">
                         <a:defRPr/>
@@ -14403,7 +15623,7 @@
                       <a:endParaRPr lang="ko-KR" altLang="en-US"/>
                     </a:p>
                   </a:txBody>
-                  <a:tcPr marL="91440" marR="91440">
+                  <a:tcPr>
                     <a:lnL w="12700" cap="flat" cmpd="sng" algn="ctr">
                       <a:solidFill>
                         <a:schemeClr val="bg1"/>
@@ -14450,7 +15670,8 @@
                 </a:tc>
                 <a:tc>
                   <a:txBody>
-                    <a:bodyPr vert="horz" lIns="91440" tIns="45720" rIns="91440" bIns="45720" anchor="t" anchorCtr="0"/>
+                    <a:bodyPr/>
+                    <a:lstStyle/>
                     <a:p>
                       <a:pPr latinLnBrk="1">
                         <a:defRPr/>
@@ -14458,7 +15679,7 @@
                       <a:endParaRPr lang="ko-KR" altLang="en-US"/>
                     </a:p>
                   </a:txBody>
-                  <a:tcPr marL="91440" marR="91440">
+                  <a:tcPr>
                     <a:lnL w="12700" cap="flat" cmpd="sng" algn="ctr">
                       <a:solidFill>
                         <a:schemeClr val="bg1"/>
@@ -14505,7 +15726,8 @@
                 </a:tc>
                 <a:tc>
                   <a:txBody>
-                    <a:bodyPr vert="horz" lIns="91440" tIns="45720" rIns="91440" bIns="45720" anchor="t" anchorCtr="0"/>
+                    <a:bodyPr/>
+                    <a:lstStyle/>
                     <a:p>
                       <a:pPr latinLnBrk="1">
                         <a:defRPr/>
@@ -14513,7 +15735,7 @@
                       <a:endParaRPr lang="ko-KR" altLang="en-US"/>
                     </a:p>
                   </a:txBody>
-                  <a:tcPr marL="91440" marR="91440">
+                  <a:tcPr>
                     <a:lnL w="12700" cap="flat" cmpd="sng" algn="ctr">
                       <a:solidFill>
                         <a:schemeClr val="bg1"/>
@@ -14560,7 +15782,8 @@
                 </a:tc>
                 <a:tc>
                   <a:txBody>
-                    <a:bodyPr vert="horz" lIns="91440" tIns="45720" rIns="91440" bIns="45720" anchor="t" anchorCtr="0"/>
+                    <a:bodyPr/>
+                    <a:lstStyle/>
                     <a:p>
                       <a:pPr latinLnBrk="1">
                         <a:defRPr/>
@@ -14568,7 +15791,7 @@
                       <a:endParaRPr lang="ko-KR" altLang="en-US"/>
                     </a:p>
                   </a:txBody>
-                  <a:tcPr marL="91440" marR="91440">
+                  <a:tcPr>
                     <a:lnL w="12700" cap="flat" cmpd="sng" algn="ctr">
                       <a:solidFill>
                         <a:schemeClr val="bg1"/>
@@ -14615,7 +15838,8 @@
                 </a:tc>
                 <a:tc>
                   <a:txBody>
-                    <a:bodyPr vert="horz" lIns="91440" tIns="45720" rIns="91440" bIns="45720" anchor="t" anchorCtr="0"/>
+                    <a:bodyPr/>
+                    <a:lstStyle/>
                     <a:p>
                       <a:pPr latinLnBrk="1">
                         <a:defRPr/>
@@ -14623,7 +15847,7 @@
                       <a:endParaRPr lang="ko-KR" altLang="en-US"/>
                     </a:p>
                   </a:txBody>
-                  <a:tcPr marL="91440" marR="91440">
+                  <a:tcPr>
                     <a:lnL w="12700" cap="flat" cmpd="sng" algn="ctr">
                       <a:solidFill>
                         <a:schemeClr val="bg1"/>
@@ -14661,13 +15885,14 @@
                       <a:tailEnd w="med" len="med"/>
                     </a:lnB>
                     <a:solidFill>
-                      <a:srgbClr val="93cc60"/>
+                      <a:srgbClr val="93CC60"/>
                     </a:solidFill>
                   </a:tcPr>
                 </a:tc>
                 <a:tc>
                   <a:txBody>
-                    <a:bodyPr vert="horz" lIns="91440" tIns="45720" rIns="91440" bIns="45720" anchor="t" anchorCtr="0"/>
+                    <a:bodyPr/>
+                    <a:lstStyle/>
                     <a:p>
                       <a:pPr latinLnBrk="1">
                         <a:defRPr/>
@@ -14675,7 +15900,7 @@
                       <a:endParaRPr lang="ko-KR" altLang="en-US"/>
                     </a:p>
                   </a:txBody>
-                  <a:tcPr marL="91440" marR="91440">
+                  <a:tcPr>
                     <a:lnL w="12700" cap="flat" cmpd="sng" algn="ctr">
                       <a:solidFill>
                         <a:schemeClr val="bg1"/>
@@ -14713,10 +15938,15 @@
                       <a:tailEnd w="med" len="med"/>
                     </a:lnB>
                     <a:solidFill>
-                      <a:srgbClr val="93cc60"/>
+                      <a:srgbClr val="93CC60"/>
                     </a:solidFill>
                   </a:tcPr>
                 </a:tc>
+                <a:extLst>
+                  <a:ext uri="{0D108BD9-81ED-4DB2-BD59-A6C34878D82A}">
+                    <a16:rowId xmlns:a16="http://schemas.microsoft.com/office/drawing/2014/main" val="10009"/>
+                  </a:ext>
+                </a:extLst>
               </a:tr>
             </a:tbl>
           </a:graphicData>
@@ -14741,12 +15971,19 @@
                 <a:tableStyleId>{5C22544A-7EE6-4342-B048-85BDC9FD1C3A}</a:tableStyleId>
               </a:tblPr>
               <a:tblGrid>
-                <a:gridCol w="1092200"/>
+                <a:gridCol w="1092200">
+                  <a:extLst>
+                    <a:ext uri="{9D8B030D-6E8A-4147-A177-3AD203B41FA5}">
+                      <a16:colId xmlns:a16="http://schemas.microsoft.com/office/drawing/2014/main" val="20000"/>
+                    </a:ext>
+                  </a:extLst>
+                </a:gridCol>
               </a:tblGrid>
               <a:tr h="370840">
                 <a:tc>
                   <a:txBody>
-                    <a:bodyPr vert="horz" lIns="91440" tIns="45720" rIns="91440" bIns="45720" anchor="t" anchorCtr="0"/>
+                    <a:bodyPr/>
+                    <a:lstStyle/>
                     <a:p>
                       <a:pPr algn="ctr" latinLnBrk="1">
                         <a:defRPr/>
@@ -14759,14 +15996,9 @@
                         </a:rPr>
                         <a:t>윤성주</a:t>
                       </a:r>
-                      <a:endParaRPr lang="ko-KR" altLang="en-US" sz="1800" b="0">
-                        <a:solidFill>
-                          <a:schemeClr val="bg1"/>
-                        </a:solidFill>
-                      </a:endParaRPr>
                     </a:p>
                   </a:txBody>
-                  <a:tcPr marL="91440" marR="91440">
+                  <a:tcPr>
                     <a:lnL w="12700" cap="flat" cmpd="sng" algn="ctr">
                       <a:solidFill>
                         <a:schemeClr val="bg1"/>
@@ -14804,15 +16036,21 @@
                       <a:tailEnd w="med" len="med"/>
                     </a:lnB>
                     <a:solidFill>
-                      <a:srgbClr val="ffc000"/>
+                      <a:srgbClr val="FFC000"/>
                     </a:solidFill>
                   </a:tcPr>
                 </a:tc>
+                <a:extLst>
+                  <a:ext uri="{0D108BD9-81ED-4DB2-BD59-A6C34878D82A}">
+                    <a16:rowId xmlns:a16="http://schemas.microsoft.com/office/drawing/2014/main" val="10000"/>
+                  </a:ext>
+                </a:extLst>
               </a:tr>
               <a:tr h="370840">
                 <a:tc>
                   <a:txBody>
-                    <a:bodyPr vert="horz" lIns="91440" tIns="45720" rIns="91440" bIns="45720" anchor="t" anchorCtr="0"/>
+                    <a:bodyPr/>
+                    <a:lstStyle/>
                     <a:p>
                       <a:pPr algn="ctr" latinLnBrk="1">
                         <a:defRPr/>
@@ -14825,14 +16063,9 @@
                         </a:rPr>
                         <a:t>최경훈</a:t>
                       </a:r>
-                      <a:endParaRPr lang="ko-KR" altLang="en-US" sz="1800" b="0">
-                        <a:solidFill>
-                          <a:schemeClr val="bg1"/>
-                        </a:solidFill>
-                      </a:endParaRPr>
                     </a:p>
                   </a:txBody>
-                  <a:tcPr marL="91440" marR="91440">
+                  <a:tcPr>
                     <a:lnL w="12700" cap="flat" cmpd="sng" algn="ctr">
                       <a:solidFill>
                         <a:schemeClr val="bg1"/>
@@ -14870,15 +16103,21 @@
                       <a:tailEnd w="med" len="med"/>
                     </a:lnB>
                     <a:solidFill>
-                      <a:srgbClr val="e1bbeb"/>
+                      <a:srgbClr val="E1BBEB"/>
                     </a:solidFill>
                   </a:tcPr>
                 </a:tc>
+                <a:extLst>
+                  <a:ext uri="{0D108BD9-81ED-4DB2-BD59-A6C34878D82A}">
+                    <a16:rowId xmlns:a16="http://schemas.microsoft.com/office/drawing/2014/main" val="10001"/>
+                  </a:ext>
+                </a:extLst>
               </a:tr>
               <a:tr h="370840">
                 <a:tc>
                   <a:txBody>
-                    <a:bodyPr vert="horz" lIns="91440" tIns="45720" rIns="91440" bIns="45720" anchor="t" anchorCtr="0"/>
+                    <a:bodyPr/>
+                    <a:lstStyle/>
                     <a:p>
                       <a:pPr algn="ctr" latinLnBrk="1">
                         <a:defRPr/>
@@ -14891,14 +16130,9 @@
                         </a:rPr>
                         <a:t>공통</a:t>
                       </a:r>
-                      <a:endParaRPr lang="ko-KR" altLang="en-US" sz="1800" b="0">
-                        <a:solidFill>
-                          <a:schemeClr val="bg1"/>
-                        </a:solidFill>
-                      </a:endParaRPr>
                     </a:p>
                   </a:txBody>
-                  <a:tcPr marL="91440" marR="91440">
+                  <a:tcPr>
                     <a:lnL w="12700" cap="flat" cmpd="sng" algn="ctr">
                       <a:solidFill>
                         <a:schemeClr val="bg1"/>
@@ -14936,10 +16170,15 @@
                       <a:tailEnd w="med" len="med"/>
                     </a:lnB>
                     <a:solidFill>
-                      <a:srgbClr val="93cc60"/>
+                      <a:srgbClr val="93CC60"/>
                     </a:solidFill>
                   </a:tcPr>
                 </a:tc>
+                <a:extLst>
+                  <a:ext uri="{0D108BD9-81ED-4DB2-BD59-A6C34878D82A}">
+                    <a16:rowId xmlns:a16="http://schemas.microsoft.com/office/drawing/2014/main" val="10002"/>
+                  </a:ext>
+                </a:extLst>
               </a:tr>
             </a:tbl>
           </a:graphicData>
@@ -14947,7 +16186,7 @@
       </p:graphicFrame>
       <p:sp>
         <p:nvSpPr>
-          <p:cNvPr id="9" name=""/>
+          <p:cNvPr id="9" name="직사각형 8"/>
           <p:cNvSpPr/>
           <p:nvPr/>
         </p:nvSpPr>
@@ -14962,54 +16201,7 @@
           <a:noFill/>
           <a:ln w="76200">
             <a:solidFill>
-              <a:srgbClr val="ff0000"/>
-            </a:solidFill>
-          </a:ln>
-        </p:spPr>
-        <p:style>
-          <a:lnRef idx="2">
-            <a:schemeClr val="accent1">
-              <a:shade val="20000"/>
-            </a:schemeClr>
-          </a:lnRef>
-          <a:fillRef idx="1">
-            <a:schemeClr val="accent1"/>
-          </a:fillRef>
-          <a:effectRef idx="0">
-            <a:schemeClr val="accent1"/>
-          </a:effectRef>
-          <a:fontRef idx="minor">
-            <a:schemeClr val="lt1"/>
-          </a:fontRef>
-        </p:style>
-        <p:txBody>
-          <a:bodyPr anchor="ctr"/>
-          <a:p>
-            <a:pPr algn="ctr">
-              <a:defRPr/>
-            </a:pPr>
-            <a:endParaRPr lang="ko-KR" altLang="en-US"/>
-          </a:p>
-        </p:txBody>
-      </p:sp>
-      <p:sp>
-        <p:nvSpPr>
-          <p:cNvPr id="10" name=""/>
-          <p:cNvSpPr/>
-          <p:nvPr/>
-        </p:nvSpPr>
-        <p:spPr>
-          <a:xfrm>
-            <a:off x="4848225" y="2259219"/>
-            <a:ext cx="4629856" cy="1600581"/>
-          </a:xfrm>
-          <a:prstGeom prst="rect">
-            <a:avLst/>
-          </a:prstGeom>
-          <a:noFill/>
-          <a:ln w="76200">
-            <a:solidFill>
-              <a:srgbClr val="ff0000"/>
+              <a:srgbClr val="FF0000"/>
             </a:solidFill>
           </a:ln>
         </p:spPr>
@@ -15042,7 +16234,55 @@
       </p:sp>
       <p:sp>
         <p:nvSpPr>
-          <p:cNvPr id="11" name=""/>
+          <p:cNvPr id="10" name="직사각형 9"/>
+          <p:cNvSpPr/>
+          <p:nvPr/>
+        </p:nvSpPr>
+        <p:spPr>
+          <a:xfrm>
+            <a:off x="4848225" y="2259219"/>
+            <a:ext cx="4629856" cy="1600581"/>
+          </a:xfrm>
+          <a:prstGeom prst="rect">
+            <a:avLst/>
+          </a:prstGeom>
+          <a:noFill/>
+          <a:ln w="76200">
+            <a:solidFill>
+              <a:srgbClr val="FF0000"/>
+            </a:solidFill>
+          </a:ln>
+        </p:spPr>
+        <p:style>
+          <a:lnRef idx="2">
+            <a:schemeClr val="accent1">
+              <a:shade val="20000"/>
+            </a:schemeClr>
+          </a:lnRef>
+          <a:fillRef idx="1">
+            <a:schemeClr val="accent1"/>
+          </a:fillRef>
+          <a:effectRef idx="0">
+            <a:schemeClr val="accent1"/>
+          </a:effectRef>
+          <a:fontRef idx="minor">
+            <a:schemeClr val="lt1"/>
+          </a:fontRef>
+        </p:style>
+        <p:txBody>
+          <a:bodyPr anchor="ctr"/>
+          <a:lstStyle/>
+          <a:p>
+            <a:pPr algn="ctr">
+              <a:defRPr/>
+            </a:pPr>
+            <a:endParaRPr lang="ko-KR" altLang="en-US"/>
+          </a:p>
+        </p:txBody>
+      </p:sp>
+      <p:sp>
+        <p:nvSpPr>
+          <p:cNvPr id="11" name="직사각형 10"/>
           <p:cNvSpPr/>
           <p:nvPr/>
         </p:nvSpPr>
@@ -15078,6 +16318,7 @@
         </p:style>
         <p:txBody>
           <a:bodyPr anchor="ctr"/>
+          <a:lstStyle/>
           <a:p>
             <a:pPr algn="ctr">
               <a:defRPr/>
@@ -15091,19 +16332,19 @@
   <p:clrMapOvr>
     <a:masterClrMapping/>
   </p:clrMapOvr>
-  <mc:AlternateContent xmlns:mc="http://schemas.openxmlformats.org/markup-compatibility/2006">
-    <mc:Choice xmlns:p14="http://schemas.microsoft.com/office/powerpoint/2010/main" Requires="p14">
-      <p:transition xmlns:mc="http://schemas.openxmlformats.org/markup-compatibility/2006" xmlns:p14="http://schemas.microsoft.com/office/powerpoint/2010/main" mc:Ignorable="p14" p14:dur="500"/>
+  <mc:AlternateContent xmlns:mc="http://schemas.openxmlformats.org/markup-compatibility/2006" xmlns:p14="http://schemas.microsoft.com/office/powerpoint/2010/main">
+    <mc:Choice Requires="p14">
+      <p:transition/>
     </mc:Choice>
-    <mc:Fallback>
+    <mc:Fallback xmlns:dsp="http://schemas.microsoft.com/office/drawing/2008/diagram" xmlns:dgm="http://schemas.openxmlformats.org/drawingml/2006/diagram" xmlns:c="http://schemas.openxmlformats.org/drawingml/2006/chart" xmlns="">
       <p:transition/>
     </mc:Fallback>
   </mc:AlternateContent>
 </p:sld>
 </file>
 
-<file path=ppt/slides/slide12.xml><?xml version="1.0" encoding="utf-8"?>
-<p:sld xmlns:r="http://schemas.openxmlformats.org/officeDocument/2006/relationships" xmlns:c="http://schemas.openxmlformats.org/drawingml/2006/chart" xmlns:a="http://schemas.openxmlformats.org/drawingml/2006/main" xmlns:dgm="http://schemas.openxmlformats.org/drawingml/2006/diagram" xmlns:dsp="http://schemas.microsoft.com/office/drawing/2008/diagram" xmlns:p="http://schemas.openxmlformats.org/presentationml/2006/main">
+<file path=ppt/slides/slide15.xml><?xml version="1.0" encoding="utf-8"?>
+<p:sld xmlns:a="http://schemas.openxmlformats.org/drawingml/2006/main" xmlns:r="http://schemas.openxmlformats.org/officeDocument/2006/relationships" xmlns:p="http://schemas.openxmlformats.org/presentationml/2006/main">
   <p:cSld>
     <p:spTree>
       <p:nvGrpSpPr>
@@ -15147,7 +16388,7 @@
               <a:pPr lvl="0">
                 <a:defRPr/>
               </a:pPr>
-              <a:t>12</a:t>
+              <a:t>15</a:t>
             </a:fld>
             <a:endParaRPr lang="en-US" altLang="en-US"/>
           </a:p>
@@ -15199,7 +16440,7 @@
               <a:defRPr/>
             </a:pPr>
             <a:r>
-              <a:rPr xmlns:mc="http://schemas.openxmlformats.org/markup-compatibility/2006" xmlns:hp="http://schemas.haansoft.com/office/presentation/8.0" lang="en-US" altLang="ko-KR" sz="4800" b="1" mc:Ignorable="hp" hp:hslEmbossed="0">
+              <a:rPr lang="en-US" altLang="ko-KR" sz="4800" b="1">
                 <a:solidFill>
                   <a:schemeClr val="bg1"/>
                 </a:solidFill>
@@ -15214,7 +16455,7 @@
               <a:t>7. </a:t>
             </a:r>
             <a:r>
-              <a:rPr xmlns:mc="http://schemas.openxmlformats.org/markup-compatibility/2006" xmlns:hp="http://schemas.haansoft.com/office/presentation/8.0" lang="ko-KR" altLang="en-US" sz="4800" b="1" mc:Ignorable="hp" hp:hslEmbossed="0">
+              <a:rPr lang="ko-KR" altLang="en-US" sz="4800" b="1">
                 <a:solidFill>
                   <a:schemeClr val="bg1"/>
                 </a:solidFill>
@@ -15228,7 +16469,7 @@
               </a:rPr>
               <a:t>향후 개발일정</a:t>
             </a:r>
-            <a:endParaRPr xmlns:mc="http://schemas.openxmlformats.org/markup-compatibility/2006" xmlns:hp="http://schemas.haansoft.com/office/presentation/8.0" lang="ko-KR" altLang="en-US" sz="4800" b="1" mc:Ignorable="hp" hp:hslEmbossed="0">
+            <a:endParaRPr lang="ko-KR" altLang="en-US" sz="4800" b="1">
               <a:solidFill>
                 <a:schemeClr val="bg1"/>
               </a:solidFill>
@@ -15318,7 +16559,7 @@
               <a:defRPr/>
             </a:pPr>
             <a:r>
-              <a:rPr lang="ko-KR" altLang="en-US" sz="2800" b="1">
+              <a:rPr lang="ko-KR" altLang="en-US" sz="2800" b="1" dirty="0">
                 <a:solidFill>
                   <a:schemeClr val="bg1"/>
                 </a:solidFill>
@@ -15326,7 +16567,7 @@
               <a:t>전투 </a:t>
             </a:r>
             <a:r>
-              <a:rPr lang="en-US" altLang="ko-KR" sz="2800" b="1">
+              <a:rPr lang="en-US" altLang="ko-KR" sz="2800" b="1" dirty="0">
                 <a:solidFill>
                   <a:schemeClr val="bg1"/>
                 </a:solidFill>
@@ -15334,18 +16575,13 @@
               <a:t>&amp;</a:t>
             </a:r>
             <a:r>
-              <a:rPr lang="ko-KR" altLang="en-US" sz="2800" b="1">
+              <a:rPr lang="ko-KR" altLang="en-US" sz="2800" b="1" dirty="0">
                 <a:solidFill>
                   <a:schemeClr val="bg1"/>
                 </a:solidFill>
               </a:rPr>
               <a:t> 퍼즐 추가</a:t>
             </a:r>
-            <a:endParaRPr lang="ko-KR" altLang="en-US" sz="2800" b="1">
-              <a:solidFill>
-                <a:schemeClr val="bg1"/>
-              </a:solidFill>
-            </a:endParaRPr>
           </a:p>
           <a:p>
             <a:pPr marL="975200" lvl="1" indent="-518000">
@@ -15357,18 +16593,45 @@
               <a:defRPr/>
             </a:pPr>
             <a:r>
-              <a:rPr lang="ko-KR" altLang="en-US" sz="2200">
+              <a:rPr lang="ko-KR" altLang="en-US" sz="2200" dirty="0">
                 <a:solidFill>
                   <a:schemeClr val="bg1"/>
                 </a:solidFill>
               </a:rPr>
-              <a:t>스테이지2, 퍼즐, 보스 스테이지 구현</a:t>
-            </a:r>
-            <a:endParaRPr lang="ko-KR" altLang="en-US" sz="2200">
-              <a:solidFill>
-                <a:schemeClr val="bg1"/>
-              </a:solidFill>
-            </a:endParaRPr>
+              <a:t>스테이지2 </a:t>
+            </a:r>
+            <a:r>
+              <a:rPr lang="en-US" altLang="ko-KR" sz="2200" dirty="0">
+                <a:solidFill>
+                  <a:schemeClr val="bg1"/>
+                </a:solidFill>
+              </a:rPr>
+              <a:t>(</a:t>
+            </a:r>
+            <a:r>
+              <a:rPr lang="ko-KR" altLang="en-US" sz="2200" dirty="0">
+                <a:solidFill>
+                  <a:schemeClr val="bg1"/>
+                </a:solidFill>
+              </a:rPr>
+              <a:t>퍼즐, 보스</a:t>
+            </a:r>
+            <a:r>
+              <a:rPr lang="en-US" altLang="ko-KR" sz="2200" dirty="0">
+                <a:solidFill>
+                  <a:schemeClr val="bg1"/>
+                </a:solidFill>
+              </a:rPr>
+              <a:t>)</a:t>
+            </a:r>
+            <a:r>
+              <a:rPr lang="ko-KR" altLang="en-US" sz="2200" dirty="0">
+                <a:solidFill>
+                  <a:schemeClr val="bg1"/>
+                </a:solidFill>
+              </a:rPr>
+              <a:t> 구현</a:t>
+            </a:r>
           </a:p>
           <a:p>
             <a:pPr marL="457200" lvl="1" indent="0">
@@ -15379,7 +16642,7 @@
               <a:buNone/>
               <a:defRPr/>
             </a:pPr>
-            <a:endParaRPr lang="ko-KR" altLang="en-US" sz="2200">
+            <a:endParaRPr lang="ko-KR" altLang="en-US" sz="2200" dirty="0">
               <a:solidFill>
                 <a:schemeClr val="bg1"/>
               </a:solidFill>
@@ -15394,18 +16657,21 @@
               <a:defRPr/>
             </a:pPr>
             <a:r>
-              <a:rPr lang="ko-KR" altLang="en-US" sz="2800" b="1">
+              <a:rPr lang="ko-KR" altLang="en-US" sz="2800" b="1" dirty="0" err="1">
                 <a:solidFill>
                   <a:schemeClr val="bg1"/>
                 </a:solidFill>
               </a:rPr>
-              <a:t>NPC와 대화 &amp; 퀘스트 추가</a:t>
-            </a:r>
-            <a:endParaRPr lang="ko-KR" altLang="en-US" sz="2800" b="1">
-              <a:solidFill>
-                <a:schemeClr val="bg1"/>
-              </a:solidFill>
-            </a:endParaRPr>
+              <a:t>NPC와</a:t>
+            </a:r>
+            <a:r>
+              <a:rPr lang="ko-KR" altLang="en-US" sz="2800" b="1" dirty="0">
+                <a:solidFill>
+                  <a:schemeClr val="bg1"/>
+                </a:solidFill>
+              </a:rPr>
+              <a:t> 대화 &amp; 퀘스트 추가</a:t>
+            </a:r>
           </a:p>
           <a:p>
             <a:pPr marL="975200" lvl="1" indent="-518000">
@@ -15417,18 +16683,29 @@
               <a:defRPr/>
             </a:pPr>
             <a:r>
-              <a:rPr lang="ko-KR" altLang="en-US" sz="2200">
+              <a:rPr lang="ko-KR" altLang="en-US" sz="2200" dirty="0">
                 <a:solidFill>
                   <a:schemeClr val="bg1"/>
                 </a:solidFill>
               </a:rPr>
-              <a:t>NPC 대화창 UI 추가</a:t>
-            </a:r>
-            <a:endParaRPr lang="ko-KR" altLang="en-US" sz="2200">
-              <a:solidFill>
-                <a:schemeClr val="bg1"/>
-              </a:solidFill>
-            </a:endParaRPr>
+              <a:t>NPC </a:t>
+            </a:r>
+            <a:r>
+              <a:rPr lang="ko-KR" altLang="en-US" sz="2200" dirty="0" err="1">
+                <a:solidFill>
+                  <a:schemeClr val="bg1"/>
+                </a:solidFill>
+              </a:rPr>
+              <a:t>대화창</a:t>
+            </a:r>
+            <a:r>
+              <a:rPr lang="ko-KR" altLang="en-US" sz="2200" dirty="0">
+                <a:solidFill>
+                  <a:schemeClr val="bg1"/>
+                </a:solidFill>
+              </a:rPr>
+              <a:t> UI 추가</a:t>
+            </a:r>
           </a:p>
           <a:p>
             <a:pPr marL="457200" lvl="1" indent="0">
@@ -15439,7 +16716,7 @@
               <a:buNone/>
               <a:defRPr/>
             </a:pPr>
-            <a:endParaRPr lang="ko-KR" altLang="en-US" sz="2200">
+            <a:endParaRPr lang="ko-KR" altLang="en-US" sz="2200" dirty="0">
               <a:solidFill>
                 <a:schemeClr val="bg1"/>
               </a:solidFill>
@@ -15454,18 +16731,13 @@
               <a:defRPr/>
             </a:pPr>
             <a:r>
-              <a:rPr lang="ko-KR" altLang="en-US" sz="2800" b="1">
+              <a:rPr lang="ko-KR" altLang="en-US" sz="2800" b="1" dirty="0">
                 <a:solidFill>
                   <a:schemeClr val="bg1"/>
                 </a:solidFill>
               </a:rPr>
               <a:t>UI  및 시작화면 추가</a:t>
             </a:r>
-            <a:endParaRPr lang="ko-KR" altLang="en-US" sz="2800" b="1">
-              <a:solidFill>
-                <a:schemeClr val="bg1"/>
-              </a:solidFill>
-            </a:endParaRPr>
           </a:p>
           <a:p>
             <a:pPr marL="975200" lvl="1" indent="-518000">
@@ -15477,18 +16749,21 @@
               <a:defRPr/>
             </a:pPr>
             <a:r>
-              <a:rPr lang="ko-KR" altLang="en-US" sz="2200">
+              <a:rPr lang="ko-KR" altLang="en-US" sz="2200" dirty="0" err="1">
                 <a:solidFill>
                   <a:schemeClr val="bg1"/>
                 </a:solidFill>
               </a:rPr>
-              <a:t>인게임 UI 추가</a:t>
-            </a:r>
-            <a:endParaRPr lang="ko-KR" altLang="en-US" sz="2200">
-              <a:solidFill>
-                <a:schemeClr val="bg1"/>
-              </a:solidFill>
-            </a:endParaRPr>
+              <a:t>인게임</a:t>
+            </a:r>
+            <a:r>
+              <a:rPr lang="ko-KR" altLang="en-US" sz="2200" dirty="0">
+                <a:solidFill>
+                  <a:schemeClr val="bg1"/>
+                </a:solidFill>
+              </a:rPr>
+              <a:t> UI 추가</a:t>
+            </a:r>
           </a:p>
           <a:p>
             <a:pPr marL="975200" lvl="1" indent="-518000">
@@ -15500,14 +16775,14 @@
               <a:defRPr/>
             </a:pPr>
             <a:r>
-              <a:rPr lang="ko-KR" altLang="en-US" sz="2200">
+              <a:rPr lang="ko-KR" altLang="en-US" sz="2200" dirty="0">
                 <a:solidFill>
                   <a:schemeClr val="bg1"/>
                 </a:solidFill>
               </a:rPr>
               <a:t>시작화면 및 게임 레디 화면 추가</a:t>
             </a:r>
-            <a:endParaRPr xmlns:mc="http://schemas.openxmlformats.org/markup-compatibility/2006" xmlns:hp="http://schemas.haansoft.com/office/presentation/8.0" kumimoji="0" lang="ko-KR" altLang="en-US" sz="2800" b="1" i="0" u="none" strike="noStrike" kern="1200" cap="none" spc="0" normalizeH="0" baseline="0" mc:Ignorable="hp" hp:hslEmbossed="0">
+            <a:endParaRPr kumimoji="0" lang="ko-KR" altLang="en-US" sz="2800" b="1" i="0" u="none" strike="noStrike" kern="1200" cap="none" spc="0" normalizeH="0" baseline="0" dirty="0">
               <a:solidFill>
                 <a:srgbClr val="000000"/>
               </a:solidFill>
@@ -15531,7 +16806,7 @@
               <a:buChar char="•"/>
               <a:defRPr/>
             </a:pPr>
-            <a:endParaRPr lang="ko-KR" altLang="en-US" sz="2200" b="0" i="0" kern="1200">
+            <a:endParaRPr lang="ko-KR" altLang="en-US" sz="2200" b="0" i="0" kern="1200" dirty="0">
               <a:solidFill>
                 <a:schemeClr val="bg1"/>
               </a:solidFill>
@@ -15548,19 +16823,19 @@
   <p:clrMapOvr>
     <a:masterClrMapping/>
   </p:clrMapOvr>
-  <mc:AlternateContent xmlns:mc="http://schemas.openxmlformats.org/markup-compatibility/2006">
-    <mc:Choice xmlns:p14="http://schemas.microsoft.com/office/powerpoint/2010/main" Requires="p14">
-      <p:transition xmlns:mc="http://schemas.openxmlformats.org/markup-compatibility/2006" xmlns:p14="http://schemas.microsoft.com/office/powerpoint/2010/main" mc:Ignorable="p14" p14:dur="500"/>
+  <mc:AlternateContent xmlns:mc="http://schemas.openxmlformats.org/markup-compatibility/2006" xmlns:p14="http://schemas.microsoft.com/office/powerpoint/2010/main">
+    <mc:Choice Requires="p14">
+      <p:transition/>
     </mc:Choice>
-    <mc:Fallback>
+    <mc:Fallback xmlns:dsp="http://schemas.microsoft.com/office/drawing/2008/diagram" xmlns:dgm="http://schemas.openxmlformats.org/drawingml/2006/diagram" xmlns:c="http://schemas.openxmlformats.org/drawingml/2006/chart" xmlns="">
       <p:transition/>
     </mc:Fallback>
   </mc:AlternateContent>
 </p:sld>
 </file>
 
-<file path=ppt/slides/slide13.xml><?xml version="1.0" encoding="utf-8"?>
-<p:sld xmlns:r="http://schemas.openxmlformats.org/officeDocument/2006/relationships" xmlns:c="http://schemas.openxmlformats.org/drawingml/2006/chart" xmlns:a="http://schemas.openxmlformats.org/drawingml/2006/main" xmlns:dgm="http://schemas.openxmlformats.org/drawingml/2006/diagram" xmlns:dsp="http://schemas.microsoft.com/office/drawing/2008/diagram" xmlns:p="http://schemas.openxmlformats.org/presentationml/2006/main">
+<file path=ppt/slides/slide16.xml><?xml version="1.0" encoding="utf-8"?>
+<p:sld xmlns:a="http://schemas.openxmlformats.org/drawingml/2006/main" xmlns:r="http://schemas.openxmlformats.org/officeDocument/2006/relationships" xmlns:p="http://schemas.openxmlformats.org/presentationml/2006/main">
   <p:cSld>
     <p:spTree>
       <p:nvGrpSpPr>
@@ -15599,7 +16874,7 @@
               <a:pPr lvl="0">
                 <a:defRPr/>
               </a:pPr>
-              <a:t>15</a:t>
+              <a:t>16</a:t>
             </a:fld>
             <a:endParaRPr lang="en-US" altLang="en-US"/>
           </a:p>
@@ -15651,7 +16926,7 @@
               <a:defRPr/>
             </a:pPr>
             <a:r>
-              <a:rPr xmlns:mc="http://schemas.openxmlformats.org/markup-compatibility/2006" xmlns:hp="http://schemas.haansoft.com/office/presentation/8.0" lang="en-US" altLang="ko-KR" sz="4800" b="1" mc:Ignorable="hp" hp:hslEmbossed="0">
+              <a:rPr lang="en-US" altLang="ko-KR" sz="4800" b="1">
                 <a:solidFill>
                   <a:schemeClr val="bg1"/>
                 </a:solidFill>
@@ -15666,7 +16941,7 @@
               <a:t>8.</a:t>
             </a:r>
             <a:r>
-              <a:rPr xmlns:mc="http://schemas.openxmlformats.org/markup-compatibility/2006" xmlns:hp="http://schemas.haansoft.com/office/presentation/8.0" lang="ko-KR" altLang="en-US" sz="4800" b="1" mc:Ignorable="hp" hp:hslEmbossed="0">
+              <a:rPr lang="ko-KR" altLang="en-US" sz="4800" b="1">
                 <a:solidFill>
                   <a:schemeClr val="bg1"/>
                 </a:solidFill>
@@ -15680,7 +16955,7 @@
               </a:rPr>
               <a:t> 데모시연</a:t>
             </a:r>
-            <a:endParaRPr xmlns:mc="http://schemas.openxmlformats.org/markup-compatibility/2006" xmlns:hp="http://schemas.haansoft.com/office/presentation/8.0" lang="ko-KR" altLang="en-US" sz="4800" b="1" mc:Ignorable="hp" hp:hslEmbossed="0">
+            <a:endParaRPr lang="ko-KR" altLang="en-US" sz="4800" b="1">
               <a:solidFill>
                 <a:schemeClr val="bg1"/>
               </a:solidFill>
@@ -15693,19 +16968,19 @@
   <p:clrMapOvr>
     <a:masterClrMapping/>
   </p:clrMapOvr>
-  <mc:AlternateContent xmlns:mc="http://schemas.openxmlformats.org/markup-compatibility/2006">
-    <mc:Choice xmlns:p14="http://schemas.microsoft.com/office/powerpoint/2010/main" Requires="p14">
-      <p:transition xmlns:mc="http://schemas.openxmlformats.org/markup-compatibility/2006" xmlns:p14="http://schemas.microsoft.com/office/powerpoint/2010/main" mc:Ignorable="p14" p14:dur="500"/>
+  <mc:AlternateContent xmlns:mc="http://schemas.openxmlformats.org/markup-compatibility/2006" xmlns:p14="http://schemas.microsoft.com/office/powerpoint/2010/main">
+    <mc:Choice Requires="p14">
+      <p:transition/>
     </mc:Choice>
-    <mc:Fallback>
+    <mc:Fallback xmlns:dsp="http://schemas.microsoft.com/office/drawing/2008/diagram" xmlns:dgm="http://schemas.openxmlformats.org/drawingml/2006/diagram" xmlns:c="http://schemas.openxmlformats.org/drawingml/2006/chart" xmlns="">
       <p:transition/>
     </mc:Fallback>
   </mc:AlternateContent>
 </p:sld>
 </file>
 
-<file path=ppt/slides/slide14.xml><?xml version="1.0" encoding="utf-8"?>
-<p:sld xmlns:r="http://schemas.openxmlformats.org/officeDocument/2006/relationships" xmlns:c="http://schemas.openxmlformats.org/drawingml/2006/chart" xmlns:a="http://schemas.openxmlformats.org/drawingml/2006/main" xmlns:dgm="http://schemas.openxmlformats.org/drawingml/2006/diagram" xmlns:dsp="http://schemas.microsoft.com/office/drawing/2008/diagram" xmlns:p="http://schemas.openxmlformats.org/presentationml/2006/main">
+<file path=ppt/slides/slide17.xml><?xml version="1.0" encoding="utf-8"?>
+<p:sld xmlns:a="http://schemas.openxmlformats.org/drawingml/2006/main" xmlns:r="http://schemas.openxmlformats.org/officeDocument/2006/relationships" xmlns:p="http://schemas.openxmlformats.org/presentationml/2006/main">
   <p:cSld>
     <p:spTree>
       <p:nvGrpSpPr>
@@ -15879,7 +17154,7 @@
               <a:pPr lvl="0">
                 <a:defRPr/>
               </a:pPr>
-              <a:t>16</a:t>
+              <a:t>17</a:t>
             </a:fld>
             <a:endParaRPr lang="en-US" altLang="en-US"/>
           </a:p>
@@ -15931,7 +17206,7 @@
               <a:defRPr/>
             </a:pPr>
             <a:r>
-              <a:rPr xmlns:mc="http://schemas.openxmlformats.org/markup-compatibility/2006" xmlns:hp="http://schemas.haansoft.com/office/presentation/8.0" lang="ko-KR" altLang="en-US" sz="4800" b="1" mc:Ignorable="hp" hp:hslEmbossed="0">
+              <a:rPr lang="ko-KR" altLang="en-US" sz="4800" b="1">
                 <a:solidFill>
                   <a:schemeClr val="bg1"/>
                 </a:solidFill>
@@ -15945,7 +17220,7 @@
               </a:rPr>
               <a:t>참고문헌</a:t>
             </a:r>
-            <a:endParaRPr xmlns:mc="http://schemas.openxmlformats.org/markup-compatibility/2006" xmlns:hp="http://schemas.haansoft.com/office/presentation/8.0" lang="ko-KR" altLang="en-US" sz="4800" b="1" mc:Ignorable="hp" hp:hslEmbossed="0">
+            <a:endParaRPr lang="ko-KR" altLang="en-US" sz="4800" b="1">
               <a:solidFill>
                 <a:schemeClr val="bg1"/>
               </a:solidFill>
@@ -15958,11 +17233,11 @@
   <p:clrMapOvr>
     <a:masterClrMapping/>
   </p:clrMapOvr>
-  <mc:AlternateContent xmlns:mc="http://schemas.openxmlformats.org/markup-compatibility/2006">
-    <mc:Choice xmlns:p14="http://schemas.microsoft.com/office/powerpoint/2010/main" Requires="p14">
-      <p:transition xmlns:mc="http://schemas.openxmlformats.org/markup-compatibility/2006" xmlns:p14="http://schemas.microsoft.com/office/powerpoint/2010/main" mc:Ignorable="p14" p14:dur="500"/>
+  <mc:AlternateContent xmlns:mc="http://schemas.openxmlformats.org/markup-compatibility/2006" xmlns:p14="http://schemas.microsoft.com/office/powerpoint/2010/main">
+    <mc:Choice Requires="p14">
+      <p:transition/>
     </mc:Choice>
-    <mc:Fallback>
+    <mc:Fallback xmlns:dsp="http://schemas.microsoft.com/office/drawing/2008/diagram" xmlns:dgm="http://schemas.openxmlformats.org/drawingml/2006/diagram" xmlns:c="http://schemas.openxmlformats.org/drawingml/2006/chart" xmlns="">
       <p:transition/>
     </mc:Fallback>
   </mc:AlternateContent>
@@ -15970,7 +17245,7 @@
 </file>
 
 <file path=ppt/slides/slide2.xml><?xml version="1.0" encoding="utf-8"?>
-<p:sld xmlns:r="http://schemas.openxmlformats.org/officeDocument/2006/relationships" xmlns:c="http://schemas.openxmlformats.org/drawingml/2006/chart" xmlns:a="http://schemas.openxmlformats.org/drawingml/2006/main" xmlns:dgm="http://schemas.openxmlformats.org/drawingml/2006/diagram" xmlns:dsp="http://schemas.microsoft.com/office/drawing/2008/diagram" xmlns:p="http://schemas.openxmlformats.org/presentationml/2006/main">
+<p:sld xmlns:a="http://schemas.openxmlformats.org/drawingml/2006/main" xmlns:r="http://schemas.openxmlformats.org/officeDocument/2006/relationships" xmlns:p="http://schemas.openxmlformats.org/presentationml/2006/main">
   <p:cSld>
     <p:spTree>
       <p:nvGrpSpPr>
@@ -15993,7 +17268,7 @@
             <a:spLocks noGrp="1"/>
           </p:cNvSpPr>
           <p:nvPr>
-            <p:ph type="title" idx="0"/>
+            <p:ph type="title"/>
           </p:nvPr>
         </p:nvSpPr>
         <p:spPr>
@@ -16015,7 +17290,7 @@
               <a:defRPr/>
             </a:pPr>
             <a:r>
-              <a:rPr xmlns:mc="http://schemas.openxmlformats.org/markup-compatibility/2006" xmlns:hp="http://schemas.haansoft.com/office/presentation/8.0" lang="ko-KR" altLang="en-US" sz="4800" b="1" mc:Ignorable="hp" hp:hslEmbossed="0">
+              <a:rPr lang="ko-KR" altLang="en-US" sz="4800" b="1">
                 <a:solidFill>
                   <a:schemeClr val="bg1">
                     <a:lumMod val="95000"/>
@@ -16032,7 +17307,7 @@
               </a:rPr>
               <a:t>목차</a:t>
             </a:r>
-            <a:endParaRPr xmlns:mc="http://schemas.openxmlformats.org/markup-compatibility/2006" xmlns:hp="http://schemas.haansoft.com/office/presentation/8.0" lang="ko-KR" altLang="en-US" sz="4800" b="1" mc:Ignorable="hp" hp:hslEmbossed="0">
+            <a:endParaRPr lang="ko-KR" altLang="en-US" sz="4800" b="1">
               <a:solidFill>
                 <a:schemeClr val="bg1">
                   <a:lumMod val="95000"/>
@@ -16062,7 +17337,7 @@
         </p:spPr>
         <p:txBody>
           <a:bodyPr anchor="ctr">
-            <a:normAutofit lnSpcReduction="10000"/>
+            <a:normAutofit/>
           </a:bodyPr>
           <a:lstStyle/>
           <a:p>
@@ -16085,14 +17360,6 @@
               </a:rPr>
               <a:t>개요</a:t>
             </a:r>
-            <a:endParaRPr lang="ko-KR" altLang="en-US" b="1">
-              <a:solidFill>
-                <a:schemeClr val="bg1">
-                  <a:lumMod val="95000"/>
-                  <a:lumOff val="5000"/>
-                </a:schemeClr>
-              </a:solidFill>
-            </a:endParaRPr>
           </a:p>
           <a:p>
             <a:pPr marL="514350" indent="-514350">
@@ -16114,14 +17381,6 @@
               </a:rPr>
               <a:t>게임조작</a:t>
             </a:r>
-            <a:endParaRPr lang="ko-KR" altLang="en-US" b="1">
-              <a:solidFill>
-                <a:schemeClr val="bg1">
-                  <a:lumMod val="95000"/>
-                  <a:lumOff val="5000"/>
-                </a:schemeClr>
-              </a:solidFill>
-            </a:endParaRPr>
           </a:p>
           <a:p>
             <a:pPr marL="514350" indent="-514350">
@@ -16143,14 +17402,6 @@
               </a:rPr>
               <a:t>기술적요소 및 중점 연구분야</a:t>
             </a:r>
-            <a:endParaRPr lang="ko-KR" altLang="en-US" b="1">
-              <a:solidFill>
-                <a:schemeClr val="bg1">
-                  <a:lumMod val="95000"/>
-                  <a:lumOff val="5000"/>
-                </a:schemeClr>
-              </a:solidFill>
-            </a:endParaRPr>
           </a:p>
           <a:p>
             <a:pPr marL="514350" indent="-514350">
@@ -16172,14 +17423,6 @@
               </a:rPr>
               <a:t>개발내용</a:t>
             </a:r>
-            <a:endParaRPr lang="ko-KR" altLang="en-US" b="1">
-              <a:solidFill>
-                <a:schemeClr val="bg1">
-                  <a:lumMod val="95000"/>
-                  <a:lumOff val="5000"/>
-                </a:schemeClr>
-              </a:solidFill>
-            </a:endParaRPr>
           </a:p>
         </p:txBody>
       </p:sp>
@@ -16438,7 +17681,7 @@
         </p:spPr>
         <p:txBody>
           <a:bodyPr vert="horz" lIns="91440" tIns="45720" rIns="91440" bIns="45720" anchor="ctr">
-            <a:normAutofit lnSpcReduction="10000"/>
+            <a:normAutofit/>
           </a:bodyPr>
           <a:lstStyle>
             <a:lvl1pPr marL="228600" indent="-228600" algn="l" defTabSz="914400" rtl="0" eaLnBrk="1" latinLnBrk="1" hangingPunct="1">
@@ -16624,14 +17867,6 @@
               </a:rPr>
               <a:t>문제점 및 보완책</a:t>
             </a:r>
-            <a:endParaRPr lang="ko-KR" altLang="en-US" b="1">
-              <a:solidFill>
-                <a:schemeClr val="bg1">
-                  <a:lumMod val="95000"/>
-                  <a:lumOff val="5000"/>
-                </a:schemeClr>
-              </a:solidFill>
-            </a:endParaRPr>
           </a:p>
           <a:p>
             <a:pPr marL="514350" indent="-514350">
@@ -16653,14 +17888,6 @@
               </a:rPr>
               <a:t>구성원 역할 분담 </a:t>
             </a:r>
-            <a:endParaRPr lang="ko-KR" altLang="en-US" b="1">
-              <a:solidFill>
-                <a:schemeClr val="bg1">
-                  <a:lumMod val="95000"/>
-                  <a:lumOff val="5000"/>
-                </a:schemeClr>
-              </a:solidFill>
-            </a:endParaRPr>
           </a:p>
           <a:p>
             <a:pPr marL="514350" indent="-514350">
@@ -16682,14 +17909,6 @@
               </a:rPr>
               <a:t>향후 개발 일정</a:t>
             </a:r>
-            <a:endParaRPr lang="ko-KR" altLang="en-US" b="1">
-              <a:solidFill>
-                <a:schemeClr val="bg1">
-                  <a:lumMod val="95000"/>
-                  <a:lumOff val="5000"/>
-                </a:schemeClr>
-              </a:solidFill>
-            </a:endParaRPr>
           </a:p>
           <a:p>
             <a:pPr marL="514350" indent="-514350">
@@ -16711,14 +17930,6 @@
               </a:rPr>
               <a:t>데모시연</a:t>
             </a:r>
-            <a:endParaRPr lang="ko-KR" altLang="en-US" b="1">
-              <a:solidFill>
-                <a:schemeClr val="bg1">
-                  <a:lumMod val="95000"/>
-                  <a:lumOff val="5000"/>
-                </a:schemeClr>
-              </a:solidFill>
-            </a:endParaRPr>
           </a:p>
         </p:txBody>
       </p:sp>
@@ -16727,11 +17938,11 @@
   <p:clrMapOvr>
     <a:masterClrMapping/>
   </p:clrMapOvr>
-  <mc:AlternateContent xmlns:mc="http://schemas.openxmlformats.org/markup-compatibility/2006">
-    <mc:Choice xmlns:p14="http://schemas.microsoft.com/office/powerpoint/2010/main" Requires="p14">
-      <p:transition xmlns:mc="http://schemas.openxmlformats.org/markup-compatibility/2006" xmlns:p14="http://schemas.microsoft.com/office/powerpoint/2010/main" mc:Ignorable="p14" p14:dur="500"/>
+  <mc:AlternateContent xmlns:mc="http://schemas.openxmlformats.org/markup-compatibility/2006" xmlns:p14="http://schemas.microsoft.com/office/powerpoint/2010/main">
+    <mc:Choice Requires="p14">
+      <p:transition/>
     </mc:Choice>
-    <mc:Fallback>
+    <mc:Fallback xmlns:dsp="http://schemas.microsoft.com/office/drawing/2008/diagram" xmlns:dgm="http://schemas.openxmlformats.org/drawingml/2006/diagram" xmlns:c="http://schemas.openxmlformats.org/drawingml/2006/chart" xmlns="">
       <p:transition/>
     </mc:Fallback>
   </mc:AlternateContent>
@@ -16739,7 +17950,7 @@
 </file>
 
 <file path=ppt/slides/slide3.xml><?xml version="1.0" encoding="utf-8"?>
-<p:sld xmlns:r="http://schemas.openxmlformats.org/officeDocument/2006/relationships" xmlns:c="http://schemas.openxmlformats.org/drawingml/2006/chart" xmlns:a="http://schemas.openxmlformats.org/drawingml/2006/main" xmlns:dgm="http://schemas.openxmlformats.org/drawingml/2006/diagram" xmlns:dsp="http://schemas.microsoft.com/office/drawing/2008/diagram" xmlns:p="http://schemas.openxmlformats.org/presentationml/2006/main">
+<p:sld xmlns:a="http://schemas.openxmlformats.org/drawingml/2006/main" xmlns:r="http://schemas.openxmlformats.org/officeDocument/2006/relationships" xmlns:p="http://schemas.openxmlformats.org/presentationml/2006/main">
   <p:cSld>
     <p:spTree>
       <p:nvGrpSpPr>
@@ -16840,7 +18051,7 @@
               <a:defRPr/>
             </a:pPr>
             <a:r>
-              <a:rPr xmlns:mc="http://schemas.openxmlformats.org/markup-compatibility/2006" xmlns:hp="http://schemas.haansoft.com/office/presentation/8.0" lang="en-US" altLang="ko-KR" sz="4800" b="1" mc:Ignorable="hp" hp:hslEmbossed="0">
+              <a:rPr lang="en-US" altLang="ko-KR" sz="4800" b="1">
                 <a:solidFill>
                   <a:schemeClr val="bg1">
                     <a:lumMod val="95000"/>
@@ -16858,7 +18069,7 @@
               <a:t>1.</a:t>
             </a:r>
             <a:r>
-              <a:rPr xmlns:mc="http://schemas.openxmlformats.org/markup-compatibility/2006" xmlns:hp="http://schemas.haansoft.com/office/presentation/8.0" lang="ko-KR" altLang="en-US" sz="4800" b="1" mc:Ignorable="hp" hp:hslEmbossed="0">
+              <a:rPr lang="ko-KR" altLang="en-US" sz="4800" b="1">
                 <a:solidFill>
                   <a:schemeClr val="bg1">
                     <a:lumMod val="95000"/>
@@ -16876,7 +18087,7 @@
               <a:t> 개요 </a:t>
             </a:r>
             <a:r>
-              <a:rPr xmlns:mc="http://schemas.openxmlformats.org/markup-compatibility/2006" xmlns:hp="http://schemas.haansoft.com/office/presentation/8.0" kumimoji="0" lang="en-US" altLang="ko-KR" sz="3200" b="1" i="0" u="none" strike="noStrike" kern="1200" cap="none" spc="0" normalizeH="0" baseline="0" mc:Ignorable="hp" hp:hslEmbossed="0">
+              <a:rPr kumimoji="0" lang="en-US" altLang="ko-KR" sz="3200" b="1" i="0" u="none" strike="noStrike" kern="1200" cap="none" spc="0" normalizeH="0" baseline="0">
                 <a:solidFill>
                   <a:srgbClr val="000000"/>
                 </a:solidFill>
@@ -16894,7 +18105,7 @@
               <a:t>– </a:t>
             </a:r>
             <a:r>
-              <a:rPr xmlns:mc="http://schemas.openxmlformats.org/markup-compatibility/2006" xmlns:hp="http://schemas.haansoft.com/office/presentation/8.0" kumimoji="0" lang="ko-KR" altLang="en-US" sz="3200" b="1" i="0" u="none" strike="noStrike" kern="1200" cap="none" spc="0" normalizeH="0" baseline="0" mc:Ignorable="hp" hp:hslEmbossed="0">
+              <a:rPr kumimoji="0" lang="ko-KR" altLang="en-US" sz="3200" b="1" i="0" u="none" strike="noStrike" kern="1200" cap="none" spc="0" normalizeH="0" baseline="0">
                 <a:solidFill>
                   <a:srgbClr val="000000"/>
                 </a:solidFill>
@@ -16912,7 +18123,7 @@
               <a:t>게임 </a:t>
             </a:r>
             <a:r>
-              <a:rPr xmlns:mc="http://schemas.openxmlformats.org/markup-compatibility/2006" xmlns:hp="http://schemas.haansoft.com/office/presentation/8.0" lang="ko-KR" altLang="en-US" sz="3200" b="1" mc:Ignorable="hp" hp:hslEmbossed="0">
+              <a:rPr lang="ko-KR" altLang="en-US" sz="3200" b="1">
                 <a:solidFill>
                   <a:schemeClr val="bg1">
                     <a:lumMod val="95000"/>
@@ -16929,7 +18140,7 @@
               </a:rPr>
               <a:t>컨셉</a:t>
             </a:r>
-            <a:endParaRPr xmlns:mc="http://schemas.openxmlformats.org/markup-compatibility/2006" xmlns:hp="http://schemas.haansoft.com/office/presentation/8.0" lang="ko-KR" altLang="en-US" sz="3200" b="1" mc:Ignorable="hp" hp:hslEmbossed="0">
+            <a:endParaRPr lang="ko-KR" altLang="en-US" sz="3200" b="1">
               <a:solidFill>
                 <a:schemeClr val="bg1">
                   <a:lumMod val="95000"/>
@@ -17019,11 +18230,6 @@
               </a:rPr>
               <a:t>전략을 통해 </a:t>
             </a:r>
-            <a:endParaRPr lang="ko-KR" altLang="en-US" sz="2800">
-              <a:solidFill>
-                <a:schemeClr val="bg1"/>
-              </a:solidFill>
-            </a:endParaRPr>
           </a:p>
           <a:p>
             <a:pPr algn="ctr">
@@ -17072,11 +18278,6 @@
               </a:rPr>
               <a:t>인 협동 게임</a:t>
             </a:r>
-            <a:endParaRPr lang="ko-KR" altLang="en-US" sz="3000" b="1">
-              <a:solidFill>
-                <a:schemeClr val="bg1"/>
-              </a:solidFill>
-            </a:endParaRPr>
           </a:p>
         </p:txBody>
       </p:sp>
@@ -17118,11 +18319,6 @@
               </a:rPr>
               <a:t>플레이 컨셉</a:t>
             </a:r>
-            <a:endParaRPr lang="ko-KR" altLang="en-US" sz="2800" b="1">
-              <a:solidFill>
-                <a:schemeClr val="bg1"/>
-              </a:solidFill>
-            </a:endParaRPr>
           </a:p>
         </p:txBody>
       </p:sp>
@@ -17197,11 +18393,6 @@
               </a:rPr>
               <a:t>한다</a:t>
             </a:r>
-            <a:endParaRPr lang="ko-KR" altLang="en-US" sz="2800">
-              <a:solidFill>
-                <a:schemeClr val="bg1"/>
-              </a:solidFill>
-            </a:endParaRPr>
           </a:p>
           <a:p>
             <a:pPr algn="ctr">
@@ -17234,11 +18425,6 @@
               </a:rPr>
               <a:t>)</a:t>
             </a:r>
-            <a:endParaRPr lang="en-US" altLang="ko-KR" sz="2800">
-              <a:solidFill>
-                <a:schemeClr val="bg1"/>
-              </a:solidFill>
-            </a:endParaRPr>
           </a:p>
         </p:txBody>
       </p:sp>
@@ -17280,11 +18466,6 @@
               </a:rPr>
               <a:t>스토리 컨셉</a:t>
             </a:r>
-            <a:endParaRPr lang="ko-KR" altLang="en-US" sz="2800" b="1">
-              <a:solidFill>
-                <a:schemeClr val="bg1"/>
-              </a:solidFill>
-            </a:endParaRPr>
           </a:p>
         </p:txBody>
       </p:sp>
@@ -17293,11 +18474,11 @@
   <p:clrMapOvr>
     <a:masterClrMapping/>
   </p:clrMapOvr>
-  <mc:AlternateContent xmlns:mc="http://schemas.openxmlformats.org/markup-compatibility/2006">
-    <mc:Choice xmlns:p14="http://schemas.microsoft.com/office/powerpoint/2010/main" Requires="p14">
-      <p:transition xmlns:mc="http://schemas.openxmlformats.org/markup-compatibility/2006" xmlns:p14="http://schemas.microsoft.com/office/powerpoint/2010/main" mc:Ignorable="p14" p14:dur="500"/>
+  <mc:AlternateContent xmlns:mc="http://schemas.openxmlformats.org/markup-compatibility/2006" xmlns:p14="http://schemas.microsoft.com/office/powerpoint/2010/main">
+    <mc:Choice Requires="p14">
+      <p:transition/>
     </mc:Choice>
-    <mc:Fallback>
+    <mc:Fallback xmlns:dsp="http://schemas.microsoft.com/office/drawing/2008/diagram" xmlns:dgm="http://schemas.openxmlformats.org/drawingml/2006/diagram" xmlns:c="http://schemas.openxmlformats.org/drawingml/2006/chart" xmlns="">
       <p:transition/>
     </mc:Fallback>
   </mc:AlternateContent>
@@ -17305,7 +18486,7 @@
 </file>
 
 <file path=ppt/slides/slide4.xml><?xml version="1.0" encoding="utf-8"?>
-<p:sld xmlns:r="http://schemas.openxmlformats.org/officeDocument/2006/relationships" xmlns:c="http://schemas.openxmlformats.org/drawingml/2006/chart" xmlns:a="http://schemas.openxmlformats.org/drawingml/2006/main" xmlns:dgm="http://schemas.openxmlformats.org/drawingml/2006/diagram" xmlns:dsp="http://schemas.microsoft.com/office/drawing/2008/diagram" xmlns:p="http://schemas.openxmlformats.org/presentationml/2006/main">
+<p:sld xmlns:a="http://schemas.openxmlformats.org/drawingml/2006/main" xmlns:r="http://schemas.openxmlformats.org/officeDocument/2006/relationships" xmlns:p="http://schemas.openxmlformats.org/presentationml/2006/main">
   <p:cSld>
     <p:spTree>
       <p:nvGrpSpPr>
@@ -17406,7 +18587,7 @@
               <a:defRPr/>
             </a:pPr>
             <a:r>
-              <a:rPr xmlns:mc="http://schemas.openxmlformats.org/markup-compatibility/2006" xmlns:hp="http://schemas.haansoft.com/office/presentation/8.0" lang="en-US" altLang="ko-KR" sz="4800" b="1" mc:Ignorable="hp" hp:hslEmbossed="0">
+              <a:rPr lang="en-US" altLang="ko-KR" sz="4800" b="1">
                 <a:solidFill>
                   <a:schemeClr val="bg1">
                     <a:lumMod val="95000"/>
@@ -17424,7 +18605,7 @@
               <a:t>1.</a:t>
             </a:r>
             <a:r>
-              <a:rPr xmlns:mc="http://schemas.openxmlformats.org/markup-compatibility/2006" xmlns:hp="http://schemas.haansoft.com/office/presentation/8.0" lang="ko-KR" altLang="en-US" sz="4800" b="1" mc:Ignorable="hp" hp:hslEmbossed="0">
+              <a:rPr lang="ko-KR" altLang="en-US" sz="4800" b="1">
                 <a:solidFill>
                   <a:schemeClr val="bg1">
                     <a:lumMod val="95000"/>
@@ -17442,7 +18623,7 @@
               <a:t> 개요 </a:t>
             </a:r>
             <a:r>
-              <a:rPr xmlns:mc="http://schemas.openxmlformats.org/markup-compatibility/2006" xmlns:hp="http://schemas.haansoft.com/office/presentation/8.0" kumimoji="0" lang="en-US" altLang="ko-KR" sz="3200" b="1" i="0" u="none" strike="noStrike" kern="1200" cap="none" spc="0" normalizeH="0" baseline="0" mc:Ignorable="hp" hp:hslEmbossed="0">
+              <a:rPr kumimoji="0" lang="en-US" altLang="ko-KR" sz="3200" b="1" i="0" u="none" strike="noStrike" kern="1200" cap="none" spc="0" normalizeH="0" baseline="0">
                 <a:solidFill>
                   <a:srgbClr val="000000"/>
                 </a:solidFill>
@@ -17460,7 +18641,7 @@
               <a:t>– </a:t>
             </a:r>
             <a:r>
-              <a:rPr xmlns:mc="http://schemas.openxmlformats.org/markup-compatibility/2006" xmlns:hp="http://schemas.haansoft.com/office/presentation/8.0" kumimoji="0" lang="ko-KR" altLang="en-US" sz="3200" b="1" i="0" u="none" strike="noStrike" kern="1200" cap="none" spc="0" normalizeH="0" baseline="0" mc:Ignorable="hp" hp:hslEmbossed="0">
+              <a:rPr kumimoji="0" lang="ko-KR" altLang="en-US" sz="3200" b="1" i="0" u="none" strike="noStrike" kern="1200" cap="none" spc="0" normalizeH="0" baseline="0">
                 <a:solidFill>
                   <a:srgbClr val="000000"/>
                 </a:solidFill>
@@ -17478,7 +18659,7 @@
               <a:t>게임 구성</a:t>
             </a:r>
             <a:r>
-              <a:rPr xmlns:mc="http://schemas.openxmlformats.org/markup-compatibility/2006" xmlns:hp="http://schemas.haansoft.com/office/presentation/8.0" lang="ko-KR" altLang="en-US" sz="4800" b="1" mc:Ignorable="hp" hp:hslEmbossed="0">
+              <a:rPr lang="ko-KR" altLang="en-US" sz="4800" b="1">
                 <a:solidFill>
                   <a:schemeClr val="bg1">
                     <a:lumMod val="95000"/>
@@ -17495,7 +18676,7 @@
               </a:rPr>
               <a:t> </a:t>
             </a:r>
-            <a:endParaRPr xmlns:mc="http://schemas.openxmlformats.org/markup-compatibility/2006" xmlns:hp="http://schemas.haansoft.com/office/presentation/8.0" lang="ko-KR" altLang="en-US" sz="4800" b="1" mc:Ignorable="hp" hp:hslEmbossed="0">
+            <a:endParaRPr lang="ko-KR" altLang="en-US" sz="4800" b="1">
               <a:solidFill>
                 <a:schemeClr val="bg1">
                   <a:lumMod val="95000"/>
@@ -17506,35 +18687,6 @@
           </a:p>
         </p:txBody>
       </p:sp>
-      <p:pic>
-        <p:nvPicPr>
-          <p:cNvPr id="10" name="그림 7"/>
-          <p:cNvPicPr>
-            <a:picLocks noChangeAspect="1"/>
-          </p:cNvPicPr>
-          <p:nvPr/>
-        </p:nvPicPr>
-        <p:blipFill rotWithShape="1">
-          <a:blip r:embed="rId2"/>
-          <a:stretch>
-            <a:fillRect/>
-          </a:stretch>
-        </p:blipFill>
-        <p:spPr>
-          <a:xfrm>
-            <a:off x="685800" y="1236742"/>
-            <a:ext cx="5410200" cy="5410200"/>
-          </a:xfrm>
-          <a:prstGeom prst="rect">
-            <a:avLst/>
-          </a:prstGeom>
-          <a:ln w="28575">
-            <a:solidFill>
-              <a:schemeClr val="bg1"/>
-            </a:solidFill>
-          </a:ln>
-        </p:spPr>
-      </p:pic>
       <p:sp>
         <p:nvSpPr>
           <p:cNvPr id="11" name="직사각형 5"/>
@@ -17543,8 +18695,8 @@
         </p:nvSpPr>
         <p:spPr>
           <a:xfrm>
-            <a:off x="6744666" y="2250482"/>
-            <a:ext cx="4351545" cy="3225746"/>
+            <a:off x="6744666" y="2197289"/>
+            <a:ext cx="4609134" cy="3302759"/>
           </a:xfrm>
           <a:prstGeom prst="rect">
             <a:avLst/>
@@ -17576,88 +18728,143 @@
           <a:bodyPr anchor="ctr"/>
           <a:lstStyle/>
           <a:p>
-            <a:pPr marL="0" indent="0" algn="ctr">
+            <a:pPr marL="0" indent="0">
               <a:lnSpc>
-                <a:spcPct val="150000"/>
+                <a:spcPct val="200000"/>
               </a:lnSpc>
               <a:buFont typeface="Arial"/>
               <a:buNone/>
               <a:defRPr/>
             </a:pPr>
             <a:r>
-              <a:rPr lang="ko-KR" altLang="en-US" sz="2500" b="1">
+              <a:rPr lang="en-US" altLang="ko-KR" sz="2800" b="1" dirty="0">
                 <a:solidFill>
                   <a:schemeClr val="bg1"/>
                 </a:solidFill>
               </a:rPr>
-              <a:t>총 </a:t>
-            </a:r>
-            <a:r>
-              <a:rPr lang="en-US" altLang="ko-KR" sz="2500" b="1">
+              <a:t>Stage1 - </a:t>
+            </a:r>
+            <a:r>
+              <a:rPr lang="ko-KR" altLang="en-US" sz="2800" b="1" dirty="0">
                 <a:solidFill>
                   <a:schemeClr val="bg1"/>
                 </a:solidFill>
               </a:rPr>
-              <a:t>2</a:t>
-            </a:r>
-            <a:r>
-              <a:rPr lang="ko-KR" altLang="en-US" sz="2500" b="1">
+              <a:t>마을</a:t>
+            </a:r>
+            <a:r>
+              <a:rPr lang="en-US" altLang="ko-KR" sz="2800" b="1" dirty="0">
                 <a:solidFill>
                   <a:schemeClr val="bg1"/>
                 </a:solidFill>
               </a:rPr>
-              <a:t>개의 퀘스트와 </a:t>
-            </a:r>
-            <a:r>
-              <a:rPr lang="en-US" altLang="ko-KR" sz="2500" b="1">
+              <a:t>, </a:t>
+            </a:r>
+            <a:r>
+              <a:rPr lang="ko-KR" altLang="en-US" sz="2800" b="1" dirty="0">
                 <a:solidFill>
                   <a:schemeClr val="bg1"/>
                 </a:solidFill>
               </a:rPr>
-              <a:t>1</a:t>
-            </a:r>
-            <a:r>
-              <a:rPr lang="ko-KR" altLang="en-US" sz="2500" b="1">
+              <a:t>퀘스트</a:t>
+            </a:r>
+            <a:r>
+              <a:rPr lang="en-US" altLang="ko-KR" sz="2800" b="1" dirty="0">
                 <a:solidFill>
                   <a:schemeClr val="bg1"/>
                 </a:solidFill>
               </a:rPr>
-              <a:t>개의 퍼즐</a:t>
-            </a:r>
-            <a:r>
-              <a:rPr lang="en-US" altLang="ko-KR" sz="2500" b="1">
+              <a:t>1, 2</a:t>
+            </a:r>
+          </a:p>
+          <a:p>
+            <a:pPr marL="0" indent="0">
+              <a:lnSpc>
+                <a:spcPct val="200000"/>
+              </a:lnSpc>
+              <a:buFont typeface="Arial"/>
+              <a:buNone/>
+              <a:defRPr/>
+            </a:pPr>
+            <a:r>
+              <a:rPr lang="en-US" altLang="ko-KR" sz="2800" b="1" dirty="0">
                 <a:solidFill>
                   <a:schemeClr val="bg1"/>
                 </a:solidFill>
               </a:rPr>
-              <a:t>,</a:t>
-            </a:r>
-            <a:r>
-              <a:rPr lang="ko-KR" altLang="en-US" sz="2500" b="1">
+              <a:t>Stage2 - </a:t>
+            </a:r>
+            <a:r>
+              <a:rPr lang="ko-KR" altLang="en-US" sz="2800" b="1" dirty="0">
                 <a:solidFill>
                   <a:schemeClr val="bg1"/>
                 </a:solidFill>
               </a:rPr>
-              <a:t> 보스 스테이지로 구성</a:t>
-            </a:r>
-            <a:endParaRPr lang="ko-KR" altLang="en-US" sz="2500" b="1">
-              <a:solidFill>
-                <a:schemeClr val="bg1"/>
-              </a:solidFill>
-            </a:endParaRPr>
+              <a:t>퍼즐</a:t>
+            </a:r>
+            <a:r>
+              <a:rPr lang="en-US" altLang="ko-KR" sz="2800" b="1" dirty="0">
+                <a:solidFill>
+                  <a:schemeClr val="bg1"/>
+                </a:solidFill>
+              </a:rPr>
+              <a:t>, </a:t>
+            </a:r>
+            <a:r>
+              <a:rPr lang="ko-KR" altLang="en-US" sz="2800" b="1" dirty="0">
+                <a:solidFill>
+                  <a:schemeClr val="bg1"/>
+                </a:solidFill>
+              </a:rPr>
+              <a:t>보스</a:t>
+            </a:r>
           </a:p>
         </p:txBody>
       </p:sp>
+      <p:pic>
+        <p:nvPicPr>
+          <p:cNvPr id="12" name="그림 11"/>
+          <p:cNvPicPr>
+            <a:picLocks noChangeAspect="1"/>
+          </p:cNvPicPr>
+          <p:nvPr/>
+        </p:nvPicPr>
+        <p:blipFill rotWithShape="1">
+          <a:blip r:embed="rId2"/>
+          <a:stretch>
+            <a:fillRect/>
+          </a:stretch>
+        </p:blipFill>
+        <p:spPr>
+          <a:xfrm>
+            <a:off x="802822" y="1389165"/>
+            <a:ext cx="5007427" cy="5007427"/>
+          </a:xfrm>
+          <a:prstGeom prst="rect">
+            <a:avLst/>
+          </a:prstGeom>
+          <a:ln w="50800">
+            <a:solidFill>
+              <a:schemeClr val="dk1"/>
+            </a:solidFill>
+          </a:ln>
+        </p:spPr>
+      </p:pic>
     </p:spTree>
+    <p:extLst>
+      <p:ext uri="{BB962C8B-B14F-4D97-AF65-F5344CB8AC3E}">
+        <p14:creationId xmlns:p14="http://schemas.microsoft.com/office/powerpoint/2010/main" val="3565436060"/>
+      </p:ext>
+    </p:extLst>
   </p:cSld>
   <p:clrMapOvr>
     <a:masterClrMapping/>
   </p:clrMapOvr>
-  <mc:AlternateContent xmlns:mc="http://schemas.openxmlformats.org/markup-compatibility/2006">
-    <mc:Choice xmlns:p14="http://schemas.microsoft.com/office/powerpoint/2010/main" Requires="p14">
-      <p:transition xmlns:mc="http://schemas.openxmlformats.org/markup-compatibility/2006" xmlns:p14="http://schemas.microsoft.com/office/powerpoint/2010/main" mc:Ignorable="p14" p14:dur="500"/>
+  <mc:AlternateContent xmlns:mc="http://schemas.openxmlformats.org/markup-compatibility/2006" xmlns:p14="http://schemas.microsoft.com/office/powerpoint/2010/main">
+    <mc:Choice Requires="p14">
+      <p:transition/>
     </mc:Choice>
-    <mc:Fallback>
+    <mc:Fallback xmlns:dsp="http://schemas.microsoft.com/office/drawing/2008/diagram" xmlns:dgm="http://schemas.openxmlformats.org/drawingml/2006/diagram" xmlns:c="http://schemas.openxmlformats.org/drawingml/2006/chart" xmlns="">
       <p:transition/>
     </mc:Fallback>
   </mc:AlternateContent>
@@ -17665,7 +18872,7 @@
 </file>
 
 <file path=ppt/slides/slide5.xml><?xml version="1.0" encoding="utf-8"?>
-<p:sld xmlns:r="http://schemas.openxmlformats.org/officeDocument/2006/relationships" xmlns:c="http://schemas.openxmlformats.org/drawingml/2006/chart" xmlns:a="http://schemas.openxmlformats.org/drawingml/2006/main" xmlns:dgm="http://schemas.openxmlformats.org/drawingml/2006/diagram" xmlns:dsp="http://schemas.microsoft.com/office/drawing/2008/diagram" xmlns:p="http://schemas.openxmlformats.org/presentationml/2006/main">
+<p:sld xmlns:a="http://schemas.openxmlformats.org/drawingml/2006/main" xmlns:r="http://schemas.openxmlformats.org/officeDocument/2006/relationships" xmlns:p="http://schemas.openxmlformats.org/presentationml/2006/main">
   <p:cSld>
     <p:spTree>
       <p:nvGrpSpPr>
@@ -17756,7 +18963,7 @@
               <a:defRPr/>
             </a:pPr>
             <a:r>
-              <a:rPr xmlns:mc="http://schemas.openxmlformats.org/markup-compatibility/2006" xmlns:hp="http://schemas.haansoft.com/office/presentation/8.0" lang="en-US" altLang="ko-KR" sz="4800" b="1" mc:Ignorable="hp" hp:hslEmbossed="0">
+              <a:rPr lang="en-US" altLang="ko-KR" sz="4800" b="1">
                 <a:solidFill>
                   <a:schemeClr val="bg1"/>
                 </a:solidFill>
@@ -17771,7 +18978,7 @@
               <a:t>2.</a:t>
             </a:r>
             <a:r>
-              <a:rPr xmlns:mc="http://schemas.openxmlformats.org/markup-compatibility/2006" xmlns:hp="http://schemas.haansoft.com/office/presentation/8.0" lang="ko-KR" altLang="en-US" sz="4800" b="1" mc:Ignorable="hp" hp:hslEmbossed="0">
+              <a:rPr lang="ko-KR" altLang="en-US" sz="4800" b="1">
                 <a:solidFill>
                   <a:schemeClr val="bg1"/>
                 </a:solidFill>
@@ -17785,18 +18992,6 @@
               </a:rPr>
               <a:t> 게임조작</a:t>
             </a:r>
-            <a:endParaRPr xmlns:mc="http://schemas.openxmlformats.org/markup-compatibility/2006" xmlns:hp="http://schemas.haansoft.com/office/presentation/8.0" lang="ko-KR" altLang="en-US" sz="4800" b="1" mc:Ignorable="hp" hp:hslEmbossed="0">
-              <a:solidFill>
-                <a:schemeClr val="bg1"/>
-              </a:solidFill>
-              <a:effectLst>
-                <a:outerShdw blurRad="38100" dist="38100" dir="2700000" algn="tl">
-                  <a:srgbClr val="000000">
-                    <a:alpha val="43140"/>
-                  </a:srgbClr>
-                </a:outerShdw>
-              </a:effectLst>
-            </a:endParaRPr>
           </a:p>
         </p:txBody>
       </p:sp>
@@ -17866,7 +19061,7 @@
             <a:avLst/>
           </a:prstGeom>
           <a:solidFill>
-            <a:srgbClr val="f60000">
+            <a:srgbClr val="F60000">
               <a:alpha val="50200"/>
             </a:srgbClr>
           </a:solidFill>
@@ -17916,7 +19111,7 @@
             <a:avLst/>
           </a:prstGeom>
           <a:solidFill>
-            <a:srgbClr val="f60000">
+            <a:srgbClr val="F60000">
               <a:alpha val="50200"/>
             </a:srgbClr>
           </a:solidFill>
@@ -17966,7 +19161,7 @@
             <a:avLst/>
           </a:prstGeom>
           <a:solidFill>
-            <a:srgbClr val="f60000">
+            <a:srgbClr val="F60000">
               <a:alpha val="50200"/>
             </a:srgbClr>
           </a:solidFill>
@@ -18016,7 +19211,7 @@
             <a:avLst/>
           </a:prstGeom>
           <a:solidFill>
-            <a:srgbClr val="f60000">
+            <a:srgbClr val="F60000">
               <a:alpha val="50200"/>
             </a:srgbClr>
           </a:solidFill>
@@ -18066,7 +19261,7 @@
             <a:avLst/>
           </a:prstGeom>
           <a:solidFill>
-            <a:srgbClr val="00b0f0">
+            <a:srgbClr val="00B0F0">
               <a:alpha val="49800"/>
             </a:srgbClr>
           </a:solidFill>
@@ -18116,7 +19311,7 @@
             <a:avLst/>
           </a:prstGeom>
           <a:solidFill>
-            <a:srgbClr val="00b0f0">
+            <a:srgbClr val="00B0F0">
               <a:alpha val="49800"/>
             </a:srgbClr>
           </a:solidFill>
@@ -18169,7 +19364,7 @@
           </a:prstGeom>
           <a:ln w="76200">
             <a:solidFill>
-              <a:srgbClr val="c00000"/>
+              <a:srgbClr val="C00000"/>
             </a:solidFill>
             <a:tailEnd type="triangle"/>
           </a:ln>
@@ -18240,11 +19435,6 @@
               </a:rPr>
               <a:t>스킬 공격</a:t>
             </a:r>
-            <a:endParaRPr lang="ko-KR" altLang="en-US" sz="2000" b="1">
-              <a:solidFill>
-                <a:schemeClr val="bg1"/>
-              </a:solidFill>
-            </a:endParaRPr>
           </a:p>
         </p:txBody>
       </p:sp>
@@ -18268,7 +19458,7 @@
           </a:prstGeom>
           <a:ln w="76200">
             <a:solidFill>
-              <a:srgbClr val="c00000"/>
+              <a:srgbClr val="C00000"/>
             </a:solidFill>
             <a:tailEnd type="triangle"/>
           </a:ln>
@@ -18339,11 +19529,6 @@
               </a:rPr>
               <a:t> 이동</a:t>
             </a:r>
-            <a:endParaRPr lang="ko-KR" altLang="en-US" sz="2000" b="1">
-              <a:solidFill>
-                <a:schemeClr val="bg1"/>
-              </a:solidFill>
-            </a:endParaRPr>
           </a:p>
         </p:txBody>
       </p:sp>
@@ -18362,7 +19547,7 @@
             <a:avLst/>
           </a:prstGeom>
           <a:solidFill>
-            <a:srgbClr val="f47ffd">
+            <a:srgbClr val="F47FFD">
               <a:alpha val="49800"/>
             </a:srgbClr>
           </a:solidFill>
@@ -18415,7 +19600,7 @@
           </a:prstGeom>
           <a:ln w="76200">
             <a:solidFill>
-              <a:srgbClr val="c00000"/>
+              <a:srgbClr val="C00000"/>
             </a:solidFill>
             <a:tailEnd type="triangle"/>
           </a:ln>
@@ -18488,11 +19673,6 @@
               </a:rPr>
               <a:t>상호작용</a:t>
             </a:r>
-            <a:endParaRPr lang="ko-KR" altLang="en-US" sz="2000" b="1">
-              <a:solidFill>
-                <a:schemeClr val="bg1"/>
-              </a:solidFill>
-            </a:endParaRPr>
           </a:p>
         </p:txBody>
       </p:sp>
@@ -18571,6 +19751,7 @@
               <a:gd name="connsiteX29" fmla="*/ 828272 w 890683"/>
               <a:gd name="connsiteY29" fmla="*/ 10390 h 914400"/>
             </a:gdLst>
+            <a:ahLst/>
             <a:cxnLst>
               <a:cxn ang="0">
                 <a:pos x="connsiteX0" y="connsiteY0"/>
@@ -18813,7 +19994,7 @@
             </a:pathLst>
           </a:custGeom>
           <a:solidFill>
-            <a:srgbClr val="4600f6">
+            <a:srgbClr val="4600F6">
               <a:alpha val="60000"/>
             </a:srgbClr>
           </a:solidFill>
@@ -18923,6 +20104,7 @@
               <a:gd name="connsiteX29" fmla="*/ 828272 w 890683"/>
               <a:gd name="connsiteY29" fmla="*/ 10390 h 914400"/>
             </a:gdLst>
+            <a:ahLst/>
             <a:cxnLst>
               <a:cxn ang="0">
                 <a:pos x="connsiteX0" y="connsiteY0"/>
@@ -19165,7 +20347,7 @@
             </a:pathLst>
           </a:custGeom>
           <a:solidFill>
-            <a:srgbClr val="4600f6">
+            <a:srgbClr val="4600F6">
               <a:alpha val="60000"/>
             </a:srgbClr>
           </a:solidFill>
@@ -19218,7 +20400,7 @@
           </a:prstGeom>
           <a:ln w="76200">
             <a:solidFill>
-              <a:srgbClr val="c00000"/>
+              <a:srgbClr val="C00000"/>
             </a:solidFill>
             <a:tailEnd type="triangle"/>
           </a:ln>
@@ -19331,7 +20513,7 @@
           </a:prstGeom>
           <a:ln w="76200">
             <a:solidFill>
-              <a:srgbClr val="c00000"/>
+              <a:srgbClr val="C00000"/>
             </a:solidFill>
             <a:tailEnd type="triangle"/>
           </a:ln>
@@ -19402,11 +20584,6 @@
               </a:rPr>
               <a:t>: </a:t>
             </a:r>
-            <a:endParaRPr lang="en-US" altLang="ko-KR" sz="2000" b="1">
-              <a:solidFill>
-                <a:schemeClr val="bg1"/>
-              </a:solidFill>
-            </a:endParaRPr>
           </a:p>
           <a:p>
             <a:pPr algn="ctr">
@@ -19454,7 +20631,7 @@
           </a:prstGeom>
           <a:ln w="76200">
             <a:solidFill>
-              <a:srgbClr val="c00000"/>
+              <a:srgbClr val="C00000"/>
             </a:solidFill>
             <a:tailEnd type="triangle"/>
           </a:ln>
@@ -19533,11 +20710,6 @@
               </a:rPr>
               <a:t> 카메라 회전</a:t>
             </a:r>
-            <a:endParaRPr lang="ko-KR" altLang="en-US" sz="2000" b="1">
-              <a:solidFill>
-                <a:schemeClr val="bg1"/>
-              </a:solidFill>
-            </a:endParaRPr>
           </a:p>
         </p:txBody>
       </p:sp>
@@ -19546,11 +20718,11 @@
   <p:clrMapOvr>
     <a:masterClrMapping/>
   </p:clrMapOvr>
-  <mc:AlternateContent xmlns:mc="http://schemas.openxmlformats.org/markup-compatibility/2006">
-    <mc:Choice xmlns:p14="http://schemas.microsoft.com/office/powerpoint/2010/main" Requires="p14">
-      <p:transition xmlns:mc="http://schemas.openxmlformats.org/markup-compatibility/2006" xmlns:p14="http://schemas.microsoft.com/office/powerpoint/2010/main" mc:Ignorable="p14" p14:dur="500"/>
+  <mc:AlternateContent xmlns:mc="http://schemas.openxmlformats.org/markup-compatibility/2006" xmlns:p14="http://schemas.microsoft.com/office/powerpoint/2010/main">
+    <mc:Choice Requires="p14">
+      <p:transition/>
     </mc:Choice>
-    <mc:Fallback>
+    <mc:Fallback xmlns:dsp="http://schemas.microsoft.com/office/drawing/2008/diagram" xmlns:dgm="http://schemas.openxmlformats.org/drawingml/2006/diagram" xmlns:c="http://schemas.openxmlformats.org/drawingml/2006/chart" xmlns="">
       <p:transition/>
     </mc:Fallback>
   </mc:AlternateContent>
@@ -19558,7 +20730,7 @@
 </file>
 
 <file path=ppt/slides/slide6.xml><?xml version="1.0" encoding="utf-8"?>
-<p:sld xmlns:r="http://schemas.openxmlformats.org/officeDocument/2006/relationships" xmlns:c="http://schemas.openxmlformats.org/drawingml/2006/chart" xmlns:a="http://schemas.openxmlformats.org/drawingml/2006/main" xmlns:dgm="http://schemas.openxmlformats.org/drawingml/2006/diagram" xmlns:dsp="http://schemas.microsoft.com/office/drawing/2008/diagram" xmlns:p="http://schemas.openxmlformats.org/presentationml/2006/main">
+<p:sld xmlns:a="http://schemas.openxmlformats.org/drawingml/2006/main" xmlns:r="http://schemas.openxmlformats.org/officeDocument/2006/relationships" xmlns:p="http://schemas.openxmlformats.org/presentationml/2006/main">
   <p:cSld>
     <p:spTree>
       <p:nvGrpSpPr>
@@ -19672,7 +20844,7 @@
               <a:defRPr/>
             </a:pPr>
             <a:r>
-              <a:rPr xmlns:mc="http://schemas.openxmlformats.org/markup-compatibility/2006" xmlns:hp="http://schemas.haansoft.com/office/presentation/8.0" lang="en-US" altLang="ko-KR" sz="4800" b="1" mc:Ignorable="hp" hp:hslEmbossed="0">
+              <a:rPr lang="en-US" altLang="ko-KR" sz="4800" b="1">
                 <a:solidFill>
                   <a:schemeClr val="bg1"/>
                 </a:solidFill>
@@ -19687,7 +20859,7 @@
               <a:t>3.</a:t>
             </a:r>
             <a:r>
-              <a:rPr xmlns:mc="http://schemas.openxmlformats.org/markup-compatibility/2006" xmlns:hp="http://schemas.haansoft.com/office/presentation/8.0" lang="ko-KR" altLang="en-US" sz="4800" b="1" mc:Ignorable="hp" hp:hslEmbossed="0">
+              <a:rPr lang="ko-KR" altLang="en-US" sz="4800" b="1">
                 <a:solidFill>
                   <a:schemeClr val="bg1"/>
                 </a:solidFill>
@@ -19701,7 +20873,7 @@
               </a:rPr>
               <a:t> 기술적요소 및 중점 연구분야</a:t>
             </a:r>
-            <a:endParaRPr xmlns:mc="http://schemas.openxmlformats.org/markup-compatibility/2006" xmlns:hp="http://schemas.haansoft.com/office/presentation/8.0" lang="ko-KR" altLang="en-US" sz="4800" b="1" mc:Ignorable="hp" hp:hslEmbossed="0">
+            <a:endParaRPr lang="ko-KR" altLang="en-US" sz="4800" b="1">
               <a:solidFill>
                 <a:schemeClr val="bg1"/>
               </a:solidFill>
@@ -19738,14 +20910,22 @@
               <a:defRPr/>
             </a:pPr>
             <a:r>
-              <a:rPr lang="ko-KR" altLang="en-US" sz="2800" b="1">
+              <a:rPr lang="ko-KR" altLang="en-US" sz="2800" b="1" dirty="0">
                 <a:solidFill>
                   <a:schemeClr val="bg1"/>
                 </a:solidFill>
               </a:rPr>
-              <a:t>애니메이션 블렌딩</a:t>
-            </a:r>
-            <a:endParaRPr lang="ko-KR" altLang="en-US" sz="2800" b="1">
+              <a:t>애니메이션 </a:t>
+            </a:r>
+            <a:r>
+              <a:rPr lang="ko-KR" altLang="en-US" sz="2800" b="1" dirty="0" err="1">
+                <a:solidFill>
+                  <a:schemeClr val="bg1"/>
+                </a:solidFill>
+              </a:rPr>
+              <a:t>블렌딩</a:t>
+            </a:r>
+            <a:endParaRPr lang="ko-KR" altLang="en-US" sz="2800" b="1" dirty="0">
               <a:solidFill>
                 <a:schemeClr val="bg1"/>
               </a:solidFill>
@@ -19761,7 +20941,7 @@
               <a:defRPr/>
             </a:pPr>
             <a:r>
-              <a:rPr lang="ko-KR" altLang="en-US" sz="2200" b="0" i="0" kern="1200">
+              <a:rPr lang="ko-KR" altLang="en-US" sz="2200" b="0" i="0" kern="1200" dirty="0">
                 <a:solidFill>
                   <a:schemeClr val="bg1"/>
                 </a:solidFill>
@@ -19770,9 +20950,17 @@
                 <a:ea typeface="+mn-ea"/>
                 <a:cs typeface="+mn-cs"/>
               </a:rPr>
-              <a:t>애니메이션 전환 자연스럽게</a:t>
-            </a:r>
-            <a:endParaRPr lang="ko-KR" altLang="en-US" sz="2200" b="0" i="0" kern="1200">
+              <a:t>자연스러운 애니메이션 전환</a:t>
+            </a:r>
+          </a:p>
+          <a:p>
+            <a:pPr>
+              <a:lnSpc>
+                <a:spcPct val="150000"/>
+              </a:lnSpc>
+              <a:defRPr/>
+            </a:pPr>
+            <a:endParaRPr lang="en-US" altLang="ko-KR" sz="2200" b="0" i="0" kern="1200" dirty="0">
               <a:solidFill>
                 <a:schemeClr val="bg1"/>
               </a:solidFill>
@@ -19789,36 +20977,14 @@
               </a:lnSpc>
               <a:defRPr/>
             </a:pPr>
-            <a:endParaRPr lang="en-US" altLang="ko-KR" sz="2200" b="0" i="0" kern="1200">
-              <a:solidFill>
-                <a:schemeClr val="bg1"/>
-              </a:solidFill>
-              <a:effectLst/>
-              <a:latin typeface="+mn-lt"/>
-              <a:ea typeface="+mn-ea"/>
-              <a:cs typeface="+mn-cs"/>
-            </a:endParaRPr>
-          </a:p>
-          <a:p>
-            <a:pPr>
-              <a:lnSpc>
-                <a:spcPct val="150000"/>
-              </a:lnSpc>
-              <a:defRPr/>
-            </a:pPr>
-            <a:r>
-              <a:rPr lang="ko-KR" altLang="en-US" sz="2800" b="1">
+            <a:r>
+              <a:rPr lang="ko-KR" altLang="en-US" sz="2800" b="1" dirty="0">
                 <a:solidFill>
                   <a:schemeClr val="bg1"/>
                 </a:solidFill>
               </a:rPr>
               <a:t>그림자</a:t>
             </a:r>
-            <a:endParaRPr lang="ko-KR" altLang="en-US" sz="2800" b="1">
-              <a:solidFill>
-                <a:schemeClr val="bg1"/>
-              </a:solidFill>
-            </a:endParaRPr>
           </a:p>
           <a:p>
             <a:pPr marL="342900" indent="-342900">
@@ -19830,7 +20996,15 @@
               <a:defRPr/>
             </a:pPr>
             <a:r>
-              <a:rPr lang="ko-KR" altLang="en-US" sz="2200" b="0" i="0" kern="1200">
+              <a:rPr lang="ko-KR" altLang="en-US" sz="2200" dirty="0">
+                <a:solidFill>
+                  <a:schemeClr val="bg1"/>
+                </a:solidFill>
+              </a:rPr>
+              <a:t>방향성 조명</a:t>
+            </a:r>
+            <a:r>
+              <a:rPr lang="ko-KR" altLang="en-US" sz="2200" b="0" i="0" kern="1200" dirty="0">
                 <a:solidFill>
                   <a:schemeClr val="bg1"/>
                 </a:solidFill>
@@ -19839,17 +21013,8 @@
                 <a:ea typeface="+mn-ea"/>
                 <a:cs typeface="+mn-cs"/>
               </a:rPr>
-              <a:t>태양 빛에 생기는 그림자 구현</a:t>
-            </a:r>
-            <a:endParaRPr lang="ko-KR" altLang="en-US" sz="2200" b="0" i="0" kern="1200">
-              <a:solidFill>
-                <a:schemeClr val="bg1"/>
-              </a:solidFill>
-              <a:effectLst/>
-              <a:latin typeface="+mn-lt"/>
-              <a:ea typeface="+mn-ea"/>
-              <a:cs typeface="+mn-cs"/>
-            </a:endParaRPr>
+              <a:t>에 생기는 그림자 구현</a:t>
+            </a:r>
           </a:p>
           <a:p>
             <a:pPr latinLnBrk="1">
@@ -19858,7 +21023,7 @@
               </a:lnSpc>
               <a:defRPr/>
             </a:pPr>
-            <a:endParaRPr lang="en-US" altLang="ko-KR" sz="2200" b="1">
+            <a:endParaRPr lang="en-US" altLang="ko-KR" sz="2200" b="1" dirty="0">
               <a:solidFill>
                 <a:schemeClr val="bg1"/>
               </a:solidFill>
@@ -19872,18 +21037,13 @@
               <a:defRPr/>
             </a:pPr>
             <a:r>
-              <a:rPr lang="ko-KR" altLang="en-US" sz="2800" b="1">
+              <a:rPr lang="ko-KR" altLang="en-US" sz="2800" b="1" dirty="0">
                 <a:solidFill>
                   <a:schemeClr val="bg1"/>
                 </a:solidFill>
               </a:rPr>
               <a:t>이펙트</a:t>
             </a:r>
-            <a:endParaRPr lang="ko-KR" altLang="en-US" sz="2800" b="1">
-              <a:solidFill>
-                <a:schemeClr val="bg1"/>
-              </a:solidFill>
-            </a:endParaRPr>
           </a:p>
           <a:p>
             <a:pPr marL="457200" indent="-457200">
@@ -19895,7 +21055,7 @@
               <a:defRPr/>
             </a:pPr>
             <a:r>
-              <a:rPr lang="ko-KR" altLang="en-US" sz="2200" b="0" i="0" kern="1200">
+              <a:rPr lang="ko-KR" altLang="en-US" sz="2200" b="0" i="0" kern="1200" dirty="0">
                 <a:solidFill>
                   <a:schemeClr val="bg1"/>
                 </a:solidFill>
@@ -19906,15 +21066,6 @@
               </a:rPr>
               <a:t>피격 및 스킬 이펙트 구현</a:t>
             </a:r>
-            <a:endParaRPr lang="ko-KR" altLang="en-US" sz="2200" b="0" i="0" kern="1200">
-              <a:solidFill>
-                <a:schemeClr val="bg1"/>
-              </a:solidFill>
-              <a:effectLst/>
-              <a:latin typeface="+mn-lt"/>
-              <a:ea typeface="+mn-ea"/>
-              <a:cs typeface="+mn-cs"/>
-            </a:endParaRPr>
           </a:p>
           <a:p>
             <a:pPr>
@@ -19923,7 +21074,7 @@
               </a:lnSpc>
               <a:defRPr/>
             </a:pPr>
-            <a:endParaRPr lang="ko-KR" altLang="en-US" sz="2800" b="1">
+            <a:endParaRPr lang="ko-KR" altLang="en-US" sz="2800" b="1" dirty="0">
               <a:solidFill>
                 <a:schemeClr val="bg1"/>
               </a:solidFill>
@@ -19939,8 +21090,8 @@
         </p:nvSpPr>
         <p:spPr>
           <a:xfrm>
-            <a:off x="6257928" y="2418801"/>
-            <a:ext cx="5405785" cy="2859629"/>
+            <a:off x="6184637" y="2419341"/>
+            <a:ext cx="5719409" cy="2859629"/>
           </a:xfrm>
           <a:prstGeom prst="rect">
             <a:avLst/>
@@ -19960,18 +21111,13 @@
               <a:defRPr/>
             </a:pPr>
             <a:r>
-              <a:rPr lang="ko-KR" altLang="en-US" sz="2800" b="1">
+              <a:rPr lang="ko-KR" altLang="en-US" sz="2800" b="1" dirty="0">
                 <a:solidFill>
                   <a:schemeClr val="bg1"/>
                 </a:solidFill>
               </a:rPr>
               <a:t>프레임워크</a:t>
             </a:r>
-            <a:endParaRPr lang="ko-KR" altLang="en-US" sz="2800" b="1">
-              <a:solidFill>
-                <a:schemeClr val="bg1"/>
-              </a:solidFill>
-            </a:endParaRPr>
           </a:p>
           <a:p>
             <a:pPr marL="457200" indent="-457200" latinLnBrk="1">
@@ -19983,18 +21129,13 @@
               <a:defRPr/>
             </a:pPr>
             <a:r>
-              <a:rPr lang="ko-KR" altLang="en-US" sz="2200">
+              <a:rPr lang="ko-KR" altLang="en-US" sz="2200" dirty="0">
                 <a:solidFill>
                   <a:schemeClr val="bg1"/>
                 </a:solidFill>
               </a:rPr>
               <a:t>디자인 패턴을 적용하여 프레임워크 제작</a:t>
             </a:r>
-            <a:endParaRPr lang="ko-KR" altLang="en-US" sz="2200">
-              <a:solidFill>
-                <a:schemeClr val="bg1"/>
-              </a:solidFill>
-            </a:endParaRPr>
           </a:p>
           <a:p>
             <a:pPr latinLnBrk="1">
@@ -20003,7 +21144,7 @@
               </a:lnSpc>
               <a:defRPr/>
             </a:pPr>
-            <a:endParaRPr lang="en-US" altLang="ko-KR" sz="2200" b="1">
+            <a:endParaRPr lang="en-US" altLang="ko-KR" sz="2200" b="1" dirty="0">
               <a:solidFill>
                 <a:schemeClr val="bg1"/>
               </a:solidFill>
@@ -20017,18 +21158,13 @@
               <a:defRPr/>
             </a:pPr>
             <a:r>
-              <a:rPr lang="ko-KR" altLang="en-US" sz="2800" b="1">
+              <a:rPr lang="ko-KR" altLang="en-US" sz="2800" b="1" dirty="0">
                 <a:solidFill>
                   <a:schemeClr val="bg1"/>
                 </a:solidFill>
               </a:rPr>
               <a:t>최적화</a:t>
             </a:r>
-            <a:endParaRPr lang="ko-KR" altLang="en-US" sz="2800" b="1">
-              <a:solidFill>
-                <a:schemeClr val="bg1"/>
-              </a:solidFill>
-            </a:endParaRPr>
           </a:p>
           <a:p>
             <a:pPr marL="457200" indent="-457200" latinLnBrk="1">
@@ -20040,7 +21176,7 @@
               <a:defRPr/>
             </a:pPr>
             <a:r>
-              <a:rPr lang="ko-KR" altLang="en-US" sz="2200" b="0" i="0" kern="1200">
+              <a:rPr lang="ko-KR" altLang="en-US" sz="2200" b="0" i="0" kern="1200" dirty="0">
                 <a:solidFill>
                   <a:schemeClr val="bg1"/>
                 </a:solidFill>
@@ -20049,9 +21185,57 @@
                 <a:ea typeface="+mn-ea"/>
                 <a:cs typeface="+mn-cs"/>
               </a:rPr>
-              <a:t>오브젝트 인스턴싱 및 컬링 원리 이해</a:t>
-            </a:r>
-            <a:endParaRPr lang="ko-KR" altLang="en-US" sz="2200">
+              <a:t>오브젝트 </a:t>
+            </a:r>
+            <a:r>
+              <a:rPr lang="ko-KR" altLang="en-US" sz="2200" b="0" i="0" kern="1200" dirty="0" err="1">
+                <a:solidFill>
+                  <a:schemeClr val="bg1"/>
+                </a:solidFill>
+                <a:effectLst/>
+                <a:latin typeface="+mn-lt"/>
+                <a:ea typeface="+mn-ea"/>
+                <a:cs typeface="+mn-cs"/>
+              </a:rPr>
+              <a:t>인스턴싱</a:t>
+            </a:r>
+            <a:r>
+              <a:rPr lang="ko-KR" altLang="en-US" sz="2200" b="0" i="0" kern="1200" dirty="0">
+                <a:solidFill>
+                  <a:schemeClr val="bg1"/>
+                </a:solidFill>
+                <a:effectLst/>
+                <a:latin typeface="+mn-lt"/>
+                <a:ea typeface="+mn-ea"/>
+                <a:cs typeface="+mn-cs"/>
+              </a:rPr>
+              <a:t> 및 </a:t>
+            </a:r>
+            <a:r>
+              <a:rPr lang="ko-KR" altLang="en-US" sz="2200" b="0" i="0" kern="1200" dirty="0" err="1">
+                <a:solidFill>
+                  <a:schemeClr val="bg1"/>
+                </a:solidFill>
+                <a:effectLst/>
+                <a:latin typeface="+mn-lt"/>
+                <a:ea typeface="+mn-ea"/>
+                <a:cs typeface="+mn-cs"/>
+              </a:rPr>
+              <a:t>컬링</a:t>
+            </a:r>
+            <a:r>
+              <a:rPr lang="ko-KR" altLang="en-US" sz="2200" b="0" i="0" kern="1200" dirty="0">
+                <a:solidFill>
+                  <a:schemeClr val="bg1"/>
+                </a:solidFill>
+                <a:effectLst/>
+                <a:latin typeface="+mn-lt"/>
+                <a:ea typeface="+mn-ea"/>
+                <a:cs typeface="+mn-cs"/>
+              </a:rPr>
+              <a:t> 원리 이해</a:t>
+            </a:r>
+            <a:endParaRPr lang="ko-KR" altLang="en-US" sz="2200" dirty="0">
               <a:solidFill>
                 <a:schemeClr val="bg1"/>
               </a:solidFill>
@@ -20140,11 +21324,11 @@
   <p:clrMapOvr>
     <a:masterClrMapping/>
   </p:clrMapOvr>
-  <mc:AlternateContent xmlns:mc="http://schemas.openxmlformats.org/markup-compatibility/2006">
-    <mc:Choice xmlns:p14="http://schemas.microsoft.com/office/powerpoint/2010/main" Requires="p14">
-      <p:transition xmlns:mc="http://schemas.openxmlformats.org/markup-compatibility/2006" xmlns:p14="http://schemas.microsoft.com/office/powerpoint/2010/main" mc:Ignorable="p14" p14:dur="500"/>
+  <mc:AlternateContent xmlns:mc="http://schemas.openxmlformats.org/markup-compatibility/2006" xmlns:p14="http://schemas.microsoft.com/office/powerpoint/2010/main">
+    <mc:Choice Requires="p14">
+      <p:transition/>
     </mc:Choice>
-    <mc:Fallback>
+    <mc:Fallback xmlns:dsp="http://schemas.microsoft.com/office/drawing/2008/diagram" xmlns:dgm="http://schemas.openxmlformats.org/drawingml/2006/diagram" xmlns:c="http://schemas.openxmlformats.org/drawingml/2006/chart" xmlns="">
       <p:transition/>
     </mc:Fallback>
   </mc:AlternateContent>
@@ -20152,7 +21336,7 @@
 </file>
 
 <file path=ppt/slides/slide7.xml><?xml version="1.0" encoding="utf-8"?>
-<p:sld xmlns:r="http://schemas.openxmlformats.org/officeDocument/2006/relationships" xmlns:c="http://schemas.openxmlformats.org/drawingml/2006/chart" xmlns:a="http://schemas.openxmlformats.org/drawingml/2006/main" xmlns:dgm="http://schemas.openxmlformats.org/drawingml/2006/diagram" xmlns:dsp="http://schemas.microsoft.com/office/drawing/2008/diagram" xmlns:p="http://schemas.openxmlformats.org/presentationml/2006/main">
+<p:sld xmlns:a="http://schemas.openxmlformats.org/drawingml/2006/main" xmlns:r="http://schemas.openxmlformats.org/officeDocument/2006/relationships" xmlns:p="http://schemas.openxmlformats.org/presentationml/2006/main">
   <p:cSld>
     <p:spTree>
       <p:nvGrpSpPr>
@@ -20243,7 +21427,7 @@
               <a:defRPr/>
             </a:pPr>
             <a:r>
-              <a:rPr xmlns:mc="http://schemas.openxmlformats.org/markup-compatibility/2006" xmlns:hp="http://schemas.haansoft.com/office/presentation/8.0" lang="en-US" altLang="ko-KR" sz="4800" b="1" mc:Ignorable="hp" hp:hslEmbossed="0">
+              <a:rPr lang="en-US" altLang="ko-KR" sz="4800" b="1">
                 <a:solidFill>
                   <a:schemeClr val="bg1"/>
                 </a:solidFill>
@@ -20258,7 +21442,7 @@
               <a:t>4.</a:t>
             </a:r>
             <a:r>
-              <a:rPr xmlns:mc="http://schemas.openxmlformats.org/markup-compatibility/2006" xmlns:hp="http://schemas.haansoft.com/office/presentation/8.0" lang="ko-KR" altLang="en-US" sz="4800" b="1" mc:Ignorable="hp" hp:hslEmbossed="0">
+              <a:rPr lang="ko-KR" altLang="en-US" sz="4800" b="1">
                 <a:solidFill>
                   <a:schemeClr val="bg1"/>
                 </a:solidFill>
@@ -20270,12 +21454,452 @@
                   </a:outerShdw>
                 </a:effectLst>
               </a:rPr>
-              <a:t> 개발내용</a:t>
-            </a:r>
-            <a:endParaRPr xmlns:mc="http://schemas.openxmlformats.org/markup-compatibility/2006" xmlns:hp="http://schemas.haansoft.com/office/presentation/8.0" lang="ko-KR" altLang="en-US" sz="4800" b="1" mc:Ignorable="hp" hp:hslEmbossed="0">
+              <a:t> 개발내용 </a:t>
+            </a:r>
+            <a:r>
+              <a:rPr lang="en-US" altLang="ko-KR" sz="3200" b="1">
+                <a:solidFill>
+                  <a:schemeClr val="bg1"/>
+                </a:solidFill>
+                <a:effectLst>
+                  <a:outerShdw blurRad="38100" dist="38100" dir="2700000" algn="tl">
+                    <a:srgbClr val="000000">
+                      <a:alpha val="43140"/>
+                    </a:srgbClr>
+                  </a:outerShdw>
+                </a:effectLst>
+              </a:rPr>
+              <a:t>-</a:t>
+            </a:r>
+            <a:r>
+              <a:rPr lang="ko-KR" altLang="en-US" sz="3200" b="1">
+                <a:solidFill>
+                  <a:schemeClr val="bg1"/>
+                </a:solidFill>
+                <a:effectLst>
+                  <a:outerShdw blurRad="38100" dist="38100" dir="2700000" algn="tl">
+                    <a:srgbClr val="000000">
+                      <a:alpha val="43140"/>
+                    </a:srgbClr>
+                  </a:outerShdw>
+                </a:effectLst>
+              </a:rPr>
+              <a:t> 윤성주</a:t>
+            </a:r>
+            <a:endParaRPr lang="ko-KR" altLang="en-US" sz="3200" b="1">
               <a:solidFill>
                 <a:schemeClr val="bg1"/>
               </a:solidFill>
+            </a:endParaRPr>
+          </a:p>
+        </p:txBody>
+      </p:sp>
+      <p:sp>
+        <p:nvSpPr>
+          <p:cNvPr id="11" name="직사각형 1"/>
+          <p:cNvSpPr/>
+          <p:nvPr/>
+        </p:nvSpPr>
+        <p:spPr>
+          <a:xfrm>
+            <a:off x="546243" y="1487366"/>
+            <a:ext cx="11043006" cy="1047749"/>
+          </a:xfrm>
+          <a:prstGeom prst="rect">
+            <a:avLst/>
+          </a:prstGeom>
+          <a:solidFill>
+            <a:schemeClr val="tx1"/>
+          </a:solidFill>
+          <a:ln w="28575">
+            <a:noFill/>
+          </a:ln>
+        </p:spPr>
+        <p:style>
+          <a:lnRef idx="2">
+            <a:schemeClr val="accent1">
+              <a:shade val="50000"/>
+            </a:schemeClr>
+          </a:lnRef>
+          <a:fillRef idx="1">
+            <a:schemeClr val="accent1"/>
+          </a:fillRef>
+          <a:effectRef idx="0">
+            <a:schemeClr val="accent1"/>
+          </a:effectRef>
+          <a:fontRef idx="minor">
+            <a:schemeClr val="lt1"/>
+          </a:fontRef>
+        </p:style>
+        <p:txBody>
+          <a:bodyPr anchor="ctr"/>
+          <a:lstStyle/>
+          <a:p>
+            <a:pPr lvl="0">
+              <a:defRPr/>
+            </a:pPr>
+            <a:r>
+              <a:rPr lang="en-US" altLang="ko-KR" sz="2400">
+                <a:solidFill>
+                  <a:schemeClr val="bg1"/>
+                </a:solidFill>
+                <a:latin typeface="+mj-lt"/>
+              </a:rPr>
+              <a:t>1.</a:t>
+            </a:r>
+            <a:r>
+              <a:rPr lang="ko-KR" altLang="en-US" sz="2400">
+                <a:solidFill>
+                  <a:schemeClr val="bg1"/>
+                </a:solidFill>
+                <a:latin typeface="+mj-lt"/>
+              </a:rPr>
+              <a:t> 보간을 통한 </a:t>
+            </a:r>
+            <a:r>
+              <a:rPr lang="ko-KR" altLang="en-US" sz="2800" b="1">
+                <a:solidFill>
+                  <a:schemeClr val="bg1"/>
+                </a:solidFill>
+                <a:latin typeface="+mj-lt"/>
+              </a:rPr>
+              <a:t>애니메이션 블렌딩</a:t>
+            </a:r>
+            <a:r>
+              <a:rPr lang="ko-KR" altLang="en-US" sz="2400">
+                <a:solidFill>
+                  <a:schemeClr val="bg1"/>
+                </a:solidFill>
+                <a:latin typeface="+mj-lt"/>
+              </a:rPr>
+              <a:t> 구현</a:t>
+            </a:r>
+            <a:r>
+              <a:rPr lang="en-US" altLang="ko-KR" sz="2400">
+                <a:solidFill>
+                  <a:schemeClr val="bg1"/>
+                </a:solidFill>
+                <a:latin typeface="+mj-lt"/>
+              </a:rPr>
+              <a:t> </a:t>
+            </a:r>
+          </a:p>
+        </p:txBody>
+      </p:sp>
+      <p:sp>
+        <p:nvSpPr>
+          <p:cNvPr id="12" name="직사각형 5"/>
+          <p:cNvSpPr/>
+          <p:nvPr/>
+        </p:nvSpPr>
+        <p:spPr>
+          <a:xfrm>
+            <a:off x="546243" y="2759822"/>
+            <a:ext cx="11043006" cy="1047749"/>
+          </a:xfrm>
+          <a:prstGeom prst="rect">
+            <a:avLst/>
+          </a:prstGeom>
+          <a:solidFill>
+            <a:schemeClr val="tx1"/>
+          </a:solidFill>
+          <a:ln w="28575">
+            <a:noFill/>
+          </a:ln>
+        </p:spPr>
+        <p:style>
+          <a:lnRef idx="2">
+            <a:schemeClr val="accent1">
+              <a:shade val="50000"/>
+            </a:schemeClr>
+          </a:lnRef>
+          <a:fillRef idx="1">
+            <a:schemeClr val="accent1"/>
+          </a:fillRef>
+          <a:effectRef idx="0">
+            <a:schemeClr val="accent1"/>
+          </a:effectRef>
+          <a:fontRef idx="minor">
+            <a:schemeClr val="lt1"/>
+          </a:fontRef>
+        </p:style>
+        <p:txBody>
+          <a:bodyPr anchor="ctr"/>
+          <a:lstStyle/>
+          <a:p>
+            <a:pPr lvl="0">
+              <a:defRPr/>
+            </a:pPr>
+            <a:r>
+              <a:rPr lang="en-US" altLang="ko-KR" sz="2400">
+                <a:solidFill>
+                  <a:schemeClr val="bg1"/>
+                </a:solidFill>
+                <a:latin typeface="+mj-lt"/>
+              </a:rPr>
+              <a:t>2.</a:t>
+            </a:r>
+            <a:r>
+              <a:rPr lang="en-US" altLang="ko-KR" sz="2400" i="0">
+                <a:solidFill>
+                  <a:schemeClr val="bg1"/>
+                </a:solidFill>
+                <a:effectLst/>
+                <a:latin typeface="+mj-lt"/>
+              </a:rPr>
+              <a:t> </a:t>
+            </a:r>
+            <a:r>
+              <a:rPr lang="en-US" altLang="ko-KR" sz="2800" b="1" i="0">
+                <a:solidFill>
+                  <a:schemeClr val="bg1"/>
+                </a:solidFill>
+                <a:effectLst/>
+                <a:latin typeface="+mj-lt"/>
+              </a:rPr>
+              <a:t>Overlapped IO </a:t>
+            </a:r>
+            <a:r>
+              <a:rPr lang="ko-KR" altLang="en-US" sz="2800" b="1" i="0">
+                <a:solidFill>
+                  <a:schemeClr val="bg1"/>
+                </a:solidFill>
+                <a:effectLst/>
+                <a:latin typeface="+mj-lt"/>
+              </a:rPr>
+              <a:t>모델</a:t>
+            </a:r>
+            <a:r>
+              <a:rPr lang="ko-KR" altLang="en-US" sz="2400" i="0">
+                <a:solidFill>
+                  <a:schemeClr val="bg1"/>
+                </a:solidFill>
+                <a:effectLst/>
+                <a:latin typeface="+mj-lt"/>
+              </a:rPr>
+              <a:t>을 통한 서버 구현</a:t>
+            </a:r>
+            <a:r>
+              <a:rPr lang="en-US" altLang="ko-KR" sz="2800" i="0">
+                <a:solidFill>
+                  <a:schemeClr val="bg1"/>
+                </a:solidFill>
+                <a:effectLst/>
+                <a:latin typeface="+mj-lt"/>
+              </a:rPr>
+              <a:t> </a:t>
+            </a:r>
+            <a:endParaRPr lang="en-US" altLang="ko-KR" sz="2800" i="0">
+              <a:solidFill>
+                <a:schemeClr val="bg1"/>
+              </a:solidFill>
+              <a:latin typeface="+mj-lt"/>
+            </a:endParaRPr>
+          </a:p>
+        </p:txBody>
+      </p:sp>
+      <p:sp>
+        <p:nvSpPr>
+          <p:cNvPr id="13" name="직사각형 6"/>
+          <p:cNvSpPr/>
+          <p:nvPr/>
+        </p:nvSpPr>
+        <p:spPr>
+          <a:xfrm>
+            <a:off x="546243" y="3985485"/>
+            <a:ext cx="11043006" cy="1047749"/>
+          </a:xfrm>
+          <a:prstGeom prst="rect">
+            <a:avLst/>
+          </a:prstGeom>
+          <a:solidFill>
+            <a:schemeClr val="tx1"/>
+          </a:solidFill>
+          <a:ln w="28575">
+            <a:noFill/>
+          </a:ln>
+        </p:spPr>
+        <p:style>
+          <a:lnRef idx="2">
+            <a:schemeClr val="accent1">
+              <a:shade val="50000"/>
+            </a:schemeClr>
+          </a:lnRef>
+          <a:fillRef idx="1">
+            <a:schemeClr val="accent1"/>
+          </a:fillRef>
+          <a:effectRef idx="0">
+            <a:schemeClr val="accent1"/>
+          </a:effectRef>
+          <a:fontRef idx="minor">
+            <a:schemeClr val="lt1"/>
+          </a:fontRef>
+        </p:style>
+        <p:txBody>
+          <a:bodyPr anchor="ctr"/>
+          <a:lstStyle/>
+          <a:p>
+            <a:pPr lvl="0">
+              <a:defRPr/>
+            </a:pPr>
+            <a:r>
+              <a:rPr lang="en-US" altLang="ko-KR" sz="2400">
+                <a:solidFill>
+                  <a:schemeClr val="bg1"/>
+                </a:solidFill>
+                <a:latin typeface="+mj-lt"/>
+              </a:rPr>
+              <a:t>3.</a:t>
+            </a:r>
+            <a:r>
+              <a:rPr lang="en-US" altLang="ko-KR" sz="2800" b="1" i="0">
+                <a:solidFill>
+                  <a:schemeClr val="bg1"/>
+                </a:solidFill>
+                <a:effectLst/>
+                <a:latin typeface="+mj-lt"/>
+              </a:rPr>
+              <a:t> </a:t>
+            </a:r>
+            <a:r>
+              <a:rPr lang="ko-KR" altLang="en-US" sz="2400" i="0">
+                <a:solidFill>
+                  <a:schemeClr val="bg1"/>
+                </a:solidFill>
+                <a:effectLst/>
+                <a:latin typeface="+mj-lt"/>
+              </a:rPr>
+              <a:t>회전 보간을 통한</a:t>
+            </a:r>
+            <a:r>
+              <a:rPr lang="ko-KR" altLang="en-US" sz="2800" b="1" i="0">
+                <a:solidFill>
+                  <a:schemeClr val="bg1"/>
+                </a:solidFill>
+                <a:effectLst/>
+                <a:latin typeface="+mj-lt"/>
+              </a:rPr>
+              <a:t> </a:t>
+            </a:r>
+            <a:r>
+              <a:rPr lang="ko-KR" altLang="en-US" sz="2800" b="1">
+                <a:solidFill>
+                  <a:schemeClr val="bg1"/>
+                </a:solidFill>
+                <a:latin typeface="+mj-lt"/>
+              </a:rPr>
+              <a:t>플레이어 회전 </a:t>
+            </a:r>
+            <a:r>
+              <a:rPr lang="ko-KR" altLang="en-US" sz="2400">
+                <a:solidFill>
+                  <a:schemeClr val="bg1"/>
+                </a:solidFill>
+                <a:latin typeface="+mj-lt"/>
+              </a:rPr>
+              <a:t>구현</a:t>
+            </a:r>
+          </a:p>
+        </p:txBody>
+      </p:sp>
+      <p:sp>
+        <p:nvSpPr>
+          <p:cNvPr id="14" name="직사각형 8"/>
+          <p:cNvSpPr/>
+          <p:nvPr/>
+        </p:nvSpPr>
+        <p:spPr>
+          <a:xfrm>
+            <a:off x="546243" y="5211148"/>
+            <a:ext cx="11043006" cy="1047749"/>
+          </a:xfrm>
+          <a:prstGeom prst="rect">
+            <a:avLst/>
+          </a:prstGeom>
+          <a:solidFill>
+            <a:schemeClr val="tx1"/>
+          </a:solidFill>
+          <a:ln w="28575">
+            <a:noFill/>
+          </a:ln>
+        </p:spPr>
+        <p:style>
+          <a:lnRef idx="2">
+            <a:schemeClr val="accent1">
+              <a:shade val="50000"/>
+            </a:schemeClr>
+          </a:lnRef>
+          <a:fillRef idx="1">
+            <a:schemeClr val="accent1"/>
+          </a:fillRef>
+          <a:effectRef idx="0">
+            <a:schemeClr val="accent1"/>
+          </a:effectRef>
+          <a:fontRef idx="minor">
+            <a:schemeClr val="lt1"/>
+          </a:fontRef>
+        </p:style>
+        <p:txBody>
+          <a:bodyPr anchor="ctr"/>
+          <a:lstStyle/>
+          <a:p>
+            <a:pPr lvl="0">
+              <a:defRPr/>
+            </a:pPr>
+            <a:r>
+              <a:rPr lang="en-US" altLang="ko-KR" sz="2400">
+                <a:solidFill>
+                  <a:schemeClr val="bg1"/>
+                </a:solidFill>
+                <a:latin typeface="+mj-lt"/>
+              </a:rPr>
+              <a:t>4.</a:t>
+            </a:r>
+            <a:r>
+              <a:rPr lang="en-US" altLang="ko-KR" sz="2400" i="0">
+                <a:solidFill>
+                  <a:schemeClr val="bg1"/>
+                </a:solidFill>
+                <a:effectLst/>
+                <a:latin typeface="+mj-lt"/>
+              </a:rPr>
+              <a:t> </a:t>
+            </a:r>
+            <a:r>
+              <a:rPr lang="ko-KR" altLang="en-US" sz="2400" i="0">
+                <a:solidFill>
+                  <a:schemeClr val="bg1"/>
+                </a:solidFill>
+                <a:effectLst/>
+                <a:latin typeface="+mj-lt"/>
+              </a:rPr>
+              <a:t>몬스터 추가 및 </a:t>
+            </a:r>
+            <a:r>
+              <a:rPr lang="ko-KR" altLang="en-US" sz="2800" b="1" i="0">
+                <a:solidFill>
+                  <a:schemeClr val="bg1"/>
+                </a:solidFill>
+                <a:effectLst/>
+                <a:latin typeface="+mj-lt"/>
+              </a:rPr>
+              <a:t>전투</a:t>
+            </a:r>
+            <a:r>
+              <a:rPr lang="ko-KR" altLang="en-US" sz="2400" i="0">
+                <a:solidFill>
+                  <a:schemeClr val="bg1"/>
+                </a:solidFill>
+                <a:effectLst/>
+                <a:latin typeface="+mj-lt"/>
+              </a:rPr>
+              <a:t> 구현 </a:t>
+            </a:r>
+            <a:endParaRPr lang="ko-KR" altLang="en-US" sz="2400" i="0">
+              <a:solidFill>
+                <a:schemeClr val="bg1"/>
+              </a:solidFill>
+              <a:latin typeface="+mj-lt"/>
             </a:endParaRPr>
           </a:p>
         </p:txBody>
@@ -20285,11 +21909,11 @@
   <p:clrMapOvr>
     <a:masterClrMapping/>
   </p:clrMapOvr>
-  <mc:AlternateContent xmlns:mc="http://schemas.openxmlformats.org/markup-compatibility/2006">
-    <mc:Choice xmlns:p14="http://schemas.microsoft.com/office/powerpoint/2010/main" Requires="p14">
-      <p:transition xmlns:mc="http://schemas.openxmlformats.org/markup-compatibility/2006" xmlns:p14="http://schemas.microsoft.com/office/powerpoint/2010/main" mc:Ignorable="p14" p14:dur="500"/>
+  <mc:AlternateContent xmlns:mc="http://schemas.openxmlformats.org/markup-compatibility/2006" xmlns:p14="http://schemas.microsoft.com/office/powerpoint/2010/main">
+    <mc:Choice Requires="p14">
+      <p:transition/>
     </mc:Choice>
-    <mc:Fallback>
+    <mc:Fallback xmlns:dsp="http://schemas.microsoft.com/office/drawing/2008/diagram" xmlns:dgm="http://schemas.openxmlformats.org/drawingml/2006/diagram" xmlns:c="http://schemas.openxmlformats.org/drawingml/2006/chart" xmlns="">
       <p:transition/>
     </mc:Fallback>
   </mc:AlternateContent>
@@ -20297,7 +21921,7 @@
 </file>
 
 <file path=ppt/slides/slide8.xml><?xml version="1.0" encoding="utf-8"?>
-<p:sld xmlns:r="http://schemas.openxmlformats.org/officeDocument/2006/relationships" xmlns:c="http://schemas.openxmlformats.org/drawingml/2006/chart" xmlns:a="http://schemas.openxmlformats.org/drawingml/2006/main" xmlns:dgm="http://schemas.openxmlformats.org/drawingml/2006/diagram" xmlns:dsp="http://schemas.microsoft.com/office/drawing/2008/diagram" xmlns:p="http://schemas.openxmlformats.org/presentationml/2006/main">
+<p:sld xmlns:a="http://schemas.openxmlformats.org/drawingml/2006/main" xmlns:r="http://schemas.openxmlformats.org/officeDocument/2006/relationships" xmlns:p="http://schemas.openxmlformats.org/presentationml/2006/main">
   <p:cSld>
     <p:spTree>
       <p:nvGrpSpPr>
@@ -20388,7 +22012,7 @@
               <a:defRPr/>
             </a:pPr>
             <a:r>
-              <a:rPr xmlns:mc="http://schemas.openxmlformats.org/markup-compatibility/2006" xmlns:hp="http://schemas.haansoft.com/office/presentation/8.0" lang="en-US" altLang="ko-KR" sz="4800" b="1" mc:Ignorable="hp" hp:hslEmbossed="0">
+              <a:rPr lang="en-US" altLang="ko-KR" sz="4800" b="1">
                 <a:solidFill>
                   <a:schemeClr val="bg1"/>
                 </a:solidFill>
@@ -20403,7 +22027,7 @@
               <a:t>4.</a:t>
             </a:r>
             <a:r>
-              <a:rPr xmlns:mc="http://schemas.openxmlformats.org/markup-compatibility/2006" xmlns:hp="http://schemas.haansoft.com/office/presentation/8.0" lang="ko-KR" altLang="en-US" sz="4800" b="1" mc:Ignorable="hp" hp:hslEmbossed="0">
+              <a:rPr lang="ko-KR" altLang="en-US" sz="4800" b="1">
                 <a:solidFill>
                   <a:schemeClr val="bg1"/>
                 </a:solidFill>
@@ -20418,7 +22042,7 @@
               <a:t> 개발내용 </a:t>
             </a:r>
             <a:r>
-              <a:rPr xmlns:mc="http://schemas.openxmlformats.org/markup-compatibility/2006" xmlns:hp="http://schemas.haansoft.com/office/presentation/8.0" lang="en-US" altLang="ko-KR" sz="4800" b="1" mc:Ignorable="hp" hp:hslEmbossed="0">
+              <a:rPr lang="en-US" altLang="ko-KR" sz="3200" b="1">
                 <a:solidFill>
                   <a:schemeClr val="bg1"/>
                 </a:solidFill>
@@ -20433,7 +22057,7 @@
               <a:t>-</a:t>
             </a:r>
             <a:r>
-              <a:rPr xmlns:mc="http://schemas.openxmlformats.org/markup-compatibility/2006" xmlns:hp="http://schemas.haansoft.com/office/presentation/8.0" lang="ko-KR" altLang="en-US" sz="4800" b="1" mc:Ignorable="hp" hp:hslEmbossed="0">
+              <a:rPr lang="ko-KR" altLang="en-US" sz="3200" b="1">
                 <a:solidFill>
                   <a:schemeClr val="bg1"/>
                 </a:solidFill>
@@ -20445,28 +22069,567 @@
                   </a:outerShdw>
                 </a:effectLst>
               </a:rPr>
-              <a:t> </a:t>
-            </a:r>
-            <a:r>
-              <a:rPr xmlns:mc="http://schemas.openxmlformats.org/markup-compatibility/2006" xmlns:hp="http://schemas.haansoft.com/office/presentation/8.0" lang="ko-KR" altLang="en-US" sz="3200" b="1" mc:Ignorable="hp" hp:hslEmbossed="0">
-                <a:solidFill>
-                  <a:schemeClr val="bg1"/>
-                </a:solidFill>
-                <a:effectLst>
-                  <a:outerShdw blurRad="38100" dist="38100" dir="2700000" algn="tl">
-                    <a:srgbClr val="000000">
-                      <a:alpha val="43140"/>
-                    </a:srgbClr>
-                  </a:outerShdw>
-                </a:effectLst>
-              </a:rPr>
-              <a:t>커밋로그</a:t>
-            </a:r>
-            <a:endParaRPr xmlns:mc="http://schemas.openxmlformats.org/markup-compatibility/2006" xmlns:hp="http://schemas.haansoft.com/office/presentation/8.0" lang="ko-KR" altLang="en-US" sz="3200" b="1" mc:Ignorable="hp" hp:hslEmbossed="0">
+              <a:t> 최경훈</a:t>
+            </a:r>
+            <a:endParaRPr lang="ko-KR" altLang="en-US" sz="3200" b="1">
               <a:solidFill>
                 <a:schemeClr val="bg1"/>
               </a:solidFill>
             </a:endParaRPr>
+          </a:p>
+        </p:txBody>
+      </p:sp>
+      <p:sp>
+        <p:nvSpPr>
+          <p:cNvPr id="11" name="직사각형 1"/>
+          <p:cNvSpPr/>
+          <p:nvPr/>
+        </p:nvSpPr>
+        <p:spPr>
+          <a:xfrm>
+            <a:off x="546243" y="1487366"/>
+            <a:ext cx="11043006" cy="1047749"/>
+          </a:xfrm>
+          <a:prstGeom prst="rect">
+            <a:avLst/>
+          </a:prstGeom>
+          <a:solidFill>
+            <a:schemeClr val="tx1"/>
+          </a:solidFill>
+          <a:ln w="28575">
+            <a:noFill/>
+          </a:ln>
+        </p:spPr>
+        <p:style>
+          <a:lnRef idx="2">
+            <a:schemeClr val="accent1">
+              <a:shade val="50000"/>
+            </a:schemeClr>
+          </a:lnRef>
+          <a:fillRef idx="1">
+            <a:schemeClr val="accent1"/>
+          </a:fillRef>
+          <a:effectRef idx="0">
+            <a:schemeClr val="accent1"/>
+          </a:effectRef>
+          <a:fontRef idx="minor">
+            <a:schemeClr val="lt1"/>
+          </a:fontRef>
+        </p:style>
+        <p:txBody>
+          <a:bodyPr anchor="ctr"/>
+          <a:lstStyle/>
+          <a:p>
+            <a:pPr lvl="0">
+              <a:defRPr/>
+            </a:pPr>
+            <a:r>
+              <a:rPr lang="en-US" altLang="ko-KR" sz="2400" dirty="0">
+                <a:solidFill>
+                  <a:schemeClr val="bg1"/>
+                </a:solidFill>
+                <a:latin typeface="+mj-lt"/>
+              </a:rPr>
+              <a:t>1.</a:t>
+            </a:r>
+            <a:r>
+              <a:rPr lang="ko-KR" altLang="en-US" sz="2400" dirty="0">
+                <a:solidFill>
+                  <a:schemeClr val="bg1"/>
+                </a:solidFill>
+                <a:latin typeface="+mj-lt"/>
+              </a:rPr>
+              <a:t> </a:t>
+            </a:r>
+            <a:r>
+              <a:rPr lang="en-US" altLang="ko-KR" sz="2800" b="1" dirty="0">
+                <a:solidFill>
+                  <a:schemeClr val="bg1"/>
+                </a:solidFill>
+                <a:latin typeface="+mj-lt"/>
+              </a:rPr>
+              <a:t>맵</a:t>
+            </a:r>
+            <a:r>
+              <a:rPr lang="en-US" altLang="ko-KR" sz="2400" dirty="0">
+                <a:solidFill>
+                  <a:schemeClr val="bg1"/>
+                </a:solidFill>
+                <a:latin typeface="+mj-lt"/>
+              </a:rPr>
+              <a:t> </a:t>
+            </a:r>
+            <a:r>
+              <a:rPr lang="en-US" altLang="ko-KR" sz="2400" dirty="0" err="1">
+                <a:solidFill>
+                  <a:schemeClr val="bg1"/>
+                </a:solidFill>
+                <a:latin typeface="+mj-lt"/>
+              </a:rPr>
+              <a:t>배치</a:t>
+            </a:r>
+            <a:r>
+              <a:rPr lang="en-US" altLang="ko-KR" sz="2400" dirty="0">
+                <a:solidFill>
+                  <a:schemeClr val="bg1"/>
+                </a:solidFill>
+                <a:latin typeface="+mj-lt"/>
+              </a:rPr>
+              <a:t> 및 </a:t>
+            </a:r>
+            <a:r>
+              <a:rPr lang="en-US" altLang="ko-KR" sz="2800" b="1" dirty="0" err="1">
+                <a:solidFill>
+                  <a:schemeClr val="bg1"/>
+                </a:solidFill>
+                <a:latin typeface="+mj-lt"/>
+              </a:rPr>
+              <a:t>충돌</a:t>
+            </a:r>
+            <a:r>
+              <a:rPr lang="ko-KR" altLang="en-US" sz="2400" dirty="0">
+                <a:solidFill>
+                  <a:schemeClr val="bg1"/>
+                </a:solidFill>
+                <a:latin typeface="+mj-lt"/>
+              </a:rPr>
+              <a:t> 구현</a:t>
+            </a:r>
+            <a:r>
+              <a:rPr lang="en-US" altLang="ko-KR" sz="2400" dirty="0">
+                <a:solidFill>
+                  <a:schemeClr val="bg1"/>
+                </a:solidFill>
+                <a:latin typeface="+mj-lt"/>
+              </a:rPr>
+              <a:t> </a:t>
+            </a:r>
+          </a:p>
+        </p:txBody>
+      </p:sp>
+      <p:sp>
+        <p:nvSpPr>
+          <p:cNvPr id="12" name="직사각형 5"/>
+          <p:cNvSpPr/>
+          <p:nvPr/>
+        </p:nvSpPr>
+        <p:spPr>
+          <a:xfrm>
+            <a:off x="546243" y="2759822"/>
+            <a:ext cx="11043006" cy="1047749"/>
+          </a:xfrm>
+          <a:prstGeom prst="rect">
+            <a:avLst/>
+          </a:prstGeom>
+          <a:solidFill>
+            <a:schemeClr val="tx1"/>
+          </a:solidFill>
+          <a:ln w="28575">
+            <a:noFill/>
+          </a:ln>
+        </p:spPr>
+        <p:style>
+          <a:lnRef idx="2">
+            <a:schemeClr val="accent1">
+              <a:shade val="50000"/>
+            </a:schemeClr>
+          </a:lnRef>
+          <a:fillRef idx="1">
+            <a:schemeClr val="accent1"/>
+          </a:fillRef>
+          <a:effectRef idx="0">
+            <a:schemeClr val="accent1"/>
+          </a:effectRef>
+          <a:fontRef idx="minor">
+            <a:schemeClr val="lt1"/>
+          </a:fontRef>
+        </p:style>
+        <p:txBody>
+          <a:bodyPr anchor="ctr"/>
+          <a:lstStyle/>
+          <a:p>
+            <a:pPr lvl="0">
+              <a:defRPr/>
+            </a:pPr>
+            <a:r>
+              <a:rPr lang="en-US" altLang="ko-KR" sz="2400" dirty="0">
+                <a:solidFill>
+                  <a:schemeClr val="bg1"/>
+                </a:solidFill>
+                <a:latin typeface="+mj-lt"/>
+              </a:rPr>
+              <a:t>2.</a:t>
+            </a:r>
+            <a:r>
+              <a:rPr lang="en-US" altLang="ko-KR" sz="2400" i="0" dirty="0">
+                <a:solidFill>
+                  <a:schemeClr val="bg1"/>
+                </a:solidFill>
+                <a:effectLst/>
+                <a:latin typeface="+mj-lt"/>
+              </a:rPr>
+              <a:t> </a:t>
+            </a:r>
+            <a:r>
+              <a:rPr lang="ko-KR" altLang="en-US" sz="2400" i="0" dirty="0">
+                <a:solidFill>
+                  <a:schemeClr val="bg1"/>
+                </a:solidFill>
+                <a:effectLst/>
+                <a:latin typeface="+mj-lt"/>
+              </a:rPr>
+              <a:t>그림자 </a:t>
+            </a:r>
+            <a:r>
+              <a:rPr lang="ko-KR" altLang="en-US" sz="2400" i="0" dirty="0" err="1">
+                <a:solidFill>
+                  <a:schemeClr val="bg1"/>
+                </a:solidFill>
+                <a:effectLst/>
+                <a:latin typeface="+mj-lt"/>
+              </a:rPr>
+              <a:t>맵을</a:t>
+            </a:r>
+            <a:r>
+              <a:rPr lang="ko-KR" altLang="en-US" sz="2400" i="0" dirty="0">
+                <a:solidFill>
+                  <a:schemeClr val="bg1"/>
+                </a:solidFill>
+                <a:effectLst/>
+                <a:latin typeface="+mj-lt"/>
+              </a:rPr>
+              <a:t> 통한 </a:t>
+            </a:r>
+            <a:r>
+              <a:rPr lang="en-US" altLang="ko-KR" sz="2800" b="1" i="0" dirty="0" err="1">
+                <a:solidFill>
+                  <a:schemeClr val="bg1"/>
+                </a:solidFill>
+                <a:latin typeface="+mj-lt"/>
+              </a:rPr>
+              <a:t>그림자</a:t>
+            </a:r>
+            <a:r>
+              <a:rPr lang="ko-KR" altLang="en-US" sz="2800" i="0" dirty="0">
+                <a:solidFill>
+                  <a:schemeClr val="bg1"/>
+                </a:solidFill>
+                <a:latin typeface="+mj-lt"/>
+              </a:rPr>
+              <a:t> 구현</a:t>
+            </a:r>
+          </a:p>
+        </p:txBody>
+      </p:sp>
+      <p:sp>
+        <p:nvSpPr>
+          <p:cNvPr id="13" name="직사각형 6"/>
+          <p:cNvSpPr/>
+          <p:nvPr/>
+        </p:nvSpPr>
+        <p:spPr>
+          <a:xfrm>
+            <a:off x="546243" y="3985485"/>
+            <a:ext cx="11043006" cy="1047749"/>
+          </a:xfrm>
+          <a:prstGeom prst="rect">
+            <a:avLst/>
+          </a:prstGeom>
+          <a:solidFill>
+            <a:schemeClr val="tx1"/>
+          </a:solidFill>
+          <a:ln w="28575">
+            <a:noFill/>
+          </a:ln>
+        </p:spPr>
+        <p:style>
+          <a:lnRef idx="2">
+            <a:schemeClr val="accent1">
+              <a:shade val="50000"/>
+            </a:schemeClr>
+          </a:lnRef>
+          <a:fillRef idx="1">
+            <a:schemeClr val="accent1"/>
+          </a:fillRef>
+          <a:effectRef idx="0">
+            <a:schemeClr val="accent1"/>
+          </a:effectRef>
+          <a:fontRef idx="minor">
+            <a:schemeClr val="lt1"/>
+          </a:fontRef>
+        </p:style>
+        <p:txBody>
+          <a:bodyPr anchor="ctr"/>
+          <a:lstStyle/>
+          <a:p>
+            <a:pPr lvl="0">
+              <a:defRPr/>
+            </a:pPr>
+            <a:r>
+              <a:rPr lang="en-US" altLang="ko-KR" sz="2400" dirty="0">
+                <a:solidFill>
+                  <a:schemeClr val="bg1"/>
+                </a:solidFill>
+                <a:latin typeface="+mj-lt"/>
+              </a:rPr>
+              <a:t>3.</a:t>
+            </a:r>
+            <a:r>
+              <a:rPr lang="en-US" altLang="ko-KR" sz="2800" b="1" i="0" dirty="0">
+                <a:solidFill>
+                  <a:schemeClr val="bg1"/>
+                </a:solidFill>
+                <a:effectLst/>
+                <a:latin typeface="+mj-lt"/>
+              </a:rPr>
+              <a:t> </a:t>
+            </a:r>
+            <a:r>
+              <a:rPr lang="ko-KR" altLang="en-US" sz="2800" b="1" dirty="0">
+                <a:solidFill>
+                  <a:schemeClr val="bg1"/>
+                </a:solidFill>
+                <a:latin typeface="+mj-lt"/>
+              </a:rPr>
+              <a:t>렌더링 효과</a:t>
+            </a:r>
+            <a:r>
+              <a:rPr lang="ko-KR" altLang="en-US" sz="2400" dirty="0">
+                <a:solidFill>
+                  <a:schemeClr val="bg1"/>
+                </a:solidFill>
+                <a:latin typeface="+mj-lt"/>
+              </a:rPr>
+              <a:t>(깊이 안개, </a:t>
+            </a:r>
+            <a:r>
+              <a:rPr lang="ko-KR" altLang="en-US" sz="2400" dirty="0" err="1">
+                <a:solidFill>
+                  <a:schemeClr val="bg1"/>
+                </a:solidFill>
+                <a:latin typeface="+mj-lt"/>
+              </a:rPr>
+              <a:t>림라이트</a:t>
+            </a:r>
+            <a:r>
+              <a:rPr lang="ko-KR" altLang="en-US" sz="2400" dirty="0">
+                <a:solidFill>
+                  <a:schemeClr val="bg1"/>
+                </a:solidFill>
+                <a:latin typeface="+mj-lt"/>
+              </a:rPr>
+              <a:t>, </a:t>
+            </a:r>
+            <a:r>
+              <a:rPr lang="ko-KR" altLang="en-US" sz="2400" dirty="0" err="1">
+                <a:solidFill>
+                  <a:schemeClr val="bg1"/>
+                </a:solidFill>
+                <a:latin typeface="+mj-lt"/>
+              </a:rPr>
+              <a:t>디졸브</a:t>
+            </a:r>
+            <a:r>
+              <a:rPr lang="ko-KR" altLang="en-US" sz="2400" dirty="0">
+                <a:solidFill>
+                  <a:schemeClr val="bg1"/>
+                </a:solidFill>
+                <a:latin typeface="+mj-lt"/>
+              </a:rPr>
+              <a:t>) 구현</a:t>
+            </a:r>
+          </a:p>
+        </p:txBody>
+      </p:sp>
+      <p:sp>
+        <p:nvSpPr>
+          <p:cNvPr id="14" name="직사각형 8"/>
+          <p:cNvSpPr/>
+          <p:nvPr/>
+        </p:nvSpPr>
+        <p:spPr>
+          <a:xfrm>
+            <a:off x="546243" y="5211148"/>
+            <a:ext cx="11043006" cy="1047749"/>
+          </a:xfrm>
+          <a:prstGeom prst="rect">
+            <a:avLst/>
+          </a:prstGeom>
+          <a:solidFill>
+            <a:schemeClr val="tx1"/>
+          </a:solidFill>
+          <a:ln w="28575">
+            <a:noFill/>
+          </a:ln>
+        </p:spPr>
+        <p:style>
+          <a:lnRef idx="2">
+            <a:schemeClr val="accent1">
+              <a:shade val="50000"/>
+            </a:schemeClr>
+          </a:lnRef>
+          <a:fillRef idx="1">
+            <a:schemeClr val="accent1"/>
+          </a:fillRef>
+          <a:effectRef idx="0">
+            <a:schemeClr val="accent1"/>
+          </a:effectRef>
+          <a:fontRef idx="minor">
+            <a:schemeClr val="lt1"/>
+          </a:fontRef>
+        </p:style>
+        <p:txBody>
+          <a:bodyPr anchor="ctr"/>
+          <a:lstStyle/>
+          <a:p>
+            <a:pPr lvl="0">
+              <a:defRPr/>
+            </a:pPr>
+            <a:r>
+              <a:rPr lang="en-US" altLang="ko-KR" sz="2400" dirty="0">
+                <a:solidFill>
+                  <a:schemeClr val="bg1"/>
+                </a:solidFill>
+                <a:latin typeface="+mj-lt"/>
+              </a:rPr>
+              <a:t>4.</a:t>
+            </a:r>
+            <a:r>
+              <a:rPr lang="en-US" altLang="ko-KR" sz="2400" i="0" dirty="0">
+                <a:solidFill>
+                  <a:schemeClr val="bg1"/>
+                </a:solidFill>
+                <a:effectLst/>
+                <a:latin typeface="+mj-lt"/>
+              </a:rPr>
+              <a:t> </a:t>
+            </a:r>
+            <a:r>
+              <a:rPr lang="ko-KR" altLang="en-US" sz="2800" b="1" i="0" dirty="0">
+                <a:solidFill>
+                  <a:schemeClr val="bg1"/>
+                </a:solidFill>
+                <a:latin typeface="+mj-lt"/>
+              </a:rPr>
+              <a:t>이펙트</a:t>
+            </a:r>
+            <a:r>
+              <a:rPr lang="en-US" altLang="ko-KR" sz="2400" i="0" dirty="0">
+                <a:solidFill>
+                  <a:schemeClr val="bg1"/>
+                </a:solidFill>
+                <a:latin typeface="+mj-lt"/>
+              </a:rPr>
+              <a:t>(</a:t>
+            </a:r>
+            <a:r>
+              <a:rPr lang="ko-KR" altLang="en-US" sz="2400" i="0" dirty="0">
+                <a:solidFill>
+                  <a:schemeClr val="bg1"/>
+                </a:solidFill>
+                <a:latin typeface="+mj-lt"/>
+              </a:rPr>
+              <a:t>검광</a:t>
+            </a:r>
+            <a:r>
+              <a:rPr lang="en-US" altLang="ko-KR" sz="2400" i="0" dirty="0">
+                <a:solidFill>
+                  <a:schemeClr val="bg1"/>
+                </a:solidFill>
+                <a:latin typeface="+mj-lt"/>
+              </a:rPr>
+              <a:t>,</a:t>
+            </a:r>
+            <a:r>
+              <a:rPr lang="ko-KR" altLang="en-US" sz="2400" i="0" dirty="0">
+                <a:solidFill>
+                  <a:schemeClr val="bg1"/>
+                </a:solidFill>
+                <a:latin typeface="+mj-lt"/>
+              </a:rPr>
+              <a:t> </a:t>
+            </a:r>
+            <a:r>
+              <a:rPr lang="ko-KR" altLang="en-US" sz="2400" i="0" dirty="0" err="1">
+                <a:solidFill>
+                  <a:schemeClr val="bg1"/>
+                </a:solidFill>
+                <a:latin typeface="+mj-lt"/>
+              </a:rPr>
+              <a:t>파티클</a:t>
+            </a:r>
+            <a:r>
+              <a:rPr lang="en-US" altLang="ko-KR" sz="2400" i="0" dirty="0">
+                <a:solidFill>
+                  <a:schemeClr val="bg1"/>
+                </a:solidFill>
+                <a:latin typeface="+mj-lt"/>
+              </a:rPr>
+              <a:t>,</a:t>
+            </a:r>
+            <a:r>
+              <a:rPr lang="ko-KR" altLang="en-US" sz="2400" i="0" dirty="0">
+                <a:solidFill>
+                  <a:schemeClr val="bg1"/>
+                </a:solidFill>
+                <a:latin typeface="+mj-lt"/>
+              </a:rPr>
+              <a:t> </a:t>
+            </a:r>
+            <a:r>
+              <a:rPr lang="ko-KR" altLang="en-US" sz="2400" i="0" dirty="0" err="1">
+                <a:solidFill>
+                  <a:schemeClr val="bg1"/>
+                </a:solidFill>
+                <a:latin typeface="+mj-lt"/>
+              </a:rPr>
+              <a:t>스프라이트</a:t>
+            </a:r>
+            <a:r>
+              <a:rPr lang="ko-KR" altLang="en-US" sz="2400" i="0" dirty="0">
+                <a:solidFill>
+                  <a:schemeClr val="bg1"/>
+                </a:solidFill>
+                <a:latin typeface="+mj-lt"/>
+              </a:rPr>
+              <a:t> 이미지</a:t>
+            </a:r>
+            <a:r>
+              <a:rPr lang="en-US" altLang="ko-KR" sz="2400" i="0" dirty="0">
+                <a:solidFill>
+                  <a:schemeClr val="bg1"/>
+                </a:solidFill>
+                <a:latin typeface="+mj-lt"/>
+              </a:rPr>
+              <a:t>),</a:t>
+            </a:r>
+            <a:r>
+              <a:rPr lang="ko-KR" altLang="en-US" sz="2400" i="0" dirty="0">
+                <a:solidFill>
+                  <a:schemeClr val="bg1"/>
+                </a:solidFill>
+                <a:latin typeface="+mj-lt"/>
+              </a:rPr>
+              <a:t> </a:t>
+            </a:r>
+            <a:r>
+              <a:rPr lang="en-US" altLang="ko-KR" sz="2800" b="1" i="0" dirty="0">
+                <a:solidFill>
+                  <a:schemeClr val="bg1"/>
+                </a:solidFill>
+                <a:latin typeface="+mj-lt"/>
+              </a:rPr>
+              <a:t>UI</a:t>
+            </a:r>
+            <a:r>
+              <a:rPr lang="ko-KR" altLang="en-US" sz="2400" i="0" dirty="0">
+                <a:solidFill>
+                  <a:schemeClr val="bg1"/>
+                </a:solidFill>
+                <a:latin typeface="+mj-lt"/>
+              </a:rPr>
+              <a:t> 구현 </a:t>
+            </a:r>
           </a:p>
         </p:txBody>
       </p:sp>
@@ -20475,11 +22638,11 @@
   <p:clrMapOvr>
     <a:masterClrMapping/>
   </p:clrMapOvr>
-  <mc:AlternateContent xmlns:mc="http://schemas.openxmlformats.org/markup-compatibility/2006">
-    <mc:Choice xmlns:p14="http://schemas.microsoft.com/office/powerpoint/2010/main" Requires="p14">
-      <p:transition xmlns:mc="http://schemas.openxmlformats.org/markup-compatibility/2006" xmlns:p14="http://schemas.microsoft.com/office/powerpoint/2010/main" mc:Ignorable="p14" p14:dur="500"/>
+  <mc:AlternateContent xmlns:mc="http://schemas.openxmlformats.org/markup-compatibility/2006" xmlns:p14="http://schemas.microsoft.com/office/powerpoint/2010/main">
+    <mc:Choice Requires="p14">
+      <p:transition/>
     </mc:Choice>
-    <mc:Fallback>
+    <mc:Fallback xmlns:dsp="http://schemas.microsoft.com/office/drawing/2008/diagram" xmlns:dgm="http://schemas.openxmlformats.org/drawingml/2006/diagram" xmlns:c="http://schemas.openxmlformats.org/drawingml/2006/chart" xmlns="">
       <p:transition/>
     </mc:Fallback>
   </mc:AlternateContent>
@@ -20487,7 +22650,7 @@
 </file>
 
 <file path=ppt/slides/slide9.xml><?xml version="1.0" encoding="utf-8"?>
-<p:sld xmlns:r="http://schemas.openxmlformats.org/officeDocument/2006/relationships" xmlns:c="http://schemas.openxmlformats.org/drawingml/2006/chart" xmlns:a="http://schemas.openxmlformats.org/drawingml/2006/main" xmlns:dgm="http://schemas.openxmlformats.org/drawingml/2006/diagram" xmlns:dsp="http://schemas.microsoft.com/office/drawing/2008/diagram" xmlns:p="http://schemas.openxmlformats.org/presentationml/2006/main">
+<p:sld xmlns:a="http://schemas.openxmlformats.org/drawingml/2006/main" xmlns:r="http://schemas.openxmlformats.org/officeDocument/2006/relationships" xmlns:p="http://schemas.openxmlformats.org/presentationml/2006/main">
   <p:cSld>
     <p:spTree>
       <p:nvGrpSpPr>
@@ -20578,7 +22741,7 @@
               <a:defRPr/>
             </a:pPr>
             <a:r>
-              <a:rPr xmlns:mc="http://schemas.openxmlformats.org/markup-compatibility/2006" xmlns:hp="http://schemas.haansoft.com/office/presentation/8.0" lang="en-US" altLang="ko-KR" sz="4800" b="1" mc:Ignorable="hp" hp:hslEmbossed="0">
+              <a:rPr lang="en-US" altLang="ko-KR" sz="4800" b="1">
                 <a:solidFill>
                   <a:schemeClr val="bg1"/>
                 </a:solidFill>
@@ -20590,10 +22753,10 @@
                   </a:outerShdw>
                 </a:effectLst>
               </a:rPr>
-              <a:t>5.</a:t>
-            </a:r>
-            <a:r>
-              <a:rPr xmlns:mc="http://schemas.openxmlformats.org/markup-compatibility/2006" xmlns:hp="http://schemas.haansoft.com/office/presentation/8.0" lang="ko-KR" altLang="en-US" sz="4800" b="1" mc:Ignorable="hp" hp:hslEmbossed="0">
+              <a:t>4.</a:t>
+            </a:r>
+            <a:r>
+              <a:rPr lang="ko-KR" altLang="en-US" sz="4800" b="1">
                 <a:solidFill>
                   <a:schemeClr val="bg1"/>
                 </a:solidFill>
@@ -20605,9 +22768,54 @@
                   </a:outerShdw>
                 </a:effectLst>
               </a:rPr>
-              <a:t> 문제점 및 보완책</a:t>
-            </a:r>
-            <a:endParaRPr xmlns:mc="http://schemas.openxmlformats.org/markup-compatibility/2006" xmlns:hp="http://schemas.haansoft.com/office/presentation/8.0" lang="ko-KR" altLang="en-US" sz="4800" b="1" mc:Ignorable="hp" hp:hslEmbossed="0">
+              <a:t> 개발내용 </a:t>
+            </a:r>
+            <a:r>
+              <a:rPr lang="en-US" altLang="ko-KR" sz="4800" b="1">
+                <a:solidFill>
+                  <a:schemeClr val="bg1"/>
+                </a:solidFill>
+                <a:effectLst>
+                  <a:outerShdw blurRad="38100" dist="38100" dir="2700000" algn="tl">
+                    <a:srgbClr val="000000">
+                      <a:alpha val="43140"/>
+                    </a:srgbClr>
+                  </a:outerShdw>
+                </a:effectLst>
+              </a:rPr>
+              <a:t>-</a:t>
+            </a:r>
+            <a:r>
+              <a:rPr lang="ko-KR" altLang="en-US" sz="4800" b="1">
+                <a:solidFill>
+                  <a:schemeClr val="bg1"/>
+                </a:solidFill>
+                <a:effectLst>
+                  <a:outerShdw blurRad="38100" dist="38100" dir="2700000" algn="tl">
+                    <a:srgbClr val="000000">
+                      <a:alpha val="43140"/>
+                    </a:srgbClr>
+                  </a:outerShdw>
+                </a:effectLst>
+              </a:rPr>
+              <a:t> </a:t>
+            </a:r>
+            <a:r>
+              <a:rPr lang="ko-KR" altLang="en-US" sz="3200" b="1">
+                <a:solidFill>
+                  <a:schemeClr val="bg1"/>
+                </a:solidFill>
+                <a:effectLst>
+                  <a:outerShdw blurRad="38100" dist="38100" dir="2700000" algn="tl">
+                    <a:srgbClr val="000000">
+                      <a:alpha val="43140"/>
+                    </a:srgbClr>
+                  </a:outerShdw>
+                </a:effectLst>
+              </a:rPr>
+              <a:t>게임화면</a:t>
+            </a:r>
+            <a:endParaRPr lang="ko-KR" altLang="en-US" sz="3200" b="1">
               <a:solidFill>
                 <a:schemeClr val="bg1"/>
               </a:solidFill>
@@ -20615,305 +22823,40 @@
           </a:p>
         </p:txBody>
       </p:sp>
-      <p:sp>
-        <p:nvSpPr>
-          <p:cNvPr id="2077" name="직사각형 10"/>
-          <p:cNvSpPr/>
+      <p:pic>
+        <p:nvPicPr>
+          <p:cNvPr id="10" name="그림 9"/>
+          <p:cNvPicPr>
+            <a:picLocks noChangeAspect="1"/>
+          </p:cNvPicPr>
           <p:nvPr/>
-        </p:nvSpPr>
+        </p:nvPicPr>
+        <p:blipFill rotWithShape="1">
+          <a:blip r:embed="rId2"/>
+          <a:stretch>
+            <a:fillRect/>
+          </a:stretch>
+        </p:blipFill>
         <p:spPr>
           <a:xfrm>
-            <a:off x="609600" y="1323968"/>
-            <a:ext cx="10603706" cy="5243519"/>
+            <a:off x="1373557" y="1180328"/>
+            <a:ext cx="9444886" cy="5527992"/>
           </a:xfrm>
           <a:prstGeom prst="rect">
             <a:avLst/>
           </a:prstGeom>
-          <a:solidFill>
-            <a:schemeClr val="tx1"/>
-          </a:solidFill>
-          <a:ln>
-            <a:noFill/>
-          </a:ln>
         </p:spPr>
-        <p:style>
-          <a:lnRef idx="2">
-            <a:schemeClr val="accent1">
-              <a:shade val="50000"/>
-            </a:schemeClr>
-          </a:lnRef>
-          <a:fillRef idx="1">
-            <a:schemeClr val="accent1"/>
-          </a:fillRef>
-          <a:effectRef idx="0">
-            <a:schemeClr val="accent1"/>
-          </a:effectRef>
-          <a:fontRef idx="minor">
-            <a:schemeClr val="lt1"/>
-          </a:fontRef>
-        </p:style>
-        <p:txBody>
-          <a:bodyPr anchor="ctr"/>
-          <a:lstStyle/>
-          <a:p>
-            <a:pPr algn="ctr">
-              <a:defRPr/>
-            </a:pPr>
-            <a:endParaRPr lang="ko-KR" altLang="en-US">
-              <a:solidFill>
-                <a:schemeClr val="bg1"/>
-              </a:solidFill>
-            </a:endParaRPr>
-          </a:p>
-        </p:txBody>
-      </p:sp>
-      <p:sp>
-        <p:nvSpPr>
-          <p:cNvPr id="2078" name="TextBox 3"/>
-          <p:cNvSpPr txBox="1"/>
-          <p:nvPr/>
-        </p:nvSpPr>
-        <p:spPr>
-          <a:xfrm>
-            <a:off x="730692" y="1283007"/>
-            <a:ext cx="9739663" cy="5020638"/>
-          </a:xfrm>
-          <a:prstGeom prst="rect">
-            <a:avLst/>
-          </a:prstGeom>
-          <a:noFill/>
-        </p:spPr>
-        <p:txBody>
-          <a:bodyPr wrap="square">
-            <a:spAutoFit/>
-          </a:bodyPr>
-          <a:lstStyle/>
-          <a:p>
-            <a:pPr marL="518000" indent="-518000">
-              <a:lnSpc>
-                <a:spcPct val="150000"/>
-              </a:lnSpc>
-              <a:buAutoNum type="arabicPeriod"/>
-              <a:defRPr/>
-            </a:pPr>
-            <a:r>
-              <a:rPr lang="ko-KR" altLang="en-US" sz="2800" b="1">
-                <a:solidFill>
-                  <a:schemeClr val="bg1"/>
-                </a:solidFill>
-              </a:rPr>
-              <a:t>게임의 </a:t>
-            </a:r>
-            <a:r>
-              <a:rPr lang="en-US" altLang="ko-KR" sz="2800" b="1">
-                <a:solidFill>
-                  <a:schemeClr val="bg1"/>
-                </a:solidFill>
-              </a:rPr>
-              <a:t>GUI</a:t>
-            </a:r>
-            <a:r>
-              <a:rPr lang="ko-KR" altLang="en-US" sz="2800" b="1">
-                <a:solidFill>
-                  <a:schemeClr val="bg1"/>
-                </a:solidFill>
-              </a:rPr>
-              <a:t>가 부족</a:t>
-            </a:r>
-            <a:endParaRPr lang="ko-KR" altLang="en-US" sz="2800" b="1">
-              <a:solidFill>
-                <a:schemeClr val="bg1"/>
-              </a:solidFill>
-            </a:endParaRPr>
-          </a:p>
-          <a:p>
-            <a:pPr marL="975200" lvl="1" indent="-518000">
-              <a:lnSpc>
-                <a:spcPct val="150000"/>
-              </a:lnSpc>
-              <a:buFont typeface="Arial"/>
-              <a:buChar char="•"/>
-              <a:defRPr/>
-            </a:pPr>
-            <a:r>
-              <a:rPr lang="en-US" altLang="ko-KR" sz="2200">
-                <a:solidFill>
-                  <a:schemeClr val="bg1"/>
-                </a:solidFill>
-              </a:rPr>
-              <a:t>UI</a:t>
-            </a:r>
-            <a:r>
-              <a:rPr lang="ko-KR" altLang="en-US" sz="2200">
-                <a:solidFill>
-                  <a:schemeClr val="bg1"/>
-                </a:solidFill>
-              </a:rPr>
-              <a:t>와 퀘스트 추가로 게임적인 부분 추가</a:t>
-            </a:r>
-            <a:endParaRPr lang="ko-KR" altLang="en-US" sz="2200">
-              <a:solidFill>
-                <a:schemeClr val="bg1"/>
-              </a:solidFill>
-            </a:endParaRPr>
-          </a:p>
-          <a:p>
-            <a:pPr marL="457200" lvl="1" indent="0">
-              <a:lnSpc>
-                <a:spcPct val="150000"/>
-              </a:lnSpc>
-              <a:buFont typeface="Arial"/>
-              <a:buNone/>
-              <a:defRPr/>
-            </a:pPr>
-            <a:endParaRPr lang="ko-KR" altLang="en-US" sz="2200">
-              <a:solidFill>
-                <a:schemeClr val="bg1"/>
-              </a:solidFill>
-            </a:endParaRPr>
-          </a:p>
-          <a:p>
-            <a:pPr marL="518000" indent="-518000">
-              <a:lnSpc>
-                <a:spcPct val="150000"/>
-              </a:lnSpc>
-              <a:buAutoNum type="arabicPeriod"/>
-              <a:defRPr/>
-            </a:pPr>
-            <a:r>
-              <a:rPr lang="ko-KR" altLang="en-US" sz="2800" b="1">
-                <a:solidFill>
-                  <a:schemeClr val="bg1"/>
-                </a:solidFill>
-              </a:rPr>
-              <a:t>어두운 곳의 메쉬 입체감 부족</a:t>
-            </a:r>
-            <a:endParaRPr lang="ko-KR" altLang="en-US" sz="2800" b="1">
-              <a:solidFill>
-                <a:schemeClr val="bg1"/>
-              </a:solidFill>
-            </a:endParaRPr>
-          </a:p>
-          <a:p>
-            <a:pPr marL="975200" lvl="1" indent="-518000">
-              <a:lnSpc>
-                <a:spcPct val="150000"/>
-              </a:lnSpc>
-              <a:buFont typeface="Arial"/>
-              <a:buChar char="•"/>
-              <a:defRPr/>
-            </a:pPr>
-            <a:r>
-              <a:rPr lang="ko-KR" altLang="en-US" sz="2200">
-                <a:solidFill>
-                  <a:schemeClr val="bg1"/>
-                </a:solidFill>
-              </a:rPr>
-              <a:t>내용 추가</a:t>
-            </a:r>
-            <a:endParaRPr lang="ko-KR" altLang="en-US" sz="2200">
-              <a:solidFill>
-                <a:schemeClr val="bg1"/>
-              </a:solidFill>
-            </a:endParaRPr>
-          </a:p>
-          <a:p>
-            <a:pPr marL="457200" lvl="1" indent="0">
-              <a:lnSpc>
-                <a:spcPct val="150000"/>
-              </a:lnSpc>
-              <a:buFont typeface="Arial"/>
-              <a:buNone/>
-              <a:defRPr/>
-            </a:pPr>
-            <a:endParaRPr lang="ko-KR" altLang="en-US" sz="2200">
-              <a:solidFill>
-                <a:schemeClr val="bg1"/>
-              </a:solidFill>
-            </a:endParaRPr>
-          </a:p>
-          <a:p>
-            <a:pPr marL="518000" indent="-518000">
-              <a:lnSpc>
-                <a:spcPct val="150000"/>
-              </a:lnSpc>
-              <a:buAutoNum type="arabicPeriod"/>
-              <a:defRPr/>
-            </a:pPr>
-            <a:r>
-              <a:rPr lang="en-US" altLang="ko-KR" sz="2800" b="1">
-                <a:solidFill>
-                  <a:schemeClr val="bg1"/>
-                </a:solidFill>
-              </a:rPr>
-              <a:t>???</a:t>
-            </a:r>
-            <a:endParaRPr lang="en-US" altLang="ko-KR" sz="2800" b="1">
-              <a:solidFill>
-                <a:schemeClr val="bg1"/>
-              </a:solidFill>
-            </a:endParaRPr>
-          </a:p>
-          <a:p>
-            <a:pPr marL="975200" lvl="1" indent="-518000">
-              <a:lnSpc>
-                <a:spcPct val="150000"/>
-              </a:lnSpc>
-              <a:buFont typeface="Arial"/>
-              <a:buChar char="•"/>
-              <a:defRPr/>
-            </a:pPr>
-            <a:r>
-              <a:rPr lang="en-US" altLang="ko-KR" sz="2200">
-                <a:solidFill>
-                  <a:schemeClr val="bg1"/>
-                </a:solidFill>
-              </a:rPr>
-              <a:t>???</a:t>
-            </a:r>
-            <a:endParaRPr lang="en-US" altLang="ko-KR" sz="2200">
-              <a:solidFill>
-                <a:schemeClr val="bg1"/>
-              </a:solidFill>
-            </a:endParaRPr>
-          </a:p>
-          <a:p>
-            <a:pPr marL="457200" indent="-457200" algn="l" defTabSz="116128" rtl="0" eaLnBrk="1" latinLnBrk="0" hangingPunct="1">
-              <a:lnSpc>
-                <a:spcPct val="150000"/>
-              </a:lnSpc>
-              <a:spcBef>
-                <a:spcPct val="0"/>
-              </a:spcBef>
-              <a:spcAft>
-                <a:spcPts val="0"/>
-              </a:spcAft>
-              <a:buFont typeface="Arial"/>
-              <a:buChar char="•"/>
-              <a:defRPr/>
-            </a:pPr>
-            <a:endParaRPr lang="ko-KR" altLang="en-US" sz="2200" b="0" i="0" kern="1200">
-              <a:solidFill>
-                <a:schemeClr val="bg1"/>
-              </a:solidFill>
-              <a:effectLst/>
-              <a:latin typeface="+mn-lt"/>
-              <a:ea typeface="+mn-ea"/>
-              <a:cs typeface="+mn-cs"/>
-            </a:endParaRPr>
-          </a:p>
-        </p:txBody>
-      </p:sp>
+      </p:pic>
     </p:spTree>
   </p:cSld>
   <p:clrMapOvr>
     <a:masterClrMapping/>
   </p:clrMapOvr>
-  <mc:AlternateContent xmlns:mc="http://schemas.openxmlformats.org/markup-compatibility/2006">
-    <mc:Choice xmlns:p14="http://schemas.microsoft.com/office/powerpoint/2010/main" Requires="p14">
-      <p:transition xmlns:mc="http://schemas.openxmlformats.org/markup-compatibility/2006" xmlns:p14="http://schemas.microsoft.com/office/powerpoint/2010/main" mc:Ignorable="p14" p14:dur="500"/>
+  <mc:AlternateContent xmlns:mc="http://schemas.openxmlformats.org/markup-compatibility/2006" xmlns:p14="http://schemas.microsoft.com/office/powerpoint/2010/main">
+    <mc:Choice Requires="p14">
+      <p:transition/>
     </mc:Choice>
-    <mc:Fallback>
+    <mc:Fallback xmlns:dsp="http://schemas.microsoft.com/office/drawing/2008/diagram" xmlns:dgm="http://schemas.openxmlformats.org/drawingml/2006/diagram" xmlns:c="http://schemas.openxmlformats.org/drawingml/2006/chart" xmlns="">
       <p:transition/>
     </mc:Fallback>
   </mc:AlternateContent>
@@ -20921,44 +22864,44 @@
 </file>
 
 <file path=ppt/theme/theme1.xml><?xml version="1.0" encoding="utf-8"?>
-<a:theme xmlns:r="http://schemas.openxmlformats.org/officeDocument/2006/relationships" xmlns:c="http://schemas.openxmlformats.org/drawingml/2006/chart" xmlns:dgm="http://schemas.openxmlformats.org/drawingml/2006/diagram" xmlns:dsp="http://schemas.microsoft.com/office/drawing/2008/diagram" xmlns:a="http://schemas.openxmlformats.org/drawingml/2006/main" xmlns:pic="http://schemas.openxmlformats.org/drawingml/2006/picture" xmlns:wp="http://schemas.openxmlformats.org/drawingml/2006/wordprocessingDrawing" xmlns:xdr="http://schemas.openxmlformats.org/drawingml/2006/spreadsheetDrawing" xmlns:lc="http://schemas.openxmlformats.org/drawingml/2006/lockedCanvas" xmlns:p="http://schemas.openxmlformats.org/presentationml/2006/main" name="Office Theme">
+<a:theme xmlns:a="http://schemas.openxmlformats.org/drawingml/2006/main" name="Office Theme">
   <a:themeElements>
     <a:clrScheme name="주황">
       <a:dk1>
         <a:srgbClr val="000000"/>
       </a:dk1>
       <a:lt1>
-        <a:sysClr val="window" lastClr="ffffff"/>
+        <a:sysClr val="window" lastClr="FFFFFF"/>
       </a:lt1>
       <a:dk2>
         <a:srgbClr val="637052"/>
       </a:dk2>
       <a:lt2>
-        <a:srgbClr val="ccddea"/>
+        <a:srgbClr val="CCDDEA"/>
       </a:lt2>
       <a:accent1>
-        <a:srgbClr val="e48312"/>
+        <a:srgbClr val="E48312"/>
       </a:accent1>
       <a:accent2>
-        <a:srgbClr val="bd582c"/>
+        <a:srgbClr val="BD582C"/>
       </a:accent2>
       <a:accent3>
         <a:srgbClr val="865640"/>
       </a:accent3>
       <a:accent4>
-        <a:srgbClr val="9b8357"/>
+        <a:srgbClr val="9B8357"/>
       </a:accent4>
       <a:accent5>
-        <a:srgbClr val="c2bc80"/>
+        <a:srgbClr val="C2BC80"/>
       </a:accent5>
       <a:accent6>
-        <a:srgbClr val="94a088"/>
+        <a:srgbClr val="94A088"/>
       </a:accent6>
       <a:hlink>
-        <a:srgbClr val="2998e3"/>
+        <a:srgbClr val="2998E3"/>
       </a:hlink>
       <a:folHlink>
-        <a:srgbClr val="8c8c8c"/>
+        <a:srgbClr val="8C8C8C"/>
       </a:folHlink>
     </a:clrScheme>
     <a:fontScheme name="사용자 지정 2">
@@ -21111,48 +23054,50 @@
       </a:bgFillStyleLst>
     </a:fmtScheme>
   </a:themeElements>
+  <a:objectDefaults/>
+  <a:extraClrSchemeLst/>
 </a:theme>
 </file>
 
 <file path=ppt/theme/theme2.xml><?xml version="1.0" encoding="utf-8"?>
-<a:theme xmlns:r="http://schemas.openxmlformats.org/officeDocument/2006/relationships" xmlns:c="http://schemas.openxmlformats.org/drawingml/2006/chart" xmlns:dgm="http://schemas.openxmlformats.org/drawingml/2006/diagram" xmlns:dsp="http://schemas.microsoft.com/office/drawing/2008/diagram" xmlns:a="http://schemas.openxmlformats.org/drawingml/2006/main" xmlns:pic="http://schemas.openxmlformats.org/drawingml/2006/picture" xmlns:wp="http://schemas.openxmlformats.org/drawingml/2006/wordprocessingDrawing" xmlns:xdr="http://schemas.openxmlformats.org/drawingml/2006/spreadsheetDrawing" xmlns:lc="http://schemas.openxmlformats.org/drawingml/2006/lockedCanvas" xmlns:p="http://schemas.openxmlformats.org/presentationml/2006/main" name="Office 테마">
+<a:theme xmlns:a="http://schemas.openxmlformats.org/drawingml/2006/main" name="Office 테마">
   <a:themeElements>
     <a:clrScheme name="Office">
       <a:dk1>
         <a:sysClr val="windowText" lastClr="000000"/>
       </a:dk1>
       <a:lt1>
-        <a:sysClr val="window" lastClr="ffffff"/>
+        <a:sysClr val="window" lastClr="FFFFFF"/>
       </a:lt1>
       <a:dk2>
-        <a:srgbClr val="44546a"/>
+        <a:srgbClr val="44546A"/>
       </a:dk2>
       <a:lt2>
-        <a:srgbClr val="e7e6e6"/>
+        <a:srgbClr val="E7E6E6"/>
       </a:lt2>
       <a:accent1>
-        <a:srgbClr val="4472c4"/>
+        <a:srgbClr val="4472C4"/>
       </a:accent1>
       <a:accent2>
-        <a:srgbClr val="ed7d31"/>
+        <a:srgbClr val="ED7D31"/>
       </a:accent2>
       <a:accent3>
-        <a:srgbClr val="a5a5a5"/>
+        <a:srgbClr val="A5A5A5"/>
       </a:accent3>
       <a:accent4>
-        <a:srgbClr val="ffc000"/>
+        <a:srgbClr val="FFC000"/>
       </a:accent4>
       <a:accent5>
-        <a:srgbClr val="5b9bd5"/>
+        <a:srgbClr val="5B9BD5"/>
       </a:accent5>
       <a:accent6>
-        <a:srgbClr val="70ad47"/>
+        <a:srgbClr val="70AD47"/>
       </a:accent6>
       <a:hlink>
-        <a:srgbClr val="0563c1"/>
+        <a:srgbClr val="0563C1"/>
       </a:hlink>
       <a:folHlink>
-        <a:srgbClr val="954f72"/>
+        <a:srgbClr val="954F72"/>
       </a:folHlink>
     </a:clrScheme>
     <a:fontScheme name="Office">
@@ -21399,5 +23344,7 @@
       </a:bgFillStyleLst>
     </a:fmtScheme>
   </a:themeElements>
+  <a:objectDefaults/>
+  <a:extraClrSchemeLst/>
 </a:theme>
 </file>
--- a/발표자료/2. 중간발표/의뢰인_윤성주, 최경훈.pptx
+++ b/발표자료/2. 중간발표/의뢰인_윤성주, 최경훈.pptx
@@ -233,7 +233,7 @@
               <a:pPr lvl="0">
                 <a:defRPr/>
               </a:pPr>
-              <a:t>2022-04-30</a:t>
+              <a:t>2022-05-05</a:t>
             </a:fld>
             <a:endParaRPr lang="ko-KR" altLang="en-US"/>
           </a:p>
@@ -649,7 +649,7 @@
           <a:p>
             <a:fld id="{4B713A6E-6756-41FD-9159-1191042CD26F}" type="datetime1">
               <a:rPr lang="ko-KR" altLang="en-US" smtClean="0"/>
-              <a:t>2022-04-30</a:t>
+              <a:t>2022-05-05</a:t>
             </a:fld>
             <a:endParaRPr lang="ko-KR" altLang="en-US"/>
           </a:p>
@@ -819,7 +819,7 @@
           <a:p>
             <a:fld id="{5FE9801D-0F3C-43E0-A894-9DE16A9F9774}" type="datetime1">
               <a:rPr lang="ko-KR" altLang="en-US" smtClean="0"/>
-              <a:t>2022-04-30</a:t>
+              <a:t>2022-05-05</a:t>
             </a:fld>
             <a:endParaRPr lang="ko-KR" altLang="en-US"/>
           </a:p>
@@ -999,7 +999,7 @@
           <a:p>
             <a:fld id="{527C8C19-8757-4681-95D9-A5D97A4B474D}" type="datetime1">
               <a:rPr lang="ko-KR" altLang="en-US" smtClean="0"/>
-              <a:t>2022-04-30</a:t>
+              <a:t>2022-05-05</a:t>
             </a:fld>
             <a:endParaRPr lang="ko-KR" altLang="en-US"/>
           </a:p>
@@ -1169,7 +1169,7 @@
           <a:p>
             <a:fld id="{691ACDA9-80F5-4951-92B2-D5939EABAD5D}" type="datetime1">
               <a:rPr lang="ko-KR" altLang="en-US" smtClean="0"/>
-              <a:t>2022-04-30</a:t>
+              <a:t>2022-05-05</a:t>
             </a:fld>
             <a:endParaRPr lang="ko-KR" altLang="en-US"/>
           </a:p>
@@ -1415,7 +1415,7 @@
           <a:p>
             <a:fld id="{7201B8A1-B6A1-4CA7-A0B9-C3344E073568}" type="datetime1">
               <a:rPr lang="ko-KR" altLang="en-US" smtClean="0"/>
-              <a:t>2022-04-30</a:t>
+              <a:t>2022-05-05</a:t>
             </a:fld>
             <a:endParaRPr lang="ko-KR" altLang="en-US"/>
           </a:p>
@@ -1647,7 +1647,7 @@
           <a:p>
             <a:fld id="{AC2B8516-1E53-431E-BEC4-AA8A98366B8E}" type="datetime1">
               <a:rPr lang="ko-KR" altLang="en-US" smtClean="0"/>
-              <a:t>2022-04-30</a:t>
+              <a:t>2022-05-05</a:t>
             </a:fld>
             <a:endParaRPr lang="ko-KR" altLang="en-US"/>
           </a:p>
@@ -2014,7 +2014,7 @@
           <a:p>
             <a:fld id="{8C6FB0B5-2FD4-4C4C-9B07-B2D7F7CF86EF}" type="datetime1">
               <a:rPr lang="ko-KR" altLang="en-US" smtClean="0"/>
-              <a:t>2022-04-30</a:t>
+              <a:t>2022-05-05</a:t>
             </a:fld>
             <a:endParaRPr lang="ko-KR" altLang="en-US"/>
           </a:p>
@@ -2132,7 +2132,7 @@
           <a:p>
             <a:fld id="{C9AABEB3-A36C-4A33-BB03-FB66797454B3}" type="datetime1">
               <a:rPr lang="ko-KR" altLang="en-US" smtClean="0"/>
-              <a:t>2022-04-30</a:t>
+              <a:t>2022-05-05</a:t>
             </a:fld>
             <a:endParaRPr lang="ko-KR" altLang="en-US"/>
           </a:p>
@@ -2227,7 +2227,7 @@
           <a:p>
             <a:fld id="{55C25123-0771-414F-83B9-94E0FED7B47B}" type="datetime1">
               <a:rPr lang="ko-KR" altLang="en-US" smtClean="0"/>
-              <a:t>2022-04-30</a:t>
+              <a:t>2022-05-05</a:t>
             </a:fld>
             <a:endParaRPr lang="ko-KR" altLang="en-US"/>
           </a:p>
@@ -2504,7 +2504,7 @@
           <a:p>
             <a:fld id="{CE854381-7842-4A6C-9FB6-81E9D0310CE5}" type="datetime1">
               <a:rPr lang="ko-KR" altLang="en-US" smtClean="0"/>
-              <a:t>2022-04-30</a:t>
+              <a:t>2022-05-05</a:t>
             </a:fld>
             <a:endParaRPr lang="ko-KR" altLang="en-US"/>
           </a:p>
@@ -2761,7 +2761,7 @@
           <a:p>
             <a:fld id="{DC60FBFF-9E69-4464-96CB-F9A16FC68D6A}" type="datetime1">
               <a:rPr lang="ko-KR" altLang="en-US" smtClean="0"/>
-              <a:t>2022-04-30</a:t>
+              <a:t>2022-05-05</a:t>
             </a:fld>
             <a:endParaRPr lang="ko-KR" altLang="en-US"/>
           </a:p>
@@ -2980,7 +2980,7 @@
           <a:p>
             <a:fld id="{9D5775FA-E3BE-411B-9705-49A7F4C9739E}" type="datetime1">
               <a:rPr lang="ko-KR" altLang="en-US" smtClean="0"/>
-              <a:t>2022-04-30</a:t>
+              <a:t>2022-05-05</a:t>
             </a:fld>
             <a:endParaRPr lang="ko-KR" altLang="en-US"/>
           </a:p>
@@ -3782,7 +3782,7 @@
     <mc:Choice Requires="p14">
       <p:transition/>
     </mc:Choice>
-    <mc:Fallback xmlns:dsp="http://schemas.microsoft.com/office/drawing/2008/diagram" xmlns:dgm="http://schemas.openxmlformats.org/drawingml/2006/diagram" xmlns:c="http://schemas.openxmlformats.org/drawingml/2006/chart" xmlns="">
+    <mc:Fallback xmlns="" xmlns:c="http://schemas.openxmlformats.org/drawingml/2006/chart" xmlns:dgm="http://schemas.openxmlformats.org/drawingml/2006/diagram" xmlns:dsp="http://schemas.microsoft.com/office/drawing/2008/diagram">
       <p:transition/>
     </mc:Fallback>
   </mc:AlternateContent>
@@ -3996,7 +3996,7 @@
     <mc:Choice Requires="p14">
       <p:transition/>
     </mc:Choice>
-    <mc:Fallback xmlns:dsp="http://schemas.microsoft.com/office/drawing/2008/diagram" xmlns:dgm="http://schemas.openxmlformats.org/drawingml/2006/diagram" xmlns:c="http://schemas.openxmlformats.org/drawingml/2006/chart" xmlns="">
+    <mc:Fallback xmlns="" xmlns:c="http://schemas.openxmlformats.org/drawingml/2006/chart" xmlns:dgm="http://schemas.openxmlformats.org/drawingml/2006/diagram" xmlns:dsp="http://schemas.microsoft.com/office/drawing/2008/diagram">
       <p:transition/>
     </mc:Fallback>
   </mc:AlternateContent>
@@ -4320,7 +4320,7 @@
     <mc:Choice Requires="p14">
       <p:transition/>
     </mc:Choice>
-    <mc:Fallback xmlns:dsp="http://schemas.microsoft.com/office/drawing/2008/diagram" xmlns:dgm="http://schemas.openxmlformats.org/drawingml/2006/diagram" xmlns:c="http://schemas.openxmlformats.org/drawingml/2006/chart" xmlns="">
+    <mc:Fallback xmlns="" xmlns:c="http://schemas.openxmlformats.org/drawingml/2006/chart" xmlns:dgm="http://schemas.openxmlformats.org/drawingml/2006/diagram" xmlns:dsp="http://schemas.microsoft.com/office/drawing/2008/diagram">
       <p:transition/>
     </mc:Fallback>
   </mc:AlternateContent>
@@ -4675,7 +4675,7 @@
               <a:defRPr/>
             </a:pPr>
             <a:r>
-              <a:rPr lang="ko-KR" altLang="en-US" sz="2800" b="1" i="0" kern="1200" dirty="0">
+              <a:rPr lang="ko-KR" altLang="en-US" sz="2800" b="1" i="0" kern="1200">
                 <a:solidFill>
                   <a:schemeClr val="bg1"/>
                 </a:solidFill>
@@ -4684,19 +4684,7 @@
                 <a:ea typeface="+mn-ea"/>
                 <a:cs typeface="+mn-cs"/>
               </a:rPr>
-              <a:t>전투가 </a:t>
-            </a:r>
-            <a:r>
-              <a:rPr lang="ko-KR" altLang="en-US" sz="2800" b="1" i="0" kern="1200" dirty="0" err="1">
-                <a:solidFill>
-                  <a:schemeClr val="bg1"/>
-                </a:solidFill>
-                <a:effectLst/>
-                <a:latin typeface="+mn-lt"/>
-                <a:ea typeface="+mn-ea"/>
-                <a:cs typeface="+mn-cs"/>
-              </a:rPr>
-              <a:t>루즈함</a:t>
+              <a:t>전투가 지루함</a:t>
             </a:r>
             <a:endParaRPr lang="ko-KR" altLang="en-US" sz="2200" b="0" i="0" kern="1200" dirty="0">
               <a:solidFill>
@@ -4752,7 +4740,7 @@
     <mc:Choice Requires="p14">
       <p:transition/>
     </mc:Choice>
-    <mc:Fallback xmlns:dsp="http://schemas.microsoft.com/office/drawing/2008/diagram" xmlns:dgm="http://schemas.openxmlformats.org/drawingml/2006/diagram" xmlns:c="http://schemas.openxmlformats.org/drawingml/2006/chart" xmlns="">
+    <mc:Fallback xmlns="" xmlns:c="http://schemas.openxmlformats.org/drawingml/2006/chart" xmlns:dgm="http://schemas.openxmlformats.org/drawingml/2006/diagram" xmlns:dsp="http://schemas.microsoft.com/office/drawing/2008/diagram">
       <p:transition/>
     </mc:Fallback>
   </mc:AlternateContent>
@@ -10477,7 +10465,7 @@
     <mc:Choice Requires="p14">
       <p:transition/>
     </mc:Choice>
-    <mc:Fallback xmlns:dsp="http://schemas.microsoft.com/office/drawing/2008/diagram" xmlns:dgm="http://schemas.openxmlformats.org/drawingml/2006/diagram" xmlns:c="http://schemas.openxmlformats.org/drawingml/2006/chart" xmlns="">
+    <mc:Fallback xmlns="" xmlns:c="http://schemas.openxmlformats.org/drawingml/2006/chart" xmlns:dgm="http://schemas.openxmlformats.org/drawingml/2006/diagram" xmlns:dsp="http://schemas.microsoft.com/office/drawing/2008/diagram">
       <p:transition/>
     </mc:Fallback>
   </mc:AlternateContent>
@@ -16336,7 +16324,7 @@
     <mc:Choice Requires="p14">
       <p:transition/>
     </mc:Choice>
-    <mc:Fallback xmlns:dsp="http://schemas.microsoft.com/office/drawing/2008/diagram" xmlns:dgm="http://schemas.openxmlformats.org/drawingml/2006/diagram" xmlns:c="http://schemas.openxmlformats.org/drawingml/2006/chart" xmlns="">
+    <mc:Fallback xmlns="" xmlns:c="http://schemas.openxmlformats.org/drawingml/2006/chart" xmlns:dgm="http://schemas.openxmlformats.org/drawingml/2006/diagram" xmlns:dsp="http://schemas.microsoft.com/office/drawing/2008/diagram">
       <p:transition/>
     </mc:Fallback>
   </mc:AlternateContent>
@@ -16827,7 +16815,7 @@
     <mc:Choice Requires="p14">
       <p:transition/>
     </mc:Choice>
-    <mc:Fallback xmlns:dsp="http://schemas.microsoft.com/office/drawing/2008/diagram" xmlns:dgm="http://schemas.openxmlformats.org/drawingml/2006/diagram" xmlns:c="http://schemas.openxmlformats.org/drawingml/2006/chart" xmlns="">
+    <mc:Fallback xmlns="" xmlns:c="http://schemas.openxmlformats.org/drawingml/2006/chart" xmlns:dgm="http://schemas.openxmlformats.org/drawingml/2006/diagram" xmlns:dsp="http://schemas.microsoft.com/office/drawing/2008/diagram">
       <p:transition/>
     </mc:Fallback>
   </mc:AlternateContent>
@@ -16972,7 +16960,7 @@
     <mc:Choice Requires="p14">
       <p:transition/>
     </mc:Choice>
-    <mc:Fallback xmlns:dsp="http://schemas.microsoft.com/office/drawing/2008/diagram" xmlns:dgm="http://schemas.openxmlformats.org/drawingml/2006/diagram" xmlns:c="http://schemas.openxmlformats.org/drawingml/2006/chart" xmlns="">
+    <mc:Fallback xmlns="" xmlns:c="http://schemas.openxmlformats.org/drawingml/2006/chart" xmlns:dgm="http://schemas.openxmlformats.org/drawingml/2006/diagram" xmlns:dsp="http://schemas.microsoft.com/office/drawing/2008/diagram">
       <p:transition/>
     </mc:Fallback>
   </mc:AlternateContent>
@@ -17237,7 +17225,7 @@
     <mc:Choice Requires="p14">
       <p:transition/>
     </mc:Choice>
-    <mc:Fallback xmlns:dsp="http://schemas.microsoft.com/office/drawing/2008/diagram" xmlns:dgm="http://schemas.openxmlformats.org/drawingml/2006/diagram" xmlns:c="http://schemas.openxmlformats.org/drawingml/2006/chart" xmlns="">
+    <mc:Fallback xmlns="" xmlns:c="http://schemas.openxmlformats.org/drawingml/2006/chart" xmlns:dgm="http://schemas.openxmlformats.org/drawingml/2006/diagram" xmlns:dsp="http://schemas.microsoft.com/office/drawing/2008/diagram">
       <p:transition/>
     </mc:Fallback>
   </mc:AlternateContent>
@@ -17942,7 +17930,7 @@
     <mc:Choice Requires="p14">
       <p:transition/>
     </mc:Choice>
-    <mc:Fallback xmlns:dsp="http://schemas.microsoft.com/office/drawing/2008/diagram" xmlns:dgm="http://schemas.openxmlformats.org/drawingml/2006/diagram" xmlns:c="http://schemas.openxmlformats.org/drawingml/2006/chart" xmlns="">
+    <mc:Fallback xmlns="" xmlns:c="http://schemas.openxmlformats.org/drawingml/2006/chart" xmlns:dgm="http://schemas.openxmlformats.org/drawingml/2006/diagram" xmlns:dsp="http://schemas.microsoft.com/office/drawing/2008/diagram">
       <p:transition/>
     </mc:Fallback>
   </mc:AlternateContent>
@@ -18478,7 +18466,7 @@
     <mc:Choice Requires="p14">
       <p:transition/>
     </mc:Choice>
-    <mc:Fallback xmlns:dsp="http://schemas.microsoft.com/office/drawing/2008/diagram" xmlns:dgm="http://schemas.openxmlformats.org/drawingml/2006/diagram" xmlns:c="http://schemas.openxmlformats.org/drawingml/2006/chart" xmlns="">
+    <mc:Fallback xmlns="" xmlns:c="http://schemas.openxmlformats.org/drawingml/2006/chart" xmlns:dgm="http://schemas.openxmlformats.org/drawingml/2006/diagram" xmlns:dsp="http://schemas.microsoft.com/office/drawing/2008/diagram">
       <p:transition/>
     </mc:Fallback>
   </mc:AlternateContent>
@@ -18864,7 +18852,7 @@
     <mc:Choice Requires="p14">
       <p:transition/>
     </mc:Choice>
-    <mc:Fallback xmlns:dsp="http://schemas.microsoft.com/office/drawing/2008/diagram" xmlns:dgm="http://schemas.openxmlformats.org/drawingml/2006/diagram" xmlns:c="http://schemas.openxmlformats.org/drawingml/2006/chart" xmlns="">
+    <mc:Fallback xmlns="" xmlns:c="http://schemas.openxmlformats.org/drawingml/2006/chart" xmlns:dgm="http://schemas.openxmlformats.org/drawingml/2006/diagram" xmlns:dsp="http://schemas.microsoft.com/office/drawing/2008/diagram">
       <p:transition/>
     </mc:Fallback>
   </mc:AlternateContent>
@@ -20722,7 +20710,7 @@
     <mc:Choice Requires="p14">
       <p:transition/>
     </mc:Choice>
-    <mc:Fallback xmlns:dsp="http://schemas.microsoft.com/office/drawing/2008/diagram" xmlns:dgm="http://schemas.openxmlformats.org/drawingml/2006/diagram" xmlns:c="http://schemas.openxmlformats.org/drawingml/2006/chart" xmlns="">
+    <mc:Fallback xmlns="" xmlns:c="http://schemas.openxmlformats.org/drawingml/2006/chart" xmlns:dgm="http://schemas.openxmlformats.org/drawingml/2006/diagram" xmlns:dsp="http://schemas.microsoft.com/office/drawing/2008/diagram">
       <p:transition/>
     </mc:Fallback>
   </mc:AlternateContent>
@@ -21328,7 +21316,7 @@
     <mc:Choice Requires="p14">
       <p:transition/>
     </mc:Choice>
-    <mc:Fallback xmlns:dsp="http://schemas.microsoft.com/office/drawing/2008/diagram" xmlns:dgm="http://schemas.openxmlformats.org/drawingml/2006/diagram" xmlns:c="http://schemas.openxmlformats.org/drawingml/2006/chart" xmlns="">
+    <mc:Fallback xmlns="" xmlns:c="http://schemas.openxmlformats.org/drawingml/2006/chart" xmlns:dgm="http://schemas.openxmlformats.org/drawingml/2006/diagram" xmlns:dsp="http://schemas.microsoft.com/office/drawing/2008/diagram">
       <p:transition/>
     </mc:Fallback>
   </mc:AlternateContent>
@@ -21913,7 +21901,7 @@
     <mc:Choice Requires="p14">
       <p:transition/>
     </mc:Choice>
-    <mc:Fallback xmlns:dsp="http://schemas.microsoft.com/office/drawing/2008/diagram" xmlns:dgm="http://schemas.openxmlformats.org/drawingml/2006/diagram" xmlns:c="http://schemas.openxmlformats.org/drawingml/2006/chart" xmlns="">
+    <mc:Fallback xmlns="" xmlns:c="http://schemas.openxmlformats.org/drawingml/2006/chart" xmlns:dgm="http://schemas.openxmlformats.org/drawingml/2006/diagram" xmlns:dsp="http://schemas.microsoft.com/office/drawing/2008/diagram">
       <p:transition/>
     </mc:Fallback>
   </mc:AlternateContent>
@@ -22642,7 +22630,7 @@
     <mc:Choice Requires="p14">
       <p:transition/>
     </mc:Choice>
-    <mc:Fallback xmlns:dsp="http://schemas.microsoft.com/office/drawing/2008/diagram" xmlns:dgm="http://schemas.openxmlformats.org/drawingml/2006/diagram" xmlns:c="http://schemas.openxmlformats.org/drawingml/2006/chart" xmlns="">
+    <mc:Fallback xmlns="" xmlns:c="http://schemas.openxmlformats.org/drawingml/2006/chart" xmlns:dgm="http://schemas.openxmlformats.org/drawingml/2006/diagram" xmlns:dsp="http://schemas.microsoft.com/office/drawing/2008/diagram">
       <p:transition/>
     </mc:Fallback>
   </mc:AlternateContent>
@@ -22856,7 +22844,7 @@
     <mc:Choice Requires="p14">
       <p:transition/>
     </mc:Choice>
-    <mc:Fallback xmlns:dsp="http://schemas.microsoft.com/office/drawing/2008/diagram" xmlns:dgm="http://schemas.openxmlformats.org/drawingml/2006/diagram" xmlns:c="http://schemas.openxmlformats.org/drawingml/2006/chart" xmlns="">
+    <mc:Fallback xmlns="" xmlns:c="http://schemas.openxmlformats.org/drawingml/2006/chart" xmlns:dgm="http://schemas.openxmlformats.org/drawingml/2006/diagram" xmlns:dsp="http://schemas.microsoft.com/office/drawing/2008/diagram">
       <p:transition/>
     </mc:Fallback>
   </mc:AlternateContent>
